--- a/インターン発表.pptx
+++ b/インターン発表.pptx
@@ -4,13 +4,16 @@
   <p:sldMasterIdLst>
     <p:sldMasterId id="2147483660" r:id="rId1"/>
   </p:sldMasterIdLst>
+  <p:notesMasterIdLst>
+    <p:notesMasterId r:id="rId11"/>
+  </p:notesMasterIdLst>
   <p:sldIdLst>
     <p:sldId id="256" r:id="rId2"/>
-    <p:sldId id="261" r:id="rId3"/>
-    <p:sldId id="257" r:id="rId4"/>
-    <p:sldId id="264" r:id="rId5"/>
+    <p:sldId id="257" r:id="rId3"/>
+    <p:sldId id="264" r:id="rId4"/>
+    <p:sldId id="265" r:id="rId5"/>
     <p:sldId id="258" r:id="rId6"/>
-    <p:sldId id="265" r:id="rId7"/>
+    <p:sldId id="261" r:id="rId7"/>
     <p:sldId id="263" r:id="rId8"/>
     <p:sldId id="262" r:id="rId9"/>
     <p:sldId id="259" r:id="rId10"/>
@@ -113,6 +116,1293 @@
     </a:lvl9pPr>
   </p:defaultTextStyle>
 </p:presentation>
+</file>
+
+<file path=ppt/notesMasters/notesMaster1.xml><?xml version="1.0" encoding="utf-8"?>
+<p:notesMaster xmlns:a="http://schemas.openxmlformats.org/drawingml/2006/main" xmlns:r="http://schemas.openxmlformats.org/officeDocument/2006/relationships" xmlns:p="http://schemas.openxmlformats.org/presentationml/2006/main">
+  <p:cSld>
+    <p:bg>
+      <p:bgRef idx="1001">
+        <a:schemeClr val="bg1"/>
+      </p:bgRef>
+    </p:bg>
+    <p:spTree>
+      <p:nvGrpSpPr>
+        <p:cNvPr id="1" name=""/>
+        <p:cNvGrpSpPr/>
+        <p:nvPr/>
+      </p:nvGrpSpPr>
+      <p:grpSpPr>
+        <a:xfrm>
+          <a:off x="0" y="0"/>
+          <a:ext cx="0" cy="0"/>
+          <a:chOff x="0" y="0"/>
+          <a:chExt cx="0" cy="0"/>
+        </a:xfrm>
+      </p:grpSpPr>
+      <p:sp>
+        <p:nvSpPr>
+          <p:cNvPr id="2" name="ヘッダー プレースホルダ 1"/>
+          <p:cNvSpPr>
+            <a:spLocks noGrp="1"/>
+          </p:cNvSpPr>
+          <p:nvPr>
+            <p:ph type="hdr" sz="quarter"/>
+          </p:nvPr>
+        </p:nvSpPr>
+        <p:spPr>
+          <a:xfrm>
+            <a:off x="0" y="0"/>
+            <a:ext cx="2971800" cy="457200"/>
+          </a:xfrm>
+          <a:prstGeom prst="rect">
+            <a:avLst/>
+          </a:prstGeom>
+        </p:spPr>
+        <p:txBody>
+          <a:bodyPr vert="horz" lIns="91440" tIns="45720" rIns="91440" bIns="45720" rtlCol="0"/>
+          <a:lstStyle>
+            <a:lvl1pPr algn="l">
+              <a:defRPr sz="1200"/>
+            </a:lvl1pPr>
+          </a:lstStyle>
+          <a:p>
+            <a:endParaRPr kumimoji="1" lang="ja-JP" altLang="en-US"/>
+          </a:p>
+        </p:txBody>
+      </p:sp>
+      <p:sp>
+        <p:nvSpPr>
+          <p:cNvPr id="3" name="日付プレースホルダ 2"/>
+          <p:cNvSpPr>
+            <a:spLocks noGrp="1"/>
+          </p:cNvSpPr>
+          <p:nvPr>
+            <p:ph type="dt" idx="1"/>
+          </p:nvPr>
+        </p:nvSpPr>
+        <p:spPr>
+          <a:xfrm>
+            <a:off x="3884613" y="0"/>
+            <a:ext cx="2971800" cy="457200"/>
+          </a:xfrm>
+          <a:prstGeom prst="rect">
+            <a:avLst/>
+          </a:prstGeom>
+        </p:spPr>
+        <p:txBody>
+          <a:bodyPr vert="horz" lIns="91440" tIns="45720" rIns="91440" bIns="45720" rtlCol="0"/>
+          <a:lstStyle>
+            <a:lvl1pPr algn="r">
+              <a:defRPr sz="1200"/>
+            </a:lvl1pPr>
+          </a:lstStyle>
+          <a:p>
+            <a:fld id="{59759C72-676A-467E-87A3-D4A28584276A}" type="datetimeFigureOut">
+              <a:rPr kumimoji="1" lang="ja-JP" altLang="en-US" smtClean="0"/>
+              <a:t>2009/6/22</a:t>
+            </a:fld>
+            <a:endParaRPr kumimoji="1" lang="ja-JP" altLang="en-US"/>
+          </a:p>
+        </p:txBody>
+      </p:sp>
+      <p:sp>
+        <p:nvSpPr>
+          <p:cNvPr id="4" name="スライド イメージ プレースホルダ 3"/>
+          <p:cNvSpPr>
+            <a:spLocks noGrp="1" noRot="1" noChangeAspect="1"/>
+          </p:cNvSpPr>
+          <p:nvPr>
+            <p:ph type="sldImg" idx="2"/>
+          </p:nvPr>
+        </p:nvSpPr>
+        <p:spPr>
+          <a:xfrm>
+            <a:off x="1143000" y="685800"/>
+            <a:ext cx="4572000" cy="3429000"/>
+          </a:xfrm>
+          <a:prstGeom prst="rect">
+            <a:avLst/>
+          </a:prstGeom>
+          <a:noFill/>
+          <a:ln w="12700">
+            <a:solidFill>
+              <a:prstClr val="black"/>
+            </a:solidFill>
+          </a:ln>
+        </p:spPr>
+        <p:txBody>
+          <a:bodyPr vert="horz" lIns="91440" tIns="45720" rIns="91440" bIns="45720" rtlCol="0" anchor="ctr"/>
+          <a:lstStyle/>
+          <a:p>
+            <a:endParaRPr lang="ja-JP" altLang="en-US"/>
+          </a:p>
+        </p:txBody>
+      </p:sp>
+      <p:sp>
+        <p:nvSpPr>
+          <p:cNvPr id="5" name="ノート プレースホルダ 4"/>
+          <p:cNvSpPr>
+            <a:spLocks noGrp="1"/>
+          </p:cNvSpPr>
+          <p:nvPr>
+            <p:ph type="body" sz="quarter" idx="3"/>
+          </p:nvPr>
+        </p:nvSpPr>
+        <p:spPr>
+          <a:xfrm>
+            <a:off x="685800" y="4343400"/>
+            <a:ext cx="5486400" cy="4114800"/>
+          </a:xfrm>
+          <a:prstGeom prst="rect">
+            <a:avLst/>
+          </a:prstGeom>
+        </p:spPr>
+        <p:txBody>
+          <a:bodyPr vert="horz" lIns="91440" tIns="45720" rIns="91440" bIns="45720" rtlCol="0">
+            <a:normAutofit/>
+          </a:bodyPr>
+          <a:lstStyle/>
+          <a:p>
+            <a:pPr lvl="0"/>
+            <a:r>
+              <a:rPr kumimoji="1" lang="ja-JP" altLang="en-US" smtClean="0"/>
+              <a:t>マスタ テキストの書式設定</a:t>
+            </a:r>
+          </a:p>
+          <a:p>
+            <a:pPr lvl="1"/>
+            <a:r>
+              <a:rPr kumimoji="1" lang="ja-JP" altLang="en-US" smtClean="0"/>
+              <a:t>第 </a:t>
+            </a:r>
+            <a:r>
+              <a:rPr kumimoji="1" lang="en-US" altLang="ja-JP" smtClean="0"/>
+              <a:t>2 </a:t>
+            </a:r>
+            <a:r>
+              <a:rPr kumimoji="1" lang="ja-JP" altLang="en-US" smtClean="0"/>
+              <a:t>レベル</a:t>
+            </a:r>
+          </a:p>
+          <a:p>
+            <a:pPr lvl="2"/>
+            <a:r>
+              <a:rPr kumimoji="1" lang="ja-JP" altLang="en-US" smtClean="0"/>
+              <a:t>第 </a:t>
+            </a:r>
+            <a:r>
+              <a:rPr kumimoji="1" lang="en-US" altLang="ja-JP" smtClean="0"/>
+              <a:t>3 </a:t>
+            </a:r>
+            <a:r>
+              <a:rPr kumimoji="1" lang="ja-JP" altLang="en-US" smtClean="0"/>
+              <a:t>レベル</a:t>
+            </a:r>
+          </a:p>
+          <a:p>
+            <a:pPr lvl="3"/>
+            <a:r>
+              <a:rPr kumimoji="1" lang="ja-JP" altLang="en-US" smtClean="0"/>
+              <a:t>第 </a:t>
+            </a:r>
+            <a:r>
+              <a:rPr kumimoji="1" lang="en-US" altLang="ja-JP" smtClean="0"/>
+              <a:t>4 </a:t>
+            </a:r>
+            <a:r>
+              <a:rPr kumimoji="1" lang="ja-JP" altLang="en-US" smtClean="0"/>
+              <a:t>レベル</a:t>
+            </a:r>
+          </a:p>
+          <a:p>
+            <a:pPr lvl="4"/>
+            <a:r>
+              <a:rPr kumimoji="1" lang="ja-JP" altLang="en-US" smtClean="0"/>
+              <a:t>第 </a:t>
+            </a:r>
+            <a:r>
+              <a:rPr kumimoji="1" lang="en-US" altLang="ja-JP" smtClean="0"/>
+              <a:t>5 </a:t>
+            </a:r>
+            <a:r>
+              <a:rPr kumimoji="1" lang="ja-JP" altLang="en-US" smtClean="0"/>
+              <a:t>レベル</a:t>
+            </a:r>
+            <a:endParaRPr kumimoji="1" lang="ja-JP" altLang="en-US"/>
+          </a:p>
+        </p:txBody>
+      </p:sp>
+      <p:sp>
+        <p:nvSpPr>
+          <p:cNvPr id="6" name="フッター プレースホルダ 5"/>
+          <p:cNvSpPr>
+            <a:spLocks noGrp="1"/>
+          </p:cNvSpPr>
+          <p:nvPr>
+            <p:ph type="ftr" sz="quarter" idx="4"/>
+          </p:nvPr>
+        </p:nvSpPr>
+        <p:spPr>
+          <a:xfrm>
+            <a:off x="0" y="8685213"/>
+            <a:ext cx="2971800" cy="457200"/>
+          </a:xfrm>
+          <a:prstGeom prst="rect">
+            <a:avLst/>
+          </a:prstGeom>
+        </p:spPr>
+        <p:txBody>
+          <a:bodyPr vert="horz" lIns="91440" tIns="45720" rIns="91440" bIns="45720" rtlCol="0" anchor="b"/>
+          <a:lstStyle>
+            <a:lvl1pPr algn="l">
+              <a:defRPr sz="1200"/>
+            </a:lvl1pPr>
+          </a:lstStyle>
+          <a:p>
+            <a:endParaRPr kumimoji="1" lang="ja-JP" altLang="en-US"/>
+          </a:p>
+        </p:txBody>
+      </p:sp>
+      <p:sp>
+        <p:nvSpPr>
+          <p:cNvPr id="7" name="スライド番号プレースホルダ 6"/>
+          <p:cNvSpPr>
+            <a:spLocks noGrp="1"/>
+          </p:cNvSpPr>
+          <p:nvPr>
+            <p:ph type="sldNum" sz="quarter" idx="5"/>
+          </p:nvPr>
+        </p:nvSpPr>
+        <p:spPr>
+          <a:xfrm>
+            <a:off x="3884613" y="8685213"/>
+            <a:ext cx="2971800" cy="457200"/>
+          </a:xfrm>
+          <a:prstGeom prst="rect">
+            <a:avLst/>
+          </a:prstGeom>
+        </p:spPr>
+        <p:txBody>
+          <a:bodyPr vert="horz" lIns="91440" tIns="45720" rIns="91440" bIns="45720" rtlCol="0" anchor="b"/>
+          <a:lstStyle>
+            <a:lvl1pPr algn="r">
+              <a:defRPr sz="1200"/>
+            </a:lvl1pPr>
+          </a:lstStyle>
+          <a:p>
+            <a:fld id="{943C80CC-3488-4233-9C83-F361D07EB959}" type="slidenum">
+              <a:rPr kumimoji="1" lang="ja-JP" altLang="en-US" smtClean="0"/>
+              <a:t>&lt;#&gt;</a:t>
+            </a:fld>
+            <a:endParaRPr kumimoji="1" lang="ja-JP" altLang="en-US"/>
+          </a:p>
+        </p:txBody>
+      </p:sp>
+    </p:spTree>
+  </p:cSld>
+  <p:clrMap bg1="lt1" tx1="dk1" bg2="lt2" tx2="dk2" accent1="accent1" accent2="accent2" accent3="accent3" accent4="accent4" accent5="accent5" accent6="accent6" hlink="hlink" folHlink="folHlink"/>
+  <p:notesStyle>
+    <a:lvl1pPr marL="0" algn="l" defTabSz="914400" rtl="0" eaLnBrk="1" latinLnBrk="0" hangingPunct="1">
+      <a:defRPr kumimoji="1" sz="1200" kern="1200">
+        <a:solidFill>
+          <a:schemeClr val="tx1"/>
+        </a:solidFill>
+        <a:latin typeface="+mn-lt"/>
+        <a:ea typeface="+mn-ea"/>
+        <a:cs typeface="+mn-cs"/>
+      </a:defRPr>
+    </a:lvl1pPr>
+    <a:lvl2pPr marL="457200" algn="l" defTabSz="914400" rtl="0" eaLnBrk="1" latinLnBrk="0" hangingPunct="1">
+      <a:defRPr kumimoji="1" sz="1200" kern="1200">
+        <a:solidFill>
+          <a:schemeClr val="tx1"/>
+        </a:solidFill>
+        <a:latin typeface="+mn-lt"/>
+        <a:ea typeface="+mn-ea"/>
+        <a:cs typeface="+mn-cs"/>
+      </a:defRPr>
+    </a:lvl2pPr>
+    <a:lvl3pPr marL="914400" algn="l" defTabSz="914400" rtl="0" eaLnBrk="1" latinLnBrk="0" hangingPunct="1">
+      <a:defRPr kumimoji="1" sz="1200" kern="1200">
+        <a:solidFill>
+          <a:schemeClr val="tx1"/>
+        </a:solidFill>
+        <a:latin typeface="+mn-lt"/>
+        <a:ea typeface="+mn-ea"/>
+        <a:cs typeface="+mn-cs"/>
+      </a:defRPr>
+    </a:lvl3pPr>
+    <a:lvl4pPr marL="1371600" algn="l" defTabSz="914400" rtl="0" eaLnBrk="1" latinLnBrk="0" hangingPunct="1">
+      <a:defRPr kumimoji="1" sz="1200" kern="1200">
+        <a:solidFill>
+          <a:schemeClr val="tx1"/>
+        </a:solidFill>
+        <a:latin typeface="+mn-lt"/>
+        <a:ea typeface="+mn-ea"/>
+        <a:cs typeface="+mn-cs"/>
+      </a:defRPr>
+    </a:lvl4pPr>
+    <a:lvl5pPr marL="1828800" algn="l" defTabSz="914400" rtl="0" eaLnBrk="1" latinLnBrk="0" hangingPunct="1">
+      <a:defRPr kumimoji="1" sz="1200" kern="1200">
+        <a:solidFill>
+          <a:schemeClr val="tx1"/>
+        </a:solidFill>
+        <a:latin typeface="+mn-lt"/>
+        <a:ea typeface="+mn-ea"/>
+        <a:cs typeface="+mn-cs"/>
+      </a:defRPr>
+    </a:lvl5pPr>
+    <a:lvl6pPr marL="2286000" algn="l" defTabSz="914400" rtl="0" eaLnBrk="1" latinLnBrk="0" hangingPunct="1">
+      <a:defRPr kumimoji="1" sz="1200" kern="1200">
+        <a:solidFill>
+          <a:schemeClr val="tx1"/>
+        </a:solidFill>
+        <a:latin typeface="+mn-lt"/>
+        <a:ea typeface="+mn-ea"/>
+        <a:cs typeface="+mn-cs"/>
+      </a:defRPr>
+    </a:lvl6pPr>
+    <a:lvl7pPr marL="2743200" algn="l" defTabSz="914400" rtl="0" eaLnBrk="1" latinLnBrk="0" hangingPunct="1">
+      <a:defRPr kumimoji="1" sz="1200" kern="1200">
+        <a:solidFill>
+          <a:schemeClr val="tx1"/>
+        </a:solidFill>
+        <a:latin typeface="+mn-lt"/>
+        <a:ea typeface="+mn-ea"/>
+        <a:cs typeface="+mn-cs"/>
+      </a:defRPr>
+    </a:lvl7pPr>
+    <a:lvl8pPr marL="3200400" algn="l" defTabSz="914400" rtl="0" eaLnBrk="1" latinLnBrk="0" hangingPunct="1">
+      <a:defRPr kumimoji="1" sz="1200" kern="1200">
+        <a:solidFill>
+          <a:schemeClr val="tx1"/>
+        </a:solidFill>
+        <a:latin typeface="+mn-lt"/>
+        <a:ea typeface="+mn-ea"/>
+        <a:cs typeface="+mn-cs"/>
+      </a:defRPr>
+    </a:lvl8pPr>
+    <a:lvl9pPr marL="3657600" algn="l" defTabSz="914400" rtl="0" eaLnBrk="1" latinLnBrk="0" hangingPunct="1">
+      <a:defRPr kumimoji="1" sz="1200" kern="1200">
+        <a:solidFill>
+          <a:schemeClr val="tx1"/>
+        </a:solidFill>
+        <a:latin typeface="+mn-lt"/>
+        <a:ea typeface="+mn-ea"/>
+        <a:cs typeface="+mn-cs"/>
+      </a:defRPr>
+    </a:lvl9pPr>
+  </p:notesStyle>
+</p:notesMaster>
+</file>
+
+<file path=ppt/notesSlides/notesSlide1.xml><?xml version="1.0" encoding="utf-8"?>
+<p:notes xmlns:a="http://schemas.openxmlformats.org/drawingml/2006/main" xmlns:r="http://schemas.openxmlformats.org/officeDocument/2006/relationships" xmlns:p="http://schemas.openxmlformats.org/presentationml/2006/main">
+  <p:cSld>
+    <p:spTree>
+      <p:nvGrpSpPr>
+        <p:cNvPr id="1" name=""/>
+        <p:cNvGrpSpPr/>
+        <p:nvPr/>
+      </p:nvGrpSpPr>
+      <p:grpSpPr>
+        <a:xfrm>
+          <a:off x="0" y="0"/>
+          <a:ext cx="0" cy="0"/>
+          <a:chOff x="0" y="0"/>
+          <a:chExt cx="0" cy="0"/>
+        </a:xfrm>
+      </p:grpSpPr>
+      <p:sp>
+        <p:nvSpPr>
+          <p:cNvPr id="2" name="スライド イメージ プレースホルダ 1"/>
+          <p:cNvSpPr>
+            <a:spLocks noGrp="1" noRot="1" noChangeAspect="1"/>
+          </p:cNvSpPr>
+          <p:nvPr>
+            <p:ph type="sldImg"/>
+          </p:nvPr>
+        </p:nvSpPr>
+        <p:spPr/>
+      </p:sp>
+      <p:sp>
+        <p:nvSpPr>
+          <p:cNvPr id="3" name="ノート プレースホルダ 2"/>
+          <p:cNvSpPr>
+            <a:spLocks noGrp="1"/>
+          </p:cNvSpPr>
+          <p:nvPr>
+            <p:ph type="body" idx="1"/>
+          </p:nvPr>
+        </p:nvSpPr>
+        <p:spPr/>
+        <p:txBody>
+          <a:bodyPr>
+            <a:normAutofit/>
+          </a:bodyPr>
+          <a:lstStyle/>
+          <a:p>
+            <a:r>
+              <a:rPr kumimoji="1" lang="ja-JP" altLang="en-US" dirty="0" smtClean="0"/>
+              <a:t>どうして座席表のプログラムを作ったか</a:t>
+            </a:r>
+            <a:endParaRPr kumimoji="1" lang="en-US" altLang="ja-JP" dirty="0" smtClean="0"/>
+          </a:p>
+          <a:p>
+            <a:r>
+              <a:rPr kumimoji="1" lang="ja-JP" altLang="en-US" dirty="0" smtClean="0"/>
+              <a:t>製作の背景をまず述べる必要がある。</a:t>
+            </a:r>
+            <a:endParaRPr kumimoji="1" lang="en-US" altLang="ja-JP" dirty="0" smtClean="0"/>
+          </a:p>
+          <a:p>
+            <a:r>
+              <a:rPr kumimoji="1" lang="ja-JP" altLang="en-US" dirty="0" smtClean="0"/>
+              <a:t>（このスライドの前に</a:t>
+            </a:r>
+            <a:r>
+              <a:rPr kumimoji="1" lang="en-US" altLang="ja-JP" dirty="0" smtClean="0"/>
+              <a:t>1</a:t>
+            </a:r>
+            <a:r>
+              <a:rPr kumimoji="1" lang="ja-JP" altLang="en-US" dirty="0" smtClean="0"/>
+              <a:t>枚スライド作った方がいいかも？？）</a:t>
+            </a:r>
+            <a:endParaRPr kumimoji="1" lang="en-US" altLang="ja-JP" dirty="0" smtClean="0"/>
+          </a:p>
+          <a:p>
+            <a:endParaRPr kumimoji="1" lang="en-US" altLang="ja-JP" dirty="0" smtClean="0"/>
+          </a:p>
+          <a:p>
+            <a:r>
+              <a:rPr kumimoji="1" lang="ja-JP" altLang="en-US" dirty="0" smtClean="0"/>
+              <a:t>これまでの座席表の作り方のこと？？</a:t>
+            </a:r>
+            <a:endParaRPr kumimoji="1" lang="en-US" altLang="ja-JP" dirty="0" smtClean="0"/>
+          </a:p>
+          <a:p>
+            <a:r>
+              <a:rPr kumimoji="1" lang="ja-JP" altLang="en-US" dirty="0" smtClean="0"/>
+              <a:t>どういう作り方で作っていたかを述べ、</a:t>
+            </a:r>
+            <a:endParaRPr kumimoji="1" lang="en-US" altLang="ja-JP" dirty="0" smtClean="0"/>
+          </a:p>
+          <a:p>
+            <a:r>
+              <a:rPr kumimoji="1" lang="ja-JP" altLang="en-US" dirty="0" smtClean="0"/>
+              <a:t>どういう問題点があったかを述べる必要がある。</a:t>
+            </a:r>
+            <a:endParaRPr kumimoji="1" lang="en-US" altLang="ja-JP" dirty="0" smtClean="0"/>
+          </a:p>
+          <a:p>
+            <a:r>
+              <a:rPr kumimoji="1" lang="ja-JP" altLang="en-US" dirty="0" smtClean="0"/>
+              <a:t>不便だった点をリストアップ。</a:t>
+            </a:r>
+            <a:endParaRPr kumimoji="1" lang="ja-JP" altLang="en-US" dirty="0"/>
+          </a:p>
+        </p:txBody>
+      </p:sp>
+      <p:sp>
+        <p:nvSpPr>
+          <p:cNvPr id="4" name="スライド番号プレースホルダ 3"/>
+          <p:cNvSpPr>
+            <a:spLocks noGrp="1"/>
+          </p:cNvSpPr>
+          <p:nvPr>
+            <p:ph type="sldNum" sz="quarter" idx="10"/>
+          </p:nvPr>
+        </p:nvSpPr>
+        <p:spPr/>
+        <p:txBody>
+          <a:bodyPr/>
+          <a:lstStyle/>
+          <a:p>
+            <a:fld id="{943C80CC-3488-4233-9C83-F361D07EB959}" type="slidenum">
+              <a:rPr kumimoji="1" lang="ja-JP" altLang="en-US" smtClean="0"/>
+              <a:t>2</a:t>
+            </a:fld>
+            <a:endParaRPr kumimoji="1" lang="ja-JP" altLang="en-US"/>
+          </a:p>
+        </p:txBody>
+      </p:sp>
+    </p:spTree>
+  </p:cSld>
+  <p:clrMapOvr>
+    <a:masterClrMapping/>
+  </p:clrMapOvr>
+</p:notes>
+</file>
+
+<file path=ppt/notesSlides/notesSlide2.xml><?xml version="1.0" encoding="utf-8"?>
+<p:notes xmlns:a="http://schemas.openxmlformats.org/drawingml/2006/main" xmlns:r="http://schemas.openxmlformats.org/officeDocument/2006/relationships" xmlns:p="http://schemas.openxmlformats.org/presentationml/2006/main">
+  <p:cSld>
+    <p:spTree>
+      <p:nvGrpSpPr>
+        <p:cNvPr id="1" name=""/>
+        <p:cNvGrpSpPr/>
+        <p:nvPr/>
+      </p:nvGrpSpPr>
+      <p:grpSpPr>
+        <a:xfrm>
+          <a:off x="0" y="0"/>
+          <a:ext cx="0" cy="0"/>
+          <a:chOff x="0" y="0"/>
+          <a:chExt cx="0" cy="0"/>
+        </a:xfrm>
+      </p:grpSpPr>
+      <p:sp>
+        <p:nvSpPr>
+          <p:cNvPr id="2" name="スライド イメージ プレースホルダ 1"/>
+          <p:cNvSpPr>
+            <a:spLocks noGrp="1" noRot="1" noChangeAspect="1"/>
+          </p:cNvSpPr>
+          <p:nvPr>
+            <p:ph type="sldImg"/>
+          </p:nvPr>
+        </p:nvSpPr>
+        <p:spPr/>
+      </p:sp>
+      <p:sp>
+        <p:nvSpPr>
+          <p:cNvPr id="3" name="ノート プレースホルダ 2"/>
+          <p:cNvSpPr>
+            <a:spLocks noGrp="1"/>
+          </p:cNvSpPr>
+          <p:nvPr>
+            <p:ph type="body" idx="1"/>
+          </p:nvPr>
+        </p:nvSpPr>
+        <p:spPr/>
+        <p:txBody>
+          <a:bodyPr>
+            <a:normAutofit/>
+          </a:bodyPr>
+          <a:lstStyle/>
+          <a:p>
+            <a:r>
+              <a:rPr kumimoji="1" lang="ja-JP" altLang="en-US" dirty="0" smtClean="0"/>
+              <a:t>タイトルと内容があってなかったようなんで変えました。</a:t>
+            </a:r>
+            <a:endParaRPr kumimoji="1" lang="en-US" altLang="ja-JP" dirty="0" smtClean="0"/>
+          </a:p>
+          <a:p>
+            <a:endParaRPr kumimoji="1" lang="en-US" altLang="ja-JP" dirty="0" smtClean="0"/>
+          </a:p>
+          <a:p>
+            <a:endParaRPr kumimoji="1" lang="ja-JP" altLang="en-US" dirty="0"/>
+          </a:p>
+        </p:txBody>
+      </p:sp>
+      <p:sp>
+        <p:nvSpPr>
+          <p:cNvPr id="4" name="スライド番号プレースホルダ 3"/>
+          <p:cNvSpPr>
+            <a:spLocks noGrp="1"/>
+          </p:cNvSpPr>
+          <p:nvPr>
+            <p:ph type="sldNum" sz="quarter" idx="10"/>
+          </p:nvPr>
+        </p:nvSpPr>
+        <p:spPr/>
+        <p:txBody>
+          <a:bodyPr/>
+          <a:lstStyle/>
+          <a:p>
+            <a:fld id="{943C80CC-3488-4233-9C83-F361D07EB959}" type="slidenum">
+              <a:rPr kumimoji="1" lang="ja-JP" altLang="en-US" smtClean="0"/>
+              <a:t>3</a:t>
+            </a:fld>
+            <a:endParaRPr kumimoji="1" lang="ja-JP" altLang="en-US"/>
+          </a:p>
+        </p:txBody>
+      </p:sp>
+    </p:spTree>
+  </p:cSld>
+  <p:clrMapOvr>
+    <a:masterClrMapping/>
+  </p:clrMapOvr>
+</p:notes>
+</file>
+
+<file path=ppt/notesSlides/notesSlide3.xml><?xml version="1.0" encoding="utf-8"?>
+<p:notes xmlns:a="http://schemas.openxmlformats.org/drawingml/2006/main" xmlns:r="http://schemas.openxmlformats.org/officeDocument/2006/relationships" xmlns:p="http://schemas.openxmlformats.org/presentationml/2006/main">
+  <p:cSld>
+    <p:spTree>
+      <p:nvGrpSpPr>
+        <p:cNvPr id="1" name=""/>
+        <p:cNvGrpSpPr/>
+        <p:nvPr/>
+      </p:nvGrpSpPr>
+      <p:grpSpPr>
+        <a:xfrm>
+          <a:off x="0" y="0"/>
+          <a:ext cx="0" cy="0"/>
+          <a:chOff x="0" y="0"/>
+          <a:chExt cx="0" cy="0"/>
+        </a:xfrm>
+      </p:grpSpPr>
+      <p:sp>
+        <p:nvSpPr>
+          <p:cNvPr id="2" name="スライド イメージ プレースホルダ 1"/>
+          <p:cNvSpPr>
+            <a:spLocks noGrp="1" noRot="1" noChangeAspect="1"/>
+          </p:cNvSpPr>
+          <p:nvPr>
+            <p:ph type="sldImg"/>
+          </p:nvPr>
+        </p:nvSpPr>
+        <p:spPr/>
+      </p:sp>
+      <p:sp>
+        <p:nvSpPr>
+          <p:cNvPr id="3" name="ノート プレースホルダ 2"/>
+          <p:cNvSpPr>
+            <a:spLocks noGrp="1"/>
+          </p:cNvSpPr>
+          <p:nvPr>
+            <p:ph type="body" idx="1"/>
+          </p:nvPr>
+        </p:nvSpPr>
+        <p:spPr/>
+        <p:txBody>
+          <a:bodyPr>
+            <a:normAutofit/>
+          </a:bodyPr>
+          <a:lstStyle/>
+          <a:p>
+            <a:r>
+              <a:rPr kumimoji="1" lang="ja-JP" altLang="en-US" dirty="0" smtClean="0"/>
+              <a:t>ちょっと書き方が分かりずらい気が</a:t>
+            </a:r>
+            <a:r>
+              <a:rPr kumimoji="1" lang="en-US" altLang="ja-JP" dirty="0" smtClean="0"/>
+              <a:t>…</a:t>
+            </a:r>
+          </a:p>
+          <a:p>
+            <a:r>
+              <a:rPr kumimoji="1" lang="ja-JP" altLang="en-US" dirty="0" smtClean="0"/>
+              <a:t>図やアニメーションがあれば説明しやすいかも</a:t>
+            </a:r>
+            <a:endParaRPr kumimoji="1" lang="en-US" altLang="ja-JP" dirty="0" smtClean="0"/>
+          </a:p>
+          <a:p>
+            <a:endParaRPr kumimoji="1" lang="en-US" altLang="ja-JP" dirty="0" smtClean="0"/>
+          </a:p>
+          <a:p>
+            <a:endParaRPr kumimoji="1" lang="en-US" altLang="ja-JP" dirty="0" smtClean="0"/>
+          </a:p>
+          <a:p>
+            <a:endParaRPr kumimoji="1" lang="ja-JP" altLang="en-US" dirty="0"/>
+          </a:p>
+        </p:txBody>
+      </p:sp>
+      <p:sp>
+        <p:nvSpPr>
+          <p:cNvPr id="4" name="スライド番号プレースホルダ 3"/>
+          <p:cNvSpPr>
+            <a:spLocks noGrp="1"/>
+          </p:cNvSpPr>
+          <p:nvPr>
+            <p:ph type="sldNum" sz="quarter" idx="10"/>
+          </p:nvPr>
+        </p:nvSpPr>
+        <p:spPr/>
+        <p:txBody>
+          <a:bodyPr/>
+          <a:lstStyle/>
+          <a:p>
+            <a:fld id="{943C80CC-3488-4233-9C83-F361D07EB959}" type="slidenum">
+              <a:rPr kumimoji="1" lang="ja-JP" altLang="en-US" smtClean="0"/>
+              <a:t>4</a:t>
+            </a:fld>
+            <a:endParaRPr kumimoji="1" lang="ja-JP" altLang="en-US"/>
+          </a:p>
+        </p:txBody>
+      </p:sp>
+    </p:spTree>
+  </p:cSld>
+  <p:clrMapOvr>
+    <a:masterClrMapping/>
+  </p:clrMapOvr>
+</p:notes>
+</file>
+
+<file path=ppt/notesSlides/notesSlide4.xml><?xml version="1.0" encoding="utf-8"?>
+<p:notes xmlns:a="http://schemas.openxmlformats.org/drawingml/2006/main" xmlns:r="http://schemas.openxmlformats.org/officeDocument/2006/relationships" xmlns:p="http://schemas.openxmlformats.org/presentationml/2006/main">
+  <p:cSld>
+    <p:spTree>
+      <p:nvGrpSpPr>
+        <p:cNvPr id="1" name=""/>
+        <p:cNvGrpSpPr/>
+        <p:nvPr/>
+      </p:nvGrpSpPr>
+      <p:grpSpPr>
+        <a:xfrm>
+          <a:off x="0" y="0"/>
+          <a:ext cx="0" cy="0"/>
+          <a:chOff x="0" y="0"/>
+          <a:chExt cx="0" cy="0"/>
+        </a:xfrm>
+      </p:grpSpPr>
+      <p:sp>
+        <p:nvSpPr>
+          <p:cNvPr id="2" name="スライド イメージ プレースホルダ 1"/>
+          <p:cNvSpPr>
+            <a:spLocks noGrp="1" noRot="1" noChangeAspect="1"/>
+          </p:cNvSpPr>
+          <p:nvPr>
+            <p:ph type="sldImg"/>
+          </p:nvPr>
+        </p:nvSpPr>
+        <p:spPr/>
+      </p:sp>
+      <p:sp>
+        <p:nvSpPr>
+          <p:cNvPr id="3" name="ノート プレースホルダ 2"/>
+          <p:cNvSpPr>
+            <a:spLocks noGrp="1"/>
+          </p:cNvSpPr>
+          <p:nvPr>
+            <p:ph type="body" idx="1"/>
+          </p:nvPr>
+        </p:nvSpPr>
+        <p:spPr/>
+        <p:txBody>
+          <a:bodyPr>
+            <a:normAutofit/>
+          </a:bodyPr>
+          <a:lstStyle/>
+          <a:p>
+            <a:r>
+              <a:rPr kumimoji="1" lang="ja-JP" altLang="en-US" dirty="0" smtClean="0"/>
+              <a:t>ここも図やアニメーションを入れて説明した方が分かりやすいと思われる。</a:t>
+            </a:r>
+            <a:endParaRPr kumimoji="1" lang="en-US" altLang="ja-JP" dirty="0" smtClean="0"/>
+          </a:p>
+          <a:p>
+            <a:r>
+              <a:rPr kumimoji="1" lang="ja-JP" altLang="en-US" dirty="0" smtClean="0"/>
+              <a:t>ちょっとこれだけではイメージが湧きづらい。</a:t>
+            </a:r>
+            <a:endParaRPr kumimoji="1" lang="ja-JP" altLang="en-US" dirty="0"/>
+          </a:p>
+        </p:txBody>
+      </p:sp>
+      <p:sp>
+        <p:nvSpPr>
+          <p:cNvPr id="4" name="スライド番号プレースホルダ 3"/>
+          <p:cNvSpPr>
+            <a:spLocks noGrp="1"/>
+          </p:cNvSpPr>
+          <p:nvPr>
+            <p:ph type="sldNum" sz="quarter" idx="10"/>
+          </p:nvPr>
+        </p:nvSpPr>
+        <p:spPr/>
+        <p:txBody>
+          <a:bodyPr/>
+          <a:lstStyle/>
+          <a:p>
+            <a:fld id="{943C80CC-3488-4233-9C83-F361D07EB959}" type="slidenum">
+              <a:rPr kumimoji="1" lang="ja-JP" altLang="en-US" smtClean="0"/>
+              <a:t>5</a:t>
+            </a:fld>
+            <a:endParaRPr kumimoji="1" lang="ja-JP" altLang="en-US"/>
+          </a:p>
+        </p:txBody>
+      </p:sp>
+    </p:spTree>
+  </p:cSld>
+  <p:clrMapOvr>
+    <a:masterClrMapping/>
+  </p:clrMapOvr>
+</p:notes>
+</file>
+
+<file path=ppt/notesSlides/notesSlide5.xml><?xml version="1.0" encoding="utf-8"?>
+<p:notes xmlns:a="http://schemas.openxmlformats.org/drawingml/2006/main" xmlns:r="http://schemas.openxmlformats.org/officeDocument/2006/relationships" xmlns:p="http://schemas.openxmlformats.org/presentationml/2006/main">
+  <p:cSld>
+    <p:spTree>
+      <p:nvGrpSpPr>
+        <p:cNvPr id="1" name=""/>
+        <p:cNvGrpSpPr/>
+        <p:nvPr/>
+      </p:nvGrpSpPr>
+      <p:grpSpPr>
+        <a:xfrm>
+          <a:off x="0" y="0"/>
+          <a:ext cx="0" cy="0"/>
+          <a:chOff x="0" y="0"/>
+          <a:chExt cx="0" cy="0"/>
+        </a:xfrm>
+      </p:grpSpPr>
+      <p:sp>
+        <p:nvSpPr>
+          <p:cNvPr id="2" name="スライド イメージ プレースホルダ 1"/>
+          <p:cNvSpPr>
+            <a:spLocks noGrp="1" noRot="1" noChangeAspect="1"/>
+          </p:cNvSpPr>
+          <p:nvPr>
+            <p:ph type="sldImg"/>
+          </p:nvPr>
+        </p:nvSpPr>
+        <p:spPr/>
+      </p:sp>
+      <p:sp>
+        <p:nvSpPr>
+          <p:cNvPr id="3" name="ノート プレースホルダ 2"/>
+          <p:cNvSpPr>
+            <a:spLocks noGrp="1"/>
+          </p:cNvSpPr>
+          <p:nvPr>
+            <p:ph type="body" idx="1"/>
+          </p:nvPr>
+        </p:nvSpPr>
+        <p:spPr/>
+        <p:txBody>
+          <a:bodyPr>
+            <a:normAutofit/>
+          </a:bodyPr>
+          <a:lstStyle/>
+          <a:p>
+            <a:r>
+              <a:rPr kumimoji="1" lang="ja-JP" altLang="en-US" dirty="0" smtClean="0"/>
+              <a:t>位置がおかしかったので移動。</a:t>
+            </a:r>
+            <a:endParaRPr kumimoji="1" lang="en-US" altLang="ja-JP" dirty="0" smtClean="0"/>
+          </a:p>
+          <a:p>
+            <a:r>
+              <a:rPr kumimoji="1" lang="ja-JP" altLang="en-US" dirty="0" smtClean="0"/>
+              <a:t>内容が少ないなら、</a:t>
+            </a:r>
+            <a:r>
+              <a:rPr kumimoji="1" lang="en-US" altLang="ja-JP" dirty="0" smtClean="0"/>
+              <a:t>5</a:t>
+            </a:r>
+            <a:r>
+              <a:rPr kumimoji="1" lang="ja-JP" altLang="en-US" dirty="0" smtClean="0"/>
+              <a:t>枚目と統合してもいいのでは？</a:t>
+            </a:r>
+            <a:endParaRPr kumimoji="1" lang="en-US" altLang="ja-JP" dirty="0" smtClean="0"/>
+          </a:p>
+          <a:p>
+            <a:endParaRPr kumimoji="1" lang="en-US" altLang="ja-JP" dirty="0" smtClean="0"/>
+          </a:p>
+          <a:p>
+            <a:endParaRPr kumimoji="1" lang="ja-JP" altLang="en-US" dirty="0"/>
+          </a:p>
+        </p:txBody>
+      </p:sp>
+      <p:sp>
+        <p:nvSpPr>
+          <p:cNvPr id="4" name="スライド番号プレースホルダ 3"/>
+          <p:cNvSpPr>
+            <a:spLocks noGrp="1"/>
+          </p:cNvSpPr>
+          <p:nvPr>
+            <p:ph type="sldNum" sz="quarter" idx="10"/>
+          </p:nvPr>
+        </p:nvSpPr>
+        <p:spPr/>
+        <p:txBody>
+          <a:bodyPr/>
+          <a:lstStyle/>
+          <a:p>
+            <a:fld id="{943C80CC-3488-4233-9C83-F361D07EB959}" type="slidenum">
+              <a:rPr kumimoji="1" lang="ja-JP" altLang="en-US" smtClean="0"/>
+              <a:t>6</a:t>
+            </a:fld>
+            <a:endParaRPr kumimoji="1" lang="ja-JP" altLang="en-US"/>
+          </a:p>
+        </p:txBody>
+      </p:sp>
+    </p:spTree>
+  </p:cSld>
+  <p:clrMapOvr>
+    <a:masterClrMapping/>
+  </p:clrMapOvr>
+</p:notes>
+</file>
+
+<file path=ppt/notesSlides/notesSlide6.xml><?xml version="1.0" encoding="utf-8"?>
+<p:notes xmlns:a="http://schemas.openxmlformats.org/drawingml/2006/main" xmlns:r="http://schemas.openxmlformats.org/officeDocument/2006/relationships" xmlns:p="http://schemas.openxmlformats.org/presentationml/2006/main">
+  <p:cSld>
+    <p:spTree>
+      <p:nvGrpSpPr>
+        <p:cNvPr id="1" name=""/>
+        <p:cNvGrpSpPr/>
+        <p:nvPr/>
+      </p:nvGrpSpPr>
+      <p:grpSpPr>
+        <a:xfrm>
+          <a:off x="0" y="0"/>
+          <a:ext cx="0" cy="0"/>
+          <a:chOff x="0" y="0"/>
+          <a:chExt cx="0" cy="0"/>
+        </a:xfrm>
+      </p:grpSpPr>
+      <p:sp>
+        <p:nvSpPr>
+          <p:cNvPr id="2" name="スライド イメージ プレースホルダ 1"/>
+          <p:cNvSpPr>
+            <a:spLocks noGrp="1" noRot="1" noChangeAspect="1"/>
+          </p:cNvSpPr>
+          <p:nvPr>
+            <p:ph type="sldImg"/>
+          </p:nvPr>
+        </p:nvSpPr>
+        <p:spPr/>
+      </p:sp>
+      <p:sp>
+        <p:nvSpPr>
+          <p:cNvPr id="3" name="ノート プレースホルダ 2"/>
+          <p:cNvSpPr>
+            <a:spLocks noGrp="1"/>
+          </p:cNvSpPr>
+          <p:nvPr>
+            <p:ph type="body" idx="1"/>
+          </p:nvPr>
+        </p:nvSpPr>
+        <p:spPr/>
+        <p:txBody>
+          <a:bodyPr>
+            <a:normAutofit/>
+          </a:bodyPr>
+          <a:lstStyle/>
+          <a:p>
+            <a:r>
+              <a:rPr kumimoji="1" lang="ja-JP" altLang="en-US" dirty="0" smtClean="0"/>
+              <a:t>どういった状況で出るのか具体例を述べた方が分かりやすいかも。</a:t>
+            </a:r>
+            <a:endParaRPr kumimoji="1" lang="en-US" altLang="ja-JP" dirty="0" smtClean="0"/>
+          </a:p>
+          <a:p>
+            <a:r>
+              <a:rPr kumimoji="1" lang="ja-JP" altLang="en-US" dirty="0" smtClean="0"/>
+              <a:t>時間があるなら簡単なデモでもあれば分かりやすい。</a:t>
+            </a:r>
+            <a:endParaRPr kumimoji="1" lang="en-US" altLang="ja-JP" dirty="0" smtClean="0"/>
+          </a:p>
+        </p:txBody>
+      </p:sp>
+      <p:sp>
+        <p:nvSpPr>
+          <p:cNvPr id="4" name="スライド番号プレースホルダ 3"/>
+          <p:cNvSpPr>
+            <a:spLocks noGrp="1"/>
+          </p:cNvSpPr>
+          <p:nvPr>
+            <p:ph type="sldNum" sz="quarter" idx="10"/>
+          </p:nvPr>
+        </p:nvSpPr>
+        <p:spPr/>
+        <p:txBody>
+          <a:bodyPr/>
+          <a:lstStyle/>
+          <a:p>
+            <a:fld id="{943C80CC-3488-4233-9C83-F361D07EB959}" type="slidenum">
+              <a:rPr kumimoji="1" lang="ja-JP" altLang="en-US" smtClean="0"/>
+              <a:t>8</a:t>
+            </a:fld>
+            <a:endParaRPr kumimoji="1" lang="ja-JP" altLang="en-US"/>
+          </a:p>
+        </p:txBody>
+      </p:sp>
+    </p:spTree>
+  </p:cSld>
+  <p:clrMapOvr>
+    <a:masterClrMapping/>
+  </p:clrMapOvr>
+</p:notes>
+</file>
+
+<file path=ppt/notesSlides/notesSlide7.xml><?xml version="1.0" encoding="utf-8"?>
+<p:notes xmlns:a="http://schemas.openxmlformats.org/drawingml/2006/main" xmlns:r="http://schemas.openxmlformats.org/officeDocument/2006/relationships" xmlns:p="http://schemas.openxmlformats.org/presentationml/2006/main">
+  <p:cSld>
+    <p:spTree>
+      <p:nvGrpSpPr>
+        <p:cNvPr id="1" name=""/>
+        <p:cNvGrpSpPr/>
+        <p:nvPr/>
+      </p:nvGrpSpPr>
+      <p:grpSpPr>
+        <a:xfrm>
+          <a:off x="0" y="0"/>
+          <a:ext cx="0" cy="0"/>
+          <a:chOff x="0" y="0"/>
+          <a:chExt cx="0" cy="0"/>
+        </a:xfrm>
+      </p:grpSpPr>
+      <p:sp>
+        <p:nvSpPr>
+          <p:cNvPr id="2" name="スライド イメージ プレースホルダ 1"/>
+          <p:cNvSpPr>
+            <a:spLocks noGrp="1" noRot="1" noChangeAspect="1"/>
+          </p:cNvSpPr>
+          <p:nvPr>
+            <p:ph type="sldImg"/>
+          </p:nvPr>
+        </p:nvSpPr>
+        <p:spPr/>
+      </p:sp>
+      <p:sp>
+        <p:nvSpPr>
+          <p:cNvPr id="3" name="ノート プレースホルダ 2"/>
+          <p:cNvSpPr>
+            <a:spLocks noGrp="1"/>
+          </p:cNvSpPr>
+          <p:nvPr>
+            <p:ph type="body" idx="1"/>
+          </p:nvPr>
+        </p:nvSpPr>
+        <p:spPr/>
+        <p:txBody>
+          <a:bodyPr>
+            <a:normAutofit/>
+          </a:bodyPr>
+          <a:lstStyle/>
+          <a:p>
+            <a:pPr marL="0" marR="0" indent="0" algn="l" defTabSz="914400" rtl="0" eaLnBrk="1" fontAlgn="auto" latinLnBrk="0" hangingPunct="1">
+              <a:lnSpc>
+                <a:spcPct val="100000"/>
+              </a:lnSpc>
+              <a:spcBef>
+                <a:spcPts val="0"/>
+              </a:spcBef>
+              <a:spcAft>
+                <a:spcPts val="0"/>
+              </a:spcAft>
+              <a:buClrTx/>
+              <a:buSzTx/>
+              <a:buFontTx/>
+              <a:buNone/>
+              <a:tabLst/>
+              <a:defRPr/>
+            </a:pPr>
+            <a:r>
+              <a:rPr lang="ja-JP" altLang="en-US" dirty="0" smtClean="0"/>
+              <a:t>“マウスで机の移動を直接行えるように”</a:t>
+            </a:r>
+            <a:endParaRPr lang="en-US" altLang="ja-JP" dirty="0" smtClean="0"/>
+          </a:p>
+          <a:p>
+            <a:pPr marL="0" marR="0" indent="0" algn="l" defTabSz="914400" rtl="0" eaLnBrk="1" fontAlgn="auto" latinLnBrk="0" hangingPunct="1">
+              <a:lnSpc>
+                <a:spcPct val="100000"/>
+              </a:lnSpc>
+              <a:spcBef>
+                <a:spcPts val="0"/>
+              </a:spcBef>
+              <a:spcAft>
+                <a:spcPts val="0"/>
+              </a:spcAft>
+              <a:buClrTx/>
+              <a:buSzTx/>
+              <a:buFontTx/>
+              <a:buNone/>
+              <a:tabLst/>
+              <a:defRPr/>
+            </a:pPr>
+            <a:r>
+              <a:rPr lang="ja-JP" altLang="en-US" dirty="0" smtClean="0"/>
+              <a:t>表現をもっと簡単にできる。</a:t>
+            </a:r>
+            <a:endParaRPr lang="en-US" altLang="ja-JP" dirty="0" smtClean="0"/>
+          </a:p>
+          <a:p>
+            <a:pPr marL="0" marR="0" indent="0" algn="l" defTabSz="914400" rtl="0" eaLnBrk="1" fontAlgn="auto" latinLnBrk="0" hangingPunct="1">
+              <a:lnSpc>
+                <a:spcPct val="100000"/>
+              </a:lnSpc>
+              <a:spcBef>
+                <a:spcPts val="0"/>
+              </a:spcBef>
+              <a:spcAft>
+                <a:spcPts val="0"/>
+              </a:spcAft>
+              <a:buClrTx/>
+              <a:buSzTx/>
+              <a:buFontTx/>
+              <a:buNone/>
+              <a:tabLst/>
+              <a:defRPr/>
+            </a:pPr>
+            <a:endParaRPr lang="en-US" altLang="ja-JP" dirty="0" smtClean="0"/>
+          </a:p>
+          <a:p>
+            <a:pPr marL="0" marR="0" indent="0" algn="l" defTabSz="914400" rtl="0" eaLnBrk="1" fontAlgn="auto" latinLnBrk="0" hangingPunct="1">
+              <a:lnSpc>
+                <a:spcPct val="100000"/>
+              </a:lnSpc>
+              <a:spcBef>
+                <a:spcPts val="0"/>
+              </a:spcBef>
+              <a:spcAft>
+                <a:spcPts val="0"/>
+              </a:spcAft>
+              <a:buClrTx/>
+              <a:buSzTx/>
+              <a:buFontTx/>
+              <a:buNone/>
+              <a:tabLst/>
+              <a:defRPr/>
+            </a:pPr>
+            <a:r>
+              <a:rPr lang="ja-JP" altLang="en-US" dirty="0" smtClean="0"/>
+              <a:t>“机の状態のファイルの入出力”</a:t>
+            </a:r>
+            <a:endParaRPr lang="en-US" altLang="ja-JP" dirty="0" smtClean="0"/>
+          </a:p>
+          <a:p>
+            <a:pPr marL="0" marR="0" indent="0" algn="l" defTabSz="914400" rtl="0" eaLnBrk="1" fontAlgn="auto" latinLnBrk="0" hangingPunct="1">
+              <a:lnSpc>
+                <a:spcPct val="100000"/>
+              </a:lnSpc>
+              <a:spcBef>
+                <a:spcPts val="0"/>
+              </a:spcBef>
+              <a:spcAft>
+                <a:spcPts val="0"/>
+              </a:spcAft>
+              <a:buClrTx/>
+              <a:buSzTx/>
+              <a:buFontTx/>
+              <a:buNone/>
+              <a:tabLst/>
+              <a:defRPr/>
+            </a:pPr>
+            <a:r>
+              <a:rPr lang="ja-JP" altLang="en-US" dirty="0" smtClean="0"/>
+              <a:t>これは表現がおかしいような気がする。インポート・エクスポートのこと？？</a:t>
+            </a:r>
+            <a:endParaRPr lang="en-US" altLang="ja-JP" dirty="0" smtClean="0"/>
+          </a:p>
+          <a:p>
+            <a:pPr marL="0" marR="0" indent="0" algn="l" defTabSz="914400" rtl="0" eaLnBrk="1" fontAlgn="auto" latinLnBrk="0" hangingPunct="1">
+              <a:lnSpc>
+                <a:spcPct val="100000"/>
+              </a:lnSpc>
+              <a:spcBef>
+                <a:spcPts val="0"/>
+              </a:spcBef>
+              <a:spcAft>
+                <a:spcPts val="0"/>
+              </a:spcAft>
+              <a:buClrTx/>
+              <a:buSzTx/>
+              <a:buFontTx/>
+              <a:buNone/>
+              <a:tabLst/>
+              <a:defRPr/>
+            </a:pPr>
+            <a:r>
+              <a:rPr lang="ja-JP" altLang="en-US" dirty="0" smtClean="0"/>
+              <a:t>もしインポート・エクスポートのことなら入出力のファイル形式について考えておいた方がいいかも</a:t>
+            </a:r>
+            <a:endParaRPr lang="en-US" altLang="ja-JP" dirty="0" smtClean="0"/>
+          </a:p>
+          <a:p>
+            <a:pPr marL="0" marR="0" indent="0" algn="l" defTabSz="914400" rtl="0" eaLnBrk="1" fontAlgn="auto" latinLnBrk="0" hangingPunct="1">
+              <a:lnSpc>
+                <a:spcPct val="100000"/>
+              </a:lnSpc>
+              <a:spcBef>
+                <a:spcPts val="0"/>
+              </a:spcBef>
+              <a:spcAft>
+                <a:spcPts val="0"/>
+              </a:spcAft>
+              <a:buClrTx/>
+              <a:buSzTx/>
+              <a:buFontTx/>
+              <a:buNone/>
+              <a:tabLst/>
+              <a:defRPr/>
+            </a:pPr>
+            <a:r>
+              <a:rPr lang="ja-JP" altLang="en-US" dirty="0" smtClean="0"/>
+              <a:t>（先生たちからの質問が来る可能性があり）</a:t>
+            </a:r>
+            <a:endParaRPr lang="en-US" altLang="ja-JP" dirty="0" smtClean="0"/>
+          </a:p>
+          <a:p>
+            <a:pPr marL="0" marR="0" indent="0" algn="l" defTabSz="914400" rtl="0" eaLnBrk="1" fontAlgn="auto" latinLnBrk="0" hangingPunct="1">
+              <a:lnSpc>
+                <a:spcPct val="100000"/>
+              </a:lnSpc>
+              <a:spcBef>
+                <a:spcPts val="0"/>
+              </a:spcBef>
+              <a:spcAft>
+                <a:spcPts val="0"/>
+              </a:spcAft>
+              <a:buClrTx/>
+              <a:buSzTx/>
+              <a:buFontTx/>
+              <a:buNone/>
+              <a:tabLst/>
+              <a:defRPr/>
+            </a:pPr>
+            <a:endParaRPr lang="en-US" altLang="ja-JP" dirty="0" smtClean="0"/>
+          </a:p>
+          <a:p>
+            <a:pPr marL="0" marR="0" indent="0" algn="l" defTabSz="914400" rtl="0" eaLnBrk="1" fontAlgn="auto" latinLnBrk="0" hangingPunct="1">
+              <a:lnSpc>
+                <a:spcPct val="100000"/>
+              </a:lnSpc>
+              <a:spcBef>
+                <a:spcPts val="0"/>
+              </a:spcBef>
+              <a:spcAft>
+                <a:spcPts val="0"/>
+              </a:spcAft>
+              <a:buClrTx/>
+              <a:buSzTx/>
+              <a:buFontTx/>
+              <a:buNone/>
+              <a:tabLst/>
+              <a:defRPr/>
+            </a:pPr>
+            <a:endParaRPr lang="en-US" altLang="ja-JP" dirty="0" smtClean="0"/>
+          </a:p>
+          <a:p>
+            <a:endParaRPr kumimoji="1" lang="ja-JP" altLang="en-US" dirty="0"/>
+          </a:p>
+        </p:txBody>
+      </p:sp>
+      <p:sp>
+        <p:nvSpPr>
+          <p:cNvPr id="4" name="スライド番号プレースホルダ 3"/>
+          <p:cNvSpPr>
+            <a:spLocks noGrp="1"/>
+          </p:cNvSpPr>
+          <p:nvPr>
+            <p:ph type="sldNum" sz="quarter" idx="10"/>
+          </p:nvPr>
+        </p:nvSpPr>
+        <p:spPr/>
+        <p:txBody>
+          <a:bodyPr/>
+          <a:lstStyle/>
+          <a:p>
+            <a:fld id="{943C80CC-3488-4233-9C83-F361D07EB959}" type="slidenum">
+              <a:rPr kumimoji="1" lang="ja-JP" altLang="en-US" smtClean="0"/>
+              <a:t>9</a:t>
+            </a:fld>
+            <a:endParaRPr kumimoji="1" lang="ja-JP" altLang="en-US"/>
+          </a:p>
+        </p:txBody>
+      </p:sp>
+    </p:spTree>
+  </p:cSld>
+  <p:clrMapOvr>
+    <a:masterClrMapping/>
+  </p:clrMapOvr>
+</p:notes>
 </file>
 
 <file path=ppt/slideLayouts/slideLayout1.xml><?xml version="1.0" encoding="utf-8"?>
@@ -4278,7 +5568,7 @@
             <a:pPr algn="ctr"/>
             <a:r>
               <a:rPr kumimoji="1" lang="ja-JP" altLang="en-US" dirty="0" smtClean="0"/>
-              <a:t>制作環境</a:t>
+              <a:t>現在の座席表の作り方</a:t>
             </a:r>
             <a:endParaRPr kumimoji="1" lang="ja-JP" altLang="en-US" dirty="0"/>
           </a:p>
@@ -4299,7 +5589,11 @@
           <a:bodyPr/>
           <a:lstStyle/>
           <a:p>
-            <a:endParaRPr kumimoji="1" lang="ja-JP" altLang="en-US"/>
+            <a:r>
+              <a:rPr kumimoji="1" lang="ja-JP" altLang="en-US" dirty="0" smtClean="0"/>
+              <a:t>？</a:t>
+            </a:r>
+            <a:endParaRPr kumimoji="1" lang="ja-JP" altLang="en-US" dirty="0"/>
           </a:p>
         </p:txBody>
       </p:sp>
@@ -4345,8 +5639,8 @@
           <a:p>
             <a:pPr algn="ctr"/>
             <a:r>
-              <a:rPr kumimoji="1" lang="ja-JP" altLang="en-US" dirty="0" smtClean="0"/>
-              <a:t>現在の座席表の作り方</a:t>
+              <a:rPr lang="ja-JP" altLang="en-US" dirty="0" smtClean="0"/>
+              <a:t>要望</a:t>
             </a:r>
             <a:endParaRPr kumimoji="1" lang="ja-JP" altLang="en-US" dirty="0"/>
           </a:p>
@@ -4368,10 +5662,43 @@
           <a:lstStyle/>
           <a:p>
             <a:r>
-              <a:rPr kumimoji="1" lang="ja-JP" altLang="en-US" dirty="0" smtClean="0"/>
-              <a:t>？</a:t>
-            </a:r>
-            <a:endParaRPr kumimoji="1" lang="ja-JP" altLang="en-US" dirty="0"/>
+              <a:rPr lang="ja-JP" altLang="en-US" dirty="0" smtClean="0"/>
+              <a:t>誰でも簡単に使える</a:t>
+            </a:r>
+            <a:endParaRPr lang="en-US" altLang="ja-JP" dirty="0" smtClean="0"/>
+          </a:p>
+          <a:p>
+            <a:endParaRPr lang="en-US" altLang="ja-JP" dirty="0" smtClean="0"/>
+          </a:p>
+          <a:p>
+            <a:r>
+              <a:rPr lang="ja-JP" altLang="en-US" dirty="0" smtClean="0"/>
+              <a:t>机の配置を自由に決められる</a:t>
+            </a:r>
+            <a:endParaRPr lang="en-US" altLang="ja-JP" dirty="0" smtClean="0"/>
+          </a:p>
+          <a:p>
+            <a:pPr>
+              <a:buNone/>
+            </a:pPr>
+            <a:endParaRPr lang="en-US" altLang="ja-JP" dirty="0" smtClean="0"/>
+          </a:p>
+          <a:p>
+            <a:r>
+              <a:rPr lang="ja-JP" altLang="en-US" dirty="0" smtClean="0"/>
+              <a:t>人の名前は打ちこむことで机に名前が表示される</a:t>
+            </a:r>
+            <a:endParaRPr lang="en-US" altLang="ja-JP" dirty="0" smtClean="0"/>
+          </a:p>
+          <a:p>
+            <a:endParaRPr lang="en-US" altLang="ja-JP" dirty="0" smtClean="0"/>
+          </a:p>
+          <a:p>
+            <a:r>
+              <a:rPr lang="ja-JP" altLang="en-US" dirty="0" smtClean="0"/>
+              <a:t>印刷が出来る</a:t>
+            </a:r>
+            <a:endParaRPr lang="en-US" altLang="ja-JP" dirty="0" smtClean="0"/>
           </a:p>
         </p:txBody>
       </p:sp>
@@ -4418,7 +5745,7 @@
             <a:pPr algn="ctr"/>
             <a:r>
               <a:rPr kumimoji="1" lang="ja-JP" altLang="en-US" dirty="0" smtClean="0"/>
-              <a:t>目標</a:t>
+              <a:t>実装した機能</a:t>
             </a:r>
             <a:endParaRPr kumimoji="1" lang="ja-JP" altLang="en-US" dirty="0"/>
           </a:p>
@@ -4440,43 +5767,30 @@
           <a:lstStyle/>
           <a:p>
             <a:r>
-              <a:rPr lang="ja-JP" altLang="en-US" dirty="0" smtClean="0"/>
-              <a:t>誰でも簡単に使える</a:t>
-            </a:r>
+              <a:rPr kumimoji="1" lang="ja-JP" altLang="en-US" dirty="0" smtClean="0"/>
+              <a:t>机の作成、削除、移動、向き変更、名前の入力</a:t>
+            </a:r>
+            <a:endParaRPr kumimoji="1" lang="en-US" altLang="ja-JP" dirty="0" smtClean="0"/>
+          </a:p>
+          <a:p>
             <a:endParaRPr lang="en-US" altLang="ja-JP" dirty="0" smtClean="0"/>
           </a:p>
           <a:p>
+            <a:r>
+              <a:rPr kumimoji="1" lang="ja-JP" altLang="en-US" dirty="0" smtClean="0"/>
+              <a:t>チェックボックスで色、編集する机の選択</a:t>
+            </a:r>
+            <a:endParaRPr kumimoji="1" lang="en-US" altLang="ja-JP" dirty="0" smtClean="0"/>
+          </a:p>
+          <a:p>
             <a:endParaRPr lang="en-US" altLang="ja-JP" dirty="0" smtClean="0"/>
           </a:p>
           <a:p>
             <a:r>
-              <a:rPr lang="ja-JP" altLang="en-US" dirty="0" smtClean="0"/>
-              <a:t>机の配置を自由に決められる</a:t>
-            </a:r>
-            <a:endParaRPr lang="en-US" altLang="ja-JP" dirty="0" smtClean="0"/>
-          </a:p>
-          <a:p>
-            <a:pPr>
-              <a:buNone/>
-            </a:pPr>
-            <a:endParaRPr lang="en-US" altLang="ja-JP" dirty="0" smtClean="0"/>
-          </a:p>
-          <a:p>
-            <a:r>
-              <a:rPr lang="ja-JP" altLang="en-US" dirty="0" smtClean="0"/>
-              <a:t>人の名前は打ちこむことで机に名前が表示される</a:t>
-            </a:r>
-            <a:endParaRPr lang="en-US" altLang="ja-JP" dirty="0" smtClean="0"/>
-          </a:p>
-          <a:p>
-            <a:endParaRPr lang="en-US" altLang="ja-JP" dirty="0" smtClean="0"/>
-          </a:p>
-          <a:p>
-            <a:r>
-              <a:rPr lang="ja-JP" altLang="en-US" dirty="0" smtClean="0"/>
-              <a:t>印刷が出来る</a:t>
-            </a:r>
-            <a:endParaRPr lang="en-US" altLang="ja-JP" dirty="0" smtClean="0"/>
+              <a:rPr lang="ja-JP" altLang="en-US" smtClean="0"/>
+              <a:t>印刷機能</a:t>
+            </a:r>
+            <a:endParaRPr kumimoji="1" lang="ja-JP" altLang="en-US"/>
           </a:p>
         </p:txBody>
       </p:sp>
@@ -4785,7 +6099,7 @@
             <a:pPr algn="ctr"/>
             <a:r>
               <a:rPr kumimoji="1" lang="ja-JP" altLang="en-US" dirty="0" smtClean="0"/>
-              <a:t>実装した機能</a:t>
+              <a:t>制作環境</a:t>
             </a:r>
             <a:endParaRPr kumimoji="1" lang="ja-JP" altLang="en-US" dirty="0"/>
           </a:p>
@@ -4806,30 +6120,6 @@
           <a:bodyPr/>
           <a:lstStyle/>
           <a:p>
-            <a:r>
-              <a:rPr kumimoji="1" lang="ja-JP" altLang="en-US" dirty="0" smtClean="0"/>
-              <a:t>机の作成、削除、移動、向き変更、名前の入力</a:t>
-            </a:r>
-            <a:endParaRPr kumimoji="1" lang="en-US" altLang="ja-JP" dirty="0" smtClean="0"/>
-          </a:p>
-          <a:p>
-            <a:endParaRPr lang="en-US" altLang="ja-JP" dirty="0" smtClean="0"/>
-          </a:p>
-          <a:p>
-            <a:r>
-              <a:rPr kumimoji="1" lang="ja-JP" altLang="en-US" dirty="0" smtClean="0"/>
-              <a:t>チェックボックスで色、編集する机の選択</a:t>
-            </a:r>
-            <a:endParaRPr kumimoji="1" lang="en-US" altLang="ja-JP" dirty="0" smtClean="0"/>
-          </a:p>
-          <a:p>
-            <a:endParaRPr lang="en-US" altLang="ja-JP" dirty="0" smtClean="0"/>
-          </a:p>
-          <a:p>
-            <a:r>
-              <a:rPr lang="ja-JP" altLang="en-US" smtClean="0"/>
-              <a:t>印刷機能</a:t>
-            </a:r>
             <a:endParaRPr kumimoji="1" lang="ja-JP" altLang="en-US"/>
           </a:p>
         </p:txBody>
@@ -4986,15 +6276,7 @@
           <a:p>
             <a:r>
               <a:rPr lang="ja-JP" altLang="en-US" dirty="0" smtClean="0"/>
-              <a:t>印刷</a:t>
-            </a:r>
-            <a:r>
-              <a:rPr lang="ja-JP" altLang="en-US" dirty="0" smtClean="0"/>
-              <a:t>した後に机の配置画面が真っ黒に</a:t>
-            </a:r>
-            <a:r>
-              <a:rPr lang="ja-JP" altLang="en-US" dirty="0" smtClean="0"/>
-              <a:t>なる</a:t>
+              <a:t>印刷した後に机の配置画面が真っ黒になる</a:t>
             </a:r>
             <a:endParaRPr lang="en-US" altLang="ja-JP" dirty="0" smtClean="0"/>
           </a:p>
@@ -5074,39 +6356,27 @@
           <a:p>
             <a:r>
               <a:rPr lang="ja-JP" altLang="en-US" dirty="0" smtClean="0"/>
-              <a:t>マウス</a:t>
-            </a:r>
+              <a:t>マウスで机の移動を直接行えるように</a:t>
+            </a:r>
+            <a:endParaRPr lang="en-US" altLang="ja-JP" dirty="0" smtClean="0"/>
+          </a:p>
+          <a:p>
+            <a:endParaRPr lang="en-US" altLang="ja-JP" dirty="0" smtClean="0"/>
+          </a:p>
+          <a:p>
             <a:r>
               <a:rPr lang="ja-JP" altLang="en-US" dirty="0" smtClean="0"/>
-              <a:t>で机の移動を直接行えるように</a:t>
+              <a:t>机の状態のファイルの入出力</a:t>
             </a:r>
             <a:endParaRPr lang="en-US" altLang="ja-JP" dirty="0" smtClean="0"/>
           </a:p>
           <a:p>
-            <a:endParaRPr lang="en-US" altLang="ja-JP" dirty="0" smtClean="0"/>
-          </a:p>
-          <a:p>
-            <a:r>
-              <a:rPr lang="ja-JP" altLang="en-US" dirty="0" smtClean="0"/>
-              <a:t>机</a:t>
-            </a:r>
-            <a:r>
-              <a:rPr lang="ja-JP" altLang="en-US" dirty="0" smtClean="0"/>
-              <a:t>の状態のファイルの入出力</a:t>
-            </a:r>
-            <a:endParaRPr lang="en-US" altLang="ja-JP" dirty="0" smtClean="0"/>
-          </a:p>
-          <a:p>
             <a:endParaRPr kumimoji="1" lang="en-US" altLang="ja-JP" dirty="0" smtClean="0"/>
           </a:p>
           <a:p>
             <a:r>
               <a:rPr kumimoji="1" lang="ja-JP" altLang="en-US" dirty="0" smtClean="0"/>
-              <a:t>机</a:t>
-            </a:r>
-            <a:r>
-              <a:rPr kumimoji="1" lang="ja-JP" altLang="en-US" dirty="0" smtClean="0"/>
-              <a:t>の大きさの変更が出来るように</a:t>
+              <a:t>机の大きさの変更が出来るように</a:t>
             </a:r>
             <a:endParaRPr kumimoji="1" lang="en-US" altLang="ja-JP" dirty="0" smtClean="0"/>
           </a:p>
@@ -5416,4 +6686,287 @@
   <a:objectDefaults/>
   <a:extraClrSchemeLst/>
 </a:theme>
+</file>
+
+<file path=ppt/theme/theme2.xml><?xml version="1.0" encoding="utf-8"?>
+<a:theme xmlns:a="http://schemas.openxmlformats.org/drawingml/2006/main" name="Office テーマ">
+  <a:themeElements>
+    <a:clrScheme name="Office">
+      <a:dk1>
+        <a:sysClr val="windowText" lastClr="000000"/>
+      </a:dk1>
+      <a:lt1>
+        <a:sysClr val="window" lastClr="FFFFFF"/>
+      </a:lt1>
+      <a:dk2>
+        <a:srgbClr val="1F497D"/>
+      </a:dk2>
+      <a:lt2>
+        <a:srgbClr val="EEECE1"/>
+      </a:lt2>
+      <a:accent1>
+        <a:srgbClr val="4F81BD"/>
+      </a:accent1>
+      <a:accent2>
+        <a:srgbClr val="C0504D"/>
+      </a:accent2>
+      <a:accent3>
+        <a:srgbClr val="9BBB59"/>
+      </a:accent3>
+      <a:accent4>
+        <a:srgbClr val="8064A2"/>
+      </a:accent4>
+      <a:accent5>
+        <a:srgbClr val="4BACC6"/>
+      </a:accent5>
+      <a:accent6>
+        <a:srgbClr val="F79646"/>
+      </a:accent6>
+      <a:hlink>
+        <a:srgbClr val="0000FF"/>
+      </a:hlink>
+      <a:folHlink>
+        <a:srgbClr val="800080"/>
+      </a:folHlink>
+    </a:clrScheme>
+    <a:fontScheme name="Office">
+      <a:majorFont>
+        <a:latin typeface="Calibri"/>
+        <a:ea typeface=""/>
+        <a:cs typeface=""/>
+        <a:font script="Jpan" typeface="ＭＳ Ｐゴシック"/>
+        <a:font script="Hang" typeface="맑은 고딕"/>
+        <a:font script="Hans" typeface="宋体"/>
+        <a:font script="Hant" typeface="新細明體"/>
+        <a:font script="Arab" typeface="Times New Roman"/>
+        <a:font script="Hebr" typeface="Times New Roman"/>
+        <a:font script="Thai" typeface="Angsana New"/>
+        <a:font script="Ethi" typeface="Nyala"/>
+        <a:font script="Beng" typeface="Vrinda"/>
+        <a:font script="Gujr" typeface="Shruti"/>
+        <a:font script="Khmr" typeface="MoolBoran"/>
+        <a:font script="Knda" typeface="Tunga"/>
+        <a:font script="Guru" typeface="Raavi"/>
+        <a:font script="Cans" typeface="Euphemia"/>
+        <a:font script="Cher" typeface="Plantagenet Cherokee"/>
+        <a:font script="Yiii" typeface="Microsoft Yi Baiti"/>
+        <a:font script="Tibt" typeface="Microsoft Himalaya"/>
+        <a:font script="Thaa" typeface="MV Boli"/>
+        <a:font script="Deva" typeface="Mangal"/>
+        <a:font script="Telu" typeface="Gautami"/>
+        <a:font script="Taml" typeface="Latha"/>
+        <a:font script="Syrc" typeface="Estrangelo Edessa"/>
+        <a:font script="Orya" typeface="Kalinga"/>
+        <a:font script="Mlym" typeface="Kartika"/>
+        <a:font script="Laoo" typeface="DokChampa"/>
+        <a:font script="Sinh" typeface="Iskoola Pota"/>
+        <a:font script="Mong" typeface="Mongolian Baiti"/>
+        <a:font script="Viet" typeface="Times New Roman"/>
+        <a:font script="Uigh" typeface="Microsoft Uighur"/>
+      </a:majorFont>
+      <a:minorFont>
+        <a:latin typeface="Calibri"/>
+        <a:ea typeface=""/>
+        <a:cs typeface=""/>
+        <a:font script="Jpan" typeface="ＭＳ Ｐゴシック"/>
+        <a:font script="Hang" typeface="맑은 고딕"/>
+        <a:font script="Hans" typeface="宋体"/>
+        <a:font script="Hant" typeface="新細明體"/>
+        <a:font script="Arab" typeface="Arial"/>
+        <a:font script="Hebr" typeface="Arial"/>
+        <a:font script="Thai" typeface="Cordia New"/>
+        <a:font script="Ethi" typeface="Nyala"/>
+        <a:font script="Beng" typeface="Vrinda"/>
+        <a:font script="Gujr" typeface="Shruti"/>
+        <a:font script="Khmr" typeface="DaunPenh"/>
+        <a:font script="Knda" typeface="Tunga"/>
+        <a:font script="Guru" typeface="Raavi"/>
+        <a:font script="Cans" typeface="Euphemia"/>
+        <a:font script="Cher" typeface="Plantagenet Cherokee"/>
+        <a:font script="Yiii" typeface="Microsoft Yi Baiti"/>
+        <a:font script="Tibt" typeface="Microsoft Himalaya"/>
+        <a:font script="Thaa" typeface="MV Boli"/>
+        <a:font script="Deva" typeface="Mangal"/>
+        <a:font script="Telu" typeface="Gautami"/>
+        <a:font script="Taml" typeface="Latha"/>
+        <a:font script="Syrc" typeface="Estrangelo Edessa"/>
+        <a:font script="Orya" typeface="Kalinga"/>
+        <a:font script="Mlym" typeface="Kartika"/>
+        <a:font script="Laoo" typeface="DokChampa"/>
+        <a:font script="Sinh" typeface="Iskoola Pota"/>
+        <a:font script="Mong" typeface="Mongolian Baiti"/>
+        <a:font script="Viet" typeface="Arial"/>
+        <a:font script="Uigh" typeface="Microsoft Uighur"/>
+      </a:minorFont>
+    </a:fontScheme>
+    <a:fmtScheme name="Office">
+      <a:fillStyleLst>
+        <a:solidFill>
+          <a:schemeClr val="phClr"/>
+        </a:solidFill>
+        <a:gradFill rotWithShape="1">
+          <a:gsLst>
+            <a:gs pos="0">
+              <a:schemeClr val="phClr">
+                <a:tint val="50000"/>
+                <a:satMod val="300000"/>
+              </a:schemeClr>
+            </a:gs>
+            <a:gs pos="35000">
+              <a:schemeClr val="phClr">
+                <a:tint val="37000"/>
+                <a:satMod val="300000"/>
+              </a:schemeClr>
+            </a:gs>
+            <a:gs pos="100000">
+              <a:schemeClr val="phClr">
+                <a:tint val="15000"/>
+                <a:satMod val="350000"/>
+              </a:schemeClr>
+            </a:gs>
+          </a:gsLst>
+          <a:lin ang="16200000" scaled="1"/>
+        </a:gradFill>
+        <a:gradFill rotWithShape="1">
+          <a:gsLst>
+            <a:gs pos="0">
+              <a:schemeClr val="phClr">
+                <a:shade val="51000"/>
+                <a:satMod val="130000"/>
+              </a:schemeClr>
+            </a:gs>
+            <a:gs pos="80000">
+              <a:schemeClr val="phClr">
+                <a:shade val="93000"/>
+                <a:satMod val="130000"/>
+              </a:schemeClr>
+            </a:gs>
+            <a:gs pos="100000">
+              <a:schemeClr val="phClr">
+                <a:shade val="94000"/>
+                <a:satMod val="135000"/>
+              </a:schemeClr>
+            </a:gs>
+          </a:gsLst>
+          <a:lin ang="16200000" scaled="0"/>
+        </a:gradFill>
+      </a:fillStyleLst>
+      <a:lnStyleLst>
+        <a:ln w="9525" cap="flat" cmpd="sng" algn="ctr">
+          <a:solidFill>
+            <a:schemeClr val="phClr">
+              <a:shade val="95000"/>
+              <a:satMod val="105000"/>
+            </a:schemeClr>
+          </a:solidFill>
+          <a:prstDash val="solid"/>
+        </a:ln>
+        <a:ln w="25400" cap="flat" cmpd="sng" algn="ctr">
+          <a:solidFill>
+            <a:schemeClr val="phClr"/>
+          </a:solidFill>
+          <a:prstDash val="solid"/>
+        </a:ln>
+        <a:ln w="38100" cap="flat" cmpd="sng" algn="ctr">
+          <a:solidFill>
+            <a:schemeClr val="phClr"/>
+          </a:solidFill>
+          <a:prstDash val="solid"/>
+        </a:ln>
+      </a:lnStyleLst>
+      <a:effectStyleLst>
+        <a:effectStyle>
+          <a:effectLst>
+            <a:outerShdw blurRad="40000" dist="20000" dir="5400000" rotWithShape="0">
+              <a:srgbClr val="000000">
+                <a:alpha val="38000"/>
+              </a:srgbClr>
+            </a:outerShdw>
+          </a:effectLst>
+        </a:effectStyle>
+        <a:effectStyle>
+          <a:effectLst>
+            <a:outerShdw blurRad="40000" dist="23000" dir="5400000" rotWithShape="0">
+              <a:srgbClr val="000000">
+                <a:alpha val="35000"/>
+              </a:srgbClr>
+            </a:outerShdw>
+          </a:effectLst>
+        </a:effectStyle>
+        <a:effectStyle>
+          <a:effectLst>
+            <a:outerShdw blurRad="40000" dist="23000" dir="5400000" rotWithShape="0">
+              <a:srgbClr val="000000">
+                <a:alpha val="35000"/>
+              </a:srgbClr>
+            </a:outerShdw>
+          </a:effectLst>
+          <a:scene3d>
+            <a:camera prst="orthographicFront">
+              <a:rot lat="0" lon="0" rev="0"/>
+            </a:camera>
+            <a:lightRig rig="threePt" dir="t">
+              <a:rot lat="0" lon="0" rev="1200000"/>
+            </a:lightRig>
+          </a:scene3d>
+          <a:sp3d>
+            <a:bevelT w="63500" h="25400"/>
+          </a:sp3d>
+        </a:effectStyle>
+      </a:effectStyleLst>
+      <a:bgFillStyleLst>
+        <a:solidFill>
+          <a:schemeClr val="phClr"/>
+        </a:solidFill>
+        <a:gradFill rotWithShape="1">
+          <a:gsLst>
+            <a:gs pos="0">
+              <a:schemeClr val="phClr">
+                <a:tint val="40000"/>
+                <a:satMod val="350000"/>
+              </a:schemeClr>
+            </a:gs>
+            <a:gs pos="40000">
+              <a:schemeClr val="phClr">
+                <a:tint val="45000"/>
+                <a:shade val="99000"/>
+                <a:satMod val="350000"/>
+              </a:schemeClr>
+            </a:gs>
+            <a:gs pos="100000">
+              <a:schemeClr val="phClr">
+                <a:shade val="20000"/>
+                <a:satMod val="255000"/>
+              </a:schemeClr>
+            </a:gs>
+          </a:gsLst>
+          <a:path path="circle">
+            <a:fillToRect l="50000" t="-80000" r="50000" b="180000"/>
+          </a:path>
+        </a:gradFill>
+        <a:gradFill rotWithShape="1">
+          <a:gsLst>
+            <a:gs pos="0">
+              <a:schemeClr val="phClr">
+                <a:tint val="80000"/>
+                <a:satMod val="300000"/>
+              </a:schemeClr>
+            </a:gs>
+            <a:gs pos="100000">
+              <a:schemeClr val="phClr">
+                <a:shade val="30000"/>
+                <a:satMod val="200000"/>
+              </a:schemeClr>
+            </a:gs>
+          </a:gsLst>
+          <a:path path="circle">
+            <a:fillToRect l="50000" t="50000" r="50000" b="50000"/>
+          </a:path>
+        </a:gradFill>
+      </a:bgFillStyleLst>
+    </a:fmtScheme>
+  </a:themeElements>
+  <a:objectDefaults/>
+  <a:extraClrSchemeLst/>
+</a:theme>
 </file>
--- a/インターン発表.pptx
+++ b/インターン発表.pptx
@@ -5,18 +5,19 @@
     <p:sldMasterId id="2147483660" r:id="rId1"/>
   </p:sldMasterIdLst>
   <p:notesMasterIdLst>
-    <p:notesMasterId r:id="rId11"/>
+    <p:notesMasterId r:id="rId12"/>
   </p:notesMasterIdLst>
   <p:sldIdLst>
     <p:sldId id="256" r:id="rId2"/>
-    <p:sldId id="257" r:id="rId3"/>
-    <p:sldId id="264" r:id="rId4"/>
-    <p:sldId id="265" r:id="rId5"/>
-    <p:sldId id="258" r:id="rId6"/>
-    <p:sldId id="261" r:id="rId7"/>
+    <p:sldId id="266" r:id="rId3"/>
+    <p:sldId id="257" r:id="rId4"/>
+    <p:sldId id="264" r:id="rId5"/>
+    <p:sldId id="265" r:id="rId6"/>
+    <p:sldId id="267" r:id="rId7"/>
     <p:sldId id="263" r:id="rId8"/>
     <p:sldId id="262" r:id="rId9"/>
     <p:sldId id="259" r:id="rId10"/>
+    <p:sldId id="268" r:id="rId11"/>
   </p:sldIdLst>
   <p:sldSz cx="9144000" cy="6858000" type="screen4x3"/>
   <p:notesSz cx="6858000" cy="9144000"/>
@@ -200,7 +201,8 @@
           <a:p>
             <a:fld id="{59759C72-676A-467E-87A3-D4A28584276A}" type="datetimeFigureOut">
               <a:rPr kumimoji="1" lang="ja-JP" altLang="en-US" smtClean="0"/>
-              <a:t>2009/6/22</a:t>
+              <a:pPr/>
+              <a:t>2009/6/23</a:t>
             </a:fld>
             <a:endParaRPr kumimoji="1" lang="ja-JP" altLang="en-US"/>
           </a:p>
@@ -393,6 +395,7 @@
           <a:p>
             <a:fld id="{943C80CC-3488-4233-9C83-F361D07EB959}" type="slidenum">
               <a:rPr kumimoji="1" lang="ja-JP" altLang="en-US" smtClean="0"/>
+              <a:pPr/>
               <a:t>&lt;#&gt;</a:t>
             </a:fld>
             <a:endParaRPr kumimoji="1" lang="ja-JP" altLang="en-US"/>
@@ -543,63 +546,6 @@
           </a:bodyPr>
           <a:lstStyle/>
           <a:p>
-            <a:r>
-              <a:rPr kumimoji="1" lang="ja-JP" altLang="en-US" dirty="0" smtClean="0"/>
-              <a:t>どうして座席表のプログラムを作ったか</a:t>
-            </a:r>
-            <a:endParaRPr kumimoji="1" lang="en-US" altLang="ja-JP" dirty="0" smtClean="0"/>
-          </a:p>
-          <a:p>
-            <a:r>
-              <a:rPr kumimoji="1" lang="ja-JP" altLang="en-US" dirty="0" smtClean="0"/>
-              <a:t>製作の背景をまず述べる必要がある。</a:t>
-            </a:r>
-            <a:endParaRPr kumimoji="1" lang="en-US" altLang="ja-JP" dirty="0" smtClean="0"/>
-          </a:p>
-          <a:p>
-            <a:r>
-              <a:rPr kumimoji="1" lang="ja-JP" altLang="en-US" dirty="0" smtClean="0"/>
-              <a:t>（このスライドの前に</a:t>
-            </a:r>
-            <a:r>
-              <a:rPr kumimoji="1" lang="en-US" altLang="ja-JP" dirty="0" smtClean="0"/>
-              <a:t>1</a:t>
-            </a:r>
-            <a:r>
-              <a:rPr kumimoji="1" lang="ja-JP" altLang="en-US" dirty="0" smtClean="0"/>
-              <a:t>枚スライド作った方がいいかも？？）</a:t>
-            </a:r>
-            <a:endParaRPr kumimoji="1" lang="en-US" altLang="ja-JP" dirty="0" smtClean="0"/>
-          </a:p>
-          <a:p>
-            <a:endParaRPr kumimoji="1" lang="en-US" altLang="ja-JP" dirty="0" smtClean="0"/>
-          </a:p>
-          <a:p>
-            <a:r>
-              <a:rPr kumimoji="1" lang="ja-JP" altLang="en-US" dirty="0" smtClean="0"/>
-              <a:t>これまでの座席表の作り方のこと？？</a:t>
-            </a:r>
-            <a:endParaRPr kumimoji="1" lang="en-US" altLang="ja-JP" dirty="0" smtClean="0"/>
-          </a:p>
-          <a:p>
-            <a:r>
-              <a:rPr kumimoji="1" lang="ja-JP" altLang="en-US" dirty="0" smtClean="0"/>
-              <a:t>どういう作り方で作っていたかを述べ、</a:t>
-            </a:r>
-            <a:endParaRPr kumimoji="1" lang="en-US" altLang="ja-JP" dirty="0" smtClean="0"/>
-          </a:p>
-          <a:p>
-            <a:r>
-              <a:rPr kumimoji="1" lang="ja-JP" altLang="en-US" dirty="0" smtClean="0"/>
-              <a:t>どういう問題点があったかを述べる必要がある。</a:t>
-            </a:r>
-            <a:endParaRPr kumimoji="1" lang="en-US" altLang="ja-JP" dirty="0" smtClean="0"/>
-          </a:p>
-          <a:p>
-            <a:r>
-              <a:rPr kumimoji="1" lang="ja-JP" altLang="en-US" dirty="0" smtClean="0"/>
-              <a:t>不便だった点をリストアップ。</a:t>
-            </a:r>
             <a:endParaRPr kumimoji="1" lang="ja-JP" altLang="en-US" dirty="0"/>
           </a:p>
         </p:txBody>
@@ -621,6 +567,7 @@
           <a:p>
             <a:fld id="{943C80CC-3488-4233-9C83-F361D07EB959}" type="slidenum">
               <a:rPr kumimoji="1" lang="ja-JP" altLang="en-US" smtClean="0"/>
+              <a:pPr/>
               <a:t>2</a:t>
             </a:fld>
             <a:endParaRPr kumimoji="1" lang="ja-JP" altLang="en-US"/>
@@ -683,14 +630,61 @@
           <a:p>
             <a:r>
               <a:rPr kumimoji="1" lang="ja-JP" altLang="en-US" dirty="0" smtClean="0"/>
-              <a:t>タイトルと内容があってなかったようなんで変えました。</a:t>
+              <a:t>どうして座席表のプログラムを作ったか</a:t>
             </a:r>
             <a:endParaRPr kumimoji="1" lang="en-US" altLang="ja-JP" dirty="0" smtClean="0"/>
           </a:p>
           <a:p>
+            <a:r>
+              <a:rPr kumimoji="1" lang="ja-JP" altLang="en-US" dirty="0" smtClean="0"/>
+              <a:t>製作の背景をまず述べる必要がある。</a:t>
+            </a:r>
             <a:endParaRPr kumimoji="1" lang="en-US" altLang="ja-JP" dirty="0" smtClean="0"/>
           </a:p>
           <a:p>
+            <a:r>
+              <a:rPr kumimoji="1" lang="ja-JP" altLang="en-US" dirty="0" smtClean="0"/>
+              <a:t>（このスライドの前に</a:t>
+            </a:r>
+            <a:r>
+              <a:rPr kumimoji="1" lang="en-US" altLang="ja-JP" dirty="0" smtClean="0"/>
+              <a:t>1</a:t>
+            </a:r>
+            <a:r>
+              <a:rPr kumimoji="1" lang="ja-JP" altLang="en-US" dirty="0" smtClean="0"/>
+              <a:t>枚スライド作った方がいいかも？？）</a:t>
+            </a:r>
+            <a:endParaRPr kumimoji="1" lang="en-US" altLang="ja-JP" dirty="0" smtClean="0"/>
+          </a:p>
+          <a:p>
+            <a:endParaRPr kumimoji="1" lang="en-US" altLang="ja-JP" dirty="0" smtClean="0"/>
+          </a:p>
+          <a:p>
+            <a:r>
+              <a:rPr kumimoji="1" lang="ja-JP" altLang="en-US" dirty="0" smtClean="0"/>
+              <a:t>これまでの座席表の作り方のこと？？</a:t>
+            </a:r>
+            <a:endParaRPr kumimoji="1" lang="en-US" altLang="ja-JP" dirty="0" smtClean="0"/>
+          </a:p>
+          <a:p>
+            <a:r>
+              <a:rPr kumimoji="1" lang="ja-JP" altLang="en-US" dirty="0" smtClean="0"/>
+              <a:t>どういう作り方で作っていたかを述べ、</a:t>
+            </a:r>
+            <a:endParaRPr kumimoji="1" lang="en-US" altLang="ja-JP" dirty="0" smtClean="0"/>
+          </a:p>
+          <a:p>
+            <a:r>
+              <a:rPr kumimoji="1" lang="ja-JP" altLang="en-US" dirty="0" smtClean="0"/>
+              <a:t>どういう問題点があったかを述べる必要がある。</a:t>
+            </a:r>
+            <a:endParaRPr kumimoji="1" lang="en-US" altLang="ja-JP" dirty="0" smtClean="0"/>
+          </a:p>
+          <a:p>
+            <a:r>
+              <a:rPr kumimoji="1" lang="ja-JP" altLang="en-US" dirty="0" smtClean="0"/>
+              <a:t>不便だった点をリストアップ。</a:t>
+            </a:r>
             <a:endParaRPr kumimoji="1" lang="ja-JP" altLang="en-US" dirty="0"/>
           </a:p>
         </p:txBody>
@@ -712,6 +706,7 @@
           <a:p>
             <a:fld id="{943C80CC-3488-4233-9C83-F361D07EB959}" type="slidenum">
               <a:rPr kumimoji="1" lang="ja-JP" altLang="en-US" smtClean="0"/>
+              <a:pPr/>
               <a:t>3</a:t>
             </a:fld>
             <a:endParaRPr kumimoji="1" lang="ja-JP" altLang="en-US"/>
@@ -774,21 +769,8 @@
           <a:p>
             <a:r>
               <a:rPr kumimoji="1" lang="ja-JP" altLang="en-US" dirty="0" smtClean="0"/>
-              <a:t>ちょっと書き方が分かりずらい気が</a:t>
-            </a:r>
-            <a:r>
-              <a:rPr kumimoji="1" lang="en-US" altLang="ja-JP" dirty="0" smtClean="0"/>
-              <a:t>…</a:t>
-            </a:r>
-          </a:p>
-          <a:p>
-            <a:r>
-              <a:rPr kumimoji="1" lang="ja-JP" altLang="en-US" dirty="0" smtClean="0"/>
-              <a:t>図やアニメーションがあれば説明しやすいかも</a:t>
-            </a:r>
-            <a:endParaRPr kumimoji="1" lang="en-US" altLang="ja-JP" dirty="0" smtClean="0"/>
-          </a:p>
-          <a:p>
+              <a:t>タイトルと内容があってなかったようなんで変えました。</a:t>
+            </a:r>
             <a:endParaRPr kumimoji="1" lang="en-US" altLang="ja-JP" dirty="0" smtClean="0"/>
           </a:p>
           <a:p>
@@ -816,6 +798,7 @@
           <a:p>
             <a:fld id="{943C80CC-3488-4233-9C83-F361D07EB959}" type="slidenum">
               <a:rPr kumimoji="1" lang="ja-JP" altLang="en-US" smtClean="0"/>
+              <a:pPr/>
               <a:t>4</a:t>
             </a:fld>
             <a:endParaRPr kumimoji="1" lang="ja-JP" altLang="en-US"/>
@@ -878,15 +861,41 @@
           <a:p>
             <a:r>
               <a:rPr kumimoji="1" lang="ja-JP" altLang="en-US" dirty="0" smtClean="0"/>
-              <a:t>ここも図やアニメーションを入れて説明した方が分かりやすいと思われる。</a:t>
+              <a:t>ちょっと書き方が分かりずらい気が</a:t>
+            </a:r>
+            <a:r>
+              <a:rPr kumimoji="1" lang="en-US" altLang="ja-JP" dirty="0" smtClean="0"/>
+              <a:t>…</a:t>
+            </a:r>
+          </a:p>
+          <a:p>
+            <a:r>
+              <a:rPr kumimoji="1" lang="ja-JP" altLang="en-US" dirty="0" smtClean="0"/>
+              <a:t>図やアニメーションがあれば説明しやすいかも</a:t>
             </a:r>
             <a:endParaRPr kumimoji="1" lang="en-US" altLang="ja-JP" dirty="0" smtClean="0"/>
           </a:p>
           <a:p>
+            <a:endParaRPr kumimoji="1" lang="en-US" altLang="ja-JP" dirty="0" smtClean="0"/>
+          </a:p>
+          <a:p>
             <a:r>
               <a:rPr kumimoji="1" lang="ja-JP" altLang="en-US" dirty="0" smtClean="0"/>
-              <a:t>ちょっとこれだけではイメージが湧きづらい。</a:t>
-            </a:r>
+              <a:t>デモと座席表生成の部分である程度説明しようと思っているんですがどうでしょうか。</a:t>
+            </a:r>
+            <a:endParaRPr kumimoji="1" lang="en-US" altLang="ja-JP" dirty="0" smtClean="0"/>
+          </a:p>
+          <a:p>
+            <a:r>
+              <a:rPr kumimoji="1" lang="ja-JP" altLang="en-US" dirty="0" smtClean="0"/>
+              <a:t>足りないようでしたら、このページにもアニメーションか図をつけようと思います。</a:t>
+            </a:r>
+            <a:endParaRPr kumimoji="1" lang="en-US" altLang="ja-JP" dirty="0" smtClean="0"/>
+          </a:p>
+          <a:p>
+            <a:endParaRPr kumimoji="1" lang="en-US" altLang="ja-JP" dirty="0" smtClean="0"/>
+          </a:p>
+          <a:p>
             <a:endParaRPr kumimoji="1" lang="ja-JP" altLang="en-US" dirty="0"/>
           </a:p>
         </p:txBody>
@@ -908,6 +917,7 @@
           <a:p>
             <a:fld id="{943C80CC-3488-4233-9C83-F361D07EB959}" type="slidenum">
               <a:rPr kumimoji="1" lang="ja-JP" altLang="en-US" smtClean="0"/>
+              <a:pPr/>
               <a:t>5</a:t>
             </a:fld>
             <a:endParaRPr kumimoji="1" lang="ja-JP" altLang="en-US"/>
@@ -970,29 +980,15 @@
           <a:p>
             <a:r>
               <a:rPr kumimoji="1" lang="ja-JP" altLang="en-US" dirty="0" smtClean="0"/>
-              <a:t>位置がおかしかったので移動。</a:t>
+              <a:t>座席表生成の流れに図とアニメーションをつけてみました。</a:t>
             </a:r>
             <a:endParaRPr kumimoji="1" lang="en-US" altLang="ja-JP" dirty="0" smtClean="0"/>
           </a:p>
           <a:p>
             <a:r>
               <a:rPr kumimoji="1" lang="ja-JP" altLang="en-US" dirty="0" smtClean="0"/>
-              <a:t>内容が少ないなら、</a:t>
-            </a:r>
-            <a:r>
-              <a:rPr kumimoji="1" lang="en-US" altLang="ja-JP" dirty="0" smtClean="0"/>
-              <a:t>5</a:t>
-            </a:r>
-            <a:r>
-              <a:rPr kumimoji="1" lang="ja-JP" altLang="en-US" dirty="0" smtClean="0"/>
-              <a:t>枚目と統合してもいいのでは？</a:t>
-            </a:r>
-            <a:endParaRPr kumimoji="1" lang="en-US" altLang="ja-JP" dirty="0" smtClean="0"/>
-          </a:p>
-          <a:p>
-            <a:endParaRPr kumimoji="1" lang="en-US" altLang="ja-JP" dirty="0" smtClean="0"/>
-          </a:p>
-          <a:p>
+              <a:t>まだ、少し物足りない気もしますので、修正するかもしれません。</a:t>
+            </a:r>
             <a:endParaRPr kumimoji="1" lang="ja-JP" altLang="en-US" dirty="0"/>
           </a:p>
         </p:txBody>
@@ -1014,6 +1010,7 @@
           <a:p>
             <a:fld id="{943C80CC-3488-4233-9C83-F361D07EB959}" type="slidenum">
               <a:rPr kumimoji="1" lang="ja-JP" altLang="en-US" smtClean="0"/>
+              <a:pPr/>
               <a:t>6</a:t>
             </a:fld>
             <a:endParaRPr kumimoji="1" lang="ja-JP" altLang="en-US"/>
@@ -1083,7 +1080,21 @@
           <a:p>
             <a:r>
               <a:rPr kumimoji="1" lang="ja-JP" altLang="en-US" dirty="0" smtClean="0"/>
-              <a:t>時間があるなら簡単なデモでもあれば分かりやすい。</a:t>
+              <a:t>時間があるなら簡単なデモでもあれば分かりやすい</a:t>
+            </a:r>
+            <a:r>
+              <a:rPr kumimoji="1" lang="ja-JP" altLang="en-US" dirty="0" smtClean="0"/>
+              <a:t>。</a:t>
+            </a:r>
+            <a:endParaRPr kumimoji="1" lang="en-US" altLang="ja-JP" dirty="0" smtClean="0"/>
+          </a:p>
+          <a:p>
+            <a:endParaRPr kumimoji="1" lang="en-US" altLang="ja-JP" dirty="0" smtClean="0"/>
+          </a:p>
+          <a:p>
+            <a:r>
+              <a:rPr kumimoji="1" lang="ja-JP" altLang="en-US" dirty="0" smtClean="0"/>
+              <a:t>具体例を載せてみました。</a:t>
             </a:r>
             <a:endParaRPr kumimoji="1" lang="en-US" altLang="ja-JP" dirty="0" smtClean="0"/>
           </a:p>
@@ -1106,6 +1117,7 @@
           <a:p>
             <a:fld id="{943C80CC-3488-4233-9C83-F361D07EB959}" type="slidenum">
               <a:rPr kumimoji="1" lang="ja-JP" altLang="en-US" smtClean="0"/>
+              <a:pPr/>
               <a:t>8</a:t>
             </a:fld>
             <a:endParaRPr kumimoji="1" lang="ja-JP" altLang="en-US"/>
@@ -1367,6 +1379,54 @@
               <a:tabLst/>
               <a:defRPr/>
             </a:pPr>
+            <a:r>
+              <a:rPr lang="ja-JP" altLang="en-US" dirty="0" smtClean="0"/>
+              <a:t>一応インポート・エクスポートが出来たので入出力の項目は消しました。</a:t>
+            </a:r>
+            <a:endParaRPr lang="en-US" altLang="ja-JP" dirty="0" smtClean="0"/>
+          </a:p>
+          <a:p>
+            <a:pPr marL="0" marR="0" indent="0" algn="l" defTabSz="914400" rtl="0" eaLnBrk="1" fontAlgn="auto" latinLnBrk="0" hangingPunct="1">
+              <a:lnSpc>
+                <a:spcPct val="100000"/>
+              </a:lnSpc>
+              <a:spcBef>
+                <a:spcPts val="0"/>
+              </a:spcBef>
+              <a:spcAft>
+                <a:spcPts val="0"/>
+              </a:spcAft>
+              <a:buClrTx/>
+              <a:buSzTx/>
+              <a:buFontTx/>
+              <a:buNone/>
+              <a:tabLst/>
+              <a:defRPr/>
+            </a:pPr>
+            <a:r>
+              <a:rPr lang="ja-JP" altLang="en-US" dirty="0" smtClean="0"/>
+              <a:t>印刷のレイアウトですが、ボタンを押すと印刷するのではなく、画像を出力して、それを印刷してもらう形式にしようと考えています。</a:t>
+            </a:r>
+            <a:endParaRPr lang="en-US" altLang="ja-JP" dirty="0" smtClean="0"/>
+          </a:p>
+          <a:p>
+            <a:pPr marL="0" marR="0" indent="0" algn="l" defTabSz="914400" rtl="0" eaLnBrk="1" fontAlgn="auto" latinLnBrk="0" hangingPunct="1">
+              <a:lnSpc>
+                <a:spcPct val="100000"/>
+              </a:lnSpc>
+              <a:spcBef>
+                <a:spcPts val="0"/>
+              </a:spcBef>
+              <a:spcAft>
+                <a:spcPts val="0"/>
+              </a:spcAft>
+              <a:buClrTx/>
+              <a:buSzTx/>
+              <a:buFontTx/>
+              <a:buNone/>
+              <a:tabLst/>
+              <a:defRPr/>
+            </a:pPr>
             <a:endParaRPr lang="en-US" altLang="ja-JP" dirty="0" smtClean="0"/>
           </a:p>
           <a:p>
@@ -1391,7 +1451,115 @@
           <a:p>
             <a:fld id="{943C80CC-3488-4233-9C83-F361D07EB959}" type="slidenum">
               <a:rPr kumimoji="1" lang="ja-JP" altLang="en-US" smtClean="0"/>
+              <a:pPr/>
               <a:t>9</a:t>
+            </a:fld>
+            <a:endParaRPr kumimoji="1" lang="ja-JP" altLang="en-US"/>
+          </a:p>
+        </p:txBody>
+      </p:sp>
+    </p:spTree>
+  </p:cSld>
+  <p:clrMapOvr>
+    <a:masterClrMapping/>
+  </p:clrMapOvr>
+</p:notes>
+</file>
+
+<file path=ppt/notesSlides/notesSlide8.xml><?xml version="1.0" encoding="utf-8"?>
+<p:notes xmlns:a="http://schemas.openxmlformats.org/drawingml/2006/main" xmlns:r="http://schemas.openxmlformats.org/officeDocument/2006/relationships" xmlns:p="http://schemas.openxmlformats.org/presentationml/2006/main">
+  <p:cSld>
+    <p:spTree>
+      <p:nvGrpSpPr>
+        <p:cNvPr id="1" name=""/>
+        <p:cNvGrpSpPr/>
+        <p:nvPr/>
+      </p:nvGrpSpPr>
+      <p:grpSpPr>
+        <a:xfrm>
+          <a:off x="0" y="0"/>
+          <a:ext cx="0" cy="0"/>
+          <a:chOff x="0" y="0"/>
+          <a:chExt cx="0" cy="0"/>
+        </a:xfrm>
+      </p:grpSpPr>
+      <p:sp>
+        <p:nvSpPr>
+          <p:cNvPr id="2" name="スライド イメージ プレースホルダ 1"/>
+          <p:cNvSpPr>
+            <a:spLocks noGrp="1" noRot="1" noChangeAspect="1"/>
+          </p:cNvSpPr>
+          <p:nvPr>
+            <p:ph type="sldImg"/>
+          </p:nvPr>
+        </p:nvSpPr>
+        <p:spPr/>
+      </p:sp>
+      <p:sp>
+        <p:nvSpPr>
+          <p:cNvPr id="3" name="ノート プレースホルダ 2"/>
+          <p:cNvSpPr>
+            <a:spLocks noGrp="1"/>
+          </p:cNvSpPr>
+          <p:nvPr>
+            <p:ph type="body" idx="1"/>
+          </p:nvPr>
+        </p:nvSpPr>
+        <p:spPr/>
+        <p:txBody>
+          <a:bodyPr>
+            <a:normAutofit/>
+          </a:bodyPr>
+          <a:lstStyle/>
+          <a:p>
+            <a:r>
+              <a:rPr kumimoji="1" lang="ja-JP" altLang="en-US" dirty="0" smtClean="0"/>
+              <a:t>ここも図やアニメーションを入れて説明した方が分かりやすいと思われる。</a:t>
+            </a:r>
+            <a:endParaRPr kumimoji="1" lang="en-US" altLang="ja-JP" dirty="0" smtClean="0"/>
+          </a:p>
+          <a:p>
+            <a:r>
+              <a:rPr kumimoji="1" lang="ja-JP" altLang="en-US" dirty="0" smtClean="0"/>
+              <a:t>ちょっとこれだけではイメージが湧きづらい</a:t>
+            </a:r>
+            <a:r>
+              <a:rPr kumimoji="1" lang="ja-JP" altLang="en-US" dirty="0" smtClean="0"/>
+              <a:t>。</a:t>
+            </a:r>
+            <a:endParaRPr kumimoji="1" lang="en-US" altLang="ja-JP" dirty="0" smtClean="0"/>
+          </a:p>
+          <a:p>
+            <a:endParaRPr kumimoji="1" lang="en-US" altLang="ja-JP" dirty="0" smtClean="0"/>
+          </a:p>
+          <a:p>
+            <a:r>
+              <a:rPr kumimoji="1" lang="ja-JP" altLang="en-US" dirty="0" smtClean="0"/>
+              <a:t>これはたぶん使わないです。</a:t>
+            </a:r>
+            <a:endParaRPr kumimoji="1" lang="ja-JP" altLang="en-US" dirty="0"/>
+          </a:p>
+        </p:txBody>
+      </p:sp>
+      <p:sp>
+        <p:nvSpPr>
+          <p:cNvPr id="4" name="スライド番号プレースホルダ 3"/>
+          <p:cNvSpPr>
+            <a:spLocks noGrp="1"/>
+          </p:cNvSpPr>
+          <p:nvPr>
+            <p:ph type="sldNum" sz="quarter" idx="10"/>
+          </p:nvPr>
+        </p:nvSpPr>
+        <p:spPr/>
+        <p:txBody>
+          <a:bodyPr/>
+          <a:lstStyle/>
+          <a:p>
+            <a:fld id="{943C80CC-3488-4233-9C83-F361D07EB959}" type="slidenum">
+              <a:rPr kumimoji="1" lang="ja-JP" altLang="en-US" smtClean="0"/>
+              <a:pPr/>
+              <a:t>10</a:t>
             </a:fld>
             <a:endParaRPr kumimoji="1" lang="ja-JP" altLang="en-US"/>
           </a:p>
@@ -1579,7 +1747,7 @@
             <a:fld id="{5868A492-7F05-4C7E-A55B-102E0CC77CD9}" type="datetimeFigureOut">
               <a:rPr kumimoji="1" lang="ja-JP" altLang="en-US" smtClean="0"/>
               <a:pPr/>
-              <a:t>2009/6/22</a:t>
+              <a:t>2009/6/23</a:t>
             </a:fld>
             <a:endParaRPr kumimoji="1" lang="ja-JP" altLang="en-US"/>
           </a:p>
@@ -1778,7 +1946,7 @@
             <a:fld id="{5868A492-7F05-4C7E-A55B-102E0CC77CD9}" type="datetimeFigureOut">
               <a:rPr kumimoji="1" lang="ja-JP" altLang="en-US" smtClean="0"/>
               <a:pPr/>
-              <a:t>2009/6/22</a:t>
+              <a:t>2009/6/23</a:t>
             </a:fld>
             <a:endParaRPr kumimoji="1" lang="ja-JP" altLang="en-US"/>
           </a:p>
@@ -1987,7 +2155,7 @@
             <a:fld id="{5868A492-7F05-4C7E-A55B-102E0CC77CD9}" type="datetimeFigureOut">
               <a:rPr kumimoji="1" lang="ja-JP" altLang="en-US" smtClean="0"/>
               <a:pPr/>
-              <a:t>2009/6/22</a:t>
+              <a:t>2009/6/23</a:t>
             </a:fld>
             <a:endParaRPr kumimoji="1" lang="ja-JP" altLang="en-US"/>
           </a:p>
@@ -2186,7 +2354,7 @@
             <a:fld id="{5868A492-7F05-4C7E-A55B-102E0CC77CD9}" type="datetimeFigureOut">
               <a:rPr kumimoji="1" lang="ja-JP" altLang="en-US" smtClean="0"/>
               <a:pPr/>
-              <a:t>2009/6/22</a:t>
+              <a:t>2009/6/23</a:t>
             </a:fld>
             <a:endParaRPr kumimoji="1" lang="ja-JP" altLang="en-US"/>
           </a:p>
@@ -2430,7 +2598,7 @@
             <a:fld id="{5868A492-7F05-4C7E-A55B-102E0CC77CD9}" type="datetimeFigureOut">
               <a:rPr kumimoji="1" lang="ja-JP" altLang="en-US" smtClean="0"/>
               <a:pPr/>
-              <a:t>2009/6/22</a:t>
+              <a:t>2009/6/23</a:t>
             </a:fld>
             <a:endParaRPr kumimoji="1" lang="ja-JP" altLang="en-US"/>
           </a:p>
@@ -2760,7 +2928,7 @@
             <a:fld id="{5868A492-7F05-4C7E-A55B-102E0CC77CD9}" type="datetimeFigureOut">
               <a:rPr kumimoji="1" lang="ja-JP" altLang="en-US" smtClean="0"/>
               <a:pPr/>
-              <a:t>2009/6/22</a:t>
+              <a:t>2009/6/23</a:t>
             </a:fld>
             <a:endParaRPr kumimoji="1" lang="ja-JP" altLang="en-US"/>
           </a:p>
@@ -3204,7 +3372,7 @@
             <a:fld id="{5868A492-7F05-4C7E-A55B-102E0CC77CD9}" type="datetimeFigureOut">
               <a:rPr kumimoji="1" lang="ja-JP" altLang="en-US" smtClean="0"/>
               <a:pPr/>
-              <a:t>2009/6/22</a:t>
+              <a:t>2009/6/23</a:t>
             </a:fld>
             <a:endParaRPr kumimoji="1" lang="ja-JP" altLang="en-US"/>
           </a:p>
@@ -3356,7 +3524,7 @@
             <a:fld id="{5868A492-7F05-4C7E-A55B-102E0CC77CD9}" type="datetimeFigureOut">
               <a:rPr kumimoji="1" lang="ja-JP" altLang="en-US" smtClean="0"/>
               <a:pPr/>
-              <a:t>2009/6/22</a:t>
+              <a:t>2009/6/23</a:t>
             </a:fld>
             <a:endParaRPr kumimoji="1" lang="ja-JP" altLang="en-US"/>
           </a:p>
@@ -3448,7 +3616,7 @@
             <a:fld id="{5868A492-7F05-4C7E-A55B-102E0CC77CD9}" type="datetimeFigureOut">
               <a:rPr kumimoji="1" lang="ja-JP" altLang="en-US" smtClean="0"/>
               <a:pPr/>
-              <a:t>2009/6/22</a:t>
+              <a:t>2009/6/23</a:t>
             </a:fld>
             <a:endParaRPr kumimoji="1" lang="ja-JP" altLang="en-US"/>
           </a:p>
@@ -3743,7 +3911,7 @@
             <a:fld id="{5868A492-7F05-4C7E-A55B-102E0CC77CD9}" type="datetimeFigureOut">
               <a:rPr kumimoji="1" lang="ja-JP" altLang="en-US" smtClean="0"/>
               <a:pPr/>
-              <a:t>2009/6/22</a:t>
+              <a:t>2009/6/23</a:t>
             </a:fld>
             <a:endParaRPr kumimoji="1" lang="ja-JP" altLang="en-US"/>
           </a:p>
@@ -4033,7 +4201,7 @@
             <a:fld id="{5868A492-7F05-4C7E-A55B-102E0CC77CD9}" type="datetimeFigureOut">
               <a:rPr kumimoji="1" lang="ja-JP" altLang="en-US" smtClean="0"/>
               <a:pPr/>
-              <a:t>2009/6/22</a:t>
+              <a:t>2009/6/23</a:t>
             </a:fld>
             <a:endParaRPr kumimoji="1" lang="ja-JP" altLang="en-US"/>
           </a:p>
@@ -4838,7 +5006,7 @@
             <a:fld id="{5868A492-7F05-4C7E-A55B-102E0CC77CD9}" type="datetimeFigureOut">
               <a:rPr kumimoji="1" lang="ja-JP" altLang="en-US" smtClean="0"/>
               <a:pPr/>
-              <a:t>2009/6/22</a:t>
+              <a:t>2009/6/23</a:t>
             </a:fld>
             <a:endParaRPr kumimoji="1" lang="ja-JP" altLang="en-US"/>
           </a:p>
@@ -5501,9 +5669,16 @@
             <p:ph type="subTitle" idx="1"/>
           </p:nvPr>
         </p:nvSpPr>
-        <p:spPr/>
-        <p:txBody>
-          <a:bodyPr/>
+        <p:spPr>
+          <a:xfrm>
+            <a:off x="533400" y="3228536"/>
+            <a:ext cx="7854696" cy="2843670"/>
+          </a:xfrm>
+        </p:spPr>
+        <p:txBody>
+          <a:bodyPr>
+            <a:normAutofit/>
+          </a:bodyPr>
           <a:lstStyle/>
           <a:p>
             <a:r>
@@ -5518,8 +5693,34 @@
           </a:p>
           <a:p>
             <a:r>
-              <a:rPr kumimoji="1" lang="ja-JP" altLang="en-US" dirty="0" smtClean="0"/>
-              <a:t>Ｂ４　菰口　将考</a:t>
+              <a:rPr lang="ja-JP" altLang="en-US" dirty="0" smtClean="0"/>
+              <a:t>発表者　Ｂ４　菰口　将考</a:t>
+            </a:r>
+            <a:endParaRPr lang="en-US" altLang="ja-JP" dirty="0" smtClean="0"/>
+          </a:p>
+          <a:p>
+            <a:r>
+              <a:rPr lang="ja-JP" altLang="en-US" dirty="0" smtClean="0"/>
+              <a:t>担当者　</a:t>
+            </a:r>
+            <a:r>
+              <a:rPr lang="en-US" altLang="ja-JP" dirty="0" smtClean="0"/>
+              <a:t>M</a:t>
+            </a:r>
+            <a:r>
+              <a:rPr lang="ja-JP" altLang="en-US" dirty="0" smtClean="0"/>
+              <a:t>１　畠中　健志</a:t>
+            </a:r>
+            <a:endParaRPr lang="en-US" altLang="ja-JP" dirty="0" smtClean="0"/>
+          </a:p>
+          <a:p>
+            <a:r>
+              <a:rPr lang="en-US" altLang="ja-JP" dirty="0" smtClean="0"/>
+              <a:t>M</a:t>
+            </a:r>
+            <a:r>
+              <a:rPr lang="ja-JP" altLang="en-US" dirty="0" smtClean="0"/>
+              <a:t>２　有安　浩平</a:t>
             </a:r>
             <a:endParaRPr kumimoji="1" lang="en-US" altLang="ja-JP" dirty="0" smtClean="0"/>
           </a:p>
@@ -5530,279 +5731,17 @@
   <p:clrMapOvr>
     <a:masterClrMapping/>
   </p:clrMapOvr>
+  <p:timing>
+    <p:tnLst>
+      <p:par>
+        <p:cTn id="1" dur="indefinite" restart="never" nodeType="tmRoot"/>
+      </p:par>
+    </p:tnLst>
+  </p:timing>
 </p:sld>
 </file>
 
-<file path=ppt/slides/slide2.xml><?xml version="1.0" encoding="utf-8"?>
-<p:sld xmlns:a="http://schemas.openxmlformats.org/drawingml/2006/main" xmlns:r="http://schemas.openxmlformats.org/officeDocument/2006/relationships" xmlns:p="http://schemas.openxmlformats.org/presentationml/2006/main">
-  <p:cSld>
-    <p:spTree>
-      <p:nvGrpSpPr>
-        <p:cNvPr id="1" name=""/>
-        <p:cNvGrpSpPr/>
-        <p:nvPr/>
-      </p:nvGrpSpPr>
-      <p:grpSpPr>
-        <a:xfrm>
-          <a:off x="0" y="0"/>
-          <a:ext cx="0" cy="0"/>
-          <a:chOff x="0" y="0"/>
-          <a:chExt cx="0" cy="0"/>
-        </a:xfrm>
-      </p:grpSpPr>
-      <p:sp>
-        <p:nvSpPr>
-          <p:cNvPr id="2" name="タイトル 1"/>
-          <p:cNvSpPr>
-            <a:spLocks noGrp="1"/>
-          </p:cNvSpPr>
-          <p:nvPr>
-            <p:ph type="title"/>
-          </p:nvPr>
-        </p:nvSpPr>
-        <p:spPr/>
-        <p:txBody>
-          <a:bodyPr/>
-          <a:lstStyle/>
-          <a:p>
-            <a:pPr algn="ctr"/>
-            <a:r>
-              <a:rPr kumimoji="1" lang="ja-JP" altLang="en-US" dirty="0" smtClean="0"/>
-              <a:t>現在の座席表の作り方</a:t>
-            </a:r>
-            <a:endParaRPr kumimoji="1" lang="ja-JP" altLang="en-US" dirty="0"/>
-          </a:p>
-        </p:txBody>
-      </p:sp>
-      <p:sp>
-        <p:nvSpPr>
-          <p:cNvPr id="3" name="コンテンツ プレースホルダ 2"/>
-          <p:cNvSpPr>
-            <a:spLocks noGrp="1"/>
-          </p:cNvSpPr>
-          <p:nvPr>
-            <p:ph idx="1"/>
-          </p:nvPr>
-        </p:nvSpPr>
-        <p:spPr/>
-        <p:txBody>
-          <a:bodyPr/>
-          <a:lstStyle/>
-          <a:p>
-            <a:r>
-              <a:rPr kumimoji="1" lang="ja-JP" altLang="en-US" dirty="0" smtClean="0"/>
-              <a:t>？</a:t>
-            </a:r>
-            <a:endParaRPr kumimoji="1" lang="ja-JP" altLang="en-US" dirty="0"/>
-          </a:p>
-        </p:txBody>
-      </p:sp>
-    </p:spTree>
-  </p:cSld>
-  <p:clrMapOvr>
-    <a:masterClrMapping/>
-  </p:clrMapOvr>
-</p:sld>
-</file>
-
-<file path=ppt/slides/slide3.xml><?xml version="1.0" encoding="utf-8"?>
-<p:sld xmlns:a="http://schemas.openxmlformats.org/drawingml/2006/main" xmlns:r="http://schemas.openxmlformats.org/officeDocument/2006/relationships" xmlns:p="http://schemas.openxmlformats.org/presentationml/2006/main">
-  <p:cSld>
-    <p:spTree>
-      <p:nvGrpSpPr>
-        <p:cNvPr id="1" name=""/>
-        <p:cNvGrpSpPr/>
-        <p:nvPr/>
-      </p:nvGrpSpPr>
-      <p:grpSpPr>
-        <a:xfrm>
-          <a:off x="0" y="0"/>
-          <a:ext cx="0" cy="0"/>
-          <a:chOff x="0" y="0"/>
-          <a:chExt cx="0" cy="0"/>
-        </a:xfrm>
-      </p:grpSpPr>
-      <p:sp>
-        <p:nvSpPr>
-          <p:cNvPr id="2" name="タイトル 1"/>
-          <p:cNvSpPr>
-            <a:spLocks noGrp="1"/>
-          </p:cNvSpPr>
-          <p:nvPr>
-            <p:ph type="title"/>
-          </p:nvPr>
-        </p:nvSpPr>
-        <p:spPr/>
-        <p:txBody>
-          <a:bodyPr/>
-          <a:lstStyle/>
-          <a:p>
-            <a:pPr algn="ctr"/>
-            <a:r>
-              <a:rPr lang="ja-JP" altLang="en-US" dirty="0" smtClean="0"/>
-              <a:t>要望</a:t>
-            </a:r>
-            <a:endParaRPr kumimoji="1" lang="ja-JP" altLang="en-US" dirty="0"/>
-          </a:p>
-        </p:txBody>
-      </p:sp>
-      <p:sp>
-        <p:nvSpPr>
-          <p:cNvPr id="3" name="コンテンツ プレースホルダ 2"/>
-          <p:cNvSpPr>
-            <a:spLocks noGrp="1"/>
-          </p:cNvSpPr>
-          <p:nvPr>
-            <p:ph idx="1"/>
-          </p:nvPr>
-        </p:nvSpPr>
-        <p:spPr/>
-        <p:txBody>
-          <a:bodyPr/>
-          <a:lstStyle/>
-          <a:p>
-            <a:r>
-              <a:rPr lang="ja-JP" altLang="en-US" dirty="0" smtClean="0"/>
-              <a:t>誰でも簡単に使える</a:t>
-            </a:r>
-            <a:endParaRPr lang="en-US" altLang="ja-JP" dirty="0" smtClean="0"/>
-          </a:p>
-          <a:p>
-            <a:endParaRPr lang="en-US" altLang="ja-JP" dirty="0" smtClean="0"/>
-          </a:p>
-          <a:p>
-            <a:r>
-              <a:rPr lang="ja-JP" altLang="en-US" dirty="0" smtClean="0"/>
-              <a:t>机の配置を自由に決められる</a:t>
-            </a:r>
-            <a:endParaRPr lang="en-US" altLang="ja-JP" dirty="0" smtClean="0"/>
-          </a:p>
-          <a:p>
-            <a:pPr>
-              <a:buNone/>
-            </a:pPr>
-            <a:endParaRPr lang="en-US" altLang="ja-JP" dirty="0" smtClean="0"/>
-          </a:p>
-          <a:p>
-            <a:r>
-              <a:rPr lang="ja-JP" altLang="en-US" dirty="0" smtClean="0"/>
-              <a:t>人の名前は打ちこむことで机に名前が表示される</a:t>
-            </a:r>
-            <a:endParaRPr lang="en-US" altLang="ja-JP" dirty="0" smtClean="0"/>
-          </a:p>
-          <a:p>
-            <a:endParaRPr lang="en-US" altLang="ja-JP" dirty="0" smtClean="0"/>
-          </a:p>
-          <a:p>
-            <a:r>
-              <a:rPr lang="ja-JP" altLang="en-US" dirty="0" smtClean="0"/>
-              <a:t>印刷が出来る</a:t>
-            </a:r>
-            <a:endParaRPr lang="en-US" altLang="ja-JP" dirty="0" smtClean="0"/>
-          </a:p>
-        </p:txBody>
-      </p:sp>
-    </p:spTree>
-  </p:cSld>
-  <p:clrMapOvr>
-    <a:masterClrMapping/>
-  </p:clrMapOvr>
-</p:sld>
-</file>
-
-<file path=ppt/slides/slide4.xml><?xml version="1.0" encoding="utf-8"?>
-<p:sld xmlns:a="http://schemas.openxmlformats.org/drawingml/2006/main" xmlns:r="http://schemas.openxmlformats.org/officeDocument/2006/relationships" xmlns:p="http://schemas.openxmlformats.org/presentationml/2006/main">
-  <p:cSld>
-    <p:spTree>
-      <p:nvGrpSpPr>
-        <p:cNvPr id="1" name=""/>
-        <p:cNvGrpSpPr/>
-        <p:nvPr/>
-      </p:nvGrpSpPr>
-      <p:grpSpPr>
-        <a:xfrm>
-          <a:off x="0" y="0"/>
-          <a:ext cx="0" cy="0"/>
-          <a:chOff x="0" y="0"/>
-          <a:chExt cx="0" cy="0"/>
-        </a:xfrm>
-      </p:grpSpPr>
-      <p:sp>
-        <p:nvSpPr>
-          <p:cNvPr id="2" name="タイトル 1"/>
-          <p:cNvSpPr>
-            <a:spLocks noGrp="1"/>
-          </p:cNvSpPr>
-          <p:nvPr>
-            <p:ph type="title"/>
-          </p:nvPr>
-        </p:nvSpPr>
-        <p:spPr/>
-        <p:txBody>
-          <a:bodyPr/>
-          <a:lstStyle/>
-          <a:p>
-            <a:pPr algn="ctr"/>
-            <a:r>
-              <a:rPr kumimoji="1" lang="ja-JP" altLang="en-US" dirty="0" smtClean="0"/>
-              <a:t>実装した機能</a:t>
-            </a:r>
-            <a:endParaRPr kumimoji="1" lang="ja-JP" altLang="en-US" dirty="0"/>
-          </a:p>
-        </p:txBody>
-      </p:sp>
-      <p:sp>
-        <p:nvSpPr>
-          <p:cNvPr id="3" name="コンテンツ プレースホルダ 2"/>
-          <p:cNvSpPr>
-            <a:spLocks noGrp="1"/>
-          </p:cNvSpPr>
-          <p:nvPr>
-            <p:ph idx="1"/>
-          </p:nvPr>
-        </p:nvSpPr>
-        <p:spPr/>
-        <p:txBody>
-          <a:bodyPr/>
-          <a:lstStyle/>
-          <a:p>
-            <a:r>
-              <a:rPr kumimoji="1" lang="ja-JP" altLang="en-US" dirty="0" smtClean="0"/>
-              <a:t>机の作成、削除、移動、向き変更、名前の入力</a:t>
-            </a:r>
-            <a:endParaRPr kumimoji="1" lang="en-US" altLang="ja-JP" dirty="0" smtClean="0"/>
-          </a:p>
-          <a:p>
-            <a:endParaRPr lang="en-US" altLang="ja-JP" dirty="0" smtClean="0"/>
-          </a:p>
-          <a:p>
-            <a:r>
-              <a:rPr kumimoji="1" lang="ja-JP" altLang="en-US" dirty="0" smtClean="0"/>
-              <a:t>チェックボックスで色、編集する机の選択</a:t>
-            </a:r>
-            <a:endParaRPr kumimoji="1" lang="en-US" altLang="ja-JP" dirty="0" smtClean="0"/>
-          </a:p>
-          <a:p>
-            <a:endParaRPr lang="en-US" altLang="ja-JP" dirty="0" smtClean="0"/>
-          </a:p>
-          <a:p>
-            <a:r>
-              <a:rPr lang="ja-JP" altLang="en-US" smtClean="0"/>
-              <a:t>印刷機能</a:t>
-            </a:r>
-            <a:endParaRPr kumimoji="1" lang="ja-JP" altLang="en-US"/>
-          </a:p>
-        </p:txBody>
-      </p:sp>
-    </p:spTree>
-  </p:cSld>
-  <p:clrMapOvr>
-    <a:masterClrMapping/>
-  </p:clrMapOvr>
-</p:sld>
-</file>
-
-<file path=ppt/slides/slide5.xml><?xml version="1.0" encoding="utf-8"?>
+<file path=ppt/slides/slide10.xml><?xml version="1.0" encoding="utf-8"?>
 <p:sld xmlns:a="http://schemas.openxmlformats.org/drawingml/2006/main" xmlns:r="http://schemas.openxmlformats.org/officeDocument/2006/relationships" xmlns:p="http://schemas.openxmlformats.org/presentationml/2006/main">
   <p:cSld>
     <p:spTree>
@@ -6061,6 +6000,477 @@
   <p:clrMapOvr>
     <a:masterClrMapping/>
   </p:clrMapOvr>
+  <p:timing>
+    <p:tnLst>
+      <p:par>
+        <p:cTn id="1" dur="indefinite" restart="never" nodeType="tmRoot"/>
+      </p:par>
+    </p:tnLst>
+  </p:timing>
+</p:sld>
+</file>
+
+<file path=ppt/slides/slide2.xml><?xml version="1.0" encoding="utf-8"?>
+<p:sld xmlns:a="http://schemas.openxmlformats.org/drawingml/2006/main" xmlns:r="http://schemas.openxmlformats.org/officeDocument/2006/relationships" xmlns:p="http://schemas.openxmlformats.org/presentationml/2006/main">
+  <p:cSld>
+    <p:spTree>
+      <p:nvGrpSpPr>
+        <p:cNvPr id="1" name=""/>
+        <p:cNvGrpSpPr/>
+        <p:nvPr/>
+      </p:nvGrpSpPr>
+      <p:grpSpPr>
+        <a:xfrm>
+          <a:off x="0" y="0"/>
+          <a:ext cx="0" cy="0"/>
+          <a:chOff x="0" y="0"/>
+          <a:chExt cx="0" cy="0"/>
+        </a:xfrm>
+      </p:grpSpPr>
+      <p:sp>
+        <p:nvSpPr>
+          <p:cNvPr id="2" name="タイトル 1"/>
+          <p:cNvSpPr>
+            <a:spLocks noGrp="1"/>
+          </p:cNvSpPr>
+          <p:nvPr>
+            <p:ph type="title"/>
+          </p:nvPr>
+        </p:nvSpPr>
+        <p:spPr/>
+        <p:txBody>
+          <a:bodyPr/>
+          <a:lstStyle/>
+          <a:p>
+            <a:pPr algn="ctr"/>
+            <a:r>
+              <a:rPr kumimoji="1" lang="ja-JP" altLang="en-US" dirty="0" smtClean="0"/>
+              <a:t>背景</a:t>
+            </a:r>
+            <a:endParaRPr kumimoji="1" lang="ja-JP" altLang="en-US" dirty="0"/>
+          </a:p>
+        </p:txBody>
+      </p:sp>
+      <p:sp>
+        <p:nvSpPr>
+          <p:cNvPr id="3" name="コンテンツ プレースホルダ 2"/>
+          <p:cNvSpPr>
+            <a:spLocks noGrp="1"/>
+          </p:cNvSpPr>
+          <p:nvPr>
+            <p:ph idx="1"/>
+          </p:nvPr>
+        </p:nvSpPr>
+        <p:spPr/>
+        <p:txBody>
+          <a:bodyPr/>
+          <a:lstStyle/>
+          <a:p>
+            <a:pPr>
+              <a:buNone/>
+            </a:pPr>
+            <a:endParaRPr lang="en-US" altLang="ja-JP" dirty="0" smtClean="0"/>
+          </a:p>
+          <a:p>
+            <a:r>
+              <a:rPr kumimoji="1" lang="ja-JP" altLang="en-US" dirty="0" smtClean="0"/>
+              <a:t>座席表を席を変える度に作るのは面倒</a:t>
+            </a:r>
+            <a:endParaRPr kumimoji="1" lang="en-US" altLang="ja-JP" dirty="0" smtClean="0"/>
+          </a:p>
+          <a:p>
+            <a:pPr>
+              <a:buNone/>
+            </a:pPr>
+            <a:endParaRPr lang="en-US" altLang="ja-JP" dirty="0" smtClean="0"/>
+          </a:p>
+          <a:p>
+            <a:r>
+              <a:rPr lang="ja-JP" altLang="en-US" dirty="0" smtClean="0"/>
+              <a:t>誰にでも作れるプログラムが必要</a:t>
+            </a:r>
+            <a:endParaRPr lang="en-US" altLang="ja-JP" dirty="0" smtClean="0"/>
+          </a:p>
+          <a:p>
+            <a:endParaRPr kumimoji="1" lang="en-US" altLang="ja-JP" dirty="0" smtClean="0"/>
+          </a:p>
+          <a:p>
+            <a:endParaRPr kumimoji="1" lang="en-US" altLang="ja-JP" dirty="0" smtClean="0"/>
+          </a:p>
+          <a:p>
+            <a:endParaRPr kumimoji="1" lang="en-US" altLang="ja-JP" dirty="0" smtClean="0"/>
+          </a:p>
+          <a:p>
+            <a:endParaRPr kumimoji="1" lang="ja-JP" altLang="en-US" dirty="0"/>
+          </a:p>
+        </p:txBody>
+      </p:sp>
+    </p:spTree>
+  </p:cSld>
+  <p:clrMapOvr>
+    <a:masterClrMapping/>
+  </p:clrMapOvr>
+  <p:timing>
+    <p:tnLst>
+      <p:par>
+        <p:cTn id="1" dur="indefinite" restart="never" nodeType="tmRoot"/>
+      </p:par>
+    </p:tnLst>
+  </p:timing>
+</p:sld>
+</file>
+
+<file path=ppt/slides/slide3.xml><?xml version="1.0" encoding="utf-8"?>
+<p:sld xmlns:a="http://schemas.openxmlformats.org/drawingml/2006/main" xmlns:r="http://schemas.openxmlformats.org/officeDocument/2006/relationships" xmlns:p="http://schemas.openxmlformats.org/presentationml/2006/main">
+  <p:cSld>
+    <p:spTree>
+      <p:nvGrpSpPr>
+        <p:cNvPr id="1" name=""/>
+        <p:cNvGrpSpPr/>
+        <p:nvPr/>
+      </p:nvGrpSpPr>
+      <p:grpSpPr>
+        <a:xfrm>
+          <a:off x="0" y="0"/>
+          <a:ext cx="0" cy="0"/>
+          <a:chOff x="0" y="0"/>
+          <a:chExt cx="0" cy="0"/>
+        </a:xfrm>
+      </p:grpSpPr>
+      <p:sp>
+        <p:nvSpPr>
+          <p:cNvPr id="2" name="タイトル 1"/>
+          <p:cNvSpPr>
+            <a:spLocks noGrp="1"/>
+          </p:cNvSpPr>
+          <p:nvPr>
+            <p:ph type="title"/>
+          </p:nvPr>
+        </p:nvSpPr>
+        <p:spPr/>
+        <p:txBody>
+          <a:bodyPr/>
+          <a:lstStyle/>
+          <a:p>
+            <a:pPr algn="ctr"/>
+            <a:r>
+              <a:rPr kumimoji="1" lang="ja-JP" altLang="en-US" dirty="0" smtClean="0"/>
+              <a:t>現在の座席表の作り方</a:t>
+            </a:r>
+            <a:endParaRPr kumimoji="1" lang="ja-JP" altLang="en-US" dirty="0"/>
+          </a:p>
+        </p:txBody>
+      </p:sp>
+      <p:sp>
+        <p:nvSpPr>
+          <p:cNvPr id="3" name="コンテンツ プレースホルダ 2"/>
+          <p:cNvSpPr>
+            <a:spLocks noGrp="1"/>
+          </p:cNvSpPr>
+          <p:nvPr>
+            <p:ph idx="1"/>
+          </p:nvPr>
+        </p:nvSpPr>
+        <p:spPr>
+          <a:xfrm>
+            <a:off x="500034" y="2214554"/>
+            <a:ext cx="8229600" cy="4389120"/>
+          </a:xfrm>
+        </p:spPr>
+        <p:txBody>
+          <a:bodyPr/>
+          <a:lstStyle/>
+          <a:p>
+            <a:r>
+              <a:rPr lang="en-US" altLang="ja-JP" dirty="0" smtClean="0"/>
+              <a:t>Excel</a:t>
+            </a:r>
+            <a:r>
+              <a:rPr kumimoji="1" lang="ja-JP" altLang="en-US" dirty="0" smtClean="0"/>
+              <a:t>を使用</a:t>
+            </a:r>
+            <a:endParaRPr kumimoji="1" lang="en-US" altLang="ja-JP" dirty="0" smtClean="0"/>
+          </a:p>
+          <a:p>
+            <a:endParaRPr lang="en-US" altLang="ja-JP" dirty="0" smtClean="0"/>
+          </a:p>
+          <a:p>
+            <a:r>
+              <a:rPr lang="ja-JP" altLang="en-US" dirty="0" smtClean="0"/>
+              <a:t>机の位置の変更が不便</a:t>
+            </a:r>
+            <a:endParaRPr lang="en-US" altLang="ja-JP" dirty="0" smtClean="0"/>
+          </a:p>
+          <a:p>
+            <a:endParaRPr kumimoji="1" lang="en-US" altLang="ja-JP" dirty="0" smtClean="0"/>
+          </a:p>
+          <a:p>
+            <a:r>
+              <a:rPr lang="en-US" altLang="ja-JP" dirty="0" smtClean="0"/>
+              <a:t>Excel</a:t>
+            </a:r>
+            <a:r>
+              <a:rPr lang="ja-JP" altLang="en-US" dirty="0" smtClean="0"/>
+              <a:t>が使えないと作るのが難しい</a:t>
+            </a:r>
+            <a:endParaRPr kumimoji="1" lang="ja-JP" altLang="en-US" dirty="0"/>
+          </a:p>
+        </p:txBody>
+      </p:sp>
+    </p:spTree>
+  </p:cSld>
+  <p:clrMapOvr>
+    <a:masterClrMapping/>
+  </p:clrMapOvr>
+  <p:timing>
+    <p:tnLst>
+      <p:par>
+        <p:cTn id="1" dur="indefinite" restart="never" nodeType="tmRoot"/>
+      </p:par>
+    </p:tnLst>
+  </p:timing>
+</p:sld>
+</file>
+
+<file path=ppt/slides/slide4.xml><?xml version="1.0" encoding="utf-8"?>
+<p:sld xmlns:a="http://schemas.openxmlformats.org/drawingml/2006/main" xmlns:r="http://schemas.openxmlformats.org/officeDocument/2006/relationships" xmlns:p="http://schemas.openxmlformats.org/presentationml/2006/main">
+  <p:cSld>
+    <p:spTree>
+      <p:nvGrpSpPr>
+        <p:cNvPr id="1" name=""/>
+        <p:cNvGrpSpPr/>
+        <p:nvPr/>
+      </p:nvGrpSpPr>
+      <p:grpSpPr>
+        <a:xfrm>
+          <a:off x="0" y="0"/>
+          <a:ext cx="0" cy="0"/>
+          <a:chOff x="0" y="0"/>
+          <a:chExt cx="0" cy="0"/>
+        </a:xfrm>
+      </p:grpSpPr>
+      <p:sp>
+        <p:nvSpPr>
+          <p:cNvPr id="2" name="タイトル 1"/>
+          <p:cNvSpPr>
+            <a:spLocks noGrp="1"/>
+          </p:cNvSpPr>
+          <p:nvPr>
+            <p:ph type="title"/>
+          </p:nvPr>
+        </p:nvSpPr>
+        <p:spPr/>
+        <p:txBody>
+          <a:bodyPr/>
+          <a:lstStyle/>
+          <a:p>
+            <a:pPr algn="ctr"/>
+            <a:r>
+              <a:rPr lang="ja-JP" altLang="en-US" dirty="0" smtClean="0"/>
+              <a:t>要望</a:t>
+            </a:r>
+            <a:endParaRPr kumimoji="1" lang="ja-JP" altLang="en-US" dirty="0"/>
+          </a:p>
+        </p:txBody>
+      </p:sp>
+      <p:sp>
+        <p:nvSpPr>
+          <p:cNvPr id="3" name="コンテンツ プレースホルダ 2"/>
+          <p:cNvSpPr>
+            <a:spLocks noGrp="1"/>
+          </p:cNvSpPr>
+          <p:nvPr>
+            <p:ph idx="1"/>
+          </p:nvPr>
+        </p:nvSpPr>
+        <p:spPr/>
+        <p:txBody>
+          <a:bodyPr/>
+          <a:lstStyle/>
+          <a:p>
+            <a:r>
+              <a:rPr lang="ja-JP" altLang="en-US" dirty="0" smtClean="0"/>
+              <a:t>誰でも簡単に使える</a:t>
+            </a:r>
+            <a:endParaRPr lang="en-US" altLang="ja-JP" dirty="0" smtClean="0"/>
+          </a:p>
+          <a:p>
+            <a:endParaRPr lang="en-US" altLang="ja-JP" dirty="0" smtClean="0"/>
+          </a:p>
+          <a:p>
+            <a:r>
+              <a:rPr lang="ja-JP" altLang="en-US" dirty="0" smtClean="0"/>
+              <a:t>机の配置を自由に決められる</a:t>
+            </a:r>
+            <a:endParaRPr lang="en-US" altLang="ja-JP" dirty="0" smtClean="0"/>
+          </a:p>
+          <a:p>
+            <a:pPr>
+              <a:buNone/>
+            </a:pPr>
+            <a:endParaRPr lang="en-US" altLang="ja-JP" dirty="0" smtClean="0"/>
+          </a:p>
+          <a:p>
+            <a:r>
+              <a:rPr lang="ja-JP" altLang="en-US" dirty="0" smtClean="0"/>
+              <a:t>人の名前は打ちこむことで机に名前が表示される</a:t>
+            </a:r>
+            <a:endParaRPr lang="en-US" altLang="ja-JP" dirty="0" smtClean="0"/>
+          </a:p>
+          <a:p>
+            <a:endParaRPr lang="en-US" altLang="ja-JP" dirty="0" smtClean="0"/>
+          </a:p>
+          <a:p>
+            <a:r>
+              <a:rPr lang="ja-JP" altLang="en-US" dirty="0" smtClean="0"/>
+              <a:t>印刷が出来る</a:t>
+            </a:r>
+            <a:endParaRPr lang="en-US" altLang="ja-JP" dirty="0" smtClean="0"/>
+          </a:p>
+        </p:txBody>
+      </p:sp>
+    </p:spTree>
+  </p:cSld>
+  <p:clrMapOvr>
+    <a:masterClrMapping/>
+  </p:clrMapOvr>
+  <p:timing>
+    <p:tnLst>
+      <p:par>
+        <p:cTn id="1" dur="indefinite" restart="never" nodeType="tmRoot"/>
+      </p:par>
+    </p:tnLst>
+  </p:timing>
+</p:sld>
+</file>
+
+<file path=ppt/slides/slide5.xml><?xml version="1.0" encoding="utf-8"?>
+<p:sld xmlns:a="http://schemas.openxmlformats.org/drawingml/2006/main" xmlns:r="http://schemas.openxmlformats.org/officeDocument/2006/relationships" xmlns:p="http://schemas.openxmlformats.org/presentationml/2006/main">
+  <p:cSld>
+    <p:spTree>
+      <p:nvGrpSpPr>
+        <p:cNvPr id="1" name=""/>
+        <p:cNvGrpSpPr/>
+        <p:nvPr/>
+      </p:nvGrpSpPr>
+      <p:grpSpPr>
+        <a:xfrm>
+          <a:off x="0" y="0"/>
+          <a:ext cx="0" cy="0"/>
+          <a:chOff x="0" y="0"/>
+          <a:chExt cx="0" cy="0"/>
+        </a:xfrm>
+      </p:grpSpPr>
+      <p:sp>
+        <p:nvSpPr>
+          <p:cNvPr id="2" name="タイトル 1"/>
+          <p:cNvSpPr>
+            <a:spLocks noGrp="1"/>
+          </p:cNvSpPr>
+          <p:nvPr>
+            <p:ph type="title"/>
+          </p:nvPr>
+        </p:nvSpPr>
+        <p:spPr/>
+        <p:txBody>
+          <a:bodyPr/>
+          <a:lstStyle/>
+          <a:p>
+            <a:pPr algn="ctr"/>
+            <a:r>
+              <a:rPr kumimoji="1" lang="ja-JP" altLang="en-US" dirty="0" smtClean="0"/>
+              <a:t>実装した機能</a:t>
+            </a:r>
+            <a:endParaRPr kumimoji="1" lang="ja-JP" altLang="en-US" dirty="0"/>
+          </a:p>
+        </p:txBody>
+      </p:sp>
+      <p:sp>
+        <p:nvSpPr>
+          <p:cNvPr id="3" name="コンテンツ プレースホルダ 2"/>
+          <p:cNvSpPr>
+            <a:spLocks noGrp="1"/>
+          </p:cNvSpPr>
+          <p:nvPr>
+            <p:ph idx="1"/>
+          </p:nvPr>
+        </p:nvSpPr>
+        <p:spPr>
+          <a:xfrm>
+            <a:off x="500034" y="2071678"/>
+            <a:ext cx="8229600" cy="4389120"/>
+          </a:xfrm>
+        </p:spPr>
+        <p:txBody>
+          <a:bodyPr/>
+          <a:lstStyle/>
+          <a:p>
+            <a:endParaRPr kumimoji="1" lang="en-US" altLang="ja-JP" dirty="0" smtClean="0"/>
+          </a:p>
+          <a:p>
+            <a:r>
+              <a:rPr kumimoji="1" lang="ja-JP" altLang="en-US" dirty="0" smtClean="0"/>
+              <a:t>机</a:t>
+            </a:r>
+            <a:r>
+              <a:rPr kumimoji="1" lang="ja-JP" altLang="en-US" dirty="0" smtClean="0"/>
+              <a:t>の作成、削除、移動、向き変更、名前の入力</a:t>
+            </a:r>
+            <a:endParaRPr kumimoji="1" lang="en-US" altLang="ja-JP" dirty="0" smtClean="0"/>
+          </a:p>
+          <a:p>
+            <a:pPr>
+              <a:buNone/>
+            </a:pPr>
+            <a:endParaRPr lang="en-US" altLang="ja-JP" dirty="0" smtClean="0"/>
+          </a:p>
+          <a:p>
+            <a:r>
+              <a:rPr kumimoji="1" lang="ja-JP" altLang="en-US" dirty="0" smtClean="0"/>
+              <a:t>チェックボックスで色、編集する机の</a:t>
+            </a:r>
+            <a:r>
+              <a:rPr kumimoji="1" lang="ja-JP" altLang="en-US" dirty="0" smtClean="0"/>
+              <a:t>選択</a:t>
+            </a:r>
+            <a:endParaRPr kumimoji="1" lang="en-US" altLang="ja-JP" dirty="0" smtClean="0"/>
+          </a:p>
+          <a:p>
+            <a:endParaRPr lang="en-US" altLang="ja-JP" dirty="0" smtClean="0"/>
+          </a:p>
+          <a:p>
+            <a:r>
+              <a:rPr kumimoji="1" lang="ja-JP" altLang="en-US" dirty="0" smtClean="0"/>
+              <a:t>机の位置・状態のインポート・エクスポート</a:t>
+            </a:r>
+            <a:endParaRPr kumimoji="1" lang="en-US" altLang="ja-JP" dirty="0" smtClean="0"/>
+          </a:p>
+          <a:p>
+            <a:pPr>
+              <a:buNone/>
+            </a:pPr>
+            <a:endParaRPr lang="en-US" altLang="ja-JP" dirty="0" smtClean="0"/>
+          </a:p>
+          <a:p>
+            <a:r>
+              <a:rPr lang="ja-JP" altLang="en-US" dirty="0" smtClean="0"/>
+              <a:t>印刷機能</a:t>
+            </a:r>
+          </a:p>
+        </p:txBody>
+      </p:sp>
+    </p:spTree>
+  </p:cSld>
+  <p:clrMapOvr>
+    <a:masterClrMapping/>
+  </p:clrMapOvr>
+  <p:timing>
+    <p:tnLst>
+      <p:par>
+        <p:cTn id="1" dur="indefinite" restart="never" nodeType="tmRoot"/>
+      </p:par>
+    </p:tnLst>
+  </p:timing>
 </p:sld>
 </file>
 
@@ -6083,7 +6493,7 @@
       </p:grpSpPr>
       <p:sp>
         <p:nvSpPr>
-          <p:cNvPr id="2" name="タイトル 1"/>
+          <p:cNvPr id="4" name="タイトル 3"/>
           <p:cNvSpPr>
             <a:spLocks noGrp="1"/>
           </p:cNvSpPr>
@@ -6091,15 +6501,20 @@
             <p:ph type="title"/>
           </p:nvPr>
         </p:nvSpPr>
-        <p:spPr/>
+        <p:spPr>
+          <a:xfrm>
+            <a:off x="500034" y="285728"/>
+            <a:ext cx="8229600" cy="1143000"/>
+          </a:xfrm>
+        </p:spPr>
         <p:txBody>
           <a:bodyPr/>
           <a:lstStyle/>
           <a:p>
             <a:pPr algn="ctr"/>
             <a:r>
-              <a:rPr kumimoji="1" lang="ja-JP" altLang="en-US" dirty="0" smtClean="0"/>
-              <a:t>制作環境</a:t>
+              <a:rPr lang="ja-JP" altLang="en-US" dirty="0" smtClean="0"/>
+              <a:t>座席表作成の流れ</a:t>
             </a:r>
             <a:endParaRPr kumimoji="1" lang="ja-JP" altLang="en-US" dirty="0"/>
           </a:p>
@@ -6107,7 +6522,7 @@
       </p:sp>
       <p:sp>
         <p:nvSpPr>
-          <p:cNvPr id="3" name="コンテンツ プレースホルダ 2"/>
+          <p:cNvPr id="6" name="コンテンツ プレースホルダ 5"/>
           <p:cNvSpPr>
             <a:spLocks noGrp="1"/>
           </p:cNvSpPr>
@@ -6115,20 +6530,1025 @@
             <p:ph idx="1"/>
           </p:nvPr>
         </p:nvSpPr>
-        <p:spPr/>
-        <p:txBody>
-          <a:bodyPr/>
-          <a:lstStyle/>
-          <a:p>
-            <a:endParaRPr kumimoji="1" lang="ja-JP" altLang="en-US"/>
-          </a:p>
-        </p:txBody>
-      </p:sp>
+        <p:spPr>
+          <a:xfrm>
+            <a:off x="642910" y="1428736"/>
+            <a:ext cx="4114800" cy="4895864"/>
+          </a:xfrm>
+        </p:spPr>
+        <p:txBody>
+          <a:bodyPr>
+            <a:normAutofit/>
+          </a:bodyPr>
+          <a:lstStyle/>
+          <a:p>
+            <a:pPr>
+              <a:buNone/>
+            </a:pPr>
+            <a:r>
+              <a:rPr lang="ja-JP" altLang="en-US" sz="2400" dirty="0" smtClean="0"/>
+              <a:t>１．生徒の名前を入力</a:t>
+            </a:r>
+            <a:endParaRPr lang="en-US" altLang="ja-JP" sz="2400" dirty="0" smtClean="0"/>
+          </a:p>
+          <a:p>
+            <a:pPr>
+              <a:buNone/>
+            </a:pPr>
+            <a:r>
+              <a:rPr lang="ja-JP" altLang="en-US" sz="2400" dirty="0" smtClean="0"/>
+              <a:t>↓</a:t>
+            </a:r>
+            <a:endParaRPr lang="en-US" altLang="ja-JP" sz="2400" dirty="0" smtClean="0"/>
+          </a:p>
+          <a:p>
+            <a:pPr>
+              <a:buNone/>
+            </a:pPr>
+            <a:r>
+              <a:rPr lang="ja-JP" altLang="en-US" sz="2400" dirty="0" smtClean="0"/>
+              <a:t>２．机の作成</a:t>
+            </a:r>
+            <a:endParaRPr lang="en-US" altLang="ja-JP" sz="2400" dirty="0" smtClean="0"/>
+          </a:p>
+          <a:p>
+            <a:pPr>
+              <a:buNone/>
+            </a:pPr>
+            <a:r>
+              <a:rPr lang="ja-JP" altLang="en-US" sz="2400" dirty="0" smtClean="0"/>
+              <a:t>↓</a:t>
+            </a:r>
+            <a:endParaRPr lang="en-US" altLang="ja-JP" sz="2400" dirty="0" smtClean="0"/>
+          </a:p>
+          <a:p>
+            <a:pPr>
+              <a:buNone/>
+            </a:pPr>
+            <a:r>
+              <a:rPr lang="ja-JP" altLang="en-US" sz="2400" dirty="0" smtClean="0"/>
+              <a:t>３．机を移動させ位置を決める</a:t>
+            </a:r>
+            <a:endParaRPr lang="en-US" altLang="ja-JP" sz="2400" dirty="0" smtClean="0"/>
+          </a:p>
+          <a:p>
+            <a:pPr>
+              <a:buNone/>
+            </a:pPr>
+            <a:endParaRPr lang="en-US" altLang="ja-JP" sz="2400" dirty="0" smtClean="0"/>
+          </a:p>
+          <a:p>
+            <a:pPr>
+              <a:buNone/>
+            </a:pPr>
+            <a:r>
+              <a:rPr lang="ja-JP" altLang="en-US" sz="2400" dirty="0" smtClean="0"/>
+              <a:t>↓</a:t>
+            </a:r>
+            <a:r>
+              <a:rPr lang="ja-JP" altLang="en-US" sz="1400" dirty="0" smtClean="0"/>
+              <a:t>１～３を人数分繰り返す</a:t>
+            </a:r>
+            <a:endParaRPr lang="en-US" altLang="ja-JP" sz="1400" dirty="0" smtClean="0"/>
+          </a:p>
+          <a:p>
+            <a:pPr>
+              <a:buNone/>
+            </a:pPr>
+            <a:endParaRPr lang="en-US" altLang="ja-JP" sz="2400" dirty="0" smtClean="0"/>
+          </a:p>
+          <a:p>
+            <a:pPr>
+              <a:buNone/>
+            </a:pPr>
+            <a:r>
+              <a:rPr lang="ja-JP" altLang="en-US" sz="2400" dirty="0" smtClean="0"/>
+              <a:t>４印刷</a:t>
+            </a:r>
+            <a:endParaRPr kumimoji="1" lang="ja-JP" altLang="en-US" sz="2400" dirty="0"/>
+          </a:p>
+        </p:txBody>
+      </p:sp>
+      <p:pic>
+        <p:nvPicPr>
+          <p:cNvPr id="9" name="図 8" descr="uhoho.bmp"/>
+          <p:cNvPicPr>
+            <a:picLocks noChangeAspect="1"/>
+          </p:cNvPicPr>
+          <p:nvPr/>
+        </p:nvPicPr>
+        <p:blipFill>
+          <a:blip r:embed="rId3" cstate="print"/>
+          <a:stretch>
+            <a:fillRect/>
+          </a:stretch>
+        </p:blipFill>
+        <p:spPr>
+          <a:xfrm>
+            <a:off x="4848225" y="2143116"/>
+            <a:ext cx="4295775" cy="4133850"/>
+          </a:xfrm>
+          <a:prstGeom prst="rect">
+            <a:avLst/>
+          </a:prstGeom>
+        </p:spPr>
+      </p:pic>
+      <p:pic>
+        <p:nvPicPr>
+          <p:cNvPr id="11" name="図 10" descr="名前.bmp"/>
+          <p:cNvPicPr>
+            <a:picLocks noChangeAspect="1"/>
+          </p:cNvPicPr>
+          <p:nvPr/>
+        </p:nvPicPr>
+        <p:blipFill>
+          <a:blip r:embed="rId4" cstate="print"/>
+          <a:stretch>
+            <a:fillRect/>
+          </a:stretch>
+        </p:blipFill>
+        <p:spPr>
+          <a:xfrm>
+            <a:off x="7572396" y="2357430"/>
+            <a:ext cx="514350" cy="161925"/>
+          </a:xfrm>
+          <a:prstGeom prst="rect">
+            <a:avLst/>
+          </a:prstGeom>
+        </p:spPr>
+      </p:pic>
+      <p:pic>
+        <p:nvPicPr>
+          <p:cNvPr id="12" name="図 11" descr="tukue.bmp"/>
+          <p:cNvPicPr>
+            <a:picLocks noChangeAspect="1"/>
+          </p:cNvPicPr>
+          <p:nvPr/>
+        </p:nvPicPr>
+        <p:blipFill>
+          <a:blip r:embed="rId5" cstate="print"/>
+          <a:stretch>
+            <a:fillRect/>
+          </a:stretch>
+        </p:blipFill>
+        <p:spPr>
+          <a:xfrm>
+            <a:off x="4857752" y="2143116"/>
+            <a:ext cx="895350" cy="590550"/>
+          </a:xfrm>
+          <a:prstGeom prst="rect">
+            <a:avLst/>
+          </a:prstGeom>
+        </p:spPr>
+      </p:pic>
+      <p:pic>
+        <p:nvPicPr>
+          <p:cNvPr id="13" name="図 12" descr="tukue.bmp"/>
+          <p:cNvPicPr>
+            <a:picLocks noChangeAspect="1"/>
+          </p:cNvPicPr>
+          <p:nvPr/>
+        </p:nvPicPr>
+        <p:blipFill>
+          <a:blip r:embed="rId5" cstate="print"/>
+          <a:stretch>
+            <a:fillRect/>
+          </a:stretch>
+        </p:blipFill>
+        <p:spPr>
+          <a:xfrm>
+            <a:off x="5143504" y="4214818"/>
+            <a:ext cx="895350" cy="590550"/>
+          </a:xfrm>
+          <a:prstGeom prst="rect">
+            <a:avLst/>
+          </a:prstGeom>
+        </p:spPr>
+      </p:pic>
     </p:spTree>
   </p:cSld>
   <p:clrMapOvr>
     <a:masterClrMapping/>
   </p:clrMapOvr>
+  <p:timing>
+    <p:tnLst>
+      <p:par>
+        <p:cTn id="1" dur="indefinite" restart="never" nodeType="tmRoot">
+          <p:childTnLst>
+            <p:seq concurrent="1" nextAc="seek">
+              <p:cTn id="2" dur="indefinite" nodeType="mainSeq">
+                <p:childTnLst>
+                  <p:par>
+                    <p:cTn id="3" fill="hold">
+                      <p:stCondLst>
+                        <p:cond delay="indefinite"/>
+                      </p:stCondLst>
+                      <p:childTnLst>
+                        <p:par>
+                          <p:cTn id="4" fill="hold">
+                            <p:stCondLst>
+                              <p:cond delay="0"/>
+                            </p:stCondLst>
+                            <p:childTnLst>
+                              <p:par>
+                                <p:cTn id="5" presetID="2" presetClass="entr" presetSubtype="4" fill="hold" nodeType="clickEffect">
+                                  <p:stCondLst>
+                                    <p:cond delay="0"/>
+                                  </p:stCondLst>
+                                  <p:childTnLst>
+                                    <p:set>
+                                      <p:cBhvr>
+                                        <p:cTn id="6" dur="1" fill="hold">
+                                          <p:stCondLst>
+                                            <p:cond delay="0"/>
+                                          </p:stCondLst>
+                                        </p:cTn>
+                                        <p:tgtEl>
+                                          <p:spTgt spid="6">
+                                            <p:txEl>
+                                              <p:pRg st="0" end="0"/>
+                                            </p:txEl>
+                                          </p:spTgt>
+                                        </p:tgtEl>
+                                        <p:attrNameLst>
+                                          <p:attrName>style.visibility</p:attrName>
+                                        </p:attrNameLst>
+                                      </p:cBhvr>
+                                      <p:to>
+                                        <p:strVal val="visible"/>
+                                      </p:to>
+                                    </p:set>
+                                    <p:anim calcmode="lin" valueType="num">
+                                      <p:cBhvr additive="base">
+                                        <p:cTn id="7" dur="500" fill="hold"/>
+                                        <p:tgtEl>
+                                          <p:spTgt spid="6">
+                                            <p:txEl>
+                                              <p:pRg st="0" end="0"/>
+                                            </p:txEl>
+                                          </p:spTgt>
+                                        </p:tgtEl>
+                                        <p:attrNameLst>
+                                          <p:attrName>ppt_x</p:attrName>
+                                        </p:attrNameLst>
+                                      </p:cBhvr>
+                                      <p:tavLst>
+                                        <p:tav tm="0">
+                                          <p:val>
+                                            <p:strVal val="#ppt_x"/>
+                                          </p:val>
+                                        </p:tav>
+                                        <p:tav tm="100000">
+                                          <p:val>
+                                            <p:strVal val="#ppt_x"/>
+                                          </p:val>
+                                        </p:tav>
+                                      </p:tavLst>
+                                    </p:anim>
+                                    <p:anim calcmode="lin" valueType="num">
+                                      <p:cBhvr additive="base">
+                                        <p:cTn id="8" dur="500" fill="hold"/>
+                                        <p:tgtEl>
+                                          <p:spTgt spid="6">
+                                            <p:txEl>
+                                              <p:pRg st="0" end="0"/>
+                                            </p:txEl>
+                                          </p:spTgt>
+                                        </p:tgtEl>
+                                        <p:attrNameLst>
+                                          <p:attrName>ppt_y</p:attrName>
+                                        </p:attrNameLst>
+                                      </p:cBhvr>
+                                      <p:tavLst>
+                                        <p:tav tm="0">
+                                          <p:val>
+                                            <p:strVal val="1+#ppt_h/2"/>
+                                          </p:val>
+                                        </p:tav>
+                                        <p:tav tm="100000">
+                                          <p:val>
+                                            <p:strVal val="#ppt_y"/>
+                                          </p:val>
+                                        </p:tav>
+                                      </p:tavLst>
+                                    </p:anim>
+                                  </p:childTnLst>
+                                </p:cTn>
+                              </p:par>
+                            </p:childTnLst>
+                          </p:cTn>
+                        </p:par>
+                      </p:childTnLst>
+                    </p:cTn>
+                  </p:par>
+                  <p:par>
+                    <p:cTn id="9" fill="hold">
+                      <p:stCondLst>
+                        <p:cond delay="indefinite"/>
+                      </p:stCondLst>
+                      <p:childTnLst>
+                        <p:par>
+                          <p:cTn id="10" fill="hold">
+                            <p:stCondLst>
+                              <p:cond delay="0"/>
+                            </p:stCondLst>
+                            <p:childTnLst>
+                              <p:par>
+                                <p:cTn id="11" presetID="18" presetClass="entr" presetSubtype="12" fill="hold" nodeType="clickEffect">
+                                  <p:stCondLst>
+                                    <p:cond delay="0"/>
+                                  </p:stCondLst>
+                                  <p:childTnLst>
+                                    <p:set>
+                                      <p:cBhvr>
+                                        <p:cTn id="12" dur="1" fill="hold">
+                                          <p:stCondLst>
+                                            <p:cond delay="0"/>
+                                          </p:stCondLst>
+                                        </p:cTn>
+                                        <p:tgtEl>
+                                          <p:spTgt spid="11"/>
+                                        </p:tgtEl>
+                                        <p:attrNameLst>
+                                          <p:attrName>style.visibility</p:attrName>
+                                        </p:attrNameLst>
+                                      </p:cBhvr>
+                                      <p:to>
+                                        <p:strVal val="visible"/>
+                                      </p:to>
+                                    </p:set>
+                                    <p:animEffect transition="in" filter="strips(downLeft)">
+                                      <p:cBhvr>
+                                        <p:cTn id="13" dur="500"/>
+                                        <p:tgtEl>
+                                          <p:spTgt spid="11"/>
+                                        </p:tgtEl>
+                                      </p:cBhvr>
+                                    </p:animEffect>
+                                  </p:childTnLst>
+                                </p:cTn>
+                              </p:par>
+                            </p:childTnLst>
+                          </p:cTn>
+                        </p:par>
+                      </p:childTnLst>
+                    </p:cTn>
+                  </p:par>
+                  <p:par>
+                    <p:cTn id="14" fill="hold">
+                      <p:stCondLst>
+                        <p:cond delay="indefinite"/>
+                      </p:stCondLst>
+                      <p:childTnLst>
+                        <p:par>
+                          <p:cTn id="15" fill="hold">
+                            <p:stCondLst>
+                              <p:cond delay="0"/>
+                            </p:stCondLst>
+                            <p:childTnLst>
+                              <p:par>
+                                <p:cTn id="16" presetID="4" presetClass="entr" presetSubtype="16" fill="hold" nodeType="clickEffect">
+                                  <p:stCondLst>
+                                    <p:cond delay="0"/>
+                                  </p:stCondLst>
+                                  <p:childTnLst>
+                                    <p:set>
+                                      <p:cBhvr>
+                                        <p:cTn id="17" dur="1" fill="hold">
+                                          <p:stCondLst>
+                                            <p:cond delay="0"/>
+                                          </p:stCondLst>
+                                        </p:cTn>
+                                        <p:tgtEl>
+                                          <p:spTgt spid="6">
+                                            <p:txEl>
+                                              <p:pRg st="1" end="1"/>
+                                            </p:txEl>
+                                          </p:spTgt>
+                                        </p:tgtEl>
+                                        <p:attrNameLst>
+                                          <p:attrName>style.visibility</p:attrName>
+                                        </p:attrNameLst>
+                                      </p:cBhvr>
+                                      <p:to>
+                                        <p:strVal val="visible"/>
+                                      </p:to>
+                                    </p:set>
+                                    <p:animEffect transition="in" filter="box(in)">
+                                      <p:cBhvr>
+                                        <p:cTn id="18" dur="500"/>
+                                        <p:tgtEl>
+                                          <p:spTgt spid="6">
+                                            <p:txEl>
+                                              <p:pRg st="1" end="1"/>
+                                            </p:txEl>
+                                          </p:spTgt>
+                                        </p:tgtEl>
+                                      </p:cBhvr>
+                                    </p:animEffect>
+                                  </p:childTnLst>
+                                </p:cTn>
+                              </p:par>
+                            </p:childTnLst>
+                          </p:cTn>
+                        </p:par>
+                      </p:childTnLst>
+                    </p:cTn>
+                  </p:par>
+                  <p:par>
+                    <p:cTn id="19" fill="hold">
+                      <p:stCondLst>
+                        <p:cond delay="indefinite"/>
+                      </p:stCondLst>
+                      <p:childTnLst>
+                        <p:par>
+                          <p:cTn id="20" fill="hold">
+                            <p:stCondLst>
+                              <p:cond delay="0"/>
+                            </p:stCondLst>
+                            <p:childTnLst>
+                              <p:par>
+                                <p:cTn id="21" presetID="2" presetClass="entr" presetSubtype="4" fill="hold" nodeType="clickEffect">
+                                  <p:stCondLst>
+                                    <p:cond delay="0"/>
+                                  </p:stCondLst>
+                                  <p:childTnLst>
+                                    <p:set>
+                                      <p:cBhvr>
+                                        <p:cTn id="22" dur="1" fill="hold">
+                                          <p:stCondLst>
+                                            <p:cond delay="0"/>
+                                          </p:stCondLst>
+                                        </p:cTn>
+                                        <p:tgtEl>
+                                          <p:spTgt spid="6">
+                                            <p:txEl>
+                                              <p:pRg st="2" end="2"/>
+                                            </p:txEl>
+                                          </p:spTgt>
+                                        </p:tgtEl>
+                                        <p:attrNameLst>
+                                          <p:attrName>style.visibility</p:attrName>
+                                        </p:attrNameLst>
+                                      </p:cBhvr>
+                                      <p:to>
+                                        <p:strVal val="visible"/>
+                                      </p:to>
+                                    </p:set>
+                                    <p:anim calcmode="lin" valueType="num">
+                                      <p:cBhvr additive="base">
+                                        <p:cTn id="23" dur="500" fill="hold"/>
+                                        <p:tgtEl>
+                                          <p:spTgt spid="6">
+                                            <p:txEl>
+                                              <p:pRg st="2" end="2"/>
+                                            </p:txEl>
+                                          </p:spTgt>
+                                        </p:tgtEl>
+                                        <p:attrNameLst>
+                                          <p:attrName>ppt_x</p:attrName>
+                                        </p:attrNameLst>
+                                      </p:cBhvr>
+                                      <p:tavLst>
+                                        <p:tav tm="0">
+                                          <p:val>
+                                            <p:strVal val="#ppt_x"/>
+                                          </p:val>
+                                        </p:tav>
+                                        <p:tav tm="100000">
+                                          <p:val>
+                                            <p:strVal val="#ppt_x"/>
+                                          </p:val>
+                                        </p:tav>
+                                      </p:tavLst>
+                                    </p:anim>
+                                    <p:anim calcmode="lin" valueType="num">
+                                      <p:cBhvr additive="base">
+                                        <p:cTn id="24" dur="500" fill="hold"/>
+                                        <p:tgtEl>
+                                          <p:spTgt spid="6">
+                                            <p:txEl>
+                                              <p:pRg st="2" end="2"/>
+                                            </p:txEl>
+                                          </p:spTgt>
+                                        </p:tgtEl>
+                                        <p:attrNameLst>
+                                          <p:attrName>ppt_y</p:attrName>
+                                        </p:attrNameLst>
+                                      </p:cBhvr>
+                                      <p:tavLst>
+                                        <p:tav tm="0">
+                                          <p:val>
+                                            <p:strVal val="1+#ppt_h/2"/>
+                                          </p:val>
+                                        </p:tav>
+                                        <p:tav tm="100000">
+                                          <p:val>
+                                            <p:strVal val="#ppt_y"/>
+                                          </p:val>
+                                        </p:tav>
+                                      </p:tavLst>
+                                    </p:anim>
+                                  </p:childTnLst>
+                                </p:cTn>
+                              </p:par>
+                            </p:childTnLst>
+                          </p:cTn>
+                        </p:par>
+                      </p:childTnLst>
+                    </p:cTn>
+                  </p:par>
+                  <p:par>
+                    <p:cTn id="25" fill="hold">
+                      <p:stCondLst>
+                        <p:cond delay="indefinite"/>
+                      </p:stCondLst>
+                      <p:childTnLst>
+                        <p:par>
+                          <p:cTn id="26" fill="hold">
+                            <p:stCondLst>
+                              <p:cond delay="0"/>
+                            </p:stCondLst>
+                            <p:childTnLst>
+                              <p:par>
+                                <p:cTn id="27" presetID="3" presetClass="entr" presetSubtype="10" fill="hold" nodeType="clickEffect">
+                                  <p:stCondLst>
+                                    <p:cond delay="0"/>
+                                  </p:stCondLst>
+                                  <p:childTnLst>
+                                    <p:set>
+                                      <p:cBhvr>
+                                        <p:cTn id="28" dur="1" fill="hold">
+                                          <p:stCondLst>
+                                            <p:cond delay="0"/>
+                                          </p:stCondLst>
+                                        </p:cTn>
+                                        <p:tgtEl>
+                                          <p:spTgt spid="12"/>
+                                        </p:tgtEl>
+                                        <p:attrNameLst>
+                                          <p:attrName>style.visibility</p:attrName>
+                                        </p:attrNameLst>
+                                      </p:cBhvr>
+                                      <p:to>
+                                        <p:strVal val="visible"/>
+                                      </p:to>
+                                    </p:set>
+                                    <p:animEffect transition="in" filter="blinds(horizontal)">
+                                      <p:cBhvr>
+                                        <p:cTn id="29" dur="500"/>
+                                        <p:tgtEl>
+                                          <p:spTgt spid="12"/>
+                                        </p:tgtEl>
+                                      </p:cBhvr>
+                                    </p:animEffect>
+                                  </p:childTnLst>
+                                </p:cTn>
+                              </p:par>
+                            </p:childTnLst>
+                          </p:cTn>
+                        </p:par>
+                      </p:childTnLst>
+                    </p:cTn>
+                  </p:par>
+                  <p:par>
+                    <p:cTn id="30" fill="hold">
+                      <p:stCondLst>
+                        <p:cond delay="indefinite"/>
+                      </p:stCondLst>
+                      <p:childTnLst>
+                        <p:par>
+                          <p:cTn id="31" fill="hold">
+                            <p:stCondLst>
+                              <p:cond delay="0"/>
+                            </p:stCondLst>
+                            <p:childTnLst>
+                              <p:par>
+                                <p:cTn id="32" presetID="3" presetClass="entr" presetSubtype="10" fill="hold" nodeType="clickEffect">
+                                  <p:stCondLst>
+                                    <p:cond delay="0"/>
+                                  </p:stCondLst>
+                                  <p:childTnLst>
+                                    <p:set>
+                                      <p:cBhvr>
+                                        <p:cTn id="33" dur="1" fill="hold">
+                                          <p:stCondLst>
+                                            <p:cond delay="0"/>
+                                          </p:stCondLst>
+                                        </p:cTn>
+                                        <p:tgtEl>
+                                          <p:spTgt spid="6">
+                                            <p:txEl>
+                                              <p:pRg st="3" end="3"/>
+                                            </p:txEl>
+                                          </p:spTgt>
+                                        </p:tgtEl>
+                                        <p:attrNameLst>
+                                          <p:attrName>style.visibility</p:attrName>
+                                        </p:attrNameLst>
+                                      </p:cBhvr>
+                                      <p:to>
+                                        <p:strVal val="visible"/>
+                                      </p:to>
+                                    </p:set>
+                                    <p:animEffect transition="in" filter="blinds(horizontal)">
+                                      <p:cBhvr>
+                                        <p:cTn id="34" dur="500"/>
+                                        <p:tgtEl>
+                                          <p:spTgt spid="6">
+                                            <p:txEl>
+                                              <p:pRg st="3" end="3"/>
+                                            </p:txEl>
+                                          </p:spTgt>
+                                        </p:tgtEl>
+                                      </p:cBhvr>
+                                    </p:animEffect>
+                                  </p:childTnLst>
+                                </p:cTn>
+                              </p:par>
+                            </p:childTnLst>
+                          </p:cTn>
+                        </p:par>
+                      </p:childTnLst>
+                    </p:cTn>
+                  </p:par>
+                  <p:par>
+                    <p:cTn id="35" fill="hold">
+                      <p:stCondLst>
+                        <p:cond delay="indefinite"/>
+                      </p:stCondLst>
+                      <p:childTnLst>
+                        <p:par>
+                          <p:cTn id="36" fill="hold">
+                            <p:stCondLst>
+                              <p:cond delay="0"/>
+                            </p:stCondLst>
+                            <p:childTnLst>
+                              <p:par>
+                                <p:cTn id="37" presetID="2" presetClass="entr" presetSubtype="4" fill="hold" nodeType="clickEffect">
+                                  <p:stCondLst>
+                                    <p:cond delay="0"/>
+                                  </p:stCondLst>
+                                  <p:childTnLst>
+                                    <p:set>
+                                      <p:cBhvr>
+                                        <p:cTn id="38" dur="1" fill="hold">
+                                          <p:stCondLst>
+                                            <p:cond delay="0"/>
+                                          </p:stCondLst>
+                                        </p:cTn>
+                                        <p:tgtEl>
+                                          <p:spTgt spid="6">
+                                            <p:txEl>
+                                              <p:pRg st="4" end="4"/>
+                                            </p:txEl>
+                                          </p:spTgt>
+                                        </p:tgtEl>
+                                        <p:attrNameLst>
+                                          <p:attrName>style.visibility</p:attrName>
+                                        </p:attrNameLst>
+                                      </p:cBhvr>
+                                      <p:to>
+                                        <p:strVal val="visible"/>
+                                      </p:to>
+                                    </p:set>
+                                    <p:anim calcmode="lin" valueType="num">
+                                      <p:cBhvr additive="base">
+                                        <p:cTn id="39" dur="500" fill="hold"/>
+                                        <p:tgtEl>
+                                          <p:spTgt spid="6">
+                                            <p:txEl>
+                                              <p:pRg st="4" end="4"/>
+                                            </p:txEl>
+                                          </p:spTgt>
+                                        </p:tgtEl>
+                                        <p:attrNameLst>
+                                          <p:attrName>ppt_x</p:attrName>
+                                        </p:attrNameLst>
+                                      </p:cBhvr>
+                                      <p:tavLst>
+                                        <p:tav tm="0">
+                                          <p:val>
+                                            <p:strVal val="#ppt_x"/>
+                                          </p:val>
+                                        </p:tav>
+                                        <p:tav tm="100000">
+                                          <p:val>
+                                            <p:strVal val="#ppt_x"/>
+                                          </p:val>
+                                        </p:tav>
+                                      </p:tavLst>
+                                    </p:anim>
+                                    <p:anim calcmode="lin" valueType="num">
+                                      <p:cBhvr additive="base">
+                                        <p:cTn id="40" dur="500" fill="hold"/>
+                                        <p:tgtEl>
+                                          <p:spTgt spid="6">
+                                            <p:txEl>
+                                              <p:pRg st="4" end="4"/>
+                                            </p:txEl>
+                                          </p:spTgt>
+                                        </p:tgtEl>
+                                        <p:attrNameLst>
+                                          <p:attrName>ppt_y</p:attrName>
+                                        </p:attrNameLst>
+                                      </p:cBhvr>
+                                      <p:tavLst>
+                                        <p:tav tm="0">
+                                          <p:val>
+                                            <p:strVal val="1+#ppt_h/2"/>
+                                          </p:val>
+                                        </p:tav>
+                                        <p:tav tm="100000">
+                                          <p:val>
+                                            <p:strVal val="#ppt_y"/>
+                                          </p:val>
+                                        </p:tav>
+                                      </p:tavLst>
+                                    </p:anim>
+                                  </p:childTnLst>
+                                </p:cTn>
+                              </p:par>
+                            </p:childTnLst>
+                          </p:cTn>
+                        </p:par>
+                      </p:childTnLst>
+                    </p:cTn>
+                  </p:par>
+                  <p:par>
+                    <p:cTn id="41" fill="hold">
+                      <p:stCondLst>
+                        <p:cond delay="indefinite"/>
+                      </p:stCondLst>
+                      <p:childTnLst>
+                        <p:par>
+                          <p:cTn id="42" fill="hold">
+                            <p:stCondLst>
+                              <p:cond delay="0"/>
+                            </p:stCondLst>
+                            <p:childTnLst>
+                              <p:par>
+                                <p:cTn id="43" presetID="9" presetClass="exit" presetSubtype="0" fill="hold" nodeType="clickEffect">
+                                  <p:stCondLst>
+                                    <p:cond delay="0"/>
+                                  </p:stCondLst>
+                                  <p:childTnLst>
+                                    <p:animEffect transition="out" filter="dissolve">
+                                      <p:cBhvr>
+                                        <p:cTn id="44" dur="500"/>
+                                        <p:tgtEl>
+                                          <p:spTgt spid="12"/>
+                                        </p:tgtEl>
+                                      </p:cBhvr>
+                                    </p:animEffect>
+                                    <p:set>
+                                      <p:cBhvr>
+                                        <p:cTn id="45" dur="1" fill="hold">
+                                          <p:stCondLst>
+                                            <p:cond delay="499"/>
+                                          </p:stCondLst>
+                                        </p:cTn>
+                                        <p:tgtEl>
+                                          <p:spTgt spid="12"/>
+                                        </p:tgtEl>
+                                        <p:attrNameLst>
+                                          <p:attrName>style.visibility</p:attrName>
+                                        </p:attrNameLst>
+                                      </p:cBhvr>
+                                      <p:to>
+                                        <p:strVal val="hidden"/>
+                                      </p:to>
+                                    </p:set>
+                                  </p:childTnLst>
+                                </p:cTn>
+                              </p:par>
+                              <p:par>
+                                <p:cTn id="46" presetID="9" presetClass="entr" presetSubtype="0" fill="hold" nodeType="withEffect">
+                                  <p:stCondLst>
+                                    <p:cond delay="0"/>
+                                  </p:stCondLst>
+                                  <p:childTnLst>
+                                    <p:set>
+                                      <p:cBhvr>
+                                        <p:cTn id="47" dur="1" fill="hold">
+                                          <p:stCondLst>
+                                            <p:cond delay="0"/>
+                                          </p:stCondLst>
+                                        </p:cTn>
+                                        <p:tgtEl>
+                                          <p:spTgt spid="13"/>
+                                        </p:tgtEl>
+                                        <p:attrNameLst>
+                                          <p:attrName>style.visibility</p:attrName>
+                                        </p:attrNameLst>
+                                      </p:cBhvr>
+                                      <p:to>
+                                        <p:strVal val="visible"/>
+                                      </p:to>
+                                    </p:set>
+                                    <p:animEffect transition="in" filter="dissolve">
+                                      <p:cBhvr>
+                                        <p:cTn id="48" dur="500"/>
+                                        <p:tgtEl>
+                                          <p:spTgt spid="13"/>
+                                        </p:tgtEl>
+                                      </p:cBhvr>
+                                    </p:animEffect>
+                                  </p:childTnLst>
+                                </p:cTn>
+                              </p:par>
+                            </p:childTnLst>
+                          </p:cTn>
+                        </p:par>
+                      </p:childTnLst>
+                    </p:cTn>
+                  </p:par>
+                  <p:par>
+                    <p:cTn id="49" fill="hold">
+                      <p:stCondLst>
+                        <p:cond delay="indefinite"/>
+                      </p:stCondLst>
+                      <p:childTnLst>
+                        <p:par>
+                          <p:cTn id="50" fill="hold">
+                            <p:stCondLst>
+                              <p:cond delay="0"/>
+                            </p:stCondLst>
+                            <p:childTnLst>
+                              <p:par>
+                                <p:cTn id="51" presetID="3" presetClass="entr" presetSubtype="10" fill="hold" nodeType="clickEffect">
+                                  <p:stCondLst>
+                                    <p:cond delay="0"/>
+                                  </p:stCondLst>
+                                  <p:childTnLst>
+                                    <p:set>
+                                      <p:cBhvr>
+                                        <p:cTn id="52" dur="1" fill="hold">
+                                          <p:stCondLst>
+                                            <p:cond delay="0"/>
+                                          </p:stCondLst>
+                                        </p:cTn>
+                                        <p:tgtEl>
+                                          <p:spTgt spid="6">
+                                            <p:txEl>
+                                              <p:pRg st="6" end="6"/>
+                                            </p:txEl>
+                                          </p:spTgt>
+                                        </p:tgtEl>
+                                        <p:attrNameLst>
+                                          <p:attrName>style.visibility</p:attrName>
+                                        </p:attrNameLst>
+                                      </p:cBhvr>
+                                      <p:to>
+                                        <p:strVal val="visible"/>
+                                      </p:to>
+                                    </p:set>
+                                    <p:animEffect transition="in" filter="blinds(horizontal)">
+                                      <p:cBhvr>
+                                        <p:cTn id="53" dur="500"/>
+                                        <p:tgtEl>
+                                          <p:spTgt spid="6">
+                                            <p:txEl>
+                                              <p:pRg st="6" end="6"/>
+                                            </p:txEl>
+                                          </p:spTgt>
+                                        </p:tgtEl>
+                                      </p:cBhvr>
+                                    </p:animEffect>
+                                  </p:childTnLst>
+                                </p:cTn>
+                              </p:par>
+                            </p:childTnLst>
+                          </p:cTn>
+                        </p:par>
+                      </p:childTnLst>
+                    </p:cTn>
+                  </p:par>
+                  <p:par>
+                    <p:cTn id="54" fill="hold">
+                      <p:stCondLst>
+                        <p:cond delay="indefinite"/>
+                      </p:stCondLst>
+                      <p:childTnLst>
+                        <p:par>
+                          <p:cTn id="55" fill="hold">
+                            <p:stCondLst>
+                              <p:cond delay="0"/>
+                            </p:stCondLst>
+                            <p:childTnLst>
+                              <p:par>
+                                <p:cTn id="56" presetID="2" presetClass="entr" presetSubtype="4" fill="hold" nodeType="clickEffect">
+                                  <p:stCondLst>
+                                    <p:cond delay="0"/>
+                                  </p:stCondLst>
+                                  <p:childTnLst>
+                                    <p:set>
+                                      <p:cBhvr>
+                                        <p:cTn id="57" dur="1" fill="hold">
+                                          <p:stCondLst>
+                                            <p:cond delay="0"/>
+                                          </p:stCondLst>
+                                        </p:cTn>
+                                        <p:tgtEl>
+                                          <p:spTgt spid="6">
+                                            <p:txEl>
+                                              <p:pRg st="8" end="8"/>
+                                            </p:txEl>
+                                          </p:spTgt>
+                                        </p:tgtEl>
+                                        <p:attrNameLst>
+                                          <p:attrName>style.visibility</p:attrName>
+                                        </p:attrNameLst>
+                                      </p:cBhvr>
+                                      <p:to>
+                                        <p:strVal val="visible"/>
+                                      </p:to>
+                                    </p:set>
+                                    <p:anim calcmode="lin" valueType="num">
+                                      <p:cBhvr additive="base">
+                                        <p:cTn id="58" dur="500" fill="hold"/>
+                                        <p:tgtEl>
+                                          <p:spTgt spid="6">
+                                            <p:txEl>
+                                              <p:pRg st="8" end="8"/>
+                                            </p:txEl>
+                                          </p:spTgt>
+                                        </p:tgtEl>
+                                        <p:attrNameLst>
+                                          <p:attrName>ppt_x</p:attrName>
+                                        </p:attrNameLst>
+                                      </p:cBhvr>
+                                      <p:tavLst>
+                                        <p:tav tm="0">
+                                          <p:val>
+                                            <p:strVal val="#ppt_x"/>
+                                          </p:val>
+                                        </p:tav>
+                                        <p:tav tm="100000">
+                                          <p:val>
+                                            <p:strVal val="#ppt_x"/>
+                                          </p:val>
+                                        </p:tav>
+                                      </p:tavLst>
+                                    </p:anim>
+                                    <p:anim calcmode="lin" valueType="num">
+                                      <p:cBhvr additive="base">
+                                        <p:cTn id="59" dur="500" fill="hold"/>
+                                        <p:tgtEl>
+                                          <p:spTgt spid="6">
+                                            <p:txEl>
+                                              <p:pRg st="8" end="8"/>
+                                            </p:txEl>
+                                          </p:spTgt>
+                                        </p:tgtEl>
+                                        <p:attrNameLst>
+                                          <p:attrName>ppt_y</p:attrName>
+                                        </p:attrNameLst>
+                                      </p:cBhvr>
+                                      <p:tavLst>
+                                        <p:tav tm="0">
+                                          <p:val>
+                                            <p:strVal val="1+#ppt_h/2"/>
+                                          </p:val>
+                                        </p:tav>
+                                        <p:tav tm="100000">
+                                          <p:val>
+                                            <p:strVal val="#ppt_y"/>
+                                          </p:val>
+                                        </p:tav>
+                                      </p:tavLst>
+                                    </p:anim>
+                                  </p:childTnLst>
+                                </p:cTn>
+                              </p:par>
+                            </p:childTnLst>
+                          </p:cTn>
+                        </p:par>
+                      </p:childTnLst>
+                    </p:cTn>
+                  </p:par>
+                </p:childTnLst>
+              </p:cTn>
+              <p:prevCondLst>
+                <p:cond evt="onPrev" delay="0">
+                  <p:tgtEl>
+                    <p:sldTgt/>
+                  </p:tgtEl>
+                </p:cond>
+              </p:prevCondLst>
+              <p:nextCondLst>
+                <p:cond evt="onNext" delay="0">
+                  <p:tgtEl>
+                    <p:sldTgt/>
+                  </p:tgtEl>
+                </p:cond>
+              </p:nextCondLst>
+            </p:seq>
+          </p:childTnLst>
+        </p:cTn>
+      </p:par>
+    </p:tnLst>
+  </p:timing>
 </p:sld>
 </file>
 
@@ -6197,6 +7617,13 @@
   <p:clrMapOvr>
     <a:masterClrMapping/>
   </p:clrMapOvr>
+  <p:timing>
+    <p:tnLst>
+      <p:par>
+        <p:cTn id="1" dur="indefinite" restart="never" nodeType="tmRoot"/>
+      </p:par>
+    </p:tnLst>
+  </p:timing>
 </p:sld>
 </file>
 
@@ -6262,23 +7689,48 @@
           </a:p>
           <a:p>
             <a:r>
-              <a:rPr kumimoji="1" lang="ja-JP" altLang="en-US" dirty="0" smtClean="0"/>
-              <a:t>警告が同時に表示されない</a:t>
-            </a:r>
-            <a:endParaRPr kumimoji="1" lang="en-US" altLang="ja-JP" dirty="0" smtClean="0"/>
+              <a:rPr kumimoji="1" lang="ja-JP" altLang="en-US" sz="3200" dirty="0" smtClean="0"/>
+              <a:t>警告や報告が</a:t>
+            </a:r>
+            <a:r>
+              <a:rPr kumimoji="1" lang="ja-JP" altLang="en-US" sz="3200" dirty="0" smtClean="0"/>
+              <a:t>同時に表示されない</a:t>
+            </a:r>
+            <a:endParaRPr kumimoji="1" lang="en-US" altLang="ja-JP" sz="3200" dirty="0" smtClean="0"/>
+          </a:p>
+          <a:p>
+            <a:pPr>
+              <a:buNone/>
+            </a:pPr>
+            <a:r>
+              <a:rPr lang="ja-JP" altLang="en-US" sz="2000" dirty="0" smtClean="0"/>
+              <a:t>　　机が重なっている状態で、画面外に移動させようとしたときなど</a:t>
+            </a:r>
+            <a:endParaRPr lang="en-US" altLang="ja-JP" sz="2000" dirty="0" smtClean="0"/>
           </a:p>
           <a:p>
             <a:endParaRPr lang="en-US" altLang="ja-JP" dirty="0" smtClean="0"/>
           </a:p>
           <a:p>
-            <a:endParaRPr lang="en-US" altLang="ja-JP" dirty="0" smtClean="0"/>
-          </a:p>
-          <a:p>
-            <a:r>
-              <a:rPr lang="ja-JP" altLang="en-US" dirty="0" smtClean="0"/>
+            <a:r>
+              <a:rPr lang="ja-JP" altLang="en-US" sz="3200" dirty="0" smtClean="0"/>
               <a:t>印刷した後に机の配置画面が真っ黒になる</a:t>
             </a:r>
-            <a:endParaRPr lang="en-US" altLang="ja-JP" dirty="0" smtClean="0"/>
+            <a:endParaRPr lang="en-US" altLang="ja-JP" sz="3200" dirty="0" smtClean="0"/>
+          </a:p>
+          <a:p>
+            <a:pPr>
+              <a:buNone/>
+            </a:pPr>
+            <a:r>
+              <a:rPr lang="ja-JP" altLang="en-US" sz="2000" dirty="0" smtClean="0"/>
+              <a:t>　　机の移動をすると</a:t>
+            </a:r>
+            <a:r>
+              <a:rPr lang="ja-JP" altLang="en-US" sz="2000" dirty="0" smtClean="0"/>
+              <a:t>戻るが面倒</a:t>
+            </a:r>
+            <a:endParaRPr lang="en-US" altLang="ja-JP" sz="2000" dirty="0" smtClean="0"/>
           </a:p>
           <a:p>
             <a:endParaRPr kumimoji="1" lang="ja-JP" altLang="en-US" dirty="0"/>
@@ -6290,6 +7742,13 @@
   <p:clrMapOvr>
     <a:masterClrMapping/>
   </p:clrMapOvr>
+  <p:timing>
+    <p:tnLst>
+      <p:par>
+        <p:cTn id="1" dur="indefinite" restart="never" nodeType="tmRoot"/>
+      </p:par>
+    </p:tnLst>
+  </p:timing>
 </p:sld>
 </file>
 
@@ -6348,7 +7807,9 @@
         </p:nvSpPr>
         <p:spPr/>
         <p:txBody>
-          <a:bodyPr/>
+          <a:bodyPr>
+            <a:normAutofit/>
+          </a:bodyPr>
           <a:lstStyle/>
           <a:p>
             <a:endParaRPr lang="en-US" altLang="ja-JP" dirty="0" smtClean="0"/>
@@ -6361,27 +7822,80 @@
             <a:endParaRPr lang="en-US" altLang="ja-JP" dirty="0" smtClean="0"/>
           </a:p>
           <a:p>
+            <a:pPr>
+              <a:buNone/>
+            </a:pPr>
+            <a:r>
+              <a:rPr lang="ja-JP" altLang="en-US" sz="2000" dirty="0" smtClean="0"/>
+              <a:t>　　表現をもっと簡単に</a:t>
+            </a:r>
+            <a:r>
+              <a:rPr lang="ja-JP" altLang="en-US" sz="2000" dirty="0" smtClean="0"/>
+              <a:t>できる</a:t>
+            </a:r>
+            <a:endParaRPr lang="en-US" altLang="ja-JP" sz="2000" dirty="0" smtClean="0"/>
+          </a:p>
+          <a:p>
+            <a:pPr>
+              <a:buNone/>
+            </a:pPr>
+            <a:endParaRPr kumimoji="1" lang="en-US" altLang="ja-JP" sz="2000" dirty="0" smtClean="0"/>
+          </a:p>
+          <a:p>
+            <a:r>
+              <a:rPr kumimoji="1" lang="ja-JP" altLang="en-US" dirty="0" smtClean="0"/>
+              <a:t>オブジェクトサイズの変更が出来るように</a:t>
+            </a:r>
+            <a:endParaRPr kumimoji="1" lang="en-US" altLang="ja-JP" dirty="0" smtClean="0"/>
+          </a:p>
+          <a:p>
+            <a:pPr>
+              <a:buNone/>
+            </a:pPr>
+            <a:r>
+              <a:rPr lang="ja-JP" altLang="en-US" sz="2000" dirty="0" smtClean="0"/>
+              <a:t>　　机以外</a:t>
+            </a:r>
+            <a:r>
+              <a:rPr lang="ja-JP" altLang="en-US" sz="2000" dirty="0" smtClean="0"/>
+              <a:t>のオブジェクトも作ることが</a:t>
+            </a:r>
+            <a:r>
+              <a:rPr lang="ja-JP" altLang="en-US" sz="2000" dirty="0" smtClean="0"/>
+              <a:t>できる</a:t>
+            </a:r>
+            <a:endParaRPr lang="en-US" altLang="ja-JP" sz="2000" dirty="0" smtClean="0"/>
+          </a:p>
+          <a:p>
+            <a:pPr>
+              <a:buNone/>
+            </a:pPr>
+            <a:endParaRPr lang="en-US" altLang="ja-JP" sz="2000" dirty="0" smtClean="0"/>
+          </a:p>
+          <a:p>
+            <a:r>
+              <a:rPr lang="ja-JP" altLang="en-US" dirty="0" smtClean="0"/>
+              <a:t>印刷のレイアウトを見栄え良く</a:t>
+            </a:r>
             <a:endParaRPr lang="en-US" altLang="ja-JP" dirty="0" smtClean="0"/>
           </a:p>
           <a:p>
-            <a:r>
-              <a:rPr lang="ja-JP" altLang="en-US" dirty="0" smtClean="0"/>
-              <a:t>机の状態のファイルの入出力</a:t>
-            </a:r>
-            <a:endParaRPr lang="en-US" altLang="ja-JP" dirty="0" smtClean="0"/>
-          </a:p>
-          <a:p>
-            <a:endParaRPr kumimoji="1" lang="en-US" altLang="ja-JP" dirty="0" smtClean="0"/>
-          </a:p>
-          <a:p>
-            <a:r>
-              <a:rPr kumimoji="1" lang="ja-JP" altLang="en-US" dirty="0" smtClean="0"/>
-              <a:t>机の大きさの変更が出来るように</a:t>
-            </a:r>
-            <a:endParaRPr kumimoji="1" lang="en-US" altLang="ja-JP" dirty="0" smtClean="0"/>
-          </a:p>
-          <a:p>
-            <a:endParaRPr kumimoji="1" lang="ja-JP" altLang="en-US" dirty="0"/>
+            <a:pPr>
+              <a:buNone/>
+            </a:pPr>
+            <a:r>
+              <a:rPr lang="ja-JP" altLang="en-US" sz="2000" dirty="0" smtClean="0"/>
+              <a:t>　</a:t>
+            </a:r>
+            <a:r>
+              <a:rPr lang="ja-JP" altLang="en-US" sz="2000" dirty="0" smtClean="0"/>
+              <a:t>　現在の印刷だと少し偏っていて</a:t>
+            </a:r>
+            <a:r>
+              <a:rPr lang="ja-JP" altLang="en-US" sz="2000" dirty="0" smtClean="0"/>
+              <a:t>見づらい</a:t>
+            </a:r>
+            <a:endParaRPr lang="en-US" altLang="ja-JP" sz="2000" dirty="0" smtClean="0"/>
           </a:p>
         </p:txBody>
       </p:sp>
@@ -6390,6 +7904,13 @@
   <p:clrMapOvr>
     <a:masterClrMapping/>
   </p:clrMapOvr>
+  <p:timing>
+    <p:tnLst>
+      <p:par>
+        <p:cTn id="1" dur="indefinite" restart="never" nodeType="tmRoot"/>
+      </p:par>
+    </p:tnLst>
+  </p:timing>
 </p:sld>
 </file>
 

--- a/インターン発表.pptx
+++ b/インターン発表.pptx
@@ -202,7 +202,7 @@
             <a:fld id="{59759C72-676A-467E-87A3-D4A28584276A}" type="datetimeFigureOut">
               <a:rPr kumimoji="1" lang="ja-JP" altLang="en-US" smtClean="0"/>
               <a:pPr/>
-              <a:t>2009/6/23</a:t>
+              <a:t>2009/6/24</a:t>
             </a:fld>
             <a:endParaRPr kumimoji="1" lang="ja-JP" altLang="en-US"/>
           </a:p>
@@ -546,6 +546,47 @@
           </a:bodyPr>
           <a:lstStyle/>
           <a:p>
+            <a:r>
+              <a:rPr kumimoji="1" lang="en-US" altLang="ja-JP" dirty="0" smtClean="0"/>
+              <a:t>&gt;</a:t>
+            </a:r>
+            <a:r>
+              <a:rPr kumimoji="1" lang="ja-JP" altLang="en-US" dirty="0" smtClean="0"/>
+              <a:t>もう少し細かく書いた方がいい</a:t>
+            </a:r>
+            <a:endParaRPr kumimoji="1" lang="en-US" altLang="ja-JP" dirty="0" smtClean="0"/>
+          </a:p>
+          <a:p>
+            <a:r>
+              <a:rPr kumimoji="1" lang="en-US" altLang="ja-JP" dirty="0" smtClean="0"/>
+              <a:t>&gt;</a:t>
+            </a:r>
+            <a:r>
+              <a:rPr kumimoji="1" lang="ja-JP" altLang="en-US" dirty="0" smtClean="0"/>
+              <a:t>口頭でかなり説明しないと分かってもらえないだろう</a:t>
+            </a:r>
+            <a:endParaRPr kumimoji="1" lang="en-US" altLang="ja-JP" dirty="0" smtClean="0"/>
+          </a:p>
+          <a:p>
+            <a:r>
+              <a:rPr kumimoji="1" lang="en-US" altLang="ja-JP" dirty="0" smtClean="0"/>
+              <a:t>&gt;</a:t>
+            </a:r>
+            <a:r>
+              <a:rPr kumimoji="1" lang="ja-JP" altLang="en-US" dirty="0" smtClean="0"/>
+              <a:t>次のスライドとのつながりがいまい</a:t>
+            </a:r>
+            <a:r>
+              <a:rPr kumimoji="1" lang="ja-JP" altLang="en-US" dirty="0" err="1" smtClean="0"/>
+              <a:t>ち</a:t>
+            </a:r>
+            <a:r>
+              <a:rPr kumimoji="1" lang="ja-JP" altLang="en-US" dirty="0" smtClean="0"/>
+              <a:t>で、流れが読みにくい</a:t>
+            </a:r>
+            <a:endParaRPr kumimoji="1" lang="en-US" altLang="ja-JP" dirty="0" smtClean="0"/>
+          </a:p>
+          <a:p>
             <a:endParaRPr kumimoji="1" lang="ja-JP" altLang="en-US" dirty="0"/>
           </a:p>
         </p:txBody>
@@ -629,8 +670,80 @@
           <a:lstStyle/>
           <a:p>
             <a:r>
+              <a:rPr kumimoji="1" lang="en-US" altLang="ja-JP" dirty="0" smtClean="0"/>
+              <a:t>&gt;</a:t>
+            </a:r>
+            <a:r>
               <a:rPr kumimoji="1" lang="ja-JP" altLang="en-US" dirty="0" smtClean="0"/>
-              <a:t>どうして座席表のプログラムを作ったか</a:t>
+              <a:t>これまでの座席表をどう作っていたのかがイメージできない</a:t>
+            </a:r>
+            <a:endParaRPr kumimoji="1" lang="en-US" altLang="ja-JP" dirty="0" smtClean="0"/>
+          </a:p>
+          <a:p>
+            <a:r>
+              <a:rPr kumimoji="1" lang="en-US" altLang="ja-JP" dirty="0" smtClean="0"/>
+              <a:t>&gt;</a:t>
+            </a:r>
+            <a:r>
+              <a:rPr kumimoji="1" lang="ja-JP" altLang="en-US" dirty="0" smtClean="0"/>
+              <a:t>なので、</a:t>
+            </a:r>
+            <a:r>
+              <a:rPr kumimoji="1" lang="en-US" altLang="ja-JP" dirty="0" smtClean="0"/>
+              <a:t>2</a:t>
+            </a:r>
+            <a:r>
+              <a:rPr kumimoji="1" lang="ja-JP" altLang="en-US" dirty="0" smtClean="0"/>
+              <a:t>個目と</a:t>
+            </a:r>
+            <a:r>
+              <a:rPr kumimoji="1" lang="en-US" altLang="ja-JP" dirty="0" smtClean="0"/>
+              <a:t>3</a:t>
+            </a:r>
+            <a:r>
+              <a:rPr kumimoji="1" lang="ja-JP" altLang="en-US" dirty="0" smtClean="0"/>
+              <a:t>個目の項目の不便さや難しさがいまい</a:t>
+            </a:r>
+            <a:r>
+              <a:rPr kumimoji="1" lang="ja-JP" altLang="en-US" dirty="0" err="1" smtClean="0"/>
+              <a:t>ち</a:t>
+            </a:r>
+            <a:r>
+              <a:rPr kumimoji="1" lang="ja-JP" altLang="en-US" dirty="0" smtClean="0"/>
+              <a:t>理解してもらえないと思う</a:t>
+            </a:r>
+            <a:endParaRPr kumimoji="1" lang="en-US" altLang="ja-JP" dirty="0" smtClean="0"/>
+          </a:p>
+          <a:p>
+            <a:r>
+              <a:rPr kumimoji="1" lang="en-US" altLang="ja-JP" dirty="0" smtClean="0"/>
+              <a:t>&gt;</a:t>
+            </a:r>
+            <a:r>
+              <a:rPr kumimoji="1" lang="ja-JP" altLang="en-US" dirty="0" smtClean="0"/>
+              <a:t>どんな</a:t>
+            </a:r>
+            <a:r>
+              <a:rPr kumimoji="1" lang="en-US" altLang="ja-JP" dirty="0" smtClean="0"/>
+              <a:t>Excel</a:t>
+            </a:r>
+            <a:r>
+              <a:rPr kumimoji="1" lang="ja-JP" altLang="en-US" dirty="0" smtClean="0"/>
+              <a:t>を書いていたか図を貼ったりすれば分かりやすいかな</a:t>
+            </a:r>
+            <a:endParaRPr kumimoji="1" lang="en-US" altLang="ja-JP" dirty="0" smtClean="0"/>
+          </a:p>
+          <a:p>
+            <a:endParaRPr kumimoji="1" lang="en-US" altLang="ja-JP" dirty="0" smtClean="0"/>
+          </a:p>
+          <a:p>
+            <a:r>
+              <a:rPr kumimoji="1" lang="ja-JP" altLang="en-US" dirty="0" smtClean="0"/>
+              <a:t>どうして</a:t>
+            </a:r>
+            <a:r>
+              <a:rPr kumimoji="1" lang="ja-JP" altLang="en-US" dirty="0" smtClean="0"/>
+              <a:t>座席表のプログラムを作ったか</a:t>
             </a:r>
             <a:endParaRPr kumimoji="1" lang="en-US" altLang="ja-JP" dirty="0" smtClean="0"/>
           </a:p>
@@ -767,9 +880,99 @@
           </a:bodyPr>
           <a:lstStyle/>
           <a:p>
+            <a:pPr marL="0" marR="0" indent="0" algn="l" defTabSz="914400" rtl="0" eaLnBrk="1" fontAlgn="auto" latinLnBrk="0" hangingPunct="1">
+              <a:lnSpc>
+                <a:spcPct val="100000"/>
+              </a:lnSpc>
+              <a:spcBef>
+                <a:spcPts val="0"/>
+              </a:spcBef>
+              <a:spcAft>
+                <a:spcPts val="0"/>
+              </a:spcAft>
+              <a:buClrTx/>
+              <a:buSzTx/>
+              <a:buFontTx/>
+              <a:buNone/>
+              <a:tabLst/>
+              <a:defRPr/>
+            </a:pPr>
+            <a:r>
+              <a:rPr kumimoji="1" lang="en-US" altLang="ja-JP" dirty="0" smtClean="0"/>
+              <a:t>&gt;</a:t>
+            </a:r>
             <a:r>
               <a:rPr kumimoji="1" lang="ja-JP" altLang="en-US" dirty="0" smtClean="0"/>
-              <a:t>タイトルと内容があってなかったようなんで変えました。</a:t>
+              <a:t>“</a:t>
+            </a:r>
+            <a:r>
+              <a:rPr lang="ja-JP" altLang="en-US" dirty="0" smtClean="0"/>
+              <a:t>人の名前は打ちこむことで机に名前が表示される”という項目は</a:t>
+            </a:r>
+            <a:endParaRPr lang="en-US" altLang="ja-JP" dirty="0" smtClean="0"/>
+          </a:p>
+          <a:p>
+            <a:pPr marL="0" marR="0" indent="0" algn="l" defTabSz="914400" rtl="0" eaLnBrk="1" fontAlgn="auto" latinLnBrk="0" hangingPunct="1">
+              <a:lnSpc>
+                <a:spcPct val="100000"/>
+              </a:lnSpc>
+              <a:spcBef>
+                <a:spcPts val="0"/>
+              </a:spcBef>
+              <a:spcAft>
+                <a:spcPts val="0"/>
+              </a:spcAft>
+              <a:buClrTx/>
+              <a:buSzTx/>
+              <a:buFontTx/>
+              <a:buNone/>
+              <a:tabLst/>
+              <a:defRPr/>
+            </a:pPr>
+            <a:r>
+              <a:rPr lang="en-US" altLang="ja-JP" dirty="0" smtClean="0"/>
+              <a:t>&gt;</a:t>
+            </a:r>
+            <a:r>
+              <a:rPr lang="ja-JP" altLang="en-US" dirty="0" smtClean="0"/>
+              <a:t>もう少し簡潔な表現にした方がいい</a:t>
+            </a:r>
+            <a:endParaRPr lang="en-US" altLang="ja-JP" dirty="0" smtClean="0"/>
+          </a:p>
+          <a:p>
+            <a:pPr marL="0" marR="0" indent="0" algn="l" defTabSz="914400" rtl="0" eaLnBrk="1" fontAlgn="auto" latinLnBrk="0" hangingPunct="1">
+              <a:lnSpc>
+                <a:spcPct val="100000"/>
+              </a:lnSpc>
+              <a:spcBef>
+                <a:spcPts val="0"/>
+              </a:spcBef>
+              <a:spcAft>
+                <a:spcPts val="0"/>
+              </a:spcAft>
+              <a:buClrTx/>
+              <a:buSzTx/>
+              <a:buFontTx/>
+              <a:buNone/>
+              <a:tabLst/>
+              <a:defRPr/>
+            </a:pPr>
+            <a:endParaRPr lang="en-US" altLang="ja-JP" dirty="0" smtClean="0"/>
+          </a:p>
+          <a:p>
+            <a:endParaRPr kumimoji="1" lang="en-US" altLang="ja-JP" dirty="0" smtClean="0"/>
+          </a:p>
+          <a:p>
+            <a:endParaRPr kumimoji="1" lang="en-US" altLang="ja-JP" dirty="0" smtClean="0"/>
+          </a:p>
+          <a:p>
+            <a:r>
+              <a:rPr kumimoji="1" lang="ja-JP" altLang="en-US" dirty="0" smtClean="0"/>
+              <a:t>タイトル</a:t>
+            </a:r>
+            <a:r>
+              <a:rPr kumimoji="1" lang="ja-JP" altLang="en-US" dirty="0" smtClean="0"/>
+              <a:t>と内容があってなかったようなんで変えました。</a:t>
             </a:r>
             <a:endParaRPr kumimoji="1" lang="en-US" altLang="ja-JP" dirty="0" smtClean="0"/>
           </a:p>
@@ -860,8 +1063,110 @@
           <a:lstStyle/>
           <a:p>
             <a:r>
+              <a:rPr kumimoji="1" lang="en-US" altLang="ja-JP" dirty="0" smtClean="0"/>
+              <a:t>&gt;</a:t>
+            </a:r>
+            <a:r>
               <a:rPr kumimoji="1" lang="ja-JP" altLang="en-US" dirty="0" smtClean="0"/>
-              <a:t>ちょっと書き方が分かりずらい気が</a:t>
+              <a:t>とりあえずは次のスライドで座席表作成の流れを説明するので</a:t>
+            </a:r>
+            <a:endParaRPr kumimoji="1" lang="en-US" altLang="ja-JP" dirty="0" smtClean="0"/>
+          </a:p>
+          <a:p>
+            <a:r>
+              <a:rPr kumimoji="1" lang="en-US" altLang="ja-JP" dirty="0" smtClean="0"/>
+              <a:t>&gt;</a:t>
+            </a:r>
+            <a:r>
+              <a:rPr kumimoji="1" lang="ja-JP" altLang="en-US" dirty="0" smtClean="0"/>
+              <a:t>ここでのアニメーションはいらないかな</a:t>
+            </a:r>
+            <a:endParaRPr kumimoji="1" lang="en-US" altLang="ja-JP" dirty="0" smtClean="0"/>
+          </a:p>
+          <a:p>
+            <a:r>
+              <a:rPr kumimoji="1" lang="en-US" altLang="ja-JP" dirty="0" smtClean="0"/>
+              <a:t>&gt;</a:t>
+            </a:r>
+          </a:p>
+          <a:p>
+            <a:pPr marL="0" marR="0" indent="0" algn="l" defTabSz="914400" rtl="0" eaLnBrk="1" fontAlgn="auto" latinLnBrk="0" hangingPunct="1">
+              <a:lnSpc>
+                <a:spcPct val="100000"/>
+              </a:lnSpc>
+              <a:spcBef>
+                <a:spcPts val="0"/>
+              </a:spcBef>
+              <a:spcAft>
+                <a:spcPts val="0"/>
+              </a:spcAft>
+              <a:buClrTx/>
+              <a:buSzTx/>
+              <a:buFontTx/>
+              <a:buNone/>
+              <a:tabLst/>
+              <a:defRPr/>
+            </a:pPr>
+            <a:r>
+              <a:rPr kumimoji="1" lang="en-US" altLang="ja-JP" dirty="0" smtClean="0"/>
+              <a:t>&gt;</a:t>
+            </a:r>
+            <a:r>
+              <a:rPr kumimoji="1" lang="ja-JP" altLang="en-US" dirty="0" smtClean="0"/>
+              <a:t>あと、“チェックボックスで色、編集する机の選択”は</a:t>
+            </a:r>
+            <a:endParaRPr kumimoji="1" lang="en-US" altLang="ja-JP" dirty="0" smtClean="0"/>
+          </a:p>
+          <a:p>
+            <a:pPr marL="0" marR="0" indent="0" algn="l" defTabSz="914400" rtl="0" eaLnBrk="1" fontAlgn="auto" latinLnBrk="0" hangingPunct="1">
+              <a:lnSpc>
+                <a:spcPct val="100000"/>
+              </a:lnSpc>
+              <a:spcBef>
+                <a:spcPts val="0"/>
+              </a:spcBef>
+              <a:spcAft>
+                <a:spcPts val="0"/>
+              </a:spcAft>
+              <a:buClrTx/>
+              <a:buSzTx/>
+              <a:buFontTx/>
+              <a:buNone/>
+              <a:tabLst/>
+              <a:defRPr/>
+            </a:pPr>
+            <a:r>
+              <a:rPr kumimoji="1" lang="en-US" altLang="ja-JP" dirty="0" smtClean="0"/>
+              <a:t>&gt;</a:t>
+            </a:r>
+            <a:r>
+              <a:rPr kumimoji="1" lang="ja-JP" altLang="en-US" dirty="0" smtClean="0"/>
+              <a:t>なぜそういった機能があるのか分かりづらい気がする</a:t>
+            </a:r>
+            <a:endParaRPr kumimoji="1" lang="en-US" altLang="ja-JP" dirty="0" smtClean="0"/>
+          </a:p>
+          <a:p>
+            <a:r>
+              <a:rPr kumimoji="1" lang="en-US" altLang="ja-JP" dirty="0" smtClean="0"/>
+              <a:t>&gt;</a:t>
+            </a:r>
+            <a:r>
+              <a:rPr kumimoji="1" lang="ja-JP" altLang="en-US" dirty="0" smtClean="0"/>
+              <a:t>なぜ色分けするのかということなど、口頭でも補足しといたほうがいい</a:t>
+            </a:r>
+            <a:endParaRPr kumimoji="1" lang="en-US" altLang="ja-JP" dirty="0" smtClean="0"/>
+          </a:p>
+          <a:p>
+            <a:endParaRPr kumimoji="1" lang="en-US" altLang="ja-JP" dirty="0" smtClean="0"/>
+          </a:p>
+          <a:p>
+            <a:r>
+              <a:rPr kumimoji="1" lang="ja-JP" altLang="en-US" dirty="0" smtClean="0"/>
+              <a:t>ちょっと</a:t>
+            </a:r>
+            <a:r>
+              <a:rPr kumimoji="1" lang="ja-JP" altLang="en-US" dirty="0" smtClean="0"/>
+              <a:t>書き方が分かりずらい気が</a:t>
             </a:r>
             <a:r>
               <a:rPr kumimoji="1" lang="en-US" altLang="ja-JP" dirty="0" smtClean="0"/>
@@ -979,8 +1284,53 @@
           <a:lstStyle/>
           <a:p>
             <a:r>
+              <a:rPr kumimoji="1" lang="en-US" altLang="ja-JP" dirty="0" smtClean="0"/>
+              <a:t>&gt;</a:t>
+            </a:r>
+            <a:r>
               <a:rPr kumimoji="1" lang="ja-JP" altLang="en-US" dirty="0" smtClean="0"/>
-              <a:t>座席表生成の流れに図とアニメーションをつけてみました。</a:t>
+              <a:t>時間しだいだけど、</a:t>
+            </a:r>
+            <a:r>
+              <a:rPr kumimoji="1" lang="en-US" altLang="ja-JP" dirty="0" smtClean="0"/>
+              <a:t>1</a:t>
+            </a:r>
+            <a:r>
+              <a:rPr kumimoji="1" lang="ja-JP" altLang="en-US" dirty="0" smtClean="0"/>
+              <a:t>～</a:t>
+            </a:r>
+            <a:r>
+              <a:rPr kumimoji="1" lang="en-US" altLang="ja-JP" dirty="0" smtClean="0"/>
+              <a:t>3</a:t>
+            </a:r>
+            <a:r>
+              <a:rPr kumimoji="1" lang="ja-JP" altLang="en-US" dirty="0" smtClean="0"/>
+              <a:t>を繰り返すってやってるなら</a:t>
+            </a:r>
+            <a:endParaRPr kumimoji="1" lang="en-US" altLang="ja-JP" dirty="0" smtClean="0"/>
+          </a:p>
+          <a:p>
+            <a:r>
+              <a:rPr kumimoji="1" lang="en-US" altLang="ja-JP" dirty="0" smtClean="0"/>
+              <a:t>&gt;</a:t>
+            </a:r>
+            <a:r>
+              <a:rPr kumimoji="1" lang="ja-JP" altLang="en-US" dirty="0" smtClean="0"/>
+              <a:t>もうひとつ動かしてみてもいいかも</a:t>
+            </a:r>
+            <a:endParaRPr kumimoji="1" lang="en-US" altLang="ja-JP" dirty="0" smtClean="0"/>
+          </a:p>
+          <a:p>
+            <a:endParaRPr kumimoji="1" lang="en-US" altLang="ja-JP" dirty="0" smtClean="0"/>
+          </a:p>
+          <a:p>
+            <a:r>
+              <a:rPr kumimoji="1" lang="ja-JP" altLang="en-US" dirty="0" smtClean="0"/>
+              <a:t>座席表</a:t>
+            </a:r>
+            <a:r>
+              <a:rPr kumimoji="1" lang="ja-JP" altLang="en-US" dirty="0" smtClean="0"/>
+              <a:t>生成の流れに図とアニメーションをつけてみました。</a:t>
             </a:r>
             <a:endParaRPr kumimoji="1" lang="en-US" altLang="ja-JP" dirty="0" smtClean="0"/>
           </a:p>
@@ -1072,19 +1422,47 @@
           <a:lstStyle/>
           <a:p>
             <a:r>
+              <a:rPr kumimoji="1" lang="en-US" altLang="ja-JP" dirty="0" smtClean="0"/>
+              <a:t>&gt;</a:t>
+            </a:r>
+            <a:r>
               <a:rPr kumimoji="1" lang="ja-JP" altLang="en-US" dirty="0" smtClean="0"/>
-              <a:t>どういった状況で出るのか具体例を述べた方が分かりやすいかも。</a:t>
+              <a:t>これは現時点でのバグで、それを修正するのも今後の課題な気がする</a:t>
             </a:r>
             <a:endParaRPr kumimoji="1" lang="en-US" altLang="ja-JP" dirty="0" smtClean="0"/>
           </a:p>
           <a:p>
             <a:r>
+              <a:rPr kumimoji="1" lang="en-US" altLang="ja-JP" dirty="0" smtClean="0"/>
+              <a:t>&gt;</a:t>
+            </a:r>
+            <a:r>
               <a:rPr kumimoji="1" lang="ja-JP" altLang="en-US" dirty="0" smtClean="0"/>
-              <a:t>時間があるなら簡単なデモでもあれば分かりやすい</a:t>
-            </a:r>
+              <a:t>なので、今後の課題と分ける意味が分からない</a:t>
+            </a:r>
+            <a:endParaRPr kumimoji="1" lang="en-US" altLang="ja-JP" dirty="0" smtClean="0"/>
+          </a:p>
+          <a:p>
+            <a:endParaRPr kumimoji="1" lang="en-US" altLang="ja-JP" dirty="0" smtClean="0"/>
+          </a:p>
+          <a:p>
+            <a:endParaRPr kumimoji="1" lang="en-US" altLang="ja-JP" dirty="0" smtClean="0"/>
+          </a:p>
+          <a:p>
             <a:r>
               <a:rPr kumimoji="1" lang="ja-JP" altLang="en-US" dirty="0" smtClean="0"/>
-              <a:t>。</a:t>
+              <a:t>どういった</a:t>
+            </a:r>
+            <a:r>
+              <a:rPr kumimoji="1" lang="ja-JP" altLang="en-US" dirty="0" smtClean="0"/>
+              <a:t>状況で出るのか具体例を述べた方が分かりやすいかも。</a:t>
+            </a:r>
+            <a:endParaRPr kumimoji="1" lang="en-US" altLang="ja-JP" dirty="0" smtClean="0"/>
+          </a:p>
+          <a:p>
+            <a:r>
+              <a:rPr kumimoji="1" lang="ja-JP" altLang="en-US" dirty="0" smtClean="0"/>
+              <a:t>時間があるなら簡単なデモでもあれば分かりやすい。</a:t>
             </a:r>
             <a:endParaRPr kumimoji="1" lang="en-US" altLang="ja-JP" dirty="0" smtClean="0"/>
           </a:p>
@@ -1196,8 +1574,277 @@
               <a:defRPr/>
             </a:pPr>
             <a:r>
+              <a:rPr lang="en-US" altLang="ja-JP" dirty="0" smtClean="0"/>
+              <a:t>&gt;</a:t>
+            </a:r>
+            <a:r>
               <a:rPr lang="ja-JP" altLang="en-US" dirty="0" smtClean="0"/>
-              <a:t>“マウスで机の移動を直接行えるように”</a:t>
+              <a:t>書き方が悪かったかな</a:t>
+            </a:r>
+            <a:r>
+              <a:rPr lang="en-US" altLang="ja-JP" dirty="0" smtClean="0"/>
+              <a:t>(</a:t>
+            </a:r>
+            <a:r>
+              <a:rPr lang="ja-JP" altLang="en-US" dirty="0" smtClean="0"/>
+              <a:t>汗</a:t>
+            </a:r>
+            <a:r>
+              <a:rPr lang="en-US" altLang="ja-JP" dirty="0" smtClean="0"/>
+              <a:t>)</a:t>
+            </a:r>
+          </a:p>
+          <a:p>
+            <a:pPr marL="0" marR="0" indent="0" algn="l" defTabSz="914400" rtl="0" eaLnBrk="1" fontAlgn="auto" latinLnBrk="0" hangingPunct="1">
+              <a:lnSpc>
+                <a:spcPct val="100000"/>
+              </a:lnSpc>
+              <a:spcBef>
+                <a:spcPts val="0"/>
+              </a:spcBef>
+              <a:spcAft>
+                <a:spcPts val="0"/>
+              </a:spcAft>
+              <a:buClrTx/>
+              <a:buSzTx/>
+              <a:buFontTx/>
+              <a:buNone/>
+              <a:tabLst/>
+              <a:defRPr/>
+            </a:pPr>
+            <a:r>
+              <a:rPr lang="en-US" altLang="ja-JP" dirty="0" smtClean="0"/>
+              <a:t>&gt;</a:t>
+            </a:r>
+            <a:r>
+              <a:rPr lang="ja-JP" altLang="en-US" dirty="0" smtClean="0"/>
+              <a:t>表現をもっと簡単にできると書いたのは“マウスで机の移動を直接行えるように”</a:t>
+            </a:r>
+            <a:endParaRPr lang="en-US" altLang="ja-JP" dirty="0" smtClean="0"/>
+          </a:p>
+          <a:p>
+            <a:pPr marL="0" marR="0" indent="0" algn="l" defTabSz="914400" rtl="0" eaLnBrk="1" fontAlgn="auto" latinLnBrk="0" hangingPunct="1">
+              <a:lnSpc>
+                <a:spcPct val="100000"/>
+              </a:lnSpc>
+              <a:spcBef>
+                <a:spcPts val="0"/>
+              </a:spcBef>
+              <a:spcAft>
+                <a:spcPts val="0"/>
+              </a:spcAft>
+              <a:buClrTx/>
+              <a:buSzTx/>
+              <a:buFontTx/>
+              <a:buNone/>
+              <a:tabLst/>
+              <a:defRPr/>
+            </a:pPr>
+            <a:r>
+              <a:rPr lang="en-US" altLang="ja-JP" dirty="0" smtClean="0"/>
+              <a:t>&gt;</a:t>
+            </a:r>
+            <a:r>
+              <a:rPr lang="ja-JP" altLang="en-US" dirty="0" smtClean="0"/>
+              <a:t>と書いているのをもっと分かり表現で書けるだろうと思って書きました。</a:t>
+            </a:r>
+            <a:endParaRPr lang="en-US" altLang="ja-JP" dirty="0" smtClean="0"/>
+          </a:p>
+          <a:p>
+            <a:pPr marL="0" marR="0" indent="0" algn="l" defTabSz="914400" rtl="0" eaLnBrk="1" fontAlgn="auto" latinLnBrk="0" hangingPunct="1">
+              <a:lnSpc>
+                <a:spcPct val="100000"/>
+              </a:lnSpc>
+              <a:spcBef>
+                <a:spcPts val="0"/>
+              </a:spcBef>
+              <a:spcAft>
+                <a:spcPts val="0"/>
+              </a:spcAft>
+              <a:buClrTx/>
+              <a:buSzTx/>
+              <a:buFontTx/>
+              <a:buNone/>
+              <a:tabLst/>
+              <a:defRPr/>
+            </a:pPr>
+            <a:r>
+              <a:rPr lang="en-US" altLang="ja-JP" dirty="0" smtClean="0"/>
+              <a:t>&gt;</a:t>
+            </a:r>
+          </a:p>
+          <a:p>
+            <a:pPr marL="0" marR="0" indent="0" algn="l" defTabSz="914400" rtl="0" eaLnBrk="1" fontAlgn="auto" latinLnBrk="0" hangingPunct="1">
+              <a:lnSpc>
+                <a:spcPct val="100000"/>
+              </a:lnSpc>
+              <a:spcBef>
+                <a:spcPts val="0"/>
+              </a:spcBef>
+              <a:spcAft>
+                <a:spcPts val="0"/>
+              </a:spcAft>
+              <a:buClrTx/>
+              <a:buSzTx/>
+              <a:buFontTx/>
+              <a:buNone/>
+              <a:tabLst/>
+              <a:defRPr/>
+            </a:pPr>
+            <a:r>
+              <a:rPr lang="en-US" altLang="ja-JP" dirty="0" smtClean="0"/>
+              <a:t>&gt;</a:t>
+            </a:r>
+            <a:r>
+              <a:rPr lang="ja-JP" altLang="en-US" dirty="0" smtClean="0"/>
+              <a:t>印刷レイアウトについてはデモのときに見せるのかね？？</a:t>
+            </a:r>
+            <a:endParaRPr lang="en-US" altLang="ja-JP" dirty="0" smtClean="0"/>
+          </a:p>
+          <a:p>
+            <a:pPr marL="0" marR="0" indent="0" algn="l" defTabSz="914400" rtl="0" eaLnBrk="1" fontAlgn="auto" latinLnBrk="0" hangingPunct="1">
+              <a:lnSpc>
+                <a:spcPct val="100000"/>
+              </a:lnSpc>
+              <a:spcBef>
+                <a:spcPts val="0"/>
+              </a:spcBef>
+              <a:spcAft>
+                <a:spcPts val="0"/>
+              </a:spcAft>
+              <a:buClrTx/>
+              <a:buSzTx/>
+              <a:buFontTx/>
+              <a:buNone/>
+              <a:tabLst/>
+              <a:defRPr/>
+            </a:pPr>
+            <a:r>
+              <a:rPr lang="en-US" altLang="ja-JP" dirty="0" smtClean="0"/>
+              <a:t>&gt;</a:t>
+            </a:r>
+            <a:r>
+              <a:rPr lang="ja-JP" altLang="en-US" dirty="0" smtClean="0"/>
+              <a:t>もし見せないなら一番下はイメージがわきにくい</a:t>
+            </a:r>
+            <a:endParaRPr lang="en-US" altLang="ja-JP" dirty="0" smtClean="0"/>
+          </a:p>
+          <a:p>
+            <a:pPr marL="0" marR="0" indent="0" algn="l" defTabSz="914400" rtl="0" eaLnBrk="1" fontAlgn="auto" latinLnBrk="0" hangingPunct="1">
+              <a:lnSpc>
+                <a:spcPct val="100000"/>
+              </a:lnSpc>
+              <a:spcBef>
+                <a:spcPts val="0"/>
+              </a:spcBef>
+              <a:spcAft>
+                <a:spcPts val="0"/>
+              </a:spcAft>
+              <a:buClrTx/>
+              <a:buSzTx/>
+              <a:buFontTx/>
+              <a:buNone/>
+              <a:tabLst/>
+              <a:defRPr/>
+            </a:pPr>
+            <a:r>
+              <a:rPr lang="en-US" altLang="ja-JP" dirty="0" smtClean="0"/>
+              <a:t>&gt;</a:t>
+            </a:r>
+          </a:p>
+          <a:p>
+            <a:pPr marL="0" marR="0" indent="0" algn="l" defTabSz="914400" rtl="0" eaLnBrk="1" fontAlgn="auto" latinLnBrk="0" hangingPunct="1">
+              <a:lnSpc>
+                <a:spcPct val="100000"/>
+              </a:lnSpc>
+              <a:spcBef>
+                <a:spcPts val="0"/>
+              </a:spcBef>
+              <a:spcAft>
+                <a:spcPts val="0"/>
+              </a:spcAft>
+              <a:buClrTx/>
+              <a:buSzTx/>
+              <a:buFontTx/>
+              <a:buNone/>
+              <a:tabLst/>
+              <a:defRPr/>
+            </a:pPr>
+            <a:r>
+              <a:rPr lang="en-US" altLang="ja-JP" dirty="0" smtClean="0"/>
+              <a:t>&gt;</a:t>
+            </a:r>
+            <a:r>
+              <a:rPr lang="ja-JP" altLang="en-US" dirty="0" smtClean="0"/>
+              <a:t>あと今後の課題として、部屋の大きさを変えれるようにするというのも今後の課題としてあってもいいと思う。</a:t>
+            </a:r>
+            <a:endParaRPr lang="en-US" altLang="ja-JP" dirty="0" smtClean="0"/>
+          </a:p>
+          <a:p>
+            <a:pPr marL="0" marR="0" indent="0" algn="l" defTabSz="914400" rtl="0" eaLnBrk="1" fontAlgn="auto" latinLnBrk="0" hangingPunct="1">
+              <a:lnSpc>
+                <a:spcPct val="100000"/>
+              </a:lnSpc>
+              <a:spcBef>
+                <a:spcPts val="0"/>
+              </a:spcBef>
+              <a:spcAft>
+                <a:spcPts val="0"/>
+              </a:spcAft>
+              <a:buClrTx/>
+              <a:buSzTx/>
+              <a:buFontTx/>
+              <a:buNone/>
+              <a:tabLst/>
+              <a:defRPr/>
+            </a:pPr>
+            <a:endParaRPr lang="en-US" altLang="ja-JP" dirty="0" smtClean="0"/>
+          </a:p>
+          <a:p>
+            <a:pPr marL="0" marR="0" indent="0" algn="l" defTabSz="914400" rtl="0" eaLnBrk="1" fontAlgn="auto" latinLnBrk="0" hangingPunct="1">
+              <a:lnSpc>
+                <a:spcPct val="100000"/>
+              </a:lnSpc>
+              <a:spcBef>
+                <a:spcPts val="0"/>
+              </a:spcBef>
+              <a:spcAft>
+                <a:spcPts val="0"/>
+              </a:spcAft>
+              <a:buClrTx/>
+              <a:buSzTx/>
+              <a:buFontTx/>
+              <a:buNone/>
+              <a:tabLst/>
+              <a:defRPr/>
+            </a:pPr>
+            <a:endParaRPr lang="en-US" altLang="ja-JP" dirty="0" smtClean="0"/>
+          </a:p>
+          <a:p>
+            <a:pPr marL="0" marR="0" indent="0" algn="l" defTabSz="914400" rtl="0" eaLnBrk="1" fontAlgn="auto" latinLnBrk="0" hangingPunct="1">
+              <a:lnSpc>
+                <a:spcPct val="100000"/>
+              </a:lnSpc>
+              <a:spcBef>
+                <a:spcPts val="0"/>
+              </a:spcBef>
+              <a:spcAft>
+                <a:spcPts val="0"/>
+              </a:spcAft>
+              <a:buClrTx/>
+              <a:buSzTx/>
+              <a:buFontTx/>
+              <a:buNone/>
+              <a:tabLst/>
+              <a:defRPr/>
+            </a:pPr>
+            <a:r>
+              <a:rPr lang="ja-JP" altLang="en-US" dirty="0" smtClean="0"/>
+              <a:t>“</a:t>
+            </a:r>
+            <a:r>
+              <a:rPr lang="ja-JP" altLang="en-US" dirty="0" smtClean="0"/>
+              <a:t>マウスで机の移動を直接行えるように”</a:t>
             </a:r>
             <a:endParaRPr lang="en-US" altLang="ja-JP" dirty="0" smtClean="0"/>
           </a:p>
@@ -1513,15 +2160,46 @@
           <a:lstStyle/>
           <a:p>
             <a:r>
+              <a:rPr kumimoji="1" lang="en-US" altLang="ja-JP" dirty="0" smtClean="0"/>
+              <a:t>&gt;</a:t>
+            </a:r>
+            <a:r>
               <a:rPr kumimoji="1" lang="ja-JP" altLang="en-US" dirty="0" smtClean="0"/>
-              <a:t>ここも図やアニメーションを入れて説明した方が分かりやすいと思われる。</a:t>
+              <a:t>使わないなら非表示スライドに設定しないと表示されちゃいますよ</a:t>
             </a:r>
             <a:endParaRPr kumimoji="1" lang="en-US" altLang="ja-JP" dirty="0" smtClean="0"/>
           </a:p>
           <a:p>
+            <a:endParaRPr kumimoji="1" lang="en-US" altLang="ja-JP" dirty="0" smtClean="0"/>
+          </a:p>
+          <a:p>
+            <a:endParaRPr kumimoji="1" lang="en-US" altLang="ja-JP" dirty="0" smtClean="0"/>
+          </a:p>
+          <a:p>
             <a:r>
               <a:rPr kumimoji="1" lang="ja-JP" altLang="en-US" dirty="0" smtClean="0"/>
-              <a:t>ちょっとこれだけではイメージが湧きづらい</a:t>
+              <a:t>ここ</a:t>
+            </a:r>
+            <a:r>
+              <a:rPr kumimoji="1" lang="ja-JP" altLang="en-US" dirty="0" smtClean="0"/>
+              <a:t>も図やアニメーションを入れて説明した方が分かりやすいと思われる。</a:t>
+            </a:r>
+            <a:endParaRPr kumimoji="1" lang="en-US" altLang="ja-JP" dirty="0" smtClean="0"/>
+          </a:p>
+          <a:p>
+            <a:r>
+              <a:rPr kumimoji="1" lang="ja-JP" altLang="en-US" dirty="0" smtClean="0"/>
+              <a:t>ちょっとこれだけではイメージが湧きづらい。</a:t>
+            </a:r>
+            <a:endParaRPr kumimoji="1" lang="en-US" altLang="ja-JP" dirty="0" smtClean="0"/>
+          </a:p>
+          <a:p>
+            <a:endParaRPr kumimoji="1" lang="en-US" altLang="ja-JP" dirty="0" smtClean="0"/>
+          </a:p>
+          <a:p>
+            <a:r>
+              <a:rPr kumimoji="1" lang="ja-JP" altLang="en-US" dirty="0" smtClean="0"/>
+              <a:t>これはたぶん使わないです</a:t>
             </a:r>
             <a:r>
               <a:rPr kumimoji="1" lang="ja-JP" altLang="en-US" dirty="0" smtClean="0"/>
@@ -1531,13 +2209,6 @@
           </a:p>
           <a:p>
             <a:endParaRPr kumimoji="1" lang="en-US" altLang="ja-JP" dirty="0" smtClean="0"/>
-          </a:p>
-          <a:p>
-            <a:r>
-              <a:rPr kumimoji="1" lang="ja-JP" altLang="en-US" dirty="0" smtClean="0"/>
-              <a:t>これはたぶん使わないです。</a:t>
-            </a:r>
-            <a:endParaRPr kumimoji="1" lang="ja-JP" altLang="en-US" dirty="0"/>
           </a:p>
         </p:txBody>
       </p:sp>
@@ -1747,7 +2418,7 @@
             <a:fld id="{5868A492-7F05-4C7E-A55B-102E0CC77CD9}" type="datetimeFigureOut">
               <a:rPr kumimoji="1" lang="ja-JP" altLang="en-US" smtClean="0"/>
               <a:pPr/>
-              <a:t>2009/6/23</a:t>
+              <a:t>2009/6/24</a:t>
             </a:fld>
             <a:endParaRPr kumimoji="1" lang="ja-JP" altLang="en-US"/>
           </a:p>
@@ -1946,7 +2617,7 @@
             <a:fld id="{5868A492-7F05-4C7E-A55B-102E0CC77CD9}" type="datetimeFigureOut">
               <a:rPr kumimoji="1" lang="ja-JP" altLang="en-US" smtClean="0"/>
               <a:pPr/>
-              <a:t>2009/6/23</a:t>
+              <a:t>2009/6/24</a:t>
             </a:fld>
             <a:endParaRPr kumimoji="1" lang="ja-JP" altLang="en-US"/>
           </a:p>
@@ -2155,7 +2826,7 @@
             <a:fld id="{5868A492-7F05-4C7E-A55B-102E0CC77CD9}" type="datetimeFigureOut">
               <a:rPr kumimoji="1" lang="ja-JP" altLang="en-US" smtClean="0"/>
               <a:pPr/>
-              <a:t>2009/6/23</a:t>
+              <a:t>2009/6/24</a:t>
             </a:fld>
             <a:endParaRPr kumimoji="1" lang="ja-JP" altLang="en-US"/>
           </a:p>
@@ -2354,7 +3025,7 @@
             <a:fld id="{5868A492-7F05-4C7E-A55B-102E0CC77CD9}" type="datetimeFigureOut">
               <a:rPr kumimoji="1" lang="ja-JP" altLang="en-US" smtClean="0"/>
               <a:pPr/>
-              <a:t>2009/6/23</a:t>
+              <a:t>2009/6/24</a:t>
             </a:fld>
             <a:endParaRPr kumimoji="1" lang="ja-JP" altLang="en-US"/>
           </a:p>
@@ -2598,7 +3269,7 @@
             <a:fld id="{5868A492-7F05-4C7E-A55B-102E0CC77CD9}" type="datetimeFigureOut">
               <a:rPr kumimoji="1" lang="ja-JP" altLang="en-US" smtClean="0"/>
               <a:pPr/>
-              <a:t>2009/6/23</a:t>
+              <a:t>2009/6/24</a:t>
             </a:fld>
             <a:endParaRPr kumimoji="1" lang="ja-JP" altLang="en-US"/>
           </a:p>
@@ -2928,7 +3599,7 @@
             <a:fld id="{5868A492-7F05-4C7E-A55B-102E0CC77CD9}" type="datetimeFigureOut">
               <a:rPr kumimoji="1" lang="ja-JP" altLang="en-US" smtClean="0"/>
               <a:pPr/>
-              <a:t>2009/6/23</a:t>
+              <a:t>2009/6/24</a:t>
             </a:fld>
             <a:endParaRPr kumimoji="1" lang="ja-JP" altLang="en-US"/>
           </a:p>
@@ -3372,7 +4043,7 @@
             <a:fld id="{5868A492-7F05-4C7E-A55B-102E0CC77CD9}" type="datetimeFigureOut">
               <a:rPr kumimoji="1" lang="ja-JP" altLang="en-US" smtClean="0"/>
               <a:pPr/>
-              <a:t>2009/6/23</a:t>
+              <a:t>2009/6/24</a:t>
             </a:fld>
             <a:endParaRPr kumimoji="1" lang="ja-JP" altLang="en-US"/>
           </a:p>
@@ -3524,7 +4195,7 @@
             <a:fld id="{5868A492-7F05-4C7E-A55B-102E0CC77CD9}" type="datetimeFigureOut">
               <a:rPr kumimoji="1" lang="ja-JP" altLang="en-US" smtClean="0"/>
               <a:pPr/>
-              <a:t>2009/6/23</a:t>
+              <a:t>2009/6/24</a:t>
             </a:fld>
             <a:endParaRPr kumimoji="1" lang="ja-JP" altLang="en-US"/>
           </a:p>
@@ -3616,7 +4287,7 @@
             <a:fld id="{5868A492-7F05-4C7E-A55B-102E0CC77CD9}" type="datetimeFigureOut">
               <a:rPr kumimoji="1" lang="ja-JP" altLang="en-US" smtClean="0"/>
               <a:pPr/>
-              <a:t>2009/6/23</a:t>
+              <a:t>2009/6/24</a:t>
             </a:fld>
             <a:endParaRPr kumimoji="1" lang="ja-JP" altLang="en-US"/>
           </a:p>
@@ -3911,7 +4582,7 @@
             <a:fld id="{5868A492-7F05-4C7E-A55B-102E0CC77CD9}" type="datetimeFigureOut">
               <a:rPr kumimoji="1" lang="ja-JP" altLang="en-US" smtClean="0"/>
               <a:pPr/>
-              <a:t>2009/6/23</a:t>
+              <a:t>2009/6/24</a:t>
             </a:fld>
             <a:endParaRPr kumimoji="1" lang="ja-JP" altLang="en-US"/>
           </a:p>
@@ -4201,7 +4872,7 @@
             <a:fld id="{5868A492-7F05-4C7E-A55B-102E0CC77CD9}" type="datetimeFigureOut">
               <a:rPr kumimoji="1" lang="ja-JP" altLang="en-US" smtClean="0"/>
               <a:pPr/>
-              <a:t>2009/6/23</a:t>
+              <a:t>2009/6/24</a:t>
             </a:fld>
             <a:endParaRPr kumimoji="1" lang="ja-JP" altLang="en-US"/>
           </a:p>
@@ -5006,7 +5677,7 @@
             <a:fld id="{5868A492-7F05-4C7E-A55B-102E0CC77CD9}" type="datetimeFigureOut">
               <a:rPr kumimoji="1" lang="ja-JP" altLang="en-US" smtClean="0"/>
               <a:pPr/>
-              <a:t>2009/6/23</a:t>
+              <a:t>2009/6/24</a:t>
             </a:fld>
             <a:endParaRPr kumimoji="1" lang="ja-JP" altLang="en-US"/>
           </a:p>
@@ -6410,11 +7081,7 @@
           <a:p>
             <a:r>
               <a:rPr kumimoji="1" lang="ja-JP" altLang="en-US" dirty="0" smtClean="0"/>
-              <a:t>机</a:t>
-            </a:r>
-            <a:r>
-              <a:rPr kumimoji="1" lang="ja-JP" altLang="en-US" dirty="0" smtClean="0"/>
-              <a:t>の作成、削除、移動、向き変更、名前の入力</a:t>
+              <a:t>机の作成、削除、移動、向き変更、名前の入力</a:t>
             </a:r>
             <a:endParaRPr kumimoji="1" lang="en-US" altLang="ja-JP" dirty="0" smtClean="0"/>
           </a:p>
@@ -6427,11 +7094,7 @@
           <a:p>
             <a:r>
               <a:rPr kumimoji="1" lang="ja-JP" altLang="en-US" dirty="0" smtClean="0"/>
-              <a:t>チェックボックスで色、編集する机の</a:t>
-            </a:r>
-            <a:r>
-              <a:rPr kumimoji="1" lang="ja-JP" altLang="en-US" dirty="0" smtClean="0"/>
-              <a:t>選択</a:t>
+              <a:t>チェックボックスで色、編集する机の選択</a:t>
             </a:r>
             <a:endParaRPr kumimoji="1" lang="en-US" altLang="ja-JP" dirty="0" smtClean="0"/>
           </a:p>
@@ -7690,11 +8353,7 @@
           <a:p>
             <a:r>
               <a:rPr kumimoji="1" lang="ja-JP" altLang="en-US" sz="3200" dirty="0" smtClean="0"/>
-              <a:t>警告や報告が</a:t>
-            </a:r>
-            <a:r>
-              <a:rPr kumimoji="1" lang="ja-JP" altLang="en-US" sz="3200" dirty="0" smtClean="0"/>
-              <a:t>同時に表示されない</a:t>
+              <a:t>警告や報告が同時に表示されない</a:t>
             </a:r>
             <a:endParaRPr kumimoji="1" lang="en-US" altLang="ja-JP" sz="3200" dirty="0" smtClean="0"/>
           </a:p>
@@ -7724,11 +8383,7 @@
             </a:pPr>
             <a:r>
               <a:rPr lang="ja-JP" altLang="en-US" sz="2000" dirty="0" smtClean="0"/>
-              <a:t>　　机の移動をすると</a:t>
-            </a:r>
-            <a:r>
-              <a:rPr lang="ja-JP" altLang="en-US" sz="2000" dirty="0" smtClean="0"/>
-              <a:t>戻るが面倒</a:t>
+              <a:t>　　机の移動をすると戻るが面倒</a:t>
             </a:r>
             <a:endParaRPr lang="en-US" altLang="ja-JP" sz="2000" dirty="0" smtClean="0"/>
           </a:p>
@@ -7827,11 +8482,7 @@
             </a:pPr>
             <a:r>
               <a:rPr lang="ja-JP" altLang="en-US" sz="2000" dirty="0" smtClean="0"/>
-              <a:t>　　表現をもっと簡単に</a:t>
-            </a:r>
-            <a:r>
-              <a:rPr lang="ja-JP" altLang="en-US" sz="2000" dirty="0" smtClean="0"/>
-              <a:t>できる</a:t>
+              <a:t>　　表現をもっと簡単にできる</a:t>
             </a:r>
             <a:endParaRPr lang="en-US" altLang="ja-JP" sz="2000" dirty="0" smtClean="0"/>
           </a:p>
@@ -7854,15 +8505,7 @@
             </a:pPr>
             <a:r>
               <a:rPr lang="ja-JP" altLang="en-US" sz="2000" dirty="0" smtClean="0"/>
-              <a:t>　　机以外</a:t>
-            </a:r>
-            <a:r>
-              <a:rPr lang="ja-JP" altLang="en-US" sz="2000" dirty="0" smtClean="0"/>
-              <a:t>のオブジェクトも作ることが</a:t>
-            </a:r>
-            <a:r>
-              <a:rPr lang="ja-JP" altLang="en-US" sz="2000" dirty="0" smtClean="0"/>
-              <a:t>できる</a:t>
+              <a:t>　　机以外のオブジェクトも作ることができる</a:t>
             </a:r>
             <a:endParaRPr lang="en-US" altLang="ja-JP" sz="2000" dirty="0" smtClean="0"/>
           </a:p>
@@ -7885,15 +8528,7 @@
             </a:pPr>
             <a:r>
               <a:rPr lang="ja-JP" altLang="en-US" sz="2000" dirty="0" smtClean="0"/>
-              <a:t>　</a:t>
-            </a:r>
-            <a:r>
-              <a:rPr lang="ja-JP" altLang="en-US" sz="2000" dirty="0" smtClean="0"/>
-              <a:t>　現在の印刷だと少し偏っていて</a:t>
-            </a:r>
-            <a:r>
-              <a:rPr lang="ja-JP" altLang="en-US" sz="2000" dirty="0" smtClean="0"/>
-              <a:t>見づらい</a:t>
+              <a:t>　　現在の印刷だと少し偏っていて見づらい</a:t>
             </a:r>
             <a:endParaRPr lang="en-US" altLang="ja-JP" sz="2000" dirty="0" smtClean="0"/>
           </a:p>

--- a/インターン発表.pptx
+++ b/インターン発表.pptx
@@ -5,7 +5,7 @@
     <p:sldMasterId id="2147483660" r:id="rId1"/>
   </p:sldMasterIdLst>
   <p:notesMasterIdLst>
-    <p:notesMasterId r:id="rId12"/>
+    <p:notesMasterId r:id="rId11"/>
   </p:notesMasterIdLst>
   <p:sldIdLst>
     <p:sldId id="256" r:id="rId2"/>
@@ -15,9 +15,8 @@
     <p:sldId id="265" r:id="rId6"/>
     <p:sldId id="267" r:id="rId7"/>
     <p:sldId id="263" r:id="rId8"/>
-    <p:sldId id="262" r:id="rId9"/>
-    <p:sldId id="259" r:id="rId10"/>
-    <p:sldId id="268" r:id="rId11"/>
+    <p:sldId id="259" r:id="rId9"/>
+    <p:sldId id="268" r:id="rId10"/>
   </p:sldIdLst>
   <p:sldSz cx="9144000" cy="6858000" type="screen4x3"/>
   <p:notesSz cx="6858000" cy="9144000"/>
@@ -552,7 +551,7 @@
             </a:r>
             <a:r>
               <a:rPr kumimoji="1" lang="ja-JP" altLang="en-US" dirty="0" smtClean="0"/>
-              <a:t>もう少し細かく書いた方がいい</a:t>
+              <a:t>背景と現在の座席表の作り方を合併しようとおもうのですが、どうでしょう？</a:t>
             </a:r>
             <a:endParaRPr kumimoji="1" lang="en-US" altLang="ja-JP" dirty="0" smtClean="0"/>
           </a:p>
@@ -563,18 +562,43 @@
             </a:r>
             <a:r>
               <a:rPr kumimoji="1" lang="ja-JP" altLang="en-US" dirty="0" smtClean="0"/>
-              <a:t>口頭でかなり説明しないと分かってもらえないだろう</a:t>
+              <a:t>背景については、ある程度口頭で説明します。</a:t>
             </a:r>
             <a:endParaRPr kumimoji="1" lang="en-US" altLang="ja-JP" dirty="0" smtClean="0"/>
           </a:p>
           <a:p>
-            <a:r>
-              <a:rPr kumimoji="1" lang="en-US" altLang="ja-JP" dirty="0" smtClean="0"/>
-              <a:t>&gt;</a:t>
-            </a:r>
+            <a:endParaRPr kumimoji="1" lang="en-US" altLang="ja-JP" dirty="0" smtClean="0"/>
+          </a:p>
+          <a:p>
             <a:r>
               <a:rPr kumimoji="1" lang="ja-JP" altLang="en-US" dirty="0" smtClean="0"/>
-              <a:t>次のスライドとのつながりがいまい</a:t>
+              <a:t>もう</a:t>
+            </a:r>
+            <a:r>
+              <a:rPr kumimoji="1" lang="ja-JP" altLang="en-US" dirty="0" smtClean="0"/>
+              <a:t>少し細かく書いた方がいい</a:t>
+            </a:r>
+            <a:endParaRPr kumimoji="1" lang="en-US" altLang="ja-JP" dirty="0" smtClean="0"/>
+          </a:p>
+          <a:p>
+            <a:r>
+              <a:rPr kumimoji="1" lang="ja-JP" altLang="en-US" dirty="0" smtClean="0"/>
+              <a:t>口頭</a:t>
+            </a:r>
+            <a:r>
+              <a:rPr kumimoji="1" lang="ja-JP" altLang="en-US" dirty="0" smtClean="0"/>
+              <a:t>でかなり説明しないと分かってもらえないだろう</a:t>
+            </a:r>
+            <a:endParaRPr kumimoji="1" lang="en-US" altLang="ja-JP" dirty="0" smtClean="0"/>
+          </a:p>
+          <a:p>
+            <a:r>
+              <a:rPr kumimoji="1" lang="ja-JP" altLang="en-US" dirty="0" smtClean="0"/>
+              <a:t>次</a:t>
+            </a:r>
+            <a:r>
+              <a:rPr kumimoji="1" lang="ja-JP" altLang="en-US" dirty="0" smtClean="0"/>
+              <a:t>のスライドとのつながりがいまい</a:t>
             </a:r>
             <a:r>
               <a:rPr kumimoji="1" lang="ja-JP" altLang="en-US" dirty="0" err="1" smtClean="0"/>
@@ -671,11 +695,11 @@
           <a:p>
             <a:r>
               <a:rPr kumimoji="1" lang="en-US" altLang="ja-JP" dirty="0" smtClean="0"/>
-              <a:t>&gt;</a:t>
+              <a:t>&gt;Excel</a:t>
             </a:r>
             <a:r>
               <a:rPr kumimoji="1" lang="ja-JP" altLang="en-US" dirty="0" smtClean="0"/>
-              <a:t>これまでの座席表をどう作っていたのかがイメージできない</a:t>
+              <a:t>を使って作った座席表が欲しいのですが、誰が持っているか教えていただけないでしょうか？</a:t>
             </a:r>
             <a:endParaRPr kumimoji="1" lang="en-US" altLang="ja-JP" dirty="0" smtClean="0"/>
           </a:p>
@@ -686,7 +710,35 @@
             </a:r>
             <a:r>
               <a:rPr kumimoji="1" lang="ja-JP" altLang="en-US" dirty="0" smtClean="0"/>
-              <a:t>なので、</a:t>
+              <a:t>それをいただいて、張ろうと思います。</a:t>
+            </a:r>
+            <a:endParaRPr kumimoji="1" lang="en-US" altLang="ja-JP" dirty="0" smtClean="0"/>
+          </a:p>
+          <a:p>
+            <a:endParaRPr kumimoji="1" lang="en-US" altLang="ja-JP" dirty="0" smtClean="0"/>
+          </a:p>
+          <a:p>
+            <a:endParaRPr kumimoji="1" lang="en-US" altLang="ja-JP" dirty="0" smtClean="0"/>
+          </a:p>
+          <a:p>
+            <a:r>
+              <a:rPr kumimoji="1" lang="ja-JP" altLang="en-US" dirty="0" smtClean="0"/>
+              <a:t>これ</a:t>
+            </a:r>
+            <a:r>
+              <a:rPr kumimoji="1" lang="ja-JP" altLang="en-US" dirty="0" smtClean="0"/>
+              <a:t>までの座席表をどう作っていたのかがイメージできない</a:t>
+            </a:r>
+            <a:endParaRPr kumimoji="1" lang="en-US" altLang="ja-JP" dirty="0" smtClean="0"/>
+          </a:p>
+          <a:p>
+            <a:r>
+              <a:rPr kumimoji="1" lang="ja-JP" altLang="en-US" dirty="0" smtClean="0"/>
+              <a:t>なの</a:t>
+            </a:r>
+            <a:r>
+              <a:rPr kumimoji="1" lang="ja-JP" altLang="en-US" dirty="0" smtClean="0"/>
+              <a:t>で、</a:t>
             </a:r>
             <a:r>
               <a:rPr kumimoji="1" lang="en-US" altLang="ja-JP" dirty="0" smtClean="0"/>
@@ -710,15 +762,15 @@
             </a:r>
             <a:r>
               <a:rPr kumimoji="1" lang="ja-JP" altLang="en-US" dirty="0" smtClean="0"/>
-              <a:t>理解してもらえないと思う</a:t>
+              <a:t>理解してもらえないと</a:t>
+            </a:r>
+            <a:r>
+              <a:rPr kumimoji="1" lang="ja-JP" altLang="en-US" dirty="0" smtClean="0"/>
+              <a:t>思う</a:t>
             </a:r>
             <a:endParaRPr kumimoji="1" lang="en-US" altLang="ja-JP" dirty="0" smtClean="0"/>
           </a:p>
           <a:p>
-            <a:r>
-              <a:rPr kumimoji="1" lang="en-US" altLang="ja-JP" dirty="0" smtClean="0"/>
-              <a:t>&gt;</a:t>
-            </a:r>
             <a:r>
               <a:rPr kumimoji="1" lang="ja-JP" altLang="en-US" dirty="0" smtClean="0"/>
               <a:t>どんな</a:t>
@@ -739,11 +791,7 @@
           <a:p>
             <a:r>
               <a:rPr kumimoji="1" lang="ja-JP" altLang="en-US" dirty="0" smtClean="0"/>
-              <a:t>どうして</a:t>
-            </a:r>
-            <a:r>
-              <a:rPr kumimoji="1" lang="ja-JP" altLang="en-US" dirty="0" smtClean="0"/>
-              <a:t>座席表のプログラムを作ったか</a:t>
+              <a:t>どうして座席表のプログラムを作ったか</a:t>
             </a:r>
             <a:endParaRPr kumimoji="1" lang="en-US" altLang="ja-JP" dirty="0" smtClean="0"/>
           </a:p>
@@ -903,13 +951,9 @@
             </a:r>
             <a:r>
               <a:rPr kumimoji="1" lang="ja-JP" altLang="en-US" dirty="0" smtClean="0"/>
-              <a:t>“</a:t>
-            </a:r>
-            <a:r>
-              <a:rPr lang="ja-JP" altLang="en-US" dirty="0" smtClean="0"/>
-              <a:t>人の名前は打ちこむことで机に名前が表示される”という項目は</a:t>
-            </a:r>
-            <a:endParaRPr lang="en-US" altLang="ja-JP" dirty="0" smtClean="0"/>
+              <a:t>簡単にしてみました。</a:t>
+            </a:r>
+            <a:endParaRPr kumimoji="1" lang="en-US" altLang="ja-JP" dirty="0" smtClean="0"/>
           </a:p>
           <a:p>
             <a:pPr marL="0" marR="0" indent="0" algn="l" defTabSz="914400" rtl="0" eaLnBrk="1" fontAlgn="auto" latinLnBrk="0" hangingPunct="1">
@@ -929,13 +973,61 @@
               <a:tabLst/>
               <a:defRPr/>
             </a:pPr>
-            <a:r>
-              <a:rPr lang="en-US" altLang="ja-JP" dirty="0" smtClean="0"/>
-              <a:t>&gt;</a:t>
+            <a:endParaRPr kumimoji="1" lang="en-US" altLang="ja-JP" dirty="0" smtClean="0"/>
+          </a:p>
+          <a:p>
+            <a:pPr marL="0" marR="0" indent="0" algn="l" defTabSz="914400" rtl="0" eaLnBrk="1" fontAlgn="auto" latinLnBrk="0" hangingPunct="1">
+              <a:lnSpc>
+                <a:spcPct val="100000"/>
+              </a:lnSpc>
+              <a:spcBef>
+                <a:spcPts val="0"/>
+              </a:spcBef>
+              <a:spcAft>
+                <a:spcPts val="0"/>
+              </a:spcAft>
+              <a:buClrTx/>
+              <a:buSzTx/>
+              <a:buFontTx/>
+              <a:buNone/>
+              <a:tabLst/>
+              <a:defRPr/>
+            </a:pPr>
+            <a:r>
+              <a:rPr kumimoji="1" lang="ja-JP" altLang="en-US" dirty="0" smtClean="0"/>
+              <a:t>“</a:t>
             </a:r>
             <a:r>
               <a:rPr lang="ja-JP" altLang="en-US" dirty="0" smtClean="0"/>
-              <a:t>もう少し簡潔な表現にした方がいい</a:t>
+              <a:t>人の名前は打ちこむことで机に名前が表示される”という項目は</a:t>
+            </a:r>
+            <a:endParaRPr lang="en-US" altLang="ja-JP" dirty="0" smtClean="0"/>
+          </a:p>
+          <a:p>
+            <a:pPr marL="0" marR="0" indent="0" algn="l" defTabSz="914400" rtl="0" eaLnBrk="1" fontAlgn="auto" latinLnBrk="0" hangingPunct="1">
+              <a:lnSpc>
+                <a:spcPct val="100000"/>
+              </a:lnSpc>
+              <a:spcBef>
+                <a:spcPts val="0"/>
+              </a:spcBef>
+              <a:spcAft>
+                <a:spcPts val="0"/>
+              </a:spcAft>
+              <a:buClrTx/>
+              <a:buSzTx/>
+              <a:buFontTx/>
+              <a:buNone/>
+              <a:tabLst/>
+              <a:defRPr/>
+            </a:pPr>
+            <a:r>
+              <a:rPr lang="ja-JP" altLang="en-US" dirty="0" smtClean="0"/>
+              <a:t>もう</a:t>
+            </a:r>
+            <a:r>
+              <a:rPr lang="ja-JP" altLang="en-US" dirty="0" smtClean="0"/>
+              <a:t>少し簡潔な表現にした方がいい</a:t>
             </a:r>
             <a:endParaRPr lang="en-US" altLang="ja-JP" dirty="0" smtClean="0"/>
           </a:p>
@@ -968,11 +1060,7 @@
           <a:p>
             <a:r>
               <a:rPr kumimoji="1" lang="ja-JP" altLang="en-US" dirty="0" smtClean="0"/>
-              <a:t>タイトル</a:t>
-            </a:r>
-            <a:r>
-              <a:rPr kumimoji="1" lang="ja-JP" altLang="en-US" dirty="0" smtClean="0"/>
-              <a:t>と内容があってなかったようなんで変えました。</a:t>
+              <a:t>タイトルと内容があってなかったようなんで変えました。</a:t>
             </a:r>
             <a:endParaRPr kumimoji="1" lang="en-US" altLang="ja-JP" dirty="0" smtClean="0"/>
           </a:p>
@@ -1068,26 +1156,40 @@
             </a:r>
             <a:r>
               <a:rPr kumimoji="1" lang="ja-JP" altLang="en-US" dirty="0" smtClean="0"/>
-              <a:t>とりあえずは次のスライドで座席表作成の流れを説明するので</a:t>
+              <a:t>チェックボックスで色、編集する机の選択の部分は口頭で説明しようと思います。</a:t>
             </a:r>
             <a:endParaRPr kumimoji="1" lang="en-US" altLang="ja-JP" dirty="0" smtClean="0"/>
           </a:p>
           <a:p>
-            <a:r>
-              <a:rPr kumimoji="1" lang="en-US" altLang="ja-JP" dirty="0" smtClean="0"/>
-              <a:t>&gt;</a:t>
-            </a:r>
+            <a:endParaRPr kumimoji="1" lang="en-US" altLang="ja-JP" dirty="0" smtClean="0"/>
+          </a:p>
+          <a:p>
+            <a:endParaRPr kumimoji="1" lang="en-US" altLang="ja-JP" dirty="0" smtClean="0"/>
+          </a:p>
+          <a:p>
             <a:r>
               <a:rPr kumimoji="1" lang="ja-JP" altLang="en-US" dirty="0" smtClean="0"/>
-              <a:t>ここでのアニメーションはいらないかな</a:t>
+              <a:t>とりあえず</a:t>
+            </a:r>
+            <a:r>
+              <a:rPr kumimoji="1" lang="ja-JP" altLang="en-US" dirty="0" smtClean="0"/>
+              <a:t>は次のスライドで座席表作成の流れを説明するので</a:t>
             </a:r>
             <a:endParaRPr kumimoji="1" lang="en-US" altLang="ja-JP" dirty="0" smtClean="0"/>
           </a:p>
           <a:p>
             <a:r>
-              <a:rPr kumimoji="1" lang="en-US" altLang="ja-JP" dirty="0" smtClean="0"/>
-              <a:t>&gt;</a:t>
-            </a:r>
+              <a:rPr kumimoji="1" lang="ja-JP" altLang="en-US" dirty="0" smtClean="0"/>
+              <a:t>ここ</a:t>
+            </a:r>
+            <a:r>
+              <a:rPr kumimoji="1" lang="ja-JP" altLang="en-US" dirty="0" smtClean="0"/>
+              <a:t>でのアニメーションはいらないかな</a:t>
+            </a:r>
+            <a:endParaRPr kumimoji="1" lang="en-US" altLang="ja-JP" dirty="0" smtClean="0"/>
+          </a:p>
+          <a:p>
+            <a:endParaRPr kumimoji="1" lang="en-US" altLang="ja-JP" dirty="0" smtClean="0"/>
           </a:p>
           <a:p>
             <a:pPr marL="0" marR="0" indent="0" algn="l" defTabSz="914400" rtl="0" eaLnBrk="1" fontAlgn="auto" latinLnBrk="0" hangingPunct="1">
@@ -1108,12 +1210,12 @@
               <a:defRPr/>
             </a:pPr>
             <a:r>
-              <a:rPr kumimoji="1" lang="en-US" altLang="ja-JP" dirty="0" smtClean="0"/>
-              <a:t>&gt;</a:t>
-            </a:r>
-            <a:r>
               <a:rPr kumimoji="1" lang="ja-JP" altLang="en-US" dirty="0" smtClean="0"/>
-              <a:t>あと、“チェックボックスで色、編集する机の選択”は</a:t>
+              <a:t>あと</a:t>
+            </a:r>
+            <a:r>
+              <a:rPr kumimoji="1" lang="ja-JP" altLang="en-US" dirty="0" smtClean="0"/>
+              <a:t>、“チェックボックスで色、編集する机の選択”は</a:t>
             </a:r>
             <a:endParaRPr kumimoji="1" lang="en-US" altLang="ja-JP" dirty="0" smtClean="0"/>
           </a:p>
@@ -1136,23 +1238,23 @@
               <a:defRPr/>
             </a:pPr>
             <a:r>
-              <a:rPr kumimoji="1" lang="en-US" altLang="ja-JP" dirty="0" smtClean="0"/>
-              <a:t>&gt;</a:t>
-            </a:r>
-            <a:r>
               <a:rPr kumimoji="1" lang="ja-JP" altLang="en-US" dirty="0" smtClean="0"/>
-              <a:t>なぜそういった機能があるのか分かりづらい気がする</a:t>
+              <a:t>なぜ</a:t>
+            </a:r>
+            <a:r>
+              <a:rPr kumimoji="1" lang="ja-JP" altLang="en-US" dirty="0" smtClean="0"/>
+              <a:t>そういった機能があるのか分かりづらい気がする</a:t>
             </a:r>
             <a:endParaRPr kumimoji="1" lang="en-US" altLang="ja-JP" dirty="0" smtClean="0"/>
           </a:p>
           <a:p>
             <a:r>
-              <a:rPr kumimoji="1" lang="en-US" altLang="ja-JP" dirty="0" smtClean="0"/>
-              <a:t>&gt;</a:t>
-            </a:r>
-            <a:r>
               <a:rPr kumimoji="1" lang="ja-JP" altLang="en-US" dirty="0" smtClean="0"/>
-              <a:t>なぜ色分けするのかということなど、口頭でも補足しといたほうがいい</a:t>
+              <a:t>なぜ</a:t>
+            </a:r>
+            <a:r>
+              <a:rPr kumimoji="1" lang="ja-JP" altLang="en-US" dirty="0" smtClean="0"/>
+              <a:t>色分けするのかということなど、口頭でも補足しといたほうがいい</a:t>
             </a:r>
             <a:endParaRPr kumimoji="1" lang="en-US" altLang="ja-JP" dirty="0" smtClean="0"/>
           </a:p>
@@ -1162,11 +1264,7 @@
           <a:p>
             <a:r>
               <a:rPr kumimoji="1" lang="ja-JP" altLang="en-US" dirty="0" smtClean="0"/>
-              <a:t>ちょっと</a:t>
-            </a:r>
-            <a:r>
-              <a:rPr kumimoji="1" lang="ja-JP" altLang="en-US" dirty="0" smtClean="0"/>
-              <a:t>書き方が分かりずらい気が</a:t>
+              <a:t>ちょっと書き方が分かりずらい気が</a:t>
             </a:r>
             <a:r>
               <a:rPr kumimoji="1" lang="en-US" altLang="ja-JP" dirty="0" smtClean="0"/>
@@ -1289,7 +1387,21 @@
             </a:r>
             <a:r>
               <a:rPr kumimoji="1" lang="ja-JP" altLang="en-US" dirty="0" smtClean="0"/>
-              <a:t>時間しだいだけど、</a:t>
+              <a:t>佐藤次郎さんを付け加えてみました。</a:t>
+            </a:r>
+            <a:endParaRPr kumimoji="1" lang="en-US" altLang="ja-JP" dirty="0" smtClean="0"/>
+          </a:p>
+          <a:p>
+            <a:endParaRPr kumimoji="1" lang="en-US" altLang="ja-JP" dirty="0" smtClean="0"/>
+          </a:p>
+          <a:p>
+            <a:r>
+              <a:rPr kumimoji="1" lang="ja-JP" altLang="en-US" dirty="0" smtClean="0"/>
+              <a:t>時間</a:t>
+            </a:r>
+            <a:r>
+              <a:rPr kumimoji="1" lang="ja-JP" altLang="en-US" dirty="0" smtClean="0"/>
+              <a:t>しだいだけど、</a:t>
             </a:r>
             <a:r>
               <a:rPr kumimoji="1" lang="en-US" altLang="ja-JP" dirty="0" smtClean="0"/>
@@ -1311,12 +1423,12 @@
           </a:p>
           <a:p>
             <a:r>
-              <a:rPr kumimoji="1" lang="en-US" altLang="ja-JP" dirty="0" smtClean="0"/>
-              <a:t>&gt;</a:t>
-            </a:r>
-            <a:r>
               <a:rPr kumimoji="1" lang="ja-JP" altLang="en-US" dirty="0" smtClean="0"/>
-              <a:t>もうひとつ動かしてみてもいいかも</a:t>
+              <a:t>もう</a:t>
+            </a:r>
+            <a:r>
+              <a:rPr kumimoji="1" lang="ja-JP" altLang="en-US" dirty="0" smtClean="0"/>
+              <a:t>ひとつ動かしてみてもいいかも</a:t>
             </a:r>
             <a:endParaRPr kumimoji="1" lang="en-US" altLang="ja-JP" dirty="0" smtClean="0"/>
           </a:p>
@@ -1326,11 +1438,7 @@
           <a:p>
             <a:r>
               <a:rPr kumimoji="1" lang="ja-JP" altLang="en-US" dirty="0" smtClean="0"/>
-              <a:t>座席表</a:t>
-            </a:r>
-            <a:r>
-              <a:rPr kumimoji="1" lang="ja-JP" altLang="en-US" dirty="0" smtClean="0"/>
-              <a:t>生成の流れに図とアニメーションをつけてみました。</a:t>
+              <a:t>座席表生成の流れに図とアニメーションをつけてみました。</a:t>
             </a:r>
             <a:endParaRPr kumimoji="1" lang="en-US" altLang="ja-JP" dirty="0" smtClean="0"/>
           </a:p>
@@ -1421,60 +1529,654 @@
           </a:bodyPr>
           <a:lstStyle/>
           <a:p>
-            <a:r>
-              <a:rPr kumimoji="1" lang="en-US" altLang="ja-JP" dirty="0" smtClean="0"/>
+            <a:pPr marL="0" marR="0" indent="0" algn="l" defTabSz="914400" rtl="0" eaLnBrk="1" fontAlgn="auto" latinLnBrk="0" hangingPunct="1">
+              <a:lnSpc>
+                <a:spcPct val="100000"/>
+              </a:lnSpc>
+              <a:spcBef>
+                <a:spcPts val="0"/>
+              </a:spcBef>
+              <a:spcAft>
+                <a:spcPts val="0"/>
+              </a:spcAft>
+              <a:buClrTx/>
+              <a:buSzTx/>
+              <a:buFontTx/>
+              <a:buNone/>
+              <a:tabLst/>
+              <a:defRPr/>
+            </a:pPr>
+            <a:r>
+              <a:rPr lang="en-US" altLang="ja-JP" dirty="0" smtClean="0"/>
               <a:t>&gt;</a:t>
             </a:r>
             <a:r>
-              <a:rPr kumimoji="1" lang="ja-JP" altLang="en-US" dirty="0" smtClean="0"/>
-              <a:t>これは現時点でのバグで、それを修正するのも今後の課題な気がする</a:t>
-            </a:r>
-            <a:endParaRPr kumimoji="1" lang="en-US" altLang="ja-JP" dirty="0" smtClean="0"/>
-          </a:p>
-          <a:p>
-            <a:r>
-              <a:rPr kumimoji="1" lang="en-US" altLang="ja-JP" dirty="0" smtClean="0"/>
+              <a:rPr lang="ja-JP" altLang="en-US" dirty="0" smtClean="0"/>
+              <a:t>今後の課題と問題点を一緒にしました。印刷後真っ黒になる問題点は口頭で言おうと思います。</a:t>
+            </a:r>
+            <a:endParaRPr lang="en-US" altLang="ja-JP" dirty="0" smtClean="0"/>
+          </a:p>
+          <a:p>
+            <a:pPr marL="0" marR="0" indent="0" algn="l" defTabSz="914400" rtl="0" eaLnBrk="1" fontAlgn="auto" latinLnBrk="0" hangingPunct="1">
+              <a:lnSpc>
+                <a:spcPct val="100000"/>
+              </a:lnSpc>
+              <a:spcBef>
+                <a:spcPts val="0"/>
+              </a:spcBef>
+              <a:spcAft>
+                <a:spcPts val="0"/>
+              </a:spcAft>
+              <a:buClrTx/>
+              <a:buSzTx/>
+              <a:buFontTx/>
+              <a:buNone/>
+              <a:tabLst/>
+              <a:defRPr/>
+            </a:pPr>
+            <a:r>
+              <a:rPr lang="en-US" altLang="ja-JP" dirty="0" smtClean="0"/>
               <a:t>&gt;</a:t>
             </a:r>
             <a:r>
-              <a:rPr kumimoji="1" lang="ja-JP" altLang="en-US" dirty="0" smtClean="0"/>
-              <a:t>なので、今後の課題と分ける意味が分からない</a:t>
-            </a:r>
-            <a:endParaRPr kumimoji="1" lang="en-US" altLang="ja-JP" dirty="0" smtClean="0"/>
-          </a:p>
-          <a:p>
-            <a:endParaRPr kumimoji="1" lang="en-US" altLang="ja-JP" dirty="0" smtClean="0"/>
-          </a:p>
-          <a:p>
-            <a:endParaRPr kumimoji="1" lang="en-US" altLang="ja-JP" dirty="0" smtClean="0"/>
-          </a:p>
-          <a:p>
-            <a:r>
-              <a:rPr kumimoji="1" lang="ja-JP" altLang="en-US" dirty="0" smtClean="0"/>
-              <a:t>どういった</a:t>
-            </a:r>
-            <a:r>
-              <a:rPr kumimoji="1" lang="ja-JP" altLang="en-US" dirty="0" smtClean="0"/>
-              <a:t>状況で出るのか具体例を述べた方が分かりやすいかも。</a:t>
-            </a:r>
-            <a:endParaRPr kumimoji="1" lang="en-US" altLang="ja-JP" dirty="0" smtClean="0"/>
-          </a:p>
-          <a:p>
-            <a:r>
-              <a:rPr kumimoji="1" lang="ja-JP" altLang="en-US" dirty="0" smtClean="0"/>
-              <a:t>時間があるなら簡単なデモでもあれば分かりやすい。</a:t>
-            </a:r>
-            <a:endParaRPr kumimoji="1" lang="en-US" altLang="ja-JP" dirty="0" smtClean="0"/>
-          </a:p>
-          <a:p>
-            <a:endParaRPr kumimoji="1" lang="en-US" altLang="ja-JP" dirty="0" smtClean="0"/>
-          </a:p>
-          <a:p>
-            <a:r>
-              <a:rPr kumimoji="1" lang="ja-JP" altLang="en-US" dirty="0" smtClean="0"/>
-              <a:t>具体例を載せてみました。</a:t>
-            </a:r>
-            <a:endParaRPr kumimoji="1" lang="en-US" altLang="ja-JP" dirty="0" smtClean="0"/>
+              <a:rPr lang="ja-JP" altLang="en-US" dirty="0" smtClean="0"/>
+              <a:t>部屋の大きさですが、一応升目の数は変更可能にしています。</a:t>
+            </a:r>
+            <a:endParaRPr lang="en-US" altLang="ja-JP" dirty="0" smtClean="0"/>
+          </a:p>
+          <a:p>
+            <a:pPr marL="0" marR="0" indent="0" algn="l" defTabSz="914400" rtl="0" eaLnBrk="1" fontAlgn="auto" latinLnBrk="0" hangingPunct="1">
+              <a:lnSpc>
+                <a:spcPct val="100000"/>
+              </a:lnSpc>
+              <a:spcBef>
+                <a:spcPts val="0"/>
+              </a:spcBef>
+              <a:spcAft>
+                <a:spcPts val="0"/>
+              </a:spcAft>
+              <a:buClrTx/>
+              <a:buSzTx/>
+              <a:buFontTx/>
+              <a:buNone/>
+              <a:tabLst/>
+              <a:defRPr/>
+            </a:pPr>
+            <a:endParaRPr lang="en-US" altLang="ja-JP" dirty="0" smtClean="0"/>
+          </a:p>
+          <a:p>
+            <a:pPr marL="0" marR="0" indent="0" algn="l" defTabSz="914400" rtl="0" eaLnBrk="1" fontAlgn="auto" latinLnBrk="0" hangingPunct="1">
+              <a:lnSpc>
+                <a:spcPct val="100000"/>
+              </a:lnSpc>
+              <a:spcBef>
+                <a:spcPts val="0"/>
+              </a:spcBef>
+              <a:spcAft>
+                <a:spcPts val="0"/>
+              </a:spcAft>
+              <a:buClrTx/>
+              <a:buSzTx/>
+              <a:buFontTx/>
+              <a:buNone/>
+              <a:tabLst/>
+              <a:defRPr/>
+            </a:pPr>
+            <a:endParaRPr lang="en-US" altLang="ja-JP" dirty="0" smtClean="0"/>
+          </a:p>
+          <a:p>
+            <a:pPr marL="0" marR="0" indent="0" algn="l" defTabSz="914400" rtl="0" eaLnBrk="1" fontAlgn="auto" latinLnBrk="0" hangingPunct="1">
+              <a:lnSpc>
+                <a:spcPct val="100000"/>
+              </a:lnSpc>
+              <a:spcBef>
+                <a:spcPts val="0"/>
+              </a:spcBef>
+              <a:spcAft>
+                <a:spcPts val="0"/>
+              </a:spcAft>
+              <a:buClrTx/>
+              <a:buSzTx/>
+              <a:buFontTx/>
+              <a:buNone/>
+              <a:tabLst/>
+              <a:defRPr/>
+            </a:pPr>
+            <a:endParaRPr lang="en-US" altLang="ja-JP" dirty="0" smtClean="0"/>
+          </a:p>
+          <a:p>
+            <a:pPr marL="0" marR="0" indent="0" algn="l" defTabSz="914400" rtl="0" eaLnBrk="1" fontAlgn="auto" latinLnBrk="0" hangingPunct="1">
+              <a:lnSpc>
+                <a:spcPct val="100000"/>
+              </a:lnSpc>
+              <a:spcBef>
+                <a:spcPts val="0"/>
+              </a:spcBef>
+              <a:spcAft>
+                <a:spcPts val="0"/>
+              </a:spcAft>
+              <a:buClrTx/>
+              <a:buSzTx/>
+              <a:buFontTx/>
+              <a:buNone/>
+              <a:tabLst/>
+              <a:defRPr/>
+            </a:pPr>
+            <a:endParaRPr lang="en-US" altLang="ja-JP" dirty="0" smtClean="0"/>
+          </a:p>
+          <a:p>
+            <a:pPr marL="0" marR="0" indent="0" algn="l" defTabSz="914400" rtl="0" eaLnBrk="1" fontAlgn="auto" latinLnBrk="0" hangingPunct="1">
+              <a:lnSpc>
+                <a:spcPct val="100000"/>
+              </a:lnSpc>
+              <a:spcBef>
+                <a:spcPts val="0"/>
+              </a:spcBef>
+              <a:spcAft>
+                <a:spcPts val="0"/>
+              </a:spcAft>
+              <a:buClrTx/>
+              <a:buSzTx/>
+              <a:buFontTx/>
+              <a:buNone/>
+              <a:tabLst/>
+              <a:defRPr/>
+            </a:pPr>
+            <a:r>
+              <a:rPr lang="ja-JP" altLang="en-US" dirty="0" smtClean="0"/>
+              <a:t>書き方</a:t>
+            </a:r>
+            <a:r>
+              <a:rPr lang="ja-JP" altLang="en-US" dirty="0" smtClean="0"/>
+              <a:t>が悪かったかな</a:t>
+            </a:r>
+            <a:r>
+              <a:rPr lang="en-US" altLang="ja-JP" dirty="0" smtClean="0"/>
+              <a:t>(</a:t>
+            </a:r>
+            <a:r>
+              <a:rPr lang="ja-JP" altLang="en-US" dirty="0" smtClean="0"/>
+              <a:t>汗</a:t>
+            </a:r>
+            <a:r>
+              <a:rPr lang="en-US" altLang="ja-JP" dirty="0" smtClean="0"/>
+              <a:t>)</a:t>
+            </a:r>
+          </a:p>
+          <a:p>
+            <a:pPr marL="0" marR="0" indent="0" algn="l" defTabSz="914400" rtl="0" eaLnBrk="1" fontAlgn="auto" latinLnBrk="0" hangingPunct="1">
+              <a:lnSpc>
+                <a:spcPct val="100000"/>
+              </a:lnSpc>
+              <a:spcBef>
+                <a:spcPts val="0"/>
+              </a:spcBef>
+              <a:spcAft>
+                <a:spcPts val="0"/>
+              </a:spcAft>
+              <a:buClrTx/>
+              <a:buSzTx/>
+              <a:buFontTx/>
+              <a:buNone/>
+              <a:tabLst/>
+              <a:defRPr/>
+            </a:pPr>
+            <a:r>
+              <a:rPr lang="ja-JP" altLang="en-US" dirty="0" smtClean="0"/>
+              <a:t>表現</a:t>
+            </a:r>
+            <a:r>
+              <a:rPr lang="ja-JP" altLang="en-US" dirty="0" smtClean="0"/>
+              <a:t>をもっと簡単にできると書いたのは“マウスで机の移動を直接行えるように”</a:t>
+            </a:r>
+            <a:endParaRPr lang="en-US" altLang="ja-JP" dirty="0" smtClean="0"/>
+          </a:p>
+          <a:p>
+            <a:pPr marL="0" marR="0" indent="0" algn="l" defTabSz="914400" rtl="0" eaLnBrk="1" fontAlgn="auto" latinLnBrk="0" hangingPunct="1">
+              <a:lnSpc>
+                <a:spcPct val="100000"/>
+              </a:lnSpc>
+              <a:spcBef>
+                <a:spcPts val="0"/>
+              </a:spcBef>
+              <a:spcAft>
+                <a:spcPts val="0"/>
+              </a:spcAft>
+              <a:buClrTx/>
+              <a:buSzTx/>
+              <a:buFontTx/>
+              <a:buNone/>
+              <a:tabLst/>
+              <a:defRPr/>
+            </a:pPr>
+            <a:r>
+              <a:rPr lang="ja-JP" altLang="en-US" dirty="0" smtClean="0"/>
+              <a:t>と</a:t>
+            </a:r>
+            <a:r>
+              <a:rPr lang="ja-JP" altLang="en-US" dirty="0" smtClean="0"/>
+              <a:t>書いているのをもっと分かり表現で書けるだろうと思って書きました。</a:t>
+            </a:r>
+            <a:endParaRPr lang="en-US" altLang="ja-JP" dirty="0" smtClean="0"/>
+          </a:p>
+          <a:p>
+            <a:pPr marL="0" marR="0" indent="0" algn="l" defTabSz="914400" rtl="0" eaLnBrk="1" fontAlgn="auto" latinLnBrk="0" hangingPunct="1">
+              <a:lnSpc>
+                <a:spcPct val="100000"/>
+              </a:lnSpc>
+              <a:spcBef>
+                <a:spcPts val="0"/>
+              </a:spcBef>
+              <a:spcAft>
+                <a:spcPts val="0"/>
+              </a:spcAft>
+              <a:buClrTx/>
+              <a:buSzTx/>
+              <a:buFontTx/>
+              <a:buNone/>
+              <a:tabLst/>
+              <a:defRPr/>
+            </a:pPr>
+            <a:endParaRPr lang="en-US" altLang="ja-JP" dirty="0" smtClean="0"/>
+          </a:p>
+          <a:p>
+            <a:pPr marL="0" marR="0" indent="0" algn="l" defTabSz="914400" rtl="0" eaLnBrk="1" fontAlgn="auto" latinLnBrk="0" hangingPunct="1">
+              <a:lnSpc>
+                <a:spcPct val="100000"/>
+              </a:lnSpc>
+              <a:spcBef>
+                <a:spcPts val="0"/>
+              </a:spcBef>
+              <a:spcAft>
+                <a:spcPts val="0"/>
+              </a:spcAft>
+              <a:buClrTx/>
+              <a:buSzTx/>
+              <a:buFontTx/>
+              <a:buNone/>
+              <a:tabLst/>
+              <a:defRPr/>
+            </a:pPr>
+            <a:r>
+              <a:rPr lang="ja-JP" altLang="en-US" dirty="0" smtClean="0"/>
+              <a:t>印刷</a:t>
+            </a:r>
+            <a:r>
+              <a:rPr lang="ja-JP" altLang="en-US" dirty="0" smtClean="0"/>
+              <a:t>レイアウトについてはデモのときに見せるのかね？？</a:t>
+            </a:r>
+            <a:endParaRPr lang="en-US" altLang="ja-JP" dirty="0" smtClean="0"/>
+          </a:p>
+          <a:p>
+            <a:pPr marL="0" marR="0" indent="0" algn="l" defTabSz="914400" rtl="0" eaLnBrk="1" fontAlgn="auto" latinLnBrk="0" hangingPunct="1">
+              <a:lnSpc>
+                <a:spcPct val="100000"/>
+              </a:lnSpc>
+              <a:spcBef>
+                <a:spcPts val="0"/>
+              </a:spcBef>
+              <a:spcAft>
+                <a:spcPts val="0"/>
+              </a:spcAft>
+              <a:buClrTx/>
+              <a:buSzTx/>
+              <a:buFontTx/>
+              <a:buNone/>
+              <a:tabLst/>
+              <a:defRPr/>
+            </a:pPr>
+            <a:r>
+              <a:rPr lang="ja-JP" altLang="en-US" dirty="0" smtClean="0"/>
+              <a:t>もし</a:t>
+            </a:r>
+            <a:r>
+              <a:rPr lang="ja-JP" altLang="en-US" dirty="0" smtClean="0"/>
+              <a:t>見せないなら一番下はイメージがわきにくい</a:t>
+            </a:r>
+            <a:endParaRPr lang="en-US" altLang="ja-JP" dirty="0" smtClean="0"/>
+          </a:p>
+          <a:p>
+            <a:pPr marL="0" marR="0" indent="0" algn="l" defTabSz="914400" rtl="0" eaLnBrk="1" fontAlgn="auto" latinLnBrk="0" hangingPunct="1">
+              <a:lnSpc>
+                <a:spcPct val="100000"/>
+              </a:lnSpc>
+              <a:spcBef>
+                <a:spcPts val="0"/>
+              </a:spcBef>
+              <a:spcAft>
+                <a:spcPts val="0"/>
+              </a:spcAft>
+              <a:buClrTx/>
+              <a:buSzTx/>
+              <a:buFontTx/>
+              <a:buNone/>
+              <a:tabLst/>
+              <a:defRPr/>
+            </a:pPr>
+            <a:endParaRPr lang="en-US" altLang="ja-JP" dirty="0" smtClean="0"/>
+          </a:p>
+          <a:p>
+            <a:pPr marL="0" marR="0" indent="0" algn="l" defTabSz="914400" rtl="0" eaLnBrk="1" fontAlgn="auto" latinLnBrk="0" hangingPunct="1">
+              <a:lnSpc>
+                <a:spcPct val="100000"/>
+              </a:lnSpc>
+              <a:spcBef>
+                <a:spcPts val="0"/>
+              </a:spcBef>
+              <a:spcAft>
+                <a:spcPts val="0"/>
+              </a:spcAft>
+              <a:buClrTx/>
+              <a:buSzTx/>
+              <a:buFontTx/>
+              <a:buNone/>
+              <a:tabLst/>
+              <a:defRPr/>
+            </a:pPr>
+            <a:r>
+              <a:rPr lang="ja-JP" altLang="en-US" dirty="0" smtClean="0"/>
+              <a:t>あと</a:t>
+            </a:r>
+            <a:r>
+              <a:rPr lang="ja-JP" altLang="en-US" dirty="0" smtClean="0"/>
+              <a:t>今後の課題として、部屋の大きさを変えれるようにするというのも今後の課題としてあってもいいと思う。</a:t>
+            </a:r>
+            <a:endParaRPr lang="en-US" altLang="ja-JP" dirty="0" smtClean="0"/>
+          </a:p>
+          <a:p>
+            <a:pPr marL="0" marR="0" indent="0" algn="l" defTabSz="914400" rtl="0" eaLnBrk="1" fontAlgn="auto" latinLnBrk="0" hangingPunct="1">
+              <a:lnSpc>
+                <a:spcPct val="100000"/>
+              </a:lnSpc>
+              <a:spcBef>
+                <a:spcPts val="0"/>
+              </a:spcBef>
+              <a:spcAft>
+                <a:spcPts val="0"/>
+              </a:spcAft>
+              <a:buClrTx/>
+              <a:buSzTx/>
+              <a:buFontTx/>
+              <a:buNone/>
+              <a:tabLst/>
+              <a:defRPr/>
+            </a:pPr>
+            <a:endParaRPr lang="en-US" altLang="ja-JP" dirty="0" smtClean="0"/>
+          </a:p>
+          <a:p>
+            <a:pPr marL="0" marR="0" indent="0" algn="l" defTabSz="914400" rtl="0" eaLnBrk="1" fontAlgn="auto" latinLnBrk="0" hangingPunct="1">
+              <a:lnSpc>
+                <a:spcPct val="100000"/>
+              </a:lnSpc>
+              <a:spcBef>
+                <a:spcPts val="0"/>
+              </a:spcBef>
+              <a:spcAft>
+                <a:spcPts val="0"/>
+              </a:spcAft>
+              <a:buClrTx/>
+              <a:buSzTx/>
+              <a:buFontTx/>
+              <a:buNone/>
+              <a:tabLst/>
+              <a:defRPr/>
+            </a:pPr>
+            <a:endParaRPr lang="en-US" altLang="ja-JP" dirty="0" smtClean="0"/>
+          </a:p>
+          <a:p>
+            <a:pPr marL="0" marR="0" indent="0" algn="l" defTabSz="914400" rtl="0" eaLnBrk="1" fontAlgn="auto" latinLnBrk="0" hangingPunct="1">
+              <a:lnSpc>
+                <a:spcPct val="100000"/>
+              </a:lnSpc>
+              <a:spcBef>
+                <a:spcPts val="0"/>
+              </a:spcBef>
+              <a:spcAft>
+                <a:spcPts val="0"/>
+              </a:spcAft>
+              <a:buClrTx/>
+              <a:buSzTx/>
+              <a:buFontTx/>
+              <a:buNone/>
+              <a:tabLst/>
+              <a:defRPr/>
+            </a:pPr>
+            <a:r>
+              <a:rPr lang="ja-JP" altLang="en-US" dirty="0" smtClean="0"/>
+              <a:t>“マウスで机の移動を直接行えるように”</a:t>
+            </a:r>
+            <a:endParaRPr lang="en-US" altLang="ja-JP" dirty="0" smtClean="0"/>
+          </a:p>
+          <a:p>
+            <a:pPr marL="0" marR="0" indent="0" algn="l" defTabSz="914400" rtl="0" eaLnBrk="1" fontAlgn="auto" latinLnBrk="0" hangingPunct="1">
+              <a:lnSpc>
+                <a:spcPct val="100000"/>
+              </a:lnSpc>
+              <a:spcBef>
+                <a:spcPts val="0"/>
+              </a:spcBef>
+              <a:spcAft>
+                <a:spcPts val="0"/>
+              </a:spcAft>
+              <a:buClrTx/>
+              <a:buSzTx/>
+              <a:buFontTx/>
+              <a:buNone/>
+              <a:tabLst/>
+              <a:defRPr/>
+            </a:pPr>
+            <a:r>
+              <a:rPr lang="ja-JP" altLang="en-US" dirty="0" smtClean="0"/>
+              <a:t>表現をもっと簡単にできる。</a:t>
+            </a:r>
+            <a:endParaRPr lang="en-US" altLang="ja-JP" dirty="0" smtClean="0"/>
+          </a:p>
+          <a:p>
+            <a:pPr marL="0" marR="0" indent="0" algn="l" defTabSz="914400" rtl="0" eaLnBrk="1" fontAlgn="auto" latinLnBrk="0" hangingPunct="1">
+              <a:lnSpc>
+                <a:spcPct val="100000"/>
+              </a:lnSpc>
+              <a:spcBef>
+                <a:spcPts val="0"/>
+              </a:spcBef>
+              <a:spcAft>
+                <a:spcPts val="0"/>
+              </a:spcAft>
+              <a:buClrTx/>
+              <a:buSzTx/>
+              <a:buFontTx/>
+              <a:buNone/>
+              <a:tabLst/>
+              <a:defRPr/>
+            </a:pPr>
+            <a:endParaRPr lang="en-US" altLang="ja-JP" dirty="0" smtClean="0"/>
+          </a:p>
+          <a:p>
+            <a:pPr marL="0" marR="0" indent="0" algn="l" defTabSz="914400" rtl="0" eaLnBrk="1" fontAlgn="auto" latinLnBrk="0" hangingPunct="1">
+              <a:lnSpc>
+                <a:spcPct val="100000"/>
+              </a:lnSpc>
+              <a:spcBef>
+                <a:spcPts val="0"/>
+              </a:spcBef>
+              <a:spcAft>
+                <a:spcPts val="0"/>
+              </a:spcAft>
+              <a:buClrTx/>
+              <a:buSzTx/>
+              <a:buFontTx/>
+              <a:buNone/>
+              <a:tabLst/>
+              <a:defRPr/>
+            </a:pPr>
+            <a:r>
+              <a:rPr lang="ja-JP" altLang="en-US" dirty="0" smtClean="0"/>
+              <a:t>“机の状態のファイルの入出力”</a:t>
+            </a:r>
+            <a:endParaRPr lang="en-US" altLang="ja-JP" dirty="0" smtClean="0"/>
+          </a:p>
+          <a:p>
+            <a:pPr marL="0" marR="0" indent="0" algn="l" defTabSz="914400" rtl="0" eaLnBrk="1" fontAlgn="auto" latinLnBrk="0" hangingPunct="1">
+              <a:lnSpc>
+                <a:spcPct val="100000"/>
+              </a:lnSpc>
+              <a:spcBef>
+                <a:spcPts val="0"/>
+              </a:spcBef>
+              <a:spcAft>
+                <a:spcPts val="0"/>
+              </a:spcAft>
+              <a:buClrTx/>
+              <a:buSzTx/>
+              <a:buFontTx/>
+              <a:buNone/>
+              <a:tabLst/>
+              <a:defRPr/>
+            </a:pPr>
+            <a:r>
+              <a:rPr lang="ja-JP" altLang="en-US" dirty="0" smtClean="0"/>
+              <a:t>これは表現がおかしいような気がする。インポート・エクスポートのこと？？</a:t>
+            </a:r>
+            <a:endParaRPr lang="en-US" altLang="ja-JP" dirty="0" smtClean="0"/>
+          </a:p>
+          <a:p>
+            <a:pPr marL="0" marR="0" indent="0" algn="l" defTabSz="914400" rtl="0" eaLnBrk="1" fontAlgn="auto" latinLnBrk="0" hangingPunct="1">
+              <a:lnSpc>
+                <a:spcPct val="100000"/>
+              </a:lnSpc>
+              <a:spcBef>
+                <a:spcPts val="0"/>
+              </a:spcBef>
+              <a:spcAft>
+                <a:spcPts val="0"/>
+              </a:spcAft>
+              <a:buClrTx/>
+              <a:buSzTx/>
+              <a:buFontTx/>
+              <a:buNone/>
+              <a:tabLst/>
+              <a:defRPr/>
+            </a:pPr>
+            <a:r>
+              <a:rPr lang="ja-JP" altLang="en-US" dirty="0" smtClean="0"/>
+              <a:t>もしインポート・エクスポートのことなら入出力のファイル形式について考えておいた方がいいかも</a:t>
+            </a:r>
+            <a:endParaRPr lang="en-US" altLang="ja-JP" dirty="0" smtClean="0"/>
+          </a:p>
+          <a:p>
+            <a:pPr marL="0" marR="0" indent="0" algn="l" defTabSz="914400" rtl="0" eaLnBrk="1" fontAlgn="auto" latinLnBrk="0" hangingPunct="1">
+              <a:lnSpc>
+                <a:spcPct val="100000"/>
+              </a:lnSpc>
+              <a:spcBef>
+                <a:spcPts val="0"/>
+              </a:spcBef>
+              <a:spcAft>
+                <a:spcPts val="0"/>
+              </a:spcAft>
+              <a:buClrTx/>
+              <a:buSzTx/>
+              <a:buFontTx/>
+              <a:buNone/>
+              <a:tabLst/>
+              <a:defRPr/>
+            </a:pPr>
+            <a:r>
+              <a:rPr lang="ja-JP" altLang="en-US" dirty="0" smtClean="0"/>
+              <a:t>（先生たちからの質問が来る可能性があり）</a:t>
+            </a:r>
+            <a:endParaRPr lang="en-US" altLang="ja-JP" dirty="0" smtClean="0"/>
+          </a:p>
+          <a:p>
+            <a:pPr marL="0" marR="0" indent="0" algn="l" defTabSz="914400" rtl="0" eaLnBrk="1" fontAlgn="auto" latinLnBrk="0" hangingPunct="1">
+              <a:lnSpc>
+                <a:spcPct val="100000"/>
+              </a:lnSpc>
+              <a:spcBef>
+                <a:spcPts val="0"/>
+              </a:spcBef>
+              <a:spcAft>
+                <a:spcPts val="0"/>
+              </a:spcAft>
+              <a:buClrTx/>
+              <a:buSzTx/>
+              <a:buFontTx/>
+              <a:buNone/>
+              <a:tabLst/>
+              <a:defRPr/>
+            </a:pPr>
+            <a:endParaRPr lang="en-US" altLang="ja-JP" dirty="0" smtClean="0"/>
+          </a:p>
+          <a:p>
+            <a:pPr marL="0" marR="0" indent="0" algn="l" defTabSz="914400" rtl="0" eaLnBrk="1" fontAlgn="auto" latinLnBrk="0" hangingPunct="1">
+              <a:lnSpc>
+                <a:spcPct val="100000"/>
+              </a:lnSpc>
+              <a:spcBef>
+                <a:spcPts val="0"/>
+              </a:spcBef>
+              <a:spcAft>
+                <a:spcPts val="0"/>
+              </a:spcAft>
+              <a:buClrTx/>
+              <a:buSzTx/>
+              <a:buFontTx/>
+              <a:buNone/>
+              <a:tabLst/>
+              <a:defRPr/>
+            </a:pPr>
+            <a:r>
+              <a:rPr lang="ja-JP" altLang="en-US" dirty="0" smtClean="0"/>
+              <a:t>一応インポート・エクスポートが出来たので入出力の項目は消しました。</a:t>
+            </a:r>
+            <a:endParaRPr lang="en-US" altLang="ja-JP" dirty="0" smtClean="0"/>
+          </a:p>
+          <a:p>
+            <a:pPr marL="0" marR="0" indent="0" algn="l" defTabSz="914400" rtl="0" eaLnBrk="1" fontAlgn="auto" latinLnBrk="0" hangingPunct="1">
+              <a:lnSpc>
+                <a:spcPct val="100000"/>
+              </a:lnSpc>
+              <a:spcBef>
+                <a:spcPts val="0"/>
+              </a:spcBef>
+              <a:spcAft>
+                <a:spcPts val="0"/>
+              </a:spcAft>
+              <a:buClrTx/>
+              <a:buSzTx/>
+              <a:buFontTx/>
+              <a:buNone/>
+              <a:tabLst/>
+              <a:defRPr/>
+            </a:pPr>
+            <a:r>
+              <a:rPr lang="ja-JP" altLang="en-US" dirty="0" smtClean="0"/>
+              <a:t>印刷のレイアウトですが、ボタンを押すと印刷するのではなく、画像を出力して、それを印刷してもらう形式にしようと考えています。</a:t>
+            </a:r>
+            <a:endParaRPr lang="en-US" altLang="ja-JP" dirty="0" smtClean="0"/>
+          </a:p>
+          <a:p>
+            <a:pPr marL="0" marR="0" indent="0" algn="l" defTabSz="914400" rtl="0" eaLnBrk="1" fontAlgn="auto" latinLnBrk="0" hangingPunct="1">
+              <a:lnSpc>
+                <a:spcPct val="100000"/>
+              </a:lnSpc>
+              <a:spcBef>
+                <a:spcPts val="0"/>
+              </a:spcBef>
+              <a:spcAft>
+                <a:spcPts val="0"/>
+              </a:spcAft>
+              <a:buClrTx/>
+              <a:buSzTx/>
+              <a:buFontTx/>
+              <a:buNone/>
+              <a:tabLst/>
+              <a:defRPr/>
+            </a:pPr>
+            <a:endParaRPr lang="en-US" altLang="ja-JP" dirty="0" smtClean="0"/>
+          </a:p>
+          <a:p>
+            <a:endParaRPr kumimoji="1" lang="ja-JP" altLang="en-US" dirty="0"/>
           </a:p>
         </p:txBody>
       </p:sp>
@@ -1556,528 +2258,48 @@
           </a:bodyPr>
           <a:lstStyle/>
           <a:p>
-            <a:pPr marL="0" marR="0" indent="0" algn="l" defTabSz="914400" rtl="0" eaLnBrk="1" fontAlgn="auto" latinLnBrk="0" hangingPunct="1">
-              <a:lnSpc>
-                <a:spcPct val="100000"/>
-              </a:lnSpc>
-              <a:spcBef>
-                <a:spcPts val="0"/>
-              </a:spcBef>
-              <a:spcAft>
-                <a:spcPts val="0"/>
-              </a:spcAft>
-              <a:buClrTx/>
-              <a:buSzTx/>
-              <a:buFontTx/>
-              <a:buNone/>
-              <a:tabLst/>
-              <a:defRPr/>
-            </a:pPr>
-            <a:r>
-              <a:rPr lang="en-US" altLang="ja-JP" dirty="0" smtClean="0"/>
+            <a:r>
+              <a:rPr kumimoji="1" lang="en-US" altLang="ja-JP" dirty="0" smtClean="0"/>
               <a:t>&gt;</a:t>
             </a:r>
             <a:r>
-              <a:rPr lang="ja-JP" altLang="en-US" dirty="0" smtClean="0"/>
-              <a:t>書き方が悪かったかな</a:t>
-            </a:r>
-            <a:r>
-              <a:rPr lang="en-US" altLang="ja-JP" dirty="0" smtClean="0"/>
-              <a:t>(</a:t>
-            </a:r>
-            <a:r>
-              <a:rPr lang="ja-JP" altLang="en-US" dirty="0" smtClean="0"/>
-              <a:t>汗</a:t>
-            </a:r>
-            <a:r>
-              <a:rPr lang="en-US" altLang="ja-JP" dirty="0" smtClean="0"/>
-              <a:t>)</a:t>
-            </a:r>
-          </a:p>
-          <a:p>
-            <a:pPr marL="0" marR="0" indent="0" algn="l" defTabSz="914400" rtl="0" eaLnBrk="1" fontAlgn="auto" latinLnBrk="0" hangingPunct="1">
-              <a:lnSpc>
-                <a:spcPct val="100000"/>
-              </a:lnSpc>
-              <a:spcBef>
-                <a:spcPts val="0"/>
-              </a:spcBef>
-              <a:spcAft>
-                <a:spcPts val="0"/>
-              </a:spcAft>
-              <a:buClrTx/>
-              <a:buSzTx/>
-              <a:buFontTx/>
-              <a:buNone/>
-              <a:tabLst/>
-              <a:defRPr/>
-            </a:pPr>
-            <a:r>
-              <a:rPr lang="en-US" altLang="ja-JP" dirty="0" smtClean="0"/>
-              <a:t>&gt;</a:t>
-            </a:r>
-            <a:r>
-              <a:rPr lang="ja-JP" altLang="en-US" dirty="0" smtClean="0"/>
-              <a:t>表現をもっと簡単にできると書いたのは“マウスで机の移動を直接行えるように”</a:t>
-            </a:r>
-            <a:endParaRPr lang="en-US" altLang="ja-JP" dirty="0" smtClean="0"/>
-          </a:p>
-          <a:p>
-            <a:pPr marL="0" marR="0" indent="0" algn="l" defTabSz="914400" rtl="0" eaLnBrk="1" fontAlgn="auto" latinLnBrk="0" hangingPunct="1">
-              <a:lnSpc>
-                <a:spcPct val="100000"/>
-              </a:lnSpc>
-              <a:spcBef>
-                <a:spcPts val="0"/>
-              </a:spcBef>
-              <a:spcAft>
-                <a:spcPts val="0"/>
-              </a:spcAft>
-              <a:buClrTx/>
-              <a:buSzTx/>
-              <a:buFontTx/>
-              <a:buNone/>
-              <a:tabLst/>
-              <a:defRPr/>
-            </a:pPr>
-            <a:r>
-              <a:rPr lang="en-US" altLang="ja-JP" dirty="0" smtClean="0"/>
-              <a:t>&gt;</a:t>
-            </a:r>
-            <a:r>
-              <a:rPr lang="ja-JP" altLang="en-US" dirty="0" smtClean="0"/>
-              <a:t>と書いているのをもっと分かり表現で書けるだろうと思って書きました。</a:t>
-            </a:r>
-            <a:endParaRPr lang="en-US" altLang="ja-JP" dirty="0" smtClean="0"/>
-          </a:p>
-          <a:p>
-            <a:pPr marL="0" marR="0" indent="0" algn="l" defTabSz="914400" rtl="0" eaLnBrk="1" fontAlgn="auto" latinLnBrk="0" hangingPunct="1">
-              <a:lnSpc>
-                <a:spcPct val="100000"/>
-              </a:lnSpc>
-              <a:spcBef>
-                <a:spcPts val="0"/>
-              </a:spcBef>
-              <a:spcAft>
-                <a:spcPts val="0"/>
-              </a:spcAft>
-              <a:buClrTx/>
-              <a:buSzTx/>
-              <a:buFontTx/>
-              <a:buNone/>
-              <a:tabLst/>
-              <a:defRPr/>
-            </a:pPr>
-            <a:r>
-              <a:rPr lang="en-US" altLang="ja-JP" dirty="0" smtClean="0"/>
-              <a:t>&gt;</a:t>
-            </a:r>
-          </a:p>
-          <a:p>
-            <a:pPr marL="0" marR="0" indent="0" algn="l" defTabSz="914400" rtl="0" eaLnBrk="1" fontAlgn="auto" latinLnBrk="0" hangingPunct="1">
-              <a:lnSpc>
-                <a:spcPct val="100000"/>
-              </a:lnSpc>
-              <a:spcBef>
-                <a:spcPts val="0"/>
-              </a:spcBef>
-              <a:spcAft>
-                <a:spcPts val="0"/>
-              </a:spcAft>
-              <a:buClrTx/>
-              <a:buSzTx/>
-              <a:buFontTx/>
-              <a:buNone/>
-              <a:tabLst/>
-              <a:defRPr/>
-            </a:pPr>
-            <a:r>
-              <a:rPr lang="en-US" altLang="ja-JP" dirty="0" smtClean="0"/>
-              <a:t>&gt;</a:t>
-            </a:r>
-            <a:r>
-              <a:rPr lang="ja-JP" altLang="en-US" dirty="0" smtClean="0"/>
-              <a:t>印刷レイアウトについてはデモのときに見せるのかね？？</a:t>
-            </a:r>
-            <a:endParaRPr lang="en-US" altLang="ja-JP" dirty="0" smtClean="0"/>
-          </a:p>
-          <a:p>
-            <a:pPr marL="0" marR="0" indent="0" algn="l" defTabSz="914400" rtl="0" eaLnBrk="1" fontAlgn="auto" latinLnBrk="0" hangingPunct="1">
-              <a:lnSpc>
-                <a:spcPct val="100000"/>
-              </a:lnSpc>
-              <a:spcBef>
-                <a:spcPts val="0"/>
-              </a:spcBef>
-              <a:spcAft>
-                <a:spcPts val="0"/>
-              </a:spcAft>
-              <a:buClrTx/>
-              <a:buSzTx/>
-              <a:buFontTx/>
-              <a:buNone/>
-              <a:tabLst/>
-              <a:defRPr/>
-            </a:pPr>
-            <a:r>
-              <a:rPr lang="en-US" altLang="ja-JP" dirty="0" smtClean="0"/>
-              <a:t>&gt;</a:t>
-            </a:r>
-            <a:r>
-              <a:rPr lang="ja-JP" altLang="en-US" dirty="0" smtClean="0"/>
-              <a:t>もし見せないなら一番下はイメージがわきにくい</a:t>
-            </a:r>
-            <a:endParaRPr lang="en-US" altLang="ja-JP" dirty="0" smtClean="0"/>
-          </a:p>
-          <a:p>
-            <a:pPr marL="0" marR="0" indent="0" algn="l" defTabSz="914400" rtl="0" eaLnBrk="1" fontAlgn="auto" latinLnBrk="0" hangingPunct="1">
-              <a:lnSpc>
-                <a:spcPct val="100000"/>
-              </a:lnSpc>
-              <a:spcBef>
-                <a:spcPts val="0"/>
-              </a:spcBef>
-              <a:spcAft>
-                <a:spcPts val="0"/>
-              </a:spcAft>
-              <a:buClrTx/>
-              <a:buSzTx/>
-              <a:buFontTx/>
-              <a:buNone/>
-              <a:tabLst/>
-              <a:defRPr/>
-            </a:pPr>
-            <a:r>
-              <a:rPr lang="en-US" altLang="ja-JP" dirty="0" smtClean="0"/>
-              <a:t>&gt;</a:t>
-            </a:r>
-          </a:p>
-          <a:p>
-            <a:pPr marL="0" marR="0" indent="0" algn="l" defTabSz="914400" rtl="0" eaLnBrk="1" fontAlgn="auto" latinLnBrk="0" hangingPunct="1">
-              <a:lnSpc>
-                <a:spcPct val="100000"/>
-              </a:lnSpc>
-              <a:spcBef>
-                <a:spcPts val="0"/>
-              </a:spcBef>
-              <a:spcAft>
-                <a:spcPts val="0"/>
-              </a:spcAft>
-              <a:buClrTx/>
-              <a:buSzTx/>
-              <a:buFontTx/>
-              <a:buNone/>
-              <a:tabLst/>
-              <a:defRPr/>
-            </a:pPr>
-            <a:r>
-              <a:rPr lang="en-US" altLang="ja-JP" dirty="0" smtClean="0"/>
-              <a:t>&gt;</a:t>
-            </a:r>
-            <a:r>
-              <a:rPr lang="ja-JP" altLang="en-US" dirty="0" smtClean="0"/>
-              <a:t>あと今後の課題として、部屋の大きさを変えれるようにするというのも今後の課題としてあってもいいと思う。</a:t>
-            </a:r>
-            <a:endParaRPr lang="en-US" altLang="ja-JP" dirty="0" smtClean="0"/>
-          </a:p>
-          <a:p>
-            <a:pPr marL="0" marR="0" indent="0" algn="l" defTabSz="914400" rtl="0" eaLnBrk="1" fontAlgn="auto" latinLnBrk="0" hangingPunct="1">
-              <a:lnSpc>
-                <a:spcPct val="100000"/>
-              </a:lnSpc>
-              <a:spcBef>
-                <a:spcPts val="0"/>
-              </a:spcBef>
-              <a:spcAft>
-                <a:spcPts val="0"/>
-              </a:spcAft>
-              <a:buClrTx/>
-              <a:buSzTx/>
-              <a:buFontTx/>
-              <a:buNone/>
-              <a:tabLst/>
-              <a:defRPr/>
-            </a:pPr>
-            <a:endParaRPr lang="en-US" altLang="ja-JP" dirty="0" smtClean="0"/>
-          </a:p>
-          <a:p>
-            <a:pPr marL="0" marR="0" indent="0" algn="l" defTabSz="914400" rtl="0" eaLnBrk="1" fontAlgn="auto" latinLnBrk="0" hangingPunct="1">
-              <a:lnSpc>
-                <a:spcPct val="100000"/>
-              </a:lnSpc>
-              <a:spcBef>
-                <a:spcPts val="0"/>
-              </a:spcBef>
-              <a:spcAft>
-                <a:spcPts val="0"/>
-              </a:spcAft>
-              <a:buClrTx/>
-              <a:buSzTx/>
-              <a:buFontTx/>
-              <a:buNone/>
-              <a:tabLst/>
-              <a:defRPr/>
-            </a:pPr>
-            <a:endParaRPr lang="en-US" altLang="ja-JP" dirty="0" smtClean="0"/>
-          </a:p>
-          <a:p>
-            <a:pPr marL="0" marR="0" indent="0" algn="l" defTabSz="914400" rtl="0" eaLnBrk="1" fontAlgn="auto" latinLnBrk="0" hangingPunct="1">
-              <a:lnSpc>
-                <a:spcPct val="100000"/>
-              </a:lnSpc>
-              <a:spcBef>
-                <a:spcPts val="0"/>
-              </a:spcBef>
-              <a:spcAft>
-                <a:spcPts val="0"/>
-              </a:spcAft>
-              <a:buClrTx/>
-              <a:buSzTx/>
-              <a:buFontTx/>
-              <a:buNone/>
-              <a:tabLst/>
-              <a:defRPr/>
-            </a:pPr>
-            <a:r>
-              <a:rPr lang="ja-JP" altLang="en-US" dirty="0" smtClean="0"/>
-              <a:t>“</a:t>
-            </a:r>
-            <a:r>
-              <a:rPr lang="ja-JP" altLang="en-US" dirty="0" smtClean="0"/>
-              <a:t>マウスで机の移動を直接行えるように”</a:t>
-            </a:r>
-            <a:endParaRPr lang="en-US" altLang="ja-JP" dirty="0" smtClean="0"/>
-          </a:p>
-          <a:p>
-            <a:pPr marL="0" marR="0" indent="0" algn="l" defTabSz="914400" rtl="0" eaLnBrk="1" fontAlgn="auto" latinLnBrk="0" hangingPunct="1">
-              <a:lnSpc>
-                <a:spcPct val="100000"/>
-              </a:lnSpc>
-              <a:spcBef>
-                <a:spcPts val="0"/>
-              </a:spcBef>
-              <a:spcAft>
-                <a:spcPts val="0"/>
-              </a:spcAft>
-              <a:buClrTx/>
-              <a:buSzTx/>
-              <a:buFontTx/>
-              <a:buNone/>
-              <a:tabLst/>
-              <a:defRPr/>
-            </a:pPr>
-            <a:r>
-              <a:rPr lang="ja-JP" altLang="en-US" dirty="0" smtClean="0"/>
-              <a:t>表現をもっと簡単にできる。</a:t>
-            </a:r>
-            <a:endParaRPr lang="en-US" altLang="ja-JP" dirty="0" smtClean="0"/>
-          </a:p>
-          <a:p>
-            <a:pPr marL="0" marR="0" indent="0" algn="l" defTabSz="914400" rtl="0" eaLnBrk="1" fontAlgn="auto" latinLnBrk="0" hangingPunct="1">
-              <a:lnSpc>
-                <a:spcPct val="100000"/>
-              </a:lnSpc>
-              <a:spcBef>
-                <a:spcPts val="0"/>
-              </a:spcBef>
-              <a:spcAft>
-                <a:spcPts val="0"/>
-              </a:spcAft>
-              <a:buClrTx/>
-              <a:buSzTx/>
-              <a:buFontTx/>
-              <a:buNone/>
-              <a:tabLst/>
-              <a:defRPr/>
-            </a:pPr>
-            <a:endParaRPr lang="en-US" altLang="ja-JP" dirty="0" smtClean="0"/>
-          </a:p>
-          <a:p>
-            <a:pPr marL="0" marR="0" indent="0" algn="l" defTabSz="914400" rtl="0" eaLnBrk="1" fontAlgn="auto" latinLnBrk="0" hangingPunct="1">
-              <a:lnSpc>
-                <a:spcPct val="100000"/>
-              </a:lnSpc>
-              <a:spcBef>
-                <a:spcPts val="0"/>
-              </a:spcBef>
-              <a:spcAft>
-                <a:spcPts val="0"/>
-              </a:spcAft>
-              <a:buClrTx/>
-              <a:buSzTx/>
-              <a:buFontTx/>
-              <a:buNone/>
-              <a:tabLst/>
-              <a:defRPr/>
-            </a:pPr>
-            <a:r>
-              <a:rPr lang="ja-JP" altLang="en-US" dirty="0" smtClean="0"/>
-              <a:t>“机の状態のファイルの入出力”</a:t>
-            </a:r>
-            <a:endParaRPr lang="en-US" altLang="ja-JP" dirty="0" smtClean="0"/>
-          </a:p>
-          <a:p>
-            <a:pPr marL="0" marR="0" indent="0" algn="l" defTabSz="914400" rtl="0" eaLnBrk="1" fontAlgn="auto" latinLnBrk="0" hangingPunct="1">
-              <a:lnSpc>
-                <a:spcPct val="100000"/>
-              </a:lnSpc>
-              <a:spcBef>
-                <a:spcPts val="0"/>
-              </a:spcBef>
-              <a:spcAft>
-                <a:spcPts val="0"/>
-              </a:spcAft>
-              <a:buClrTx/>
-              <a:buSzTx/>
-              <a:buFontTx/>
-              <a:buNone/>
-              <a:tabLst/>
-              <a:defRPr/>
-            </a:pPr>
-            <a:r>
-              <a:rPr lang="ja-JP" altLang="en-US" dirty="0" smtClean="0"/>
-              <a:t>これは表現がおかしいような気がする。インポート・エクスポートのこと？？</a:t>
-            </a:r>
-            <a:endParaRPr lang="en-US" altLang="ja-JP" dirty="0" smtClean="0"/>
-          </a:p>
-          <a:p>
-            <a:pPr marL="0" marR="0" indent="0" algn="l" defTabSz="914400" rtl="0" eaLnBrk="1" fontAlgn="auto" latinLnBrk="0" hangingPunct="1">
-              <a:lnSpc>
-                <a:spcPct val="100000"/>
-              </a:lnSpc>
-              <a:spcBef>
-                <a:spcPts val="0"/>
-              </a:spcBef>
-              <a:spcAft>
-                <a:spcPts val="0"/>
-              </a:spcAft>
-              <a:buClrTx/>
-              <a:buSzTx/>
-              <a:buFontTx/>
-              <a:buNone/>
-              <a:tabLst/>
-              <a:defRPr/>
-            </a:pPr>
-            <a:r>
-              <a:rPr lang="ja-JP" altLang="en-US" dirty="0" smtClean="0"/>
-              <a:t>もしインポート・エクスポートのことなら入出力のファイル形式について考えておいた方がいいかも</a:t>
-            </a:r>
-            <a:endParaRPr lang="en-US" altLang="ja-JP" dirty="0" smtClean="0"/>
-          </a:p>
-          <a:p>
-            <a:pPr marL="0" marR="0" indent="0" algn="l" defTabSz="914400" rtl="0" eaLnBrk="1" fontAlgn="auto" latinLnBrk="0" hangingPunct="1">
-              <a:lnSpc>
-                <a:spcPct val="100000"/>
-              </a:lnSpc>
-              <a:spcBef>
-                <a:spcPts val="0"/>
-              </a:spcBef>
-              <a:spcAft>
-                <a:spcPts val="0"/>
-              </a:spcAft>
-              <a:buClrTx/>
-              <a:buSzTx/>
-              <a:buFontTx/>
-              <a:buNone/>
-              <a:tabLst/>
-              <a:defRPr/>
-            </a:pPr>
-            <a:r>
-              <a:rPr lang="ja-JP" altLang="en-US" dirty="0" smtClean="0"/>
-              <a:t>（先生たちからの質問が来る可能性があり）</a:t>
-            </a:r>
-            <a:endParaRPr lang="en-US" altLang="ja-JP" dirty="0" smtClean="0"/>
-          </a:p>
-          <a:p>
-            <a:pPr marL="0" marR="0" indent="0" algn="l" defTabSz="914400" rtl="0" eaLnBrk="1" fontAlgn="auto" latinLnBrk="0" hangingPunct="1">
-              <a:lnSpc>
-                <a:spcPct val="100000"/>
-              </a:lnSpc>
-              <a:spcBef>
-                <a:spcPts val="0"/>
-              </a:spcBef>
-              <a:spcAft>
-                <a:spcPts val="0"/>
-              </a:spcAft>
-              <a:buClrTx/>
-              <a:buSzTx/>
-              <a:buFontTx/>
-              <a:buNone/>
-              <a:tabLst/>
-              <a:defRPr/>
-            </a:pPr>
-            <a:endParaRPr lang="en-US" altLang="ja-JP" dirty="0" smtClean="0"/>
-          </a:p>
-          <a:p>
-            <a:pPr marL="0" marR="0" indent="0" algn="l" defTabSz="914400" rtl="0" eaLnBrk="1" fontAlgn="auto" latinLnBrk="0" hangingPunct="1">
-              <a:lnSpc>
-                <a:spcPct val="100000"/>
-              </a:lnSpc>
-              <a:spcBef>
-                <a:spcPts val="0"/>
-              </a:spcBef>
-              <a:spcAft>
-                <a:spcPts val="0"/>
-              </a:spcAft>
-              <a:buClrTx/>
-              <a:buSzTx/>
-              <a:buFontTx/>
-              <a:buNone/>
-              <a:tabLst/>
-              <a:defRPr/>
-            </a:pPr>
-            <a:r>
-              <a:rPr lang="ja-JP" altLang="en-US" dirty="0" smtClean="0"/>
-              <a:t>一応インポート・エクスポートが出来たので入出力の項目は消しました。</a:t>
-            </a:r>
-            <a:endParaRPr lang="en-US" altLang="ja-JP" dirty="0" smtClean="0"/>
-          </a:p>
-          <a:p>
-            <a:pPr marL="0" marR="0" indent="0" algn="l" defTabSz="914400" rtl="0" eaLnBrk="1" fontAlgn="auto" latinLnBrk="0" hangingPunct="1">
-              <a:lnSpc>
-                <a:spcPct val="100000"/>
-              </a:lnSpc>
-              <a:spcBef>
-                <a:spcPts val="0"/>
-              </a:spcBef>
-              <a:spcAft>
-                <a:spcPts val="0"/>
-              </a:spcAft>
-              <a:buClrTx/>
-              <a:buSzTx/>
-              <a:buFontTx/>
-              <a:buNone/>
-              <a:tabLst/>
-              <a:defRPr/>
-            </a:pPr>
-            <a:r>
-              <a:rPr lang="ja-JP" altLang="en-US" dirty="0" smtClean="0"/>
-              <a:t>印刷のレイアウトですが、ボタンを押すと印刷するのではなく、画像を出力して、それを印刷してもらう形式にしようと考えています。</a:t>
-            </a:r>
-            <a:endParaRPr lang="en-US" altLang="ja-JP" dirty="0" smtClean="0"/>
-          </a:p>
-          <a:p>
-            <a:pPr marL="0" marR="0" indent="0" algn="l" defTabSz="914400" rtl="0" eaLnBrk="1" fontAlgn="auto" latinLnBrk="0" hangingPunct="1">
-              <a:lnSpc>
-                <a:spcPct val="100000"/>
-              </a:lnSpc>
-              <a:spcBef>
-                <a:spcPts val="0"/>
-              </a:spcBef>
-              <a:spcAft>
-                <a:spcPts val="0"/>
-              </a:spcAft>
-              <a:buClrTx/>
-              <a:buSzTx/>
-              <a:buFontTx/>
-              <a:buNone/>
-              <a:tabLst/>
-              <a:defRPr/>
-            </a:pPr>
-            <a:endParaRPr lang="en-US" altLang="ja-JP" dirty="0" smtClean="0"/>
-          </a:p>
-          <a:p>
-            <a:endParaRPr kumimoji="1" lang="ja-JP" altLang="en-US" dirty="0"/>
+              <a:rPr kumimoji="1" lang="ja-JP" altLang="en-US" dirty="0" smtClean="0"/>
+              <a:t>使わないなら非表示スライドに設定しないと表示されちゃいますよ</a:t>
+            </a:r>
+            <a:endParaRPr kumimoji="1" lang="en-US" altLang="ja-JP" dirty="0" smtClean="0"/>
+          </a:p>
+          <a:p>
+            <a:endParaRPr kumimoji="1" lang="en-US" altLang="ja-JP" dirty="0" smtClean="0"/>
+          </a:p>
+          <a:p>
+            <a:endParaRPr kumimoji="1" lang="en-US" altLang="ja-JP" dirty="0" smtClean="0"/>
+          </a:p>
+          <a:p>
+            <a:r>
+              <a:rPr kumimoji="1" lang="ja-JP" altLang="en-US" dirty="0" smtClean="0"/>
+              <a:t>ここも図やアニメーションを入れて説明した方が分かりやすいと思われる。</a:t>
+            </a:r>
+            <a:endParaRPr kumimoji="1" lang="en-US" altLang="ja-JP" dirty="0" smtClean="0"/>
+          </a:p>
+          <a:p>
+            <a:r>
+              <a:rPr kumimoji="1" lang="ja-JP" altLang="en-US" dirty="0" smtClean="0"/>
+              <a:t>ちょっとこれだけではイメージが湧きづらい。</a:t>
+            </a:r>
+            <a:endParaRPr kumimoji="1" lang="en-US" altLang="ja-JP" dirty="0" smtClean="0"/>
+          </a:p>
+          <a:p>
+            <a:endParaRPr kumimoji="1" lang="en-US" altLang="ja-JP" dirty="0" smtClean="0"/>
+          </a:p>
+          <a:p>
+            <a:r>
+              <a:rPr kumimoji="1" lang="ja-JP" altLang="en-US" dirty="0" smtClean="0"/>
+              <a:t>これはたぶん使わないです。</a:t>
+            </a:r>
+            <a:endParaRPr kumimoji="1" lang="en-US" altLang="ja-JP" dirty="0" smtClean="0"/>
+          </a:p>
+          <a:p>
+            <a:endParaRPr kumimoji="1" lang="en-US" altLang="ja-JP" dirty="0" smtClean="0"/>
           </a:p>
         </p:txBody>
       </p:sp>
@@ -2100,137 +2322,6 @@
               <a:rPr kumimoji="1" lang="ja-JP" altLang="en-US" smtClean="0"/>
               <a:pPr/>
               <a:t>9</a:t>
-            </a:fld>
-            <a:endParaRPr kumimoji="1" lang="ja-JP" altLang="en-US"/>
-          </a:p>
-        </p:txBody>
-      </p:sp>
-    </p:spTree>
-  </p:cSld>
-  <p:clrMapOvr>
-    <a:masterClrMapping/>
-  </p:clrMapOvr>
-</p:notes>
-</file>
-
-<file path=ppt/notesSlides/notesSlide8.xml><?xml version="1.0" encoding="utf-8"?>
-<p:notes xmlns:a="http://schemas.openxmlformats.org/drawingml/2006/main" xmlns:r="http://schemas.openxmlformats.org/officeDocument/2006/relationships" xmlns:p="http://schemas.openxmlformats.org/presentationml/2006/main">
-  <p:cSld>
-    <p:spTree>
-      <p:nvGrpSpPr>
-        <p:cNvPr id="1" name=""/>
-        <p:cNvGrpSpPr/>
-        <p:nvPr/>
-      </p:nvGrpSpPr>
-      <p:grpSpPr>
-        <a:xfrm>
-          <a:off x="0" y="0"/>
-          <a:ext cx="0" cy="0"/>
-          <a:chOff x="0" y="0"/>
-          <a:chExt cx="0" cy="0"/>
-        </a:xfrm>
-      </p:grpSpPr>
-      <p:sp>
-        <p:nvSpPr>
-          <p:cNvPr id="2" name="スライド イメージ プレースホルダ 1"/>
-          <p:cNvSpPr>
-            <a:spLocks noGrp="1" noRot="1" noChangeAspect="1"/>
-          </p:cNvSpPr>
-          <p:nvPr>
-            <p:ph type="sldImg"/>
-          </p:nvPr>
-        </p:nvSpPr>
-        <p:spPr/>
-      </p:sp>
-      <p:sp>
-        <p:nvSpPr>
-          <p:cNvPr id="3" name="ノート プレースホルダ 2"/>
-          <p:cNvSpPr>
-            <a:spLocks noGrp="1"/>
-          </p:cNvSpPr>
-          <p:nvPr>
-            <p:ph type="body" idx="1"/>
-          </p:nvPr>
-        </p:nvSpPr>
-        <p:spPr/>
-        <p:txBody>
-          <a:bodyPr>
-            <a:normAutofit/>
-          </a:bodyPr>
-          <a:lstStyle/>
-          <a:p>
-            <a:r>
-              <a:rPr kumimoji="1" lang="en-US" altLang="ja-JP" dirty="0" smtClean="0"/>
-              <a:t>&gt;</a:t>
-            </a:r>
-            <a:r>
-              <a:rPr kumimoji="1" lang="ja-JP" altLang="en-US" dirty="0" smtClean="0"/>
-              <a:t>使わないなら非表示スライドに設定しないと表示されちゃいますよ</a:t>
-            </a:r>
-            <a:endParaRPr kumimoji="1" lang="en-US" altLang="ja-JP" dirty="0" smtClean="0"/>
-          </a:p>
-          <a:p>
-            <a:endParaRPr kumimoji="1" lang="en-US" altLang="ja-JP" dirty="0" smtClean="0"/>
-          </a:p>
-          <a:p>
-            <a:endParaRPr kumimoji="1" lang="en-US" altLang="ja-JP" dirty="0" smtClean="0"/>
-          </a:p>
-          <a:p>
-            <a:r>
-              <a:rPr kumimoji="1" lang="ja-JP" altLang="en-US" dirty="0" smtClean="0"/>
-              <a:t>ここ</a:t>
-            </a:r>
-            <a:r>
-              <a:rPr kumimoji="1" lang="ja-JP" altLang="en-US" dirty="0" smtClean="0"/>
-              <a:t>も図やアニメーションを入れて説明した方が分かりやすいと思われる。</a:t>
-            </a:r>
-            <a:endParaRPr kumimoji="1" lang="en-US" altLang="ja-JP" dirty="0" smtClean="0"/>
-          </a:p>
-          <a:p>
-            <a:r>
-              <a:rPr kumimoji="1" lang="ja-JP" altLang="en-US" dirty="0" smtClean="0"/>
-              <a:t>ちょっとこれだけではイメージが湧きづらい。</a:t>
-            </a:r>
-            <a:endParaRPr kumimoji="1" lang="en-US" altLang="ja-JP" dirty="0" smtClean="0"/>
-          </a:p>
-          <a:p>
-            <a:endParaRPr kumimoji="1" lang="en-US" altLang="ja-JP" dirty="0" smtClean="0"/>
-          </a:p>
-          <a:p>
-            <a:r>
-              <a:rPr kumimoji="1" lang="ja-JP" altLang="en-US" dirty="0" smtClean="0"/>
-              <a:t>これはたぶん使わないです</a:t>
-            </a:r>
-            <a:r>
-              <a:rPr kumimoji="1" lang="ja-JP" altLang="en-US" dirty="0" smtClean="0"/>
-              <a:t>。</a:t>
-            </a:r>
-            <a:endParaRPr kumimoji="1" lang="en-US" altLang="ja-JP" dirty="0" smtClean="0"/>
-          </a:p>
-          <a:p>
-            <a:endParaRPr kumimoji="1" lang="en-US" altLang="ja-JP" dirty="0" smtClean="0"/>
-          </a:p>
-        </p:txBody>
-      </p:sp>
-      <p:sp>
-        <p:nvSpPr>
-          <p:cNvPr id="4" name="スライド番号プレースホルダ 3"/>
-          <p:cNvSpPr>
-            <a:spLocks noGrp="1"/>
-          </p:cNvSpPr>
-          <p:nvPr>
-            <p:ph type="sldNum" sz="quarter" idx="10"/>
-          </p:nvPr>
-        </p:nvSpPr>
-        <p:spPr/>
-        <p:txBody>
-          <a:bodyPr/>
-          <a:lstStyle/>
-          <a:p>
-            <a:fld id="{943C80CC-3488-4233-9C83-F361D07EB959}" type="slidenum">
-              <a:rPr kumimoji="1" lang="ja-JP" altLang="en-US" smtClean="0"/>
-              <a:pPr/>
-              <a:t>10</a:t>
             </a:fld>
             <a:endParaRPr kumimoji="1" lang="ja-JP" altLang="en-US"/>
           </a:p>
@@ -6412,275 +6503,6 @@
 </p:sld>
 </file>
 
-<file path=ppt/slides/slide10.xml><?xml version="1.0" encoding="utf-8"?>
-<p:sld xmlns:a="http://schemas.openxmlformats.org/drawingml/2006/main" xmlns:r="http://schemas.openxmlformats.org/officeDocument/2006/relationships" xmlns:p="http://schemas.openxmlformats.org/presentationml/2006/main">
-  <p:cSld>
-    <p:spTree>
-      <p:nvGrpSpPr>
-        <p:cNvPr id="1" name=""/>
-        <p:cNvGrpSpPr/>
-        <p:nvPr/>
-      </p:nvGrpSpPr>
-      <p:grpSpPr>
-        <a:xfrm>
-          <a:off x="0" y="0"/>
-          <a:ext cx="0" cy="0"/>
-          <a:chOff x="0" y="0"/>
-          <a:chExt cx="0" cy="0"/>
-        </a:xfrm>
-      </p:grpSpPr>
-      <p:sp>
-        <p:nvSpPr>
-          <p:cNvPr id="2" name="タイトル 1"/>
-          <p:cNvSpPr>
-            <a:spLocks noGrp="1"/>
-          </p:cNvSpPr>
-          <p:nvPr>
-            <p:ph type="title"/>
-          </p:nvPr>
-        </p:nvSpPr>
-        <p:spPr/>
-        <p:txBody>
-          <a:bodyPr/>
-          <a:lstStyle/>
-          <a:p>
-            <a:pPr algn="ctr"/>
-            <a:r>
-              <a:rPr lang="ja-JP" altLang="en-US" dirty="0" smtClean="0"/>
-              <a:t>座席表作成の流れ</a:t>
-            </a:r>
-            <a:endParaRPr kumimoji="1" lang="ja-JP" altLang="en-US" dirty="0"/>
-          </a:p>
-        </p:txBody>
-      </p:sp>
-      <p:sp>
-        <p:nvSpPr>
-          <p:cNvPr id="3" name="コンテンツ プレースホルダ 2"/>
-          <p:cNvSpPr>
-            <a:spLocks noGrp="1"/>
-          </p:cNvSpPr>
-          <p:nvPr>
-            <p:ph idx="1"/>
-          </p:nvPr>
-        </p:nvSpPr>
-        <p:spPr/>
-        <p:txBody>
-          <a:bodyPr/>
-          <a:lstStyle/>
-          <a:p>
-            <a:pPr algn="ctr">
-              <a:buNone/>
-            </a:pPr>
-            <a:r>
-              <a:rPr lang="ja-JP" altLang="en-US" dirty="0"/>
-              <a:t>１</a:t>
-            </a:r>
-            <a:r>
-              <a:rPr lang="ja-JP" altLang="en-US" dirty="0" smtClean="0"/>
-              <a:t>．生徒の名前を入力</a:t>
-            </a:r>
-            <a:endParaRPr lang="en-US" altLang="ja-JP" dirty="0" smtClean="0"/>
-          </a:p>
-          <a:p>
-            <a:pPr algn="ctr">
-              <a:buNone/>
-            </a:pPr>
-            <a:r>
-              <a:rPr lang="ja-JP" altLang="en-US" dirty="0" smtClean="0"/>
-              <a:t>↓</a:t>
-            </a:r>
-            <a:endParaRPr lang="en-US" altLang="ja-JP" dirty="0" smtClean="0"/>
-          </a:p>
-          <a:p>
-            <a:pPr algn="ctr">
-              <a:buNone/>
-            </a:pPr>
-            <a:r>
-              <a:rPr lang="ja-JP" altLang="en-US" dirty="0" smtClean="0"/>
-              <a:t>２．机の作成</a:t>
-            </a:r>
-            <a:endParaRPr lang="en-US" altLang="ja-JP" dirty="0" smtClean="0"/>
-          </a:p>
-          <a:p>
-            <a:pPr algn="ctr">
-              <a:buNone/>
-            </a:pPr>
-            <a:r>
-              <a:rPr lang="ja-JP" altLang="en-US" dirty="0" smtClean="0"/>
-              <a:t>↓</a:t>
-            </a:r>
-            <a:endParaRPr lang="en-US" altLang="ja-JP" dirty="0" smtClean="0"/>
-          </a:p>
-          <a:p>
-            <a:pPr algn="ctr">
-              <a:buNone/>
-            </a:pPr>
-            <a:r>
-              <a:rPr lang="ja-JP" altLang="en-US" dirty="0" smtClean="0"/>
-              <a:t>３．机を移動させ位置を決める</a:t>
-            </a:r>
-            <a:endParaRPr lang="en-US" altLang="ja-JP" dirty="0" smtClean="0"/>
-          </a:p>
-          <a:p>
-            <a:pPr algn="ctr">
-              <a:buNone/>
-            </a:pPr>
-            <a:r>
-              <a:rPr kumimoji="1" lang="ja-JP" altLang="en-US" dirty="0" smtClean="0"/>
-              <a:t>↓</a:t>
-            </a:r>
-            <a:endParaRPr kumimoji="1" lang="en-US" altLang="ja-JP" dirty="0" smtClean="0"/>
-          </a:p>
-          <a:p>
-            <a:pPr algn="ctr">
-              <a:buNone/>
-            </a:pPr>
-            <a:r>
-              <a:rPr kumimoji="1" lang="ja-JP" altLang="en-US" dirty="0" smtClean="0"/>
-              <a:t>４印刷</a:t>
-            </a:r>
-            <a:endParaRPr kumimoji="1" lang="en-US" altLang="ja-JP" dirty="0" smtClean="0"/>
-          </a:p>
-        </p:txBody>
-      </p:sp>
-      <p:cxnSp>
-        <p:nvCxnSpPr>
-          <p:cNvPr id="21" name="直線コネクタ 20"/>
-          <p:cNvCxnSpPr/>
-          <p:nvPr/>
-        </p:nvCxnSpPr>
-        <p:spPr>
-          <a:xfrm rot="10800000">
-            <a:off x="1428728" y="4071942"/>
-            <a:ext cx="571504" cy="0"/>
-          </a:xfrm>
-          <a:prstGeom prst="line">
-            <a:avLst/>
-          </a:prstGeom>
-        </p:spPr>
-        <p:style>
-          <a:lnRef idx="1">
-            <a:schemeClr val="accent1"/>
-          </a:lnRef>
-          <a:fillRef idx="0">
-            <a:schemeClr val="accent1"/>
-          </a:fillRef>
-          <a:effectRef idx="0">
-            <a:schemeClr val="accent1"/>
-          </a:effectRef>
-          <a:fontRef idx="minor">
-            <a:schemeClr val="tx1"/>
-          </a:fontRef>
-        </p:style>
-      </p:cxnSp>
-      <p:cxnSp>
-        <p:nvCxnSpPr>
-          <p:cNvPr id="23" name="直線コネクタ 22"/>
-          <p:cNvCxnSpPr/>
-          <p:nvPr/>
-        </p:nvCxnSpPr>
-        <p:spPr>
-          <a:xfrm rot="5400000" flipH="1" flipV="1">
-            <a:off x="464315" y="3107529"/>
-            <a:ext cx="1928826" cy="0"/>
-          </a:xfrm>
-          <a:prstGeom prst="line">
-            <a:avLst/>
-          </a:prstGeom>
-        </p:spPr>
-        <p:style>
-          <a:lnRef idx="1">
-            <a:schemeClr val="accent1"/>
-          </a:lnRef>
-          <a:fillRef idx="0">
-            <a:schemeClr val="accent1"/>
-          </a:fillRef>
-          <a:effectRef idx="0">
-            <a:schemeClr val="accent1"/>
-          </a:effectRef>
-          <a:fontRef idx="minor">
-            <a:schemeClr val="tx1"/>
-          </a:fontRef>
-        </p:style>
-      </p:cxnSp>
-      <p:cxnSp>
-        <p:nvCxnSpPr>
-          <p:cNvPr id="25" name="直線矢印コネクタ 24"/>
-          <p:cNvCxnSpPr/>
-          <p:nvPr/>
-        </p:nvCxnSpPr>
-        <p:spPr>
-          <a:xfrm>
-            <a:off x="1428728" y="2143116"/>
-            <a:ext cx="1071570" cy="1588"/>
-          </a:xfrm>
-          <a:prstGeom prst="straightConnector1">
-            <a:avLst/>
-          </a:prstGeom>
-          <a:ln>
-            <a:tailEnd type="arrow"/>
-          </a:ln>
-        </p:spPr>
-        <p:style>
-          <a:lnRef idx="1">
-            <a:schemeClr val="accent1"/>
-          </a:lnRef>
-          <a:fillRef idx="0">
-            <a:schemeClr val="accent1"/>
-          </a:fillRef>
-          <a:effectRef idx="0">
-            <a:schemeClr val="accent1"/>
-          </a:effectRef>
-          <a:fontRef idx="minor">
-            <a:schemeClr val="tx1"/>
-          </a:fontRef>
-        </p:style>
-      </p:cxnSp>
-      <p:sp>
-        <p:nvSpPr>
-          <p:cNvPr id="27" name="テキスト ボックス 26"/>
-          <p:cNvSpPr txBox="1"/>
-          <p:nvPr/>
-        </p:nvSpPr>
-        <p:spPr>
-          <a:xfrm>
-            <a:off x="857224" y="2214554"/>
-            <a:ext cx="461665" cy="1703351"/>
-          </a:xfrm>
-          <a:prstGeom prst="rect">
-            <a:avLst/>
-          </a:prstGeom>
-          <a:noFill/>
-        </p:spPr>
-        <p:txBody>
-          <a:bodyPr vert="eaVert" wrap="none" rtlCol="0">
-            <a:spAutoFit/>
-          </a:bodyPr>
-          <a:lstStyle/>
-          <a:p>
-            <a:r>
-              <a:rPr kumimoji="1" lang="ja-JP" altLang="en-US" dirty="0" smtClean="0"/>
-              <a:t>人数分繰り返す</a:t>
-            </a:r>
-            <a:endParaRPr kumimoji="1" lang="ja-JP" altLang="en-US" dirty="0"/>
-          </a:p>
-        </p:txBody>
-      </p:sp>
-    </p:spTree>
-  </p:cSld>
-  <p:clrMapOvr>
-    <a:masterClrMapping/>
-  </p:clrMapOvr>
-  <p:timing>
-    <p:tnLst>
-      <p:par>
-        <p:cTn id="1" dur="indefinite" restart="never" nodeType="tmRoot"/>
-      </p:par>
-    </p:tnLst>
-  </p:timing>
-</p:sld>
-</file>
-
 <file path=ppt/slides/slide2.xml><?xml version="1.0" encoding="utf-8"?>
 <p:sld xmlns:a="http://schemas.openxmlformats.org/drawingml/2006/main" xmlns:r="http://schemas.openxmlformats.org/officeDocument/2006/relationships" xmlns:p="http://schemas.openxmlformats.org/presentationml/2006/main">
   <p:cSld>
@@ -6745,7 +6567,11 @@
           <a:p>
             <a:r>
               <a:rPr kumimoji="1" lang="ja-JP" altLang="en-US" dirty="0" smtClean="0"/>
-              <a:t>座席表を席を変える度に作るのは面倒</a:t>
+              <a:t>座席表を席を変える度に作るのは</a:t>
+            </a:r>
+            <a:r>
+              <a:rPr kumimoji="1" lang="ja-JP" altLang="en-US" dirty="0" smtClean="0"/>
+              <a:t>面倒</a:t>
             </a:r>
             <a:endParaRPr kumimoji="1" lang="en-US" altLang="ja-JP" dirty="0" smtClean="0"/>
           </a:p>
@@ -6761,6 +6587,9 @@
               <a:t>誰にでも作れるプログラムが必要</a:t>
             </a:r>
             <a:endParaRPr lang="en-US" altLang="ja-JP" dirty="0" smtClean="0"/>
+          </a:p>
+          <a:p>
+            <a:endParaRPr kumimoji="1" lang="en-US" altLang="ja-JP" dirty="0" smtClean="0"/>
           </a:p>
           <a:p>
             <a:endParaRPr kumimoji="1" lang="en-US" altLang="ja-JP" dirty="0" smtClean="0"/>
@@ -6984,7 +6813,11 @@
           <a:p>
             <a:r>
               <a:rPr lang="ja-JP" altLang="en-US" dirty="0" smtClean="0"/>
-              <a:t>人の名前は打ちこむことで机に名前が表示される</a:t>
+              <a:t>生徒名が机に表示</a:t>
+            </a:r>
+            <a:r>
+              <a:rPr lang="ja-JP" altLang="en-US" dirty="0" smtClean="0"/>
+              <a:t>される</a:t>
             </a:r>
             <a:endParaRPr lang="en-US" altLang="ja-JP" dirty="0" smtClean="0"/>
           </a:p>
@@ -7382,6 +7215,78 @@
           <a:xfrm>
             <a:off x="5143504" y="4214818"/>
             <a:ext cx="895350" cy="590550"/>
+          </a:xfrm>
+          <a:prstGeom prst="rect">
+            <a:avLst/>
+          </a:prstGeom>
+        </p:spPr>
+      </p:pic>
+      <p:pic>
+        <p:nvPicPr>
+          <p:cNvPr id="8" name="図 7" descr="satou name.bmp"/>
+          <p:cNvPicPr>
+            <a:picLocks noChangeAspect="1"/>
+          </p:cNvPicPr>
+          <p:nvPr/>
+        </p:nvPicPr>
+        <p:blipFill>
+          <a:blip r:embed="rId6" cstate="print"/>
+          <a:stretch>
+            <a:fillRect/>
+          </a:stretch>
+        </p:blipFill>
+        <p:spPr>
+          <a:xfrm>
+            <a:off x="7572396" y="2357430"/>
+            <a:ext cx="504825" cy="161925"/>
+          </a:xfrm>
+          <a:prstGeom prst="rect">
+            <a:avLst/>
+          </a:prstGeom>
+        </p:spPr>
+      </p:pic>
+      <p:pic>
+        <p:nvPicPr>
+          <p:cNvPr id="14" name="図 13" descr="satou.bmp"/>
+          <p:cNvPicPr>
+            <a:picLocks noChangeAspect="1"/>
+          </p:cNvPicPr>
+          <p:nvPr/>
+        </p:nvPicPr>
+        <p:blipFill>
+          <a:blip r:embed="rId7" cstate="print"/>
+          <a:stretch>
+            <a:fillRect/>
+          </a:stretch>
+        </p:blipFill>
+        <p:spPr>
+          <a:xfrm>
+            <a:off x="4857752" y="2143116"/>
+            <a:ext cx="885825" cy="581025"/>
+          </a:xfrm>
+          <a:prstGeom prst="rect">
+            <a:avLst/>
+          </a:prstGeom>
+        </p:spPr>
+      </p:pic>
+      <p:pic>
+        <p:nvPicPr>
+          <p:cNvPr id="15" name="図 14" descr="satou.bmp"/>
+          <p:cNvPicPr>
+            <a:picLocks noChangeAspect="1"/>
+          </p:cNvPicPr>
+          <p:nvPr/>
+        </p:nvPicPr>
+        <p:blipFill>
+          <a:blip r:embed="rId7" cstate="print"/>
+          <a:stretch>
+            <a:fillRect/>
+          </a:stretch>
+        </p:blipFill>
+        <p:spPr>
+          <a:xfrm>
+            <a:off x="6000760" y="4214818"/>
+            <a:ext cx="885825" cy="581025"/>
           </a:xfrm>
           <a:prstGeom prst="rect">
             <a:avLst/>
@@ -8100,14 +8005,243 @@
                             </p:stCondLst>
                             <p:childTnLst>
                               <p:par>
-                                <p:cTn id="56" presetID="2" presetClass="entr" presetSubtype="4" fill="hold" nodeType="clickEffect">
+                                <p:cTn id="56" presetID="3" presetClass="exit" presetSubtype="10" fill="hold" nodeType="clickEffect">
+                                  <p:stCondLst>
+                                    <p:cond delay="0"/>
+                                  </p:stCondLst>
+                                  <p:childTnLst>
+                                    <p:animEffect transition="out" filter="blinds(horizontal)">
+                                      <p:cBhvr>
+                                        <p:cTn id="57" dur="500"/>
+                                        <p:tgtEl>
+                                          <p:spTgt spid="11"/>
+                                        </p:tgtEl>
+                                      </p:cBhvr>
+                                    </p:animEffect>
+                                    <p:set>
+                                      <p:cBhvr>
+                                        <p:cTn id="58" dur="1" fill="hold">
+                                          <p:stCondLst>
+                                            <p:cond delay="499"/>
+                                          </p:stCondLst>
+                                        </p:cTn>
+                                        <p:tgtEl>
+                                          <p:spTgt spid="11"/>
+                                        </p:tgtEl>
+                                        <p:attrNameLst>
+                                          <p:attrName>style.visibility</p:attrName>
+                                        </p:attrNameLst>
+                                      </p:cBhvr>
+                                      <p:to>
+                                        <p:strVal val="hidden"/>
+                                      </p:to>
+                                    </p:set>
+                                  </p:childTnLst>
+                                </p:cTn>
+                              </p:par>
+                              <p:par>
+                                <p:cTn id="59" presetID="9" presetClass="entr" presetSubtype="0" fill="hold" nodeType="withEffect">
                                   <p:stCondLst>
                                     <p:cond delay="0"/>
                                   </p:stCondLst>
                                   <p:childTnLst>
                                     <p:set>
                                       <p:cBhvr>
-                                        <p:cTn id="57" dur="1" fill="hold">
+                                        <p:cTn id="60" dur="1" fill="hold">
+                                          <p:stCondLst>
+                                            <p:cond delay="0"/>
+                                          </p:stCondLst>
+                                        </p:cTn>
+                                        <p:tgtEl>
+                                          <p:spTgt spid="8"/>
+                                        </p:tgtEl>
+                                        <p:attrNameLst>
+                                          <p:attrName>style.visibility</p:attrName>
+                                        </p:attrNameLst>
+                                      </p:cBhvr>
+                                      <p:to>
+                                        <p:strVal val="visible"/>
+                                      </p:to>
+                                    </p:set>
+                                    <p:animEffect transition="in" filter="dissolve">
+                                      <p:cBhvr>
+                                        <p:cTn id="61" dur="500"/>
+                                        <p:tgtEl>
+                                          <p:spTgt spid="8"/>
+                                        </p:tgtEl>
+                                      </p:cBhvr>
+                                    </p:animEffect>
+                                  </p:childTnLst>
+                                </p:cTn>
+                              </p:par>
+                            </p:childTnLst>
+                          </p:cTn>
+                        </p:par>
+                      </p:childTnLst>
+                    </p:cTn>
+                  </p:par>
+                  <p:par>
+                    <p:cTn id="62" fill="hold">
+                      <p:stCondLst>
+                        <p:cond delay="indefinite"/>
+                      </p:stCondLst>
+                      <p:childTnLst>
+                        <p:par>
+                          <p:cTn id="63" fill="hold">
+                            <p:stCondLst>
+                              <p:cond delay="0"/>
+                            </p:stCondLst>
+                            <p:childTnLst>
+                              <p:par>
+                                <p:cTn id="64" presetID="3" presetClass="entr" presetSubtype="10" fill="hold" nodeType="clickEffect">
+                                  <p:stCondLst>
+                                    <p:cond delay="0"/>
+                                  </p:stCondLst>
+                                  <p:childTnLst>
+                                    <p:set>
+                                      <p:cBhvr>
+                                        <p:cTn id="65" dur="1" fill="hold">
+                                          <p:stCondLst>
+                                            <p:cond delay="0"/>
+                                          </p:stCondLst>
+                                        </p:cTn>
+                                        <p:tgtEl>
+                                          <p:spTgt spid="14"/>
+                                        </p:tgtEl>
+                                        <p:attrNameLst>
+                                          <p:attrName>style.visibility</p:attrName>
+                                        </p:attrNameLst>
+                                      </p:cBhvr>
+                                      <p:to>
+                                        <p:strVal val="visible"/>
+                                      </p:to>
+                                    </p:set>
+                                    <p:animEffect transition="in" filter="blinds(horizontal)">
+                                      <p:cBhvr>
+                                        <p:cTn id="66" dur="500"/>
+                                        <p:tgtEl>
+                                          <p:spTgt spid="14"/>
+                                        </p:tgtEl>
+                                      </p:cBhvr>
+                                    </p:animEffect>
+                                  </p:childTnLst>
+                                </p:cTn>
+                              </p:par>
+                            </p:childTnLst>
+                          </p:cTn>
+                        </p:par>
+                      </p:childTnLst>
+                    </p:cTn>
+                  </p:par>
+                  <p:par>
+                    <p:cTn id="67" fill="hold">
+                      <p:stCondLst>
+                        <p:cond delay="indefinite"/>
+                      </p:stCondLst>
+                      <p:childTnLst>
+                        <p:par>
+                          <p:cTn id="68" fill="hold">
+                            <p:stCondLst>
+                              <p:cond delay="0"/>
+                            </p:stCondLst>
+                            <p:childTnLst>
+                              <p:par>
+                                <p:cTn id="69" presetID="9" presetClass="exit" presetSubtype="0" fill="hold" nodeType="clickEffect">
+                                  <p:stCondLst>
+                                    <p:cond delay="0"/>
+                                  </p:stCondLst>
+                                  <p:childTnLst>
+                                    <p:animEffect transition="out" filter="dissolve">
+                                      <p:cBhvr>
+                                        <p:cTn id="70" dur="500"/>
+                                        <p:tgtEl>
+                                          <p:spTgt spid="14"/>
+                                        </p:tgtEl>
+                                      </p:cBhvr>
+                                    </p:animEffect>
+                                    <p:set>
+                                      <p:cBhvr>
+                                        <p:cTn id="71" dur="1" fill="hold">
+                                          <p:stCondLst>
+                                            <p:cond delay="499"/>
+                                          </p:stCondLst>
+                                        </p:cTn>
+                                        <p:tgtEl>
+                                          <p:spTgt spid="14"/>
+                                        </p:tgtEl>
+                                        <p:attrNameLst>
+                                          <p:attrName>style.visibility</p:attrName>
+                                        </p:attrNameLst>
+                                      </p:cBhvr>
+                                      <p:to>
+                                        <p:strVal val="hidden"/>
+                                      </p:to>
+                                    </p:set>
+                                  </p:childTnLst>
+                                </p:cTn>
+                              </p:par>
+                              <p:par>
+                                <p:cTn id="72" presetID="9" presetClass="entr" presetSubtype="0" fill="hold" nodeType="withEffect">
+                                  <p:stCondLst>
+                                    <p:cond delay="0"/>
+                                  </p:stCondLst>
+                                  <p:childTnLst>
+                                    <p:set>
+                                      <p:cBhvr>
+                                        <p:cTn id="73" dur="1" fill="hold">
+                                          <p:stCondLst>
+                                            <p:cond delay="0"/>
+                                          </p:stCondLst>
+                                        </p:cTn>
+                                        <p:tgtEl>
+                                          <p:spTgt spid="15"/>
+                                        </p:tgtEl>
+                                        <p:attrNameLst>
+                                          <p:attrName>style.visibility</p:attrName>
+                                        </p:attrNameLst>
+                                      </p:cBhvr>
+                                      <p:to>
+                                        <p:strVal val="visible"/>
+                                      </p:to>
+                                    </p:set>
+                                    <p:animEffect transition="in" filter="dissolve">
+                                      <p:cBhvr>
+                                        <p:cTn id="74" dur="500"/>
+                                        <p:tgtEl>
+                                          <p:spTgt spid="15"/>
+                                        </p:tgtEl>
+                                      </p:cBhvr>
+                                    </p:animEffect>
+                                  </p:childTnLst>
+                                </p:cTn>
+                              </p:par>
+                            </p:childTnLst>
+                          </p:cTn>
+                        </p:par>
+                      </p:childTnLst>
+                    </p:cTn>
+                  </p:par>
+                  <p:par>
+                    <p:cTn id="75" fill="hold">
+                      <p:stCondLst>
+                        <p:cond delay="indefinite"/>
+                      </p:stCondLst>
+                      <p:childTnLst>
+                        <p:par>
+                          <p:cTn id="76" fill="hold">
+                            <p:stCondLst>
+                              <p:cond delay="0"/>
+                            </p:stCondLst>
+                            <p:childTnLst>
+                              <p:par>
+                                <p:cTn id="77" presetID="2" presetClass="entr" presetSubtype="4" fill="hold" nodeType="clickEffect">
+                                  <p:stCondLst>
+                                    <p:cond delay="0"/>
+                                  </p:stCondLst>
+                                  <p:childTnLst>
+                                    <p:set>
+                                      <p:cBhvr>
+                                        <p:cTn id="78" dur="1" fill="hold">
                                           <p:stCondLst>
                                             <p:cond delay="0"/>
                                           </p:stCondLst>
@@ -8129,7 +8263,7 @@
                                     </p:set>
                                     <p:anim calcmode="lin" valueType="num">
                                       <p:cBhvr additive="base">
-                                        <p:cTn id="58" dur="500" fill="hold"/>
+                                        <p:cTn id="79" dur="500" fill="hold"/>
                                         <p:tgtEl>
                                           <p:spTgt spid="6">
                                             <p:txEl>
@@ -8156,7 +8290,7 @@
                                     </p:anim>
                                     <p:anim calcmode="lin" valueType="num">
                                       <p:cBhvr additive="base">
-                                        <p:cTn id="59" dur="500" fill="hold"/>
+                                        <p:cTn id="80" dur="500" fill="hold"/>
                                         <p:tgtEl>
                                           <p:spTgt spid="6">
                                             <p:txEl>
@@ -8327,7 +8461,7 @@
             <a:pPr algn="ctr"/>
             <a:r>
               <a:rPr kumimoji="1" lang="ja-JP" altLang="en-US" sz="6000" dirty="0" smtClean="0"/>
-              <a:t>問題点</a:t>
+              <a:t>今後の課題</a:t>
             </a:r>
             <a:endParaRPr kumimoji="1" lang="ja-JP" altLang="en-US" sz="6000" dirty="0"/>
           </a:p>
@@ -8345,17 +8479,29 @@
         </p:nvSpPr>
         <p:spPr/>
         <p:txBody>
-          <a:bodyPr/>
+          <a:bodyPr>
+            <a:normAutofit lnSpcReduction="10000"/>
+          </a:bodyPr>
           <a:lstStyle/>
           <a:p>
-            <a:endParaRPr kumimoji="1" lang="en-US" altLang="ja-JP" dirty="0" smtClean="0"/>
-          </a:p>
-          <a:p>
-            <a:r>
-              <a:rPr kumimoji="1" lang="ja-JP" altLang="en-US" sz="3200" dirty="0" smtClean="0"/>
+            <a:endParaRPr lang="en-US" altLang="ja-JP" dirty="0" smtClean="0"/>
+          </a:p>
+          <a:p>
+            <a:r>
+              <a:rPr lang="ja-JP" altLang="en-US" dirty="0" smtClean="0"/>
+              <a:t>マウスでの机の移動</a:t>
+            </a:r>
+            <a:endParaRPr lang="en-US" altLang="ja-JP" dirty="0" smtClean="0"/>
+          </a:p>
+          <a:p>
+            <a:endParaRPr lang="en-US" altLang="ja-JP" sz="2400" dirty="0" smtClean="0"/>
+          </a:p>
+          <a:p>
+            <a:r>
+              <a:rPr lang="ja-JP" altLang="en-US" sz="2400" dirty="0" smtClean="0"/>
               <a:t>警告や報告が同時に表示されない</a:t>
             </a:r>
-            <a:endParaRPr kumimoji="1" lang="en-US" altLang="ja-JP" sz="3200" dirty="0" smtClean="0"/>
+            <a:endParaRPr lang="en-US" altLang="ja-JP" sz="2400" dirty="0" smtClean="0"/>
           </a:p>
           <a:p>
             <a:pPr>
@@ -8368,14 +8514,18 @@
             <a:endParaRPr lang="en-US" altLang="ja-JP" sz="2000" dirty="0" smtClean="0"/>
           </a:p>
           <a:p>
-            <a:endParaRPr lang="en-US" altLang="ja-JP" dirty="0" smtClean="0"/>
-          </a:p>
-          <a:p>
-            <a:r>
-              <a:rPr lang="ja-JP" altLang="en-US" sz="3200" dirty="0" smtClean="0"/>
-              <a:t>印刷した後に机の配置画面が真っ黒になる</a:t>
-            </a:r>
-            <a:endParaRPr lang="en-US" altLang="ja-JP" sz="3200" dirty="0" smtClean="0"/>
+            <a:endParaRPr kumimoji="1" lang="en-US" altLang="ja-JP" sz="2000" dirty="0" smtClean="0"/>
+          </a:p>
+          <a:p>
+            <a:r>
+              <a:rPr kumimoji="1" lang="ja-JP" altLang="en-US" dirty="0" smtClean="0"/>
+              <a:t>オブジェクトサイズの</a:t>
+            </a:r>
+            <a:r>
+              <a:rPr kumimoji="1" lang="ja-JP" altLang="en-US" dirty="0" smtClean="0"/>
+              <a:t>変更</a:t>
+            </a:r>
+            <a:endParaRPr kumimoji="1" lang="en-US" altLang="ja-JP" dirty="0" smtClean="0"/>
           </a:p>
           <a:p>
             <a:pPr>
@@ -8383,12 +8533,32 @@
             </a:pPr>
             <a:r>
               <a:rPr lang="ja-JP" altLang="en-US" sz="2000" dirty="0" smtClean="0"/>
-              <a:t>　　机の移動をすると戻るが面倒</a:t>
+              <a:t>　　机以外のオブジェクトも作ることができる</a:t>
             </a:r>
             <a:endParaRPr lang="en-US" altLang="ja-JP" sz="2000" dirty="0" smtClean="0"/>
           </a:p>
           <a:p>
-            <a:endParaRPr kumimoji="1" lang="ja-JP" altLang="en-US" dirty="0"/>
+            <a:pPr>
+              <a:buNone/>
+            </a:pPr>
+            <a:endParaRPr lang="en-US" altLang="ja-JP" sz="2000" dirty="0" smtClean="0"/>
+          </a:p>
+          <a:p>
+            <a:r>
+              <a:rPr lang="ja-JP" altLang="en-US" dirty="0" smtClean="0"/>
+              <a:t>印刷のレイアウトを見栄え良く</a:t>
+            </a:r>
+            <a:endParaRPr lang="en-US" altLang="ja-JP" dirty="0" smtClean="0"/>
+          </a:p>
+          <a:p>
+            <a:pPr>
+              <a:buNone/>
+            </a:pPr>
+            <a:r>
+              <a:rPr lang="ja-JP" altLang="en-US" sz="2000" dirty="0" smtClean="0"/>
+              <a:t>　　現在の印刷だと少し偏っていて見づらい</a:t>
+            </a:r>
+            <a:endParaRPr lang="en-US" altLang="ja-JP" sz="2000" dirty="0" smtClean="0"/>
           </a:p>
         </p:txBody>
       </p:sp>
@@ -8408,7 +8578,7 @@
 </file>
 
 <file path=ppt/slides/slide9.xml><?xml version="1.0" encoding="utf-8"?>
-<p:sld xmlns:a="http://schemas.openxmlformats.org/drawingml/2006/main" xmlns:r="http://schemas.openxmlformats.org/officeDocument/2006/relationships" xmlns:p="http://schemas.openxmlformats.org/presentationml/2006/main">
+<p:sld xmlns:a="http://schemas.openxmlformats.org/drawingml/2006/main" xmlns:r="http://schemas.openxmlformats.org/officeDocument/2006/relationships" xmlns:p="http://schemas.openxmlformats.org/presentationml/2006/main" show="0">
   <p:cSld>
     <p:spTree>
       <p:nvGrpSpPr>
@@ -8436,101 +8606,228 @@
         </p:nvSpPr>
         <p:spPr/>
         <p:txBody>
-          <a:bodyPr>
-            <a:normAutofit/>
+          <a:bodyPr/>
+          <a:lstStyle/>
+          <a:p>
+            <a:pPr algn="ctr"/>
+            <a:r>
+              <a:rPr lang="ja-JP" altLang="en-US" dirty="0" smtClean="0"/>
+              <a:t>座席表作成の流れ</a:t>
+            </a:r>
+            <a:endParaRPr kumimoji="1" lang="ja-JP" altLang="en-US" dirty="0"/>
+          </a:p>
+        </p:txBody>
+      </p:sp>
+      <p:sp>
+        <p:nvSpPr>
+          <p:cNvPr id="3" name="コンテンツ プレースホルダ 2"/>
+          <p:cNvSpPr>
+            <a:spLocks noGrp="1"/>
+          </p:cNvSpPr>
+          <p:nvPr>
+            <p:ph idx="1"/>
+          </p:nvPr>
+        </p:nvSpPr>
+        <p:spPr/>
+        <p:txBody>
+          <a:bodyPr/>
+          <a:lstStyle/>
+          <a:p>
+            <a:pPr algn="ctr">
+              <a:buNone/>
+            </a:pPr>
+            <a:r>
+              <a:rPr lang="ja-JP" altLang="en-US" dirty="0"/>
+              <a:t>１</a:t>
+            </a:r>
+            <a:r>
+              <a:rPr lang="ja-JP" altLang="en-US" dirty="0" smtClean="0"/>
+              <a:t>．生徒の名前を入力</a:t>
+            </a:r>
+            <a:endParaRPr lang="en-US" altLang="ja-JP" dirty="0" smtClean="0"/>
+          </a:p>
+          <a:p>
+            <a:pPr algn="ctr">
+              <a:buNone/>
+            </a:pPr>
+            <a:r>
+              <a:rPr lang="ja-JP" altLang="en-US" dirty="0" smtClean="0"/>
+              <a:t>↓</a:t>
+            </a:r>
+            <a:endParaRPr lang="en-US" altLang="ja-JP" dirty="0" smtClean="0"/>
+          </a:p>
+          <a:p>
+            <a:pPr algn="ctr">
+              <a:buNone/>
+            </a:pPr>
+            <a:r>
+              <a:rPr lang="ja-JP" altLang="en-US" dirty="0" smtClean="0"/>
+              <a:t>２．机の作成</a:t>
+            </a:r>
+            <a:endParaRPr lang="en-US" altLang="ja-JP" dirty="0" smtClean="0"/>
+          </a:p>
+          <a:p>
+            <a:pPr algn="ctr">
+              <a:buNone/>
+            </a:pPr>
+            <a:r>
+              <a:rPr lang="ja-JP" altLang="en-US" dirty="0" smtClean="0"/>
+              <a:t>↓</a:t>
+            </a:r>
+            <a:endParaRPr lang="en-US" altLang="ja-JP" dirty="0" smtClean="0"/>
+          </a:p>
+          <a:p>
+            <a:pPr algn="ctr">
+              <a:buNone/>
+            </a:pPr>
+            <a:r>
+              <a:rPr lang="ja-JP" altLang="en-US" dirty="0" smtClean="0"/>
+              <a:t>３．机を移動させ位置を決める</a:t>
+            </a:r>
+            <a:endParaRPr lang="en-US" altLang="ja-JP" dirty="0" smtClean="0"/>
+          </a:p>
+          <a:p>
+            <a:pPr algn="ctr">
+              <a:buNone/>
+            </a:pPr>
+            <a:r>
+              <a:rPr kumimoji="1" lang="ja-JP" altLang="en-US" dirty="0" smtClean="0"/>
+              <a:t>↓</a:t>
+            </a:r>
+            <a:endParaRPr kumimoji="1" lang="en-US" altLang="ja-JP" dirty="0" smtClean="0"/>
+          </a:p>
+          <a:p>
+            <a:pPr algn="ctr">
+              <a:buNone/>
+            </a:pPr>
+            <a:r>
+              <a:rPr kumimoji="1" lang="ja-JP" altLang="en-US" dirty="0" smtClean="0"/>
+              <a:t>４印刷</a:t>
+            </a:r>
+            <a:endParaRPr kumimoji="1" lang="en-US" altLang="ja-JP" dirty="0" smtClean="0"/>
+          </a:p>
+        </p:txBody>
+      </p:sp>
+      <p:cxnSp>
+        <p:nvCxnSpPr>
+          <p:cNvPr id="21" name="直線コネクタ 20"/>
+          <p:cNvCxnSpPr/>
+          <p:nvPr/>
+        </p:nvCxnSpPr>
+        <p:spPr>
+          <a:xfrm rot="10800000">
+            <a:off x="1428728" y="4071942"/>
+            <a:ext cx="571504" cy="0"/>
+          </a:xfrm>
+          <a:prstGeom prst="line">
+            <a:avLst/>
+          </a:prstGeom>
+        </p:spPr>
+        <p:style>
+          <a:lnRef idx="1">
+            <a:schemeClr val="accent1"/>
+          </a:lnRef>
+          <a:fillRef idx="0">
+            <a:schemeClr val="accent1"/>
+          </a:fillRef>
+          <a:effectRef idx="0">
+            <a:schemeClr val="accent1"/>
+          </a:effectRef>
+          <a:fontRef idx="minor">
+            <a:schemeClr val="tx1"/>
+          </a:fontRef>
+        </p:style>
+      </p:cxnSp>
+      <p:cxnSp>
+        <p:nvCxnSpPr>
+          <p:cNvPr id="23" name="直線コネクタ 22"/>
+          <p:cNvCxnSpPr/>
+          <p:nvPr/>
+        </p:nvCxnSpPr>
+        <p:spPr>
+          <a:xfrm rot="5400000" flipH="1" flipV="1">
+            <a:off x="464315" y="3107529"/>
+            <a:ext cx="1928826" cy="0"/>
+          </a:xfrm>
+          <a:prstGeom prst="line">
+            <a:avLst/>
+          </a:prstGeom>
+        </p:spPr>
+        <p:style>
+          <a:lnRef idx="1">
+            <a:schemeClr val="accent1"/>
+          </a:lnRef>
+          <a:fillRef idx="0">
+            <a:schemeClr val="accent1"/>
+          </a:fillRef>
+          <a:effectRef idx="0">
+            <a:schemeClr val="accent1"/>
+          </a:effectRef>
+          <a:fontRef idx="minor">
+            <a:schemeClr val="tx1"/>
+          </a:fontRef>
+        </p:style>
+      </p:cxnSp>
+      <p:cxnSp>
+        <p:nvCxnSpPr>
+          <p:cNvPr id="25" name="直線矢印コネクタ 24"/>
+          <p:cNvCxnSpPr/>
+          <p:nvPr/>
+        </p:nvCxnSpPr>
+        <p:spPr>
+          <a:xfrm>
+            <a:off x="1428728" y="2143116"/>
+            <a:ext cx="1071570" cy="1588"/>
+          </a:xfrm>
+          <a:prstGeom prst="straightConnector1">
+            <a:avLst/>
+          </a:prstGeom>
+          <a:ln>
+            <a:tailEnd type="arrow"/>
+          </a:ln>
+        </p:spPr>
+        <p:style>
+          <a:lnRef idx="1">
+            <a:schemeClr val="accent1"/>
+          </a:lnRef>
+          <a:fillRef idx="0">
+            <a:schemeClr val="accent1"/>
+          </a:fillRef>
+          <a:effectRef idx="0">
+            <a:schemeClr val="accent1"/>
+          </a:effectRef>
+          <a:fontRef idx="minor">
+            <a:schemeClr val="tx1"/>
+          </a:fontRef>
+        </p:style>
+      </p:cxnSp>
+      <p:sp>
+        <p:nvSpPr>
+          <p:cNvPr id="27" name="テキスト ボックス 26"/>
+          <p:cNvSpPr txBox="1"/>
+          <p:nvPr/>
+        </p:nvSpPr>
+        <p:spPr>
+          <a:xfrm>
+            <a:off x="857224" y="2214554"/>
+            <a:ext cx="461665" cy="1703351"/>
+          </a:xfrm>
+          <a:prstGeom prst="rect">
+            <a:avLst/>
+          </a:prstGeom>
+          <a:noFill/>
+        </p:spPr>
+        <p:txBody>
+          <a:bodyPr vert="eaVert" wrap="none" rtlCol="0">
+            <a:spAutoFit/>
           </a:bodyPr>
           <a:lstStyle/>
           <a:p>
-            <a:pPr algn="ctr"/>
-            <a:r>
-              <a:rPr kumimoji="1" lang="ja-JP" altLang="en-US" sz="6000" dirty="0" smtClean="0"/>
-              <a:t>今後の課題</a:t>
-            </a:r>
-            <a:endParaRPr kumimoji="1" lang="ja-JP" altLang="en-US" sz="6000" dirty="0"/>
-          </a:p>
-        </p:txBody>
-      </p:sp>
-      <p:sp>
-        <p:nvSpPr>
-          <p:cNvPr id="3" name="コンテンツ プレースホルダ 2"/>
-          <p:cNvSpPr>
-            <a:spLocks noGrp="1"/>
-          </p:cNvSpPr>
-          <p:nvPr>
-            <p:ph idx="1"/>
-          </p:nvPr>
-        </p:nvSpPr>
-        <p:spPr/>
-        <p:txBody>
-          <a:bodyPr>
-            <a:normAutofit/>
-          </a:bodyPr>
-          <a:lstStyle/>
-          <a:p>
-            <a:endParaRPr lang="en-US" altLang="ja-JP" dirty="0" smtClean="0"/>
-          </a:p>
-          <a:p>
-            <a:r>
-              <a:rPr lang="ja-JP" altLang="en-US" dirty="0" smtClean="0"/>
-              <a:t>マウスで机の移動を直接行えるように</a:t>
-            </a:r>
-            <a:endParaRPr lang="en-US" altLang="ja-JP" dirty="0" smtClean="0"/>
-          </a:p>
-          <a:p>
-            <a:pPr>
-              <a:buNone/>
-            </a:pPr>
-            <a:r>
-              <a:rPr lang="ja-JP" altLang="en-US" sz="2000" dirty="0" smtClean="0"/>
-              <a:t>　　表現をもっと簡単にできる</a:t>
-            </a:r>
-            <a:endParaRPr lang="en-US" altLang="ja-JP" sz="2000" dirty="0" smtClean="0"/>
-          </a:p>
-          <a:p>
-            <a:pPr>
-              <a:buNone/>
-            </a:pPr>
-            <a:endParaRPr kumimoji="1" lang="en-US" altLang="ja-JP" sz="2000" dirty="0" smtClean="0"/>
-          </a:p>
-          <a:p>
             <a:r>
               <a:rPr kumimoji="1" lang="ja-JP" altLang="en-US" dirty="0" smtClean="0"/>
-              <a:t>オブジェクトサイズの変更が出来るように</a:t>
-            </a:r>
-            <a:endParaRPr kumimoji="1" lang="en-US" altLang="ja-JP" dirty="0" smtClean="0"/>
-          </a:p>
-          <a:p>
-            <a:pPr>
-              <a:buNone/>
-            </a:pPr>
-            <a:r>
-              <a:rPr lang="ja-JP" altLang="en-US" sz="2000" dirty="0" smtClean="0"/>
-              <a:t>　　机以外のオブジェクトも作ることができる</a:t>
-            </a:r>
-            <a:endParaRPr lang="en-US" altLang="ja-JP" sz="2000" dirty="0" smtClean="0"/>
-          </a:p>
-          <a:p>
-            <a:pPr>
-              <a:buNone/>
-            </a:pPr>
-            <a:endParaRPr lang="en-US" altLang="ja-JP" sz="2000" dirty="0" smtClean="0"/>
-          </a:p>
-          <a:p>
-            <a:r>
-              <a:rPr lang="ja-JP" altLang="en-US" dirty="0" smtClean="0"/>
-              <a:t>印刷のレイアウトを見栄え良く</a:t>
-            </a:r>
-            <a:endParaRPr lang="en-US" altLang="ja-JP" dirty="0" smtClean="0"/>
-          </a:p>
-          <a:p>
-            <a:pPr>
-              <a:buNone/>
-            </a:pPr>
-            <a:r>
-              <a:rPr lang="ja-JP" altLang="en-US" sz="2000" dirty="0" smtClean="0"/>
-              <a:t>　　現在の印刷だと少し偏っていて見づらい</a:t>
-            </a:r>
-            <a:endParaRPr lang="en-US" altLang="ja-JP" sz="2000" dirty="0" smtClean="0"/>
+              <a:t>人数分繰り返す</a:t>
+            </a:r>
+            <a:endParaRPr kumimoji="1" lang="ja-JP" altLang="en-US" dirty="0"/>
           </a:p>
         </p:txBody>
       </p:sp>
@@ -8539,6 +8836,7 @@
   <p:clrMapOvr>
     <a:masterClrMapping/>
   </p:clrMapOvr>
+  <p:transition/>
   <p:timing>
     <p:tnLst>
       <p:par>

--- a/インターン発表.pptx
+++ b/インターン発表.pptx
@@ -572,33 +572,21 @@
           <a:p>
             <a:r>
               <a:rPr kumimoji="1" lang="ja-JP" altLang="en-US" dirty="0" smtClean="0"/>
-              <a:t>もう</a:t>
-            </a:r>
+              <a:t>もう少し細かく書いた方がいい</a:t>
+            </a:r>
+            <a:endParaRPr kumimoji="1" lang="en-US" altLang="ja-JP" dirty="0" smtClean="0"/>
+          </a:p>
+          <a:p>
             <a:r>
               <a:rPr kumimoji="1" lang="ja-JP" altLang="en-US" dirty="0" smtClean="0"/>
-              <a:t>少し細かく書いた方がいい</a:t>
+              <a:t>口頭でかなり説明しないと分かってもらえないだろう</a:t>
             </a:r>
             <a:endParaRPr kumimoji="1" lang="en-US" altLang="ja-JP" dirty="0" smtClean="0"/>
           </a:p>
           <a:p>
             <a:r>
               <a:rPr kumimoji="1" lang="ja-JP" altLang="en-US" dirty="0" smtClean="0"/>
-              <a:t>口頭</a:t>
-            </a:r>
-            <a:r>
-              <a:rPr kumimoji="1" lang="ja-JP" altLang="en-US" dirty="0" smtClean="0"/>
-              <a:t>でかなり説明しないと分かってもらえないだろう</a:t>
-            </a:r>
-            <a:endParaRPr kumimoji="1" lang="en-US" altLang="ja-JP" dirty="0" smtClean="0"/>
-          </a:p>
-          <a:p>
-            <a:r>
-              <a:rPr kumimoji="1" lang="ja-JP" altLang="en-US" dirty="0" smtClean="0"/>
-              <a:t>次</a:t>
-            </a:r>
-            <a:r>
-              <a:rPr kumimoji="1" lang="ja-JP" altLang="en-US" dirty="0" smtClean="0"/>
-              <a:t>のスライドとのつながりがいまい</a:t>
+              <a:t>次のスライドとのつながりがいまい</a:t>
             </a:r>
             <a:r>
               <a:rPr kumimoji="1" lang="ja-JP" altLang="en-US" dirty="0" err="1" smtClean="0"/>
@@ -710,7 +698,11 @@
             </a:r>
             <a:r>
               <a:rPr kumimoji="1" lang="ja-JP" altLang="en-US" dirty="0" smtClean="0"/>
-              <a:t>それをいただいて、張ろうと思います。</a:t>
+              <a:t>それをいただいて、張ろうと思います</a:t>
+            </a:r>
+            <a:r>
+              <a:rPr kumimoji="1" lang="ja-JP" altLang="en-US" dirty="0" smtClean="0"/>
+              <a:t>。</a:t>
             </a:r>
             <a:endParaRPr kumimoji="1" lang="en-US" altLang="ja-JP" dirty="0" smtClean="0"/>
           </a:p>
@@ -718,27 +710,30 @@
             <a:endParaRPr kumimoji="1" lang="en-US" altLang="ja-JP" dirty="0" smtClean="0"/>
           </a:p>
           <a:p>
+            <a:r>
+              <a:rPr kumimoji="1" lang="ja-JP" altLang="en-US" dirty="0" smtClean="0"/>
+              <a:t>出力ついか　</a:t>
+            </a:r>
+            <a:r>
+              <a:rPr kumimoji="1" lang="en-US" altLang="ja-JP" dirty="0" smtClean="0"/>
+              <a:t>Ex</a:t>
+            </a:r>
             <a:endParaRPr kumimoji="1" lang="en-US" altLang="ja-JP" dirty="0" smtClean="0"/>
           </a:p>
           <a:p>
+            <a:endParaRPr kumimoji="1" lang="en-US" altLang="ja-JP" dirty="0" smtClean="0"/>
+          </a:p>
+          <a:p>
             <a:r>
               <a:rPr kumimoji="1" lang="ja-JP" altLang="en-US" dirty="0" smtClean="0"/>
-              <a:t>これ</a:t>
-            </a:r>
+              <a:t>これまでの座席表をどう作っていたのかがイメージできない</a:t>
+            </a:r>
+            <a:endParaRPr kumimoji="1" lang="en-US" altLang="ja-JP" dirty="0" smtClean="0"/>
+          </a:p>
+          <a:p>
             <a:r>
               <a:rPr kumimoji="1" lang="ja-JP" altLang="en-US" dirty="0" smtClean="0"/>
-              <a:t>までの座席表をどう作っていたのかがイメージできない</a:t>
-            </a:r>
-            <a:endParaRPr kumimoji="1" lang="en-US" altLang="ja-JP" dirty="0" smtClean="0"/>
-          </a:p>
-          <a:p>
-            <a:r>
-              <a:rPr kumimoji="1" lang="ja-JP" altLang="en-US" dirty="0" smtClean="0"/>
-              <a:t>なの</a:t>
-            </a:r>
-            <a:r>
-              <a:rPr kumimoji="1" lang="ja-JP" altLang="en-US" dirty="0" smtClean="0"/>
-              <a:t>で、</a:t>
+              <a:t>なので、</a:t>
             </a:r>
             <a:r>
               <a:rPr kumimoji="1" lang="en-US" altLang="ja-JP" dirty="0" smtClean="0"/>
@@ -762,11 +757,7 @@
             </a:r>
             <a:r>
               <a:rPr kumimoji="1" lang="ja-JP" altLang="en-US" dirty="0" smtClean="0"/>
-              <a:t>理解してもらえないと</a:t>
-            </a:r>
-            <a:r>
-              <a:rPr kumimoji="1" lang="ja-JP" altLang="en-US" dirty="0" smtClean="0"/>
-              <a:t>思う</a:t>
+              <a:t>理解してもらえないと思う</a:t>
             </a:r>
             <a:endParaRPr kumimoji="1" lang="en-US" altLang="ja-JP" dirty="0" smtClean="0"/>
           </a:p>
@@ -1023,11 +1014,7 @@
             </a:pPr>
             <a:r>
               <a:rPr lang="ja-JP" altLang="en-US" dirty="0" smtClean="0"/>
-              <a:t>もう</a:t>
-            </a:r>
-            <a:r>
-              <a:rPr lang="ja-JP" altLang="en-US" dirty="0" smtClean="0"/>
-              <a:t>少し簡潔な表現にした方がいい</a:t>
+              <a:t>もう少し簡潔な表現にした方がいい</a:t>
             </a:r>
             <a:endParaRPr lang="en-US" altLang="ja-JP" dirty="0" smtClean="0"/>
           </a:p>
@@ -1169,22 +1156,14 @@
           <a:p>
             <a:r>
               <a:rPr kumimoji="1" lang="ja-JP" altLang="en-US" dirty="0" smtClean="0"/>
-              <a:t>とりあえず</a:t>
-            </a:r>
+              <a:t>とりあえずは次のスライドで座席表作成の流れを説明するので</a:t>
+            </a:r>
+            <a:endParaRPr kumimoji="1" lang="en-US" altLang="ja-JP" dirty="0" smtClean="0"/>
+          </a:p>
+          <a:p>
             <a:r>
               <a:rPr kumimoji="1" lang="ja-JP" altLang="en-US" dirty="0" smtClean="0"/>
-              <a:t>は次のスライドで座席表作成の流れを説明するので</a:t>
-            </a:r>
-            <a:endParaRPr kumimoji="1" lang="en-US" altLang="ja-JP" dirty="0" smtClean="0"/>
-          </a:p>
-          <a:p>
-            <a:r>
-              <a:rPr kumimoji="1" lang="ja-JP" altLang="en-US" dirty="0" smtClean="0"/>
-              <a:t>ここ</a:t>
-            </a:r>
-            <a:r>
-              <a:rPr kumimoji="1" lang="ja-JP" altLang="en-US" dirty="0" smtClean="0"/>
-              <a:t>でのアニメーションはいらないかな</a:t>
+              <a:t>ここでのアニメーションはいらないかな</a:t>
             </a:r>
             <a:endParaRPr kumimoji="1" lang="en-US" altLang="ja-JP" dirty="0" smtClean="0"/>
           </a:p>
@@ -1211,11 +1190,7 @@
             </a:pPr>
             <a:r>
               <a:rPr kumimoji="1" lang="ja-JP" altLang="en-US" dirty="0" smtClean="0"/>
-              <a:t>あと</a:t>
-            </a:r>
-            <a:r>
-              <a:rPr kumimoji="1" lang="ja-JP" altLang="en-US" dirty="0" smtClean="0"/>
-              <a:t>、“チェックボックスで色、編集する机の選択”は</a:t>
+              <a:t>あと、“チェックボックスで色、編集する机の選択”は</a:t>
             </a:r>
             <a:endParaRPr kumimoji="1" lang="en-US" altLang="ja-JP" dirty="0" smtClean="0"/>
           </a:p>
@@ -1239,22 +1214,14 @@
             </a:pPr>
             <a:r>
               <a:rPr kumimoji="1" lang="ja-JP" altLang="en-US" dirty="0" smtClean="0"/>
-              <a:t>なぜ</a:t>
-            </a:r>
+              <a:t>なぜそういった機能があるのか分かりづらい気がする</a:t>
+            </a:r>
+            <a:endParaRPr kumimoji="1" lang="en-US" altLang="ja-JP" dirty="0" smtClean="0"/>
+          </a:p>
+          <a:p>
             <a:r>
               <a:rPr kumimoji="1" lang="ja-JP" altLang="en-US" dirty="0" smtClean="0"/>
-              <a:t>そういった機能があるのか分かりづらい気がする</a:t>
-            </a:r>
-            <a:endParaRPr kumimoji="1" lang="en-US" altLang="ja-JP" dirty="0" smtClean="0"/>
-          </a:p>
-          <a:p>
-            <a:r>
-              <a:rPr kumimoji="1" lang="ja-JP" altLang="en-US" dirty="0" smtClean="0"/>
-              <a:t>なぜ</a:t>
-            </a:r>
-            <a:r>
-              <a:rPr kumimoji="1" lang="ja-JP" altLang="en-US" dirty="0" smtClean="0"/>
-              <a:t>色分けするのかということなど、口頭でも補足しといたほうがいい</a:t>
+              <a:t>なぜ色分けするのかということなど、口頭でも補足しといたほうがいい</a:t>
             </a:r>
             <a:endParaRPr kumimoji="1" lang="en-US" altLang="ja-JP" dirty="0" smtClean="0"/>
           </a:p>
@@ -1397,11 +1364,7 @@
           <a:p>
             <a:r>
               <a:rPr kumimoji="1" lang="ja-JP" altLang="en-US" dirty="0" smtClean="0"/>
-              <a:t>時間</a:t>
-            </a:r>
-            <a:r>
-              <a:rPr kumimoji="1" lang="ja-JP" altLang="en-US" dirty="0" smtClean="0"/>
-              <a:t>しだいだけど、</a:t>
+              <a:t>時間しだいだけど、</a:t>
             </a:r>
             <a:r>
               <a:rPr kumimoji="1" lang="en-US" altLang="ja-JP" dirty="0" smtClean="0"/>
@@ -1424,11 +1387,7 @@
           <a:p>
             <a:r>
               <a:rPr kumimoji="1" lang="ja-JP" altLang="en-US" dirty="0" smtClean="0"/>
-              <a:t>もう</a:t>
-            </a:r>
-            <a:r>
-              <a:rPr kumimoji="1" lang="ja-JP" altLang="en-US" dirty="0" smtClean="0"/>
-              <a:t>ひとつ動かしてみてもいいかも</a:t>
+              <a:t>もうひとつ動かしてみてもいいかも</a:t>
             </a:r>
             <a:endParaRPr kumimoji="1" lang="en-US" altLang="ja-JP" dirty="0" smtClean="0"/>
           </a:p>
@@ -1580,7 +1539,11 @@
             </a:r>
             <a:r>
               <a:rPr lang="ja-JP" altLang="en-US" dirty="0" smtClean="0"/>
-              <a:t>部屋の大きさですが、一応升目の数は変更可能にしています。</a:t>
+              <a:t>部屋の大きさですが、一応升目の数は変更可能にしています</a:t>
+            </a:r>
+            <a:r>
+              <a:rPr lang="ja-JP" altLang="en-US" dirty="0" smtClean="0"/>
+              <a:t>。</a:t>
             </a:r>
             <a:endParaRPr lang="en-US" altLang="ja-JP" dirty="0" smtClean="0"/>
           </a:p>
@@ -1622,6 +1585,10 @@
               <a:tabLst/>
               <a:defRPr/>
             </a:pPr>
+            <a:r>
+              <a:rPr lang="ja-JP" altLang="en-US" dirty="0" smtClean="0"/>
+              <a:t>部屋の方向などがわからない</a:t>
+            </a:r>
             <a:endParaRPr lang="en-US" altLang="ja-JP" dirty="0" smtClean="0"/>
           </a:p>
           <a:p>
@@ -1682,81 +1649,6 @@
               <a:tabLst/>
               <a:defRPr/>
             </a:pPr>
-            <a:r>
-              <a:rPr lang="ja-JP" altLang="en-US" dirty="0" smtClean="0"/>
-              <a:t>書き方</a:t>
-            </a:r>
-            <a:r>
-              <a:rPr lang="ja-JP" altLang="en-US" dirty="0" smtClean="0"/>
-              <a:t>が悪かったかな</a:t>
-            </a:r>
-            <a:r>
-              <a:rPr lang="en-US" altLang="ja-JP" dirty="0" smtClean="0"/>
-              <a:t>(</a:t>
-            </a:r>
-            <a:r>
-              <a:rPr lang="ja-JP" altLang="en-US" dirty="0" smtClean="0"/>
-              <a:t>汗</a:t>
-            </a:r>
-            <a:r>
-              <a:rPr lang="en-US" altLang="ja-JP" dirty="0" smtClean="0"/>
-              <a:t>)</a:t>
-            </a:r>
-          </a:p>
-          <a:p>
-            <a:pPr marL="0" marR="0" indent="0" algn="l" defTabSz="914400" rtl="0" eaLnBrk="1" fontAlgn="auto" latinLnBrk="0" hangingPunct="1">
-              <a:lnSpc>
-                <a:spcPct val="100000"/>
-              </a:lnSpc>
-              <a:spcBef>
-                <a:spcPts val="0"/>
-              </a:spcBef>
-              <a:spcAft>
-                <a:spcPts val="0"/>
-              </a:spcAft>
-              <a:buClrTx/>
-              <a:buSzTx/>
-              <a:buFontTx/>
-              <a:buNone/>
-              <a:tabLst/>
-              <a:defRPr/>
-            </a:pPr>
-            <a:r>
-              <a:rPr lang="ja-JP" altLang="en-US" dirty="0" smtClean="0"/>
-              <a:t>表現</a:t>
-            </a:r>
-            <a:r>
-              <a:rPr lang="ja-JP" altLang="en-US" dirty="0" smtClean="0"/>
-              <a:t>をもっと簡単にできると書いたのは“マウスで机の移動を直接行えるように”</a:t>
-            </a:r>
-            <a:endParaRPr lang="en-US" altLang="ja-JP" dirty="0" smtClean="0"/>
-          </a:p>
-          <a:p>
-            <a:pPr marL="0" marR="0" indent="0" algn="l" defTabSz="914400" rtl="0" eaLnBrk="1" fontAlgn="auto" latinLnBrk="0" hangingPunct="1">
-              <a:lnSpc>
-                <a:spcPct val="100000"/>
-              </a:lnSpc>
-              <a:spcBef>
-                <a:spcPts val="0"/>
-              </a:spcBef>
-              <a:spcAft>
-                <a:spcPts val="0"/>
-              </a:spcAft>
-              <a:buClrTx/>
-              <a:buSzTx/>
-              <a:buFontTx/>
-              <a:buNone/>
-              <a:tabLst/>
-              <a:defRPr/>
-            </a:pPr>
-            <a:r>
-              <a:rPr lang="ja-JP" altLang="en-US" dirty="0" smtClean="0"/>
-              <a:t>と</a:t>
-            </a:r>
-            <a:r>
-              <a:rPr lang="ja-JP" altLang="en-US" dirty="0" smtClean="0"/>
-              <a:t>書いているのをもっと分かり表現で書けるだろうと思って書きました。</a:t>
-            </a:r>
             <a:endParaRPr lang="en-US" altLang="ja-JP" dirty="0" smtClean="0"/>
           </a:p>
           <a:p>
@@ -1799,13 +1691,20 @@
             </a:pPr>
             <a:r>
               <a:rPr lang="ja-JP" altLang="en-US" dirty="0" smtClean="0"/>
-              <a:t>印刷</a:t>
+              <a:t>書き方が悪かったかな</a:t>
+            </a:r>
+            <a:r>
+              <a:rPr lang="en-US" altLang="ja-JP" dirty="0" smtClean="0"/>
+              <a:t>(</a:t>
             </a:r>
             <a:r>
               <a:rPr lang="ja-JP" altLang="en-US" dirty="0" smtClean="0"/>
-              <a:t>レイアウトについてはデモのときに見せるのかね？？</a:t>
-            </a:r>
-            <a:endParaRPr lang="en-US" altLang="ja-JP" dirty="0" smtClean="0"/>
+              <a:t>汗</a:t>
+            </a:r>
+            <a:r>
+              <a:rPr lang="en-US" altLang="ja-JP" dirty="0" smtClean="0"/>
+              <a:t>)</a:t>
+            </a:r>
           </a:p>
           <a:p>
             <a:pPr marL="0" marR="0" indent="0" algn="l" defTabSz="914400" rtl="0" eaLnBrk="1" fontAlgn="auto" latinLnBrk="0" hangingPunct="1">
@@ -1827,11 +1726,31 @@
             </a:pPr>
             <a:r>
               <a:rPr lang="ja-JP" altLang="en-US" dirty="0" smtClean="0"/>
-              <a:t>もし</a:t>
-            </a:r>
+              <a:t>表現をもっと簡単にできると書いたのは“マウスで机の移動を直接行えるように”</a:t>
+            </a:r>
+            <a:endParaRPr lang="en-US" altLang="ja-JP" dirty="0" smtClean="0"/>
+          </a:p>
+          <a:p>
+            <a:pPr marL="0" marR="0" indent="0" algn="l" defTabSz="914400" rtl="0" eaLnBrk="1" fontAlgn="auto" latinLnBrk="0" hangingPunct="1">
+              <a:lnSpc>
+                <a:spcPct val="100000"/>
+              </a:lnSpc>
+              <a:spcBef>
+                <a:spcPts val="0"/>
+              </a:spcBef>
+              <a:spcAft>
+                <a:spcPts val="0"/>
+              </a:spcAft>
+              <a:buClrTx/>
+              <a:buSzTx/>
+              <a:buFontTx/>
+              <a:buNone/>
+              <a:tabLst/>
+              <a:defRPr/>
+            </a:pPr>
             <a:r>
               <a:rPr lang="ja-JP" altLang="en-US" dirty="0" smtClean="0"/>
-              <a:t>見せないなら一番下はイメージがわきにくい</a:t>
+              <a:t>と書いているのをもっと分かり表現で書けるだろうと思って書きました。</a:t>
             </a:r>
             <a:endParaRPr lang="en-US" altLang="ja-JP" dirty="0" smtClean="0"/>
           </a:p>
@@ -1875,11 +1794,75 @@
             </a:pPr>
             <a:r>
               <a:rPr lang="ja-JP" altLang="en-US" dirty="0" smtClean="0"/>
-              <a:t>あと</a:t>
-            </a:r>
+              <a:t>印刷レイアウトについてはデモのときに見せるのかね？？</a:t>
+            </a:r>
+            <a:endParaRPr lang="en-US" altLang="ja-JP" dirty="0" smtClean="0"/>
+          </a:p>
+          <a:p>
+            <a:pPr marL="0" marR="0" indent="0" algn="l" defTabSz="914400" rtl="0" eaLnBrk="1" fontAlgn="auto" latinLnBrk="0" hangingPunct="1">
+              <a:lnSpc>
+                <a:spcPct val="100000"/>
+              </a:lnSpc>
+              <a:spcBef>
+                <a:spcPts val="0"/>
+              </a:spcBef>
+              <a:spcAft>
+                <a:spcPts val="0"/>
+              </a:spcAft>
+              <a:buClrTx/>
+              <a:buSzTx/>
+              <a:buFontTx/>
+              <a:buNone/>
+              <a:tabLst/>
+              <a:defRPr/>
+            </a:pPr>
             <a:r>
               <a:rPr lang="ja-JP" altLang="en-US" dirty="0" smtClean="0"/>
-              <a:t>今後の課題として、部屋の大きさを変えれるようにするというのも今後の課題としてあってもいいと思う。</a:t>
+              <a:t>もし見せないなら一番下はイメージがわきにくい</a:t>
+            </a:r>
+            <a:endParaRPr lang="en-US" altLang="ja-JP" dirty="0" smtClean="0"/>
+          </a:p>
+          <a:p>
+            <a:pPr marL="0" marR="0" indent="0" algn="l" defTabSz="914400" rtl="0" eaLnBrk="1" fontAlgn="auto" latinLnBrk="0" hangingPunct="1">
+              <a:lnSpc>
+                <a:spcPct val="100000"/>
+              </a:lnSpc>
+              <a:spcBef>
+                <a:spcPts val="0"/>
+              </a:spcBef>
+              <a:spcAft>
+                <a:spcPts val="0"/>
+              </a:spcAft>
+              <a:buClrTx/>
+              <a:buSzTx/>
+              <a:buFontTx/>
+              <a:buNone/>
+              <a:tabLst/>
+              <a:defRPr/>
+            </a:pPr>
+            <a:endParaRPr lang="en-US" altLang="ja-JP" dirty="0" smtClean="0"/>
+          </a:p>
+          <a:p>
+            <a:pPr marL="0" marR="0" indent="0" algn="l" defTabSz="914400" rtl="0" eaLnBrk="1" fontAlgn="auto" latinLnBrk="0" hangingPunct="1">
+              <a:lnSpc>
+                <a:spcPct val="100000"/>
+              </a:lnSpc>
+              <a:spcBef>
+                <a:spcPts val="0"/>
+              </a:spcBef>
+              <a:spcAft>
+                <a:spcPts val="0"/>
+              </a:spcAft>
+              <a:buClrTx/>
+              <a:buSzTx/>
+              <a:buFontTx/>
+              <a:buNone/>
+              <a:tabLst/>
+              <a:defRPr/>
+            </a:pPr>
+            <a:r>
+              <a:rPr lang="ja-JP" altLang="en-US" dirty="0" smtClean="0"/>
+              <a:t>あと今後の課題として、部屋の大きさを変えれるようにするというのも今後の課題としてあってもいいと思う。</a:t>
             </a:r>
             <a:endParaRPr lang="en-US" altLang="ja-JP" dirty="0" smtClean="0"/>
           </a:p>
@@ -6415,7 +6398,7 @@
             </a:r>
             <a:r>
               <a:rPr lang="ja-JP" altLang="en-US" sz="6000" dirty="0" smtClean="0"/>
-              <a:t>ン発表</a:t>
+              <a:t>ンシップ発表</a:t>
             </a:r>
             <a:endParaRPr kumimoji="1" lang="ja-JP" altLang="en-US" sz="6000" dirty="0"/>
           </a:p>
@@ -6454,9 +6437,16 @@
             <a:endParaRPr lang="en-US" altLang="ja-JP" dirty="0" smtClean="0"/>
           </a:p>
           <a:p>
+            <a:endParaRPr lang="en-US" altLang="ja-JP" dirty="0" smtClean="0"/>
+          </a:p>
+          <a:p>
             <a:r>
               <a:rPr lang="ja-JP" altLang="en-US" dirty="0" smtClean="0"/>
-              <a:t>発表者　Ｂ４　菰口　将考</a:t>
+              <a:t>発表者　Ｂ４　菰口　</a:t>
+            </a:r>
+            <a:r>
+              <a:rPr lang="ja-JP" altLang="en-US" dirty="0" smtClean="0"/>
+              <a:t>将考</a:t>
             </a:r>
             <a:endParaRPr lang="en-US" altLang="ja-JP" dirty="0" smtClean="0"/>
           </a:p>
@@ -6471,7 +6461,15 @@
             </a:r>
             <a:r>
               <a:rPr lang="ja-JP" altLang="en-US" dirty="0" smtClean="0"/>
-              <a:t>１　畠中　健志</a:t>
+              <a:t>２　有安　浩</a:t>
+            </a:r>
+            <a:r>
+              <a:rPr lang="ja-JP" altLang="en-US" dirty="0" smtClean="0"/>
+              <a:t>平</a:t>
+            </a:r>
+            <a:r>
+              <a:rPr lang="ja-JP" altLang="en-US" dirty="0" smtClean="0"/>
+              <a:t>　</a:t>
             </a:r>
             <a:endParaRPr lang="en-US" altLang="ja-JP" dirty="0" smtClean="0"/>
           </a:p>
@@ -6482,9 +6480,13 @@
             </a:r>
             <a:r>
               <a:rPr lang="ja-JP" altLang="en-US" dirty="0" smtClean="0"/>
-              <a:t>２　有安　浩平</a:t>
-            </a:r>
-            <a:endParaRPr kumimoji="1" lang="en-US" altLang="ja-JP" dirty="0" smtClean="0"/>
+              <a:t>１　畠中　健</a:t>
+            </a:r>
+            <a:r>
+              <a:rPr lang="ja-JP" altLang="en-US" dirty="0" smtClean="0"/>
+              <a:t>志</a:t>
+            </a:r>
+            <a:endParaRPr lang="en-US" altLang="ja-JP" dirty="0" smtClean="0"/>
           </a:p>
         </p:txBody>
       </p:sp>
@@ -6567,24 +6569,29 @@
           <a:p>
             <a:r>
               <a:rPr kumimoji="1" lang="ja-JP" altLang="en-US" dirty="0" smtClean="0"/>
-              <a:t>座席表を席を変える度に作るのは</a:t>
+              <a:t>席</a:t>
             </a:r>
             <a:r>
               <a:rPr kumimoji="1" lang="ja-JP" altLang="en-US" dirty="0" smtClean="0"/>
-              <a:t>面倒</a:t>
+              <a:t>を変える度</a:t>
+            </a:r>
+            <a:r>
+              <a:rPr kumimoji="1" lang="ja-JP" altLang="en-US" dirty="0" smtClean="0"/>
+              <a:t>に座席表を作る</a:t>
+            </a:r>
+            <a:r>
+              <a:rPr kumimoji="1" lang="ja-JP" altLang="en-US" dirty="0" smtClean="0"/>
+              <a:t>のは面倒</a:t>
             </a:r>
             <a:endParaRPr kumimoji="1" lang="en-US" altLang="ja-JP" dirty="0" smtClean="0"/>
           </a:p>
           <a:p>
-            <a:pPr>
-              <a:buNone/>
-            </a:pPr>
             <a:endParaRPr lang="en-US" altLang="ja-JP" dirty="0" smtClean="0"/>
           </a:p>
           <a:p>
             <a:r>
               <a:rPr lang="ja-JP" altLang="en-US" dirty="0" smtClean="0"/>
-              <a:t>誰にでも作れるプログラムが必要</a:t>
+              <a:t>人それぞれの方法で作っているので再利用しにくい</a:t>
             </a:r>
             <a:endParaRPr lang="en-US" altLang="ja-JP" dirty="0" smtClean="0"/>
           </a:p>
@@ -6637,6 +6644,30 @@
           <a:chExt cx="0" cy="0"/>
         </a:xfrm>
       </p:grpSpPr>
+      <p:pic>
+        <p:nvPicPr>
+          <p:cNvPr id="4" name="図 3" descr="excell.bmp"/>
+          <p:cNvPicPr>
+            <a:picLocks noChangeAspect="1"/>
+          </p:cNvPicPr>
+          <p:nvPr/>
+        </p:nvPicPr>
+        <p:blipFill>
+          <a:blip r:embed="rId3" cstate="print"/>
+          <a:stretch>
+            <a:fillRect/>
+          </a:stretch>
+        </p:blipFill>
+        <p:spPr>
+          <a:xfrm>
+            <a:off x="1142976" y="1787030"/>
+            <a:ext cx="7121365" cy="5070970"/>
+          </a:xfrm>
+          <a:prstGeom prst="rect">
+            <a:avLst/>
+          </a:prstGeom>
+        </p:spPr>
+      </p:pic>
       <p:sp>
         <p:nvSpPr>
           <p:cNvPr id="2" name="タイトル 1"/>
@@ -6654,64 +6685,16 @@
           <a:p>
             <a:pPr algn="ctr"/>
             <a:r>
+              <a:rPr lang="ja-JP" altLang="en-US" dirty="0" smtClean="0"/>
+              <a:t>今年</a:t>
+            </a:r>
+            <a:r>
               <a:rPr kumimoji="1" lang="ja-JP" altLang="en-US" dirty="0" smtClean="0"/>
-              <a:t>現在の座席表の作り方</a:t>
-            </a:r>
-            <a:endParaRPr kumimoji="1" lang="ja-JP" altLang="en-US" dirty="0"/>
-          </a:p>
-        </p:txBody>
-      </p:sp>
-      <p:sp>
-        <p:nvSpPr>
-          <p:cNvPr id="3" name="コンテンツ プレースホルダ 2"/>
-          <p:cNvSpPr>
-            <a:spLocks noGrp="1"/>
-          </p:cNvSpPr>
-          <p:nvPr>
-            <p:ph idx="1"/>
-          </p:nvPr>
-        </p:nvSpPr>
-        <p:spPr>
-          <a:xfrm>
-            <a:off x="500034" y="2214554"/>
-            <a:ext cx="8229600" cy="4389120"/>
-          </a:xfrm>
-        </p:spPr>
-        <p:txBody>
-          <a:bodyPr/>
-          <a:lstStyle/>
-          <a:p>
-            <a:r>
-              <a:rPr lang="en-US" altLang="ja-JP" dirty="0" smtClean="0"/>
-              <a:t>Excel</a:t>
+              <a:t>の</a:t>
             </a:r>
             <a:r>
               <a:rPr kumimoji="1" lang="ja-JP" altLang="en-US" dirty="0" smtClean="0"/>
-              <a:t>を使用</a:t>
-            </a:r>
-            <a:endParaRPr kumimoji="1" lang="en-US" altLang="ja-JP" dirty="0" smtClean="0"/>
-          </a:p>
-          <a:p>
-            <a:endParaRPr lang="en-US" altLang="ja-JP" dirty="0" smtClean="0"/>
-          </a:p>
-          <a:p>
-            <a:r>
-              <a:rPr lang="ja-JP" altLang="en-US" dirty="0" smtClean="0"/>
-              <a:t>机の位置の変更が不便</a:t>
-            </a:r>
-            <a:endParaRPr lang="en-US" altLang="ja-JP" dirty="0" smtClean="0"/>
-          </a:p>
-          <a:p>
-            <a:endParaRPr kumimoji="1" lang="en-US" altLang="ja-JP" dirty="0" smtClean="0"/>
-          </a:p>
-          <a:p>
-            <a:r>
-              <a:rPr lang="en-US" altLang="ja-JP" dirty="0" smtClean="0"/>
-              <a:t>Excel</a:t>
-            </a:r>
-            <a:r>
-              <a:rPr lang="ja-JP" altLang="en-US" dirty="0" smtClean="0"/>
-              <a:t>が使えないと作るのが難しい</a:t>
+              <a:t>座席表の作り方</a:t>
             </a:r>
             <a:endParaRPr kumimoji="1" lang="ja-JP" altLang="en-US" dirty="0"/>
           </a:p>
@@ -6813,11 +6796,15 @@
           <a:p>
             <a:r>
               <a:rPr lang="ja-JP" altLang="en-US" dirty="0" smtClean="0"/>
-              <a:t>生徒名が机に表示</a:t>
+              <a:t>学生</a:t>
             </a:r>
             <a:r>
               <a:rPr lang="ja-JP" altLang="en-US" dirty="0" smtClean="0"/>
-              <a:t>される</a:t>
+              <a:t>名</a:t>
+            </a:r>
+            <a:r>
+              <a:rPr lang="ja-JP" altLang="en-US" dirty="0" smtClean="0"/>
+              <a:t>が机に表示される</a:t>
             </a:r>
             <a:endParaRPr lang="en-US" altLang="ja-JP" dirty="0" smtClean="0"/>
           </a:p>
@@ -6909,12 +6896,13 @@
           <a:bodyPr/>
           <a:lstStyle/>
           <a:p>
-            <a:endParaRPr kumimoji="1" lang="en-US" altLang="ja-JP" dirty="0" smtClean="0"/>
-          </a:p>
-          <a:p>
             <a:r>
               <a:rPr kumimoji="1" lang="ja-JP" altLang="en-US" dirty="0" smtClean="0"/>
-              <a:t>机の作成、削除、移動、向き変更、名前の入力</a:t>
+              <a:t>机</a:t>
+            </a:r>
+            <a:r>
+              <a:rPr kumimoji="1" lang="ja-JP" altLang="en-US" dirty="0" smtClean="0"/>
+              <a:t>の作成、削除、移動、向き変更、名前の入力</a:t>
             </a:r>
             <a:endParaRPr kumimoji="1" lang="en-US" altLang="ja-JP" dirty="0" smtClean="0"/>
           </a:p>
@@ -6926,18 +6914,22 @@
           </a:p>
           <a:p>
             <a:r>
+              <a:rPr lang="ja-JP" altLang="en-US" dirty="0" smtClean="0"/>
+              <a:t>色の変更</a:t>
+            </a:r>
+            <a:endParaRPr kumimoji="1" lang="en-US" altLang="ja-JP" dirty="0" smtClean="0"/>
+          </a:p>
+          <a:p>
+            <a:endParaRPr lang="en-US" altLang="ja-JP" dirty="0" smtClean="0"/>
+          </a:p>
+          <a:p>
+            <a:r>
               <a:rPr kumimoji="1" lang="ja-JP" altLang="en-US" dirty="0" smtClean="0"/>
-              <a:t>チェックボックスで色、編集する机の選択</a:t>
-            </a:r>
-            <a:endParaRPr kumimoji="1" lang="en-US" altLang="ja-JP" dirty="0" smtClean="0"/>
-          </a:p>
-          <a:p>
-            <a:endParaRPr lang="en-US" altLang="ja-JP" dirty="0" smtClean="0"/>
-          </a:p>
-          <a:p>
+              <a:t>データのインポート</a:t>
+            </a:r>
             <a:r>
               <a:rPr kumimoji="1" lang="ja-JP" altLang="en-US" dirty="0" smtClean="0"/>
-              <a:t>机の位置・状態のインポート・エクスポート</a:t>
+              <a:t>・エクスポート</a:t>
             </a:r>
             <a:endParaRPr kumimoji="1" lang="en-US" altLang="ja-JP" dirty="0" smtClean="0"/>
           </a:p>
@@ -6950,8 +6942,27 @@
           <a:p>
             <a:r>
               <a:rPr lang="ja-JP" altLang="en-US" dirty="0" smtClean="0"/>
-              <a:t>印刷機能</a:t>
-            </a:r>
+              <a:t>印刷</a:t>
+            </a:r>
+            <a:r>
+              <a:rPr lang="ja-JP" altLang="en-US" dirty="0" smtClean="0"/>
+              <a:t>機能</a:t>
+            </a:r>
+            <a:r>
+              <a:rPr lang="en-US" altLang="ja-JP" dirty="0" smtClean="0"/>
+              <a:t/>
+            </a:r>
+            <a:br>
+              <a:rPr lang="en-US" altLang="ja-JP" dirty="0" smtClean="0"/>
+            </a:br>
+            <a:endParaRPr lang="en-US" altLang="ja-JP" dirty="0" smtClean="0"/>
+          </a:p>
+          <a:p>
+            <a:r>
+              <a:rPr lang="ja-JP" altLang="en-US" dirty="0" smtClean="0"/>
+              <a:t>警告機能</a:t>
+            </a:r>
+            <a:endParaRPr lang="ja-JP" altLang="en-US" dirty="0" smtClean="0"/>
           </a:p>
         </p:txBody>
       </p:sp>
@@ -6971,7 +6982,7 @@
 </file>
 
 <file path=ppt/slides/slide6.xml><?xml version="1.0" encoding="utf-8"?>
-<p:sld xmlns:a="http://schemas.openxmlformats.org/drawingml/2006/main" xmlns:r="http://schemas.openxmlformats.org/officeDocument/2006/relationships" xmlns:p="http://schemas.openxmlformats.org/presentationml/2006/main">
+<p:sld xmlns:a="http://schemas.openxmlformats.org/drawingml/2006/main" xmlns:r="http://schemas.openxmlformats.org/officeDocument/2006/relationships" xmlns:p="http://schemas.openxmlformats.org/presentationml/2006/main" show="0">
   <p:cSld>
     <p:spTree>
       <p:nvGrpSpPr>
@@ -7298,6 +7309,7 @@
   <p:clrMapOvr>
     <a:masterClrMapping/>
   </p:clrMapOvr>
+  <p:transition/>
   <p:timing>
     <p:tnLst>
       <p:par>
@@ -8480,26 +8492,31 @@
         <p:spPr/>
         <p:txBody>
           <a:bodyPr>
-            <a:normAutofit lnSpcReduction="10000"/>
+            <a:normAutofit/>
           </a:bodyPr>
           <a:lstStyle/>
           <a:p>
+            <a:r>
+              <a:rPr lang="ja-JP" altLang="en-US" dirty="0" smtClean="0"/>
+              <a:t>マウス</a:t>
+            </a:r>
+            <a:r>
+              <a:rPr lang="ja-JP" altLang="en-US" dirty="0" smtClean="0"/>
+              <a:t>での机の移動</a:t>
+            </a:r>
             <a:endParaRPr lang="en-US" altLang="ja-JP" dirty="0" smtClean="0"/>
           </a:p>
           <a:p>
-            <a:r>
-              <a:rPr lang="ja-JP" altLang="en-US" dirty="0" smtClean="0"/>
-              <a:t>マウスでの机の移動</a:t>
-            </a:r>
-            <a:endParaRPr lang="en-US" altLang="ja-JP" dirty="0" smtClean="0"/>
-          </a:p>
-          <a:p>
             <a:endParaRPr lang="en-US" altLang="ja-JP" sz="2400" dirty="0" smtClean="0"/>
           </a:p>
           <a:p>
             <a:r>
               <a:rPr lang="ja-JP" altLang="en-US" sz="2400" dirty="0" smtClean="0"/>
-              <a:t>警告や報告が同時に表示されない</a:t>
+              <a:t>警告や報告が同時に表示</a:t>
+            </a:r>
+            <a:r>
+              <a:rPr lang="ja-JP" altLang="en-US" sz="2400" dirty="0" smtClean="0"/>
+              <a:t>させる</a:t>
             </a:r>
             <a:endParaRPr lang="en-US" altLang="ja-JP" sz="2400" dirty="0" smtClean="0"/>
           </a:p>
@@ -8509,31 +8526,11 @@
             </a:pPr>
             <a:r>
               <a:rPr lang="ja-JP" altLang="en-US" sz="2000" dirty="0" smtClean="0"/>
-              <a:t>　　机が重なっている状態で、画面外に移動させようとしたときなど</a:t>
-            </a:r>
-            <a:endParaRPr lang="en-US" altLang="ja-JP" sz="2000" dirty="0" smtClean="0"/>
-          </a:p>
-          <a:p>
-            <a:endParaRPr kumimoji="1" lang="en-US" altLang="ja-JP" sz="2000" dirty="0" smtClean="0"/>
-          </a:p>
-          <a:p>
-            <a:r>
-              <a:rPr kumimoji="1" lang="ja-JP" altLang="en-US" dirty="0" smtClean="0"/>
-              <a:t>オブジェクトサイズの</a:t>
-            </a:r>
-            <a:r>
-              <a:rPr kumimoji="1" lang="ja-JP" altLang="en-US" dirty="0" smtClean="0"/>
-              <a:t>変更</a:t>
-            </a:r>
-            <a:endParaRPr kumimoji="1" lang="en-US" altLang="ja-JP" dirty="0" smtClean="0"/>
-          </a:p>
-          <a:p>
-            <a:pPr>
-              <a:buNone/>
-            </a:pPr>
+              <a:t>　　机が重なっている状態で、画面外に移動させようとしたとき</a:t>
+            </a:r>
             <a:r>
               <a:rPr lang="ja-JP" altLang="en-US" sz="2000" dirty="0" smtClean="0"/>
-              <a:t>　　机以外のオブジェクトも作ることができる</a:t>
+              <a:t>など</a:t>
             </a:r>
             <a:endParaRPr lang="en-US" altLang="ja-JP" sz="2000" dirty="0" smtClean="0"/>
           </a:p>
@@ -8546,7 +8543,11 @@
           <a:p>
             <a:r>
               <a:rPr lang="ja-JP" altLang="en-US" dirty="0" smtClean="0"/>
-              <a:t>印刷のレイアウトを見栄え良く</a:t>
+              <a:t>机以外</a:t>
+            </a:r>
+            <a:r>
+              <a:rPr lang="ja-JP" altLang="en-US" dirty="0" smtClean="0"/>
+              <a:t>の作成・情報の表示</a:t>
             </a:r>
             <a:endParaRPr lang="en-US" altLang="ja-JP" dirty="0" smtClean="0"/>
           </a:p>
@@ -8556,7 +8557,7 @@
             </a:pPr>
             <a:r>
               <a:rPr lang="ja-JP" altLang="en-US" sz="2000" dirty="0" smtClean="0"/>
-              <a:t>　　現在の印刷だと少し偏っていて見づらい</a:t>
+              <a:t>　　今のままだと部屋の向きなどが分かりにくい</a:t>
             </a:r>
             <a:endParaRPr lang="en-US" altLang="ja-JP" sz="2000" dirty="0" smtClean="0"/>
           </a:p>

--- a/インターン発表.pptx
+++ b/インターン発表.pptx
@@ -201,7 +201,7 @@
             <a:fld id="{59759C72-676A-467E-87A3-D4A28584276A}" type="datetimeFigureOut">
               <a:rPr kumimoji="1" lang="ja-JP" altLang="en-US" smtClean="0"/>
               <a:pPr/>
-              <a:t>2009/6/24</a:t>
+              <a:t>2009/6/25</a:t>
             </a:fld>
             <a:endParaRPr kumimoji="1" lang="ja-JP" altLang="en-US"/>
           </a:p>
@@ -551,7 +551,7 @@
             </a:r>
             <a:r>
               <a:rPr kumimoji="1" lang="ja-JP" altLang="en-US" dirty="0" smtClean="0"/>
-              <a:t>背景と現在の座席表の作り方を合併しようとおもうのですが、どうでしょう？</a:t>
+              <a:t>いきなり今年の座席表の作り方のスライドが出てきてもよく分からないと思う</a:t>
             </a:r>
             <a:endParaRPr kumimoji="1" lang="en-US" altLang="ja-JP" dirty="0" smtClean="0"/>
           </a:p>
@@ -562,7 +562,43 @@
             </a:r>
             <a:r>
               <a:rPr kumimoji="1" lang="ja-JP" altLang="en-US" dirty="0" smtClean="0"/>
-              <a:t>背景については、ある程度口頭で説明します。</a:t>
+              <a:t>このまま残しておいたほうが説明しやすいと思います。</a:t>
+            </a:r>
+            <a:endParaRPr kumimoji="1" lang="en-US" altLang="ja-JP" dirty="0" smtClean="0"/>
+          </a:p>
+          <a:p>
+            <a:r>
+              <a:rPr kumimoji="1" lang="en-US" altLang="ja-JP" dirty="0" smtClean="0"/>
+              <a:t>&gt;</a:t>
+            </a:r>
+            <a:r>
+              <a:rPr kumimoji="1" lang="ja-JP" altLang="en-US" dirty="0" smtClean="0"/>
+              <a:t>背景については口頭で説明するとのことなら頑張って説明してください</a:t>
+            </a:r>
+            <a:endParaRPr kumimoji="1" lang="en-US" altLang="ja-JP" dirty="0" smtClean="0"/>
+          </a:p>
+          <a:p>
+            <a:endParaRPr kumimoji="1" lang="en-US" altLang="ja-JP" dirty="0" smtClean="0"/>
+          </a:p>
+          <a:p>
+            <a:r>
+              <a:rPr kumimoji="1" lang="ja-JP" altLang="en-US" dirty="0" smtClean="0"/>
+              <a:t>背景</a:t>
+            </a:r>
+            <a:r>
+              <a:rPr kumimoji="1" lang="ja-JP" altLang="en-US" dirty="0" smtClean="0"/>
+              <a:t>と現在の座席表の作り方を合併しようとおもうのですが、どうでしょう？</a:t>
+            </a:r>
+            <a:endParaRPr kumimoji="1" lang="en-US" altLang="ja-JP" dirty="0" smtClean="0"/>
+          </a:p>
+          <a:p>
+            <a:r>
+              <a:rPr kumimoji="1" lang="ja-JP" altLang="en-US" dirty="0" smtClean="0"/>
+              <a:t>背景</a:t>
+            </a:r>
+            <a:r>
+              <a:rPr kumimoji="1" lang="ja-JP" altLang="en-US" dirty="0" smtClean="0"/>
+              <a:t>については、ある程度口頭で説明します。</a:t>
             </a:r>
             <a:endParaRPr kumimoji="1" lang="en-US" altLang="ja-JP" dirty="0" smtClean="0"/>
           </a:p>
@@ -683,7 +719,74 @@
           <a:p>
             <a:r>
               <a:rPr kumimoji="1" lang="en-US" altLang="ja-JP" dirty="0" smtClean="0"/>
-              <a:t>&gt;Excel</a:t>
+              <a:t>&gt;</a:t>
+            </a:r>
+            <a:r>
+              <a:rPr kumimoji="1" lang="ja-JP" altLang="en-US" dirty="0" smtClean="0"/>
+              <a:t>確か今年の座席表を作ったのは濱野君だったと思う</a:t>
+            </a:r>
+            <a:endParaRPr kumimoji="1" lang="en-US" altLang="ja-JP" dirty="0" smtClean="0"/>
+          </a:p>
+          <a:p>
+            <a:r>
+              <a:rPr kumimoji="1" lang="en-US" altLang="ja-JP" dirty="0" smtClean="0"/>
+              <a:t>&gt;</a:t>
+            </a:r>
+            <a:r>
+              <a:rPr kumimoji="1" lang="en-US" altLang="ja-JP" dirty="0" err="1" smtClean="0"/>
+              <a:t>dblab</a:t>
+            </a:r>
+            <a:r>
+              <a:rPr kumimoji="1" lang="en-US" altLang="ja-JP" dirty="0" smtClean="0"/>
+              <a:t>-share</a:t>
+            </a:r>
+            <a:r>
+              <a:rPr kumimoji="1" lang="ja-JP" altLang="en-US" dirty="0" err="1" smtClean="0"/>
+              <a:t>の濱</a:t>
+            </a:r>
+            <a:r>
+              <a:rPr kumimoji="1" lang="ja-JP" altLang="en-US" dirty="0" smtClean="0"/>
+              <a:t>野君のフォルダの中に</a:t>
+            </a:r>
+            <a:r>
+              <a:rPr kumimoji="1" lang="en-US" altLang="ja-JP" dirty="0" smtClean="0"/>
+              <a:t>Excel</a:t>
+            </a:r>
+            <a:r>
+              <a:rPr kumimoji="1" lang="ja-JP" altLang="en-US" dirty="0" smtClean="0"/>
+              <a:t>を作って使った座席表があると言ってた気がする</a:t>
+            </a:r>
+            <a:endParaRPr kumimoji="1" lang="en-US" altLang="ja-JP" dirty="0" smtClean="0"/>
+          </a:p>
+          <a:p>
+            <a:r>
+              <a:rPr kumimoji="1" lang="en-US" altLang="ja-JP" dirty="0" smtClean="0"/>
+              <a:t>&gt;</a:t>
+            </a:r>
+            <a:r>
+              <a:rPr kumimoji="1" lang="ja-JP" altLang="en-US" dirty="0" smtClean="0"/>
+              <a:t>探してみてください。</a:t>
+            </a:r>
+            <a:endParaRPr kumimoji="1" lang="en-US" altLang="ja-JP" dirty="0" smtClean="0"/>
+          </a:p>
+          <a:p>
+            <a:r>
+              <a:rPr kumimoji="1" lang="en-US" altLang="ja-JP" dirty="0" smtClean="0"/>
+              <a:t>&gt;</a:t>
+            </a:r>
+            <a:r>
+              <a:rPr kumimoji="1" lang="ja-JP" altLang="en-US" dirty="0" smtClean="0"/>
+              <a:t>ここも口頭の説明を少しした方が分かりやすいでしょう</a:t>
+            </a:r>
+            <a:endParaRPr kumimoji="1" lang="en-US" altLang="ja-JP" dirty="0" smtClean="0"/>
+          </a:p>
+          <a:p>
+            <a:endParaRPr kumimoji="1" lang="en-US" altLang="ja-JP" dirty="0" smtClean="0"/>
+          </a:p>
+          <a:p>
+            <a:r>
+              <a:rPr kumimoji="1" lang="en-US" altLang="ja-JP" dirty="0" smtClean="0"/>
+              <a:t>Excel</a:t>
             </a:r>
             <a:r>
               <a:rPr kumimoji="1" lang="ja-JP" altLang="en-US" dirty="0" smtClean="0"/>
@@ -693,16 +796,12 @@
           </a:p>
           <a:p>
             <a:r>
-              <a:rPr kumimoji="1" lang="en-US" altLang="ja-JP" dirty="0" smtClean="0"/>
-              <a:t>&gt;</a:t>
-            </a:r>
-            <a:r>
               <a:rPr kumimoji="1" lang="ja-JP" altLang="en-US" dirty="0" smtClean="0"/>
-              <a:t>それをいただいて、張ろうと思います</a:t>
+              <a:t>それ</a:t>
             </a:r>
             <a:r>
               <a:rPr kumimoji="1" lang="ja-JP" altLang="en-US" dirty="0" smtClean="0"/>
-              <a:t>。</a:t>
+              <a:t>をいただいて、張ろうと思います。</a:t>
             </a:r>
             <a:endParaRPr kumimoji="1" lang="en-US" altLang="ja-JP" dirty="0" smtClean="0"/>
           </a:p>
@@ -718,7 +817,6 @@
               <a:rPr kumimoji="1" lang="en-US" altLang="ja-JP" dirty="0" smtClean="0"/>
               <a:t>Ex</a:t>
             </a:r>
-            <a:endParaRPr kumimoji="1" lang="en-US" altLang="ja-JP" dirty="0" smtClean="0"/>
           </a:p>
           <a:p>
             <a:endParaRPr kumimoji="1" lang="en-US" altLang="ja-JP" dirty="0" smtClean="0"/>
@@ -942,7 +1040,55 @@
             </a:r>
             <a:r>
               <a:rPr kumimoji="1" lang="ja-JP" altLang="en-US" dirty="0" smtClean="0"/>
-              <a:t>簡単にしてみました。</a:t>
+              <a:t>だいぶ分かりやすくなったように思います。</a:t>
+            </a:r>
+            <a:endParaRPr kumimoji="1" lang="en-US" altLang="ja-JP" dirty="0" smtClean="0"/>
+          </a:p>
+          <a:p>
+            <a:pPr marL="0" marR="0" indent="0" algn="l" defTabSz="914400" rtl="0" eaLnBrk="1" fontAlgn="auto" latinLnBrk="0" hangingPunct="1">
+              <a:lnSpc>
+                <a:spcPct val="100000"/>
+              </a:lnSpc>
+              <a:spcBef>
+                <a:spcPts val="0"/>
+              </a:spcBef>
+              <a:spcAft>
+                <a:spcPts val="0"/>
+              </a:spcAft>
+              <a:buClrTx/>
+              <a:buSzTx/>
+              <a:buFontTx/>
+              <a:buNone/>
+              <a:tabLst/>
+              <a:defRPr/>
+            </a:pPr>
+            <a:endParaRPr kumimoji="1" lang="en-US" altLang="ja-JP" dirty="0" smtClean="0"/>
+          </a:p>
+          <a:p>
+            <a:pPr marL="0" marR="0" indent="0" algn="l" defTabSz="914400" rtl="0" eaLnBrk="1" fontAlgn="auto" latinLnBrk="0" hangingPunct="1">
+              <a:lnSpc>
+                <a:spcPct val="100000"/>
+              </a:lnSpc>
+              <a:spcBef>
+                <a:spcPts val="0"/>
+              </a:spcBef>
+              <a:spcAft>
+                <a:spcPts val="0"/>
+              </a:spcAft>
+              <a:buClrTx/>
+              <a:buSzTx/>
+              <a:buFontTx/>
+              <a:buNone/>
+              <a:tabLst/>
+              <a:defRPr/>
+            </a:pPr>
+            <a:r>
+              <a:rPr kumimoji="1" lang="ja-JP" altLang="en-US" dirty="0" smtClean="0"/>
+              <a:t>簡単</a:t>
+            </a:r>
+            <a:r>
+              <a:rPr kumimoji="1" lang="ja-JP" altLang="en-US" dirty="0" smtClean="0"/>
+              <a:t>にしてみました。</a:t>
             </a:r>
             <a:endParaRPr kumimoji="1" lang="en-US" altLang="ja-JP" dirty="0" smtClean="0"/>
           </a:p>
@@ -1143,7 +1289,65 @@
             </a:r>
             <a:r>
               <a:rPr kumimoji="1" lang="ja-JP" altLang="en-US" dirty="0" smtClean="0"/>
-              <a:t>チェックボックスで色、編集する机の選択の部分は口頭で説明しようと思います。</a:t>
+              <a:t>“データのインポート・エクスポート”と書いているのですが</a:t>
+            </a:r>
+            <a:endParaRPr kumimoji="1" lang="en-US" altLang="ja-JP" dirty="0" smtClean="0"/>
+          </a:p>
+          <a:p>
+            <a:r>
+              <a:rPr kumimoji="1" lang="en-US" altLang="ja-JP" dirty="0" smtClean="0"/>
+              <a:t>&gt;</a:t>
+            </a:r>
+            <a:r>
+              <a:rPr kumimoji="1" lang="ja-JP" altLang="en-US" dirty="0" smtClean="0"/>
+              <a:t>現在の仕様はインポート・エクスポートではない気がします。</a:t>
+            </a:r>
+            <a:endParaRPr kumimoji="1" lang="en-US" altLang="ja-JP" dirty="0" smtClean="0"/>
+          </a:p>
+          <a:p>
+            <a:r>
+              <a:rPr kumimoji="1" lang="en-US" altLang="ja-JP" dirty="0" smtClean="0"/>
+              <a:t>&gt;</a:t>
+            </a:r>
+            <a:r>
+              <a:rPr kumimoji="1" lang="ja-JP" altLang="en-US" dirty="0" smtClean="0"/>
+              <a:t>簡単に言うとインポートは他のアプリのデータをこのプログラムで使うこと</a:t>
+            </a:r>
+            <a:endParaRPr kumimoji="1" lang="en-US" altLang="ja-JP" dirty="0" smtClean="0"/>
+          </a:p>
+          <a:p>
+            <a:r>
+              <a:rPr kumimoji="1" lang="en-US" altLang="ja-JP" dirty="0" smtClean="0"/>
+              <a:t>&gt;</a:t>
+            </a:r>
+            <a:r>
+              <a:rPr kumimoji="1" lang="ja-JP" altLang="en-US" dirty="0" smtClean="0"/>
+              <a:t>エクスポートは他のアプリで読み込める形式で保存することを言います。</a:t>
+            </a:r>
+            <a:endParaRPr kumimoji="1" lang="en-US" altLang="ja-JP" dirty="0" smtClean="0"/>
+          </a:p>
+          <a:p>
+            <a:r>
+              <a:rPr kumimoji="1" lang="en-US" altLang="ja-JP" dirty="0" smtClean="0"/>
+              <a:t>&gt;</a:t>
+            </a:r>
+            <a:r>
+              <a:rPr kumimoji="1" lang="ja-JP" altLang="en-US" dirty="0" smtClean="0"/>
+              <a:t>データの保存・読み出しあたりが無難なとこでしょう</a:t>
+            </a:r>
+            <a:endParaRPr kumimoji="1" lang="en-US" altLang="ja-JP" dirty="0" smtClean="0"/>
+          </a:p>
+          <a:p>
+            <a:endParaRPr kumimoji="1" lang="en-US" altLang="ja-JP" dirty="0" smtClean="0"/>
+          </a:p>
+          <a:p>
+            <a:r>
+              <a:rPr kumimoji="1" lang="ja-JP" altLang="en-US" dirty="0" smtClean="0"/>
+              <a:t>チェックボックス</a:t>
+            </a:r>
+            <a:r>
+              <a:rPr kumimoji="1" lang="ja-JP" altLang="en-US" dirty="0" smtClean="0"/>
+              <a:t>で色、編集する机の選択の部分は口頭で説明しようと思います。</a:t>
             </a:r>
             <a:endParaRPr kumimoji="1" lang="en-US" altLang="ja-JP" dirty="0" smtClean="0"/>
           </a:p>
@@ -1354,7 +1558,32 @@
             </a:r>
             <a:r>
               <a:rPr kumimoji="1" lang="ja-JP" altLang="en-US" dirty="0" smtClean="0"/>
-              <a:t>佐藤次郎さんを付け加えてみました。</a:t>
+              <a:t>だいぶ良くなったと思います</a:t>
+            </a:r>
+            <a:endParaRPr kumimoji="1" lang="en-US" altLang="ja-JP" dirty="0" smtClean="0"/>
+          </a:p>
+          <a:p>
+            <a:r>
+              <a:rPr kumimoji="1" lang="en-US" altLang="ja-JP" dirty="0" smtClean="0"/>
+              <a:t>&gt;</a:t>
+            </a:r>
+            <a:r>
+              <a:rPr kumimoji="1" lang="ja-JP" altLang="en-US" dirty="0" smtClean="0"/>
+              <a:t>あと、非表示スライドになってるのでそれは外しましょう</a:t>
+            </a:r>
+            <a:endParaRPr kumimoji="1" lang="en-US" altLang="ja-JP" dirty="0" smtClean="0"/>
+          </a:p>
+          <a:p>
+            <a:endParaRPr kumimoji="1" lang="en-US" altLang="ja-JP" dirty="0" smtClean="0"/>
+          </a:p>
+          <a:p>
+            <a:r>
+              <a:rPr kumimoji="1" lang="ja-JP" altLang="en-US" dirty="0" smtClean="0"/>
+              <a:t>佐藤</a:t>
+            </a:r>
+            <a:r>
+              <a:rPr kumimoji="1" lang="ja-JP" altLang="en-US" dirty="0" smtClean="0"/>
+              <a:t>次郎さんを付け加えてみました。</a:t>
             </a:r>
             <a:endParaRPr kumimoji="1" lang="en-US" altLang="ja-JP" dirty="0" smtClean="0"/>
           </a:p>
@@ -1511,7 +1740,7 @@
             </a:r>
             <a:r>
               <a:rPr lang="ja-JP" altLang="en-US" dirty="0" smtClean="0"/>
-              <a:t>今後の課題と問題点を一緒にしました。印刷後真っ黒になる問題点は口頭で言おうと思います。</a:t>
+              <a:t>プログラムについてですが、僕の環境で印刷を実行してみたら</a:t>
             </a:r>
             <a:endParaRPr lang="en-US" altLang="ja-JP" dirty="0" smtClean="0"/>
           </a:p>
@@ -1539,11 +1768,131 @@
             </a:r>
             <a:r>
               <a:rPr lang="ja-JP" altLang="en-US" dirty="0" smtClean="0"/>
-              <a:t>部屋の大きさですが、一応升目の数は変更可能にしています</a:t>
+              <a:t>机とチェックボックス以外のものが消えて操作不能になりました。</a:t>
+            </a:r>
+            <a:endParaRPr lang="en-US" altLang="ja-JP" dirty="0" smtClean="0"/>
+          </a:p>
+          <a:p>
+            <a:pPr marL="0" marR="0" indent="0" algn="l" defTabSz="914400" rtl="0" eaLnBrk="1" fontAlgn="auto" latinLnBrk="0" hangingPunct="1">
+              <a:lnSpc>
+                <a:spcPct val="100000"/>
+              </a:lnSpc>
+              <a:spcBef>
+                <a:spcPts val="0"/>
+              </a:spcBef>
+              <a:spcAft>
+                <a:spcPts val="0"/>
+              </a:spcAft>
+              <a:buClrTx/>
+              <a:buSzTx/>
+              <a:buFontTx/>
+              <a:buNone/>
+              <a:tabLst/>
+              <a:defRPr/>
+            </a:pPr>
+            <a:r>
+              <a:rPr lang="en-US" altLang="ja-JP" dirty="0" smtClean="0"/>
+              <a:t>&gt;</a:t>
             </a:r>
             <a:r>
               <a:rPr lang="ja-JP" altLang="en-US" dirty="0" smtClean="0"/>
-              <a:t>。</a:t>
+              <a:t>環境によって動作内容がちょっと違うのかもしれないです。</a:t>
+            </a:r>
+            <a:endParaRPr lang="en-US" altLang="ja-JP" dirty="0" smtClean="0"/>
+          </a:p>
+          <a:p>
+            <a:pPr marL="0" marR="0" indent="0" algn="l" defTabSz="914400" rtl="0" eaLnBrk="1" fontAlgn="auto" latinLnBrk="0" hangingPunct="1">
+              <a:lnSpc>
+                <a:spcPct val="100000"/>
+              </a:lnSpc>
+              <a:spcBef>
+                <a:spcPts val="0"/>
+              </a:spcBef>
+              <a:spcAft>
+                <a:spcPts val="0"/>
+              </a:spcAft>
+              <a:buClrTx/>
+              <a:buSzTx/>
+              <a:buFontTx/>
+              <a:buNone/>
+              <a:tabLst/>
+              <a:defRPr/>
+            </a:pPr>
+            <a:endParaRPr lang="en-US" altLang="ja-JP" dirty="0" smtClean="0"/>
+          </a:p>
+          <a:p>
+            <a:pPr marL="0" marR="0" indent="0" algn="l" defTabSz="914400" rtl="0" eaLnBrk="1" fontAlgn="auto" latinLnBrk="0" hangingPunct="1">
+              <a:lnSpc>
+                <a:spcPct val="100000"/>
+              </a:lnSpc>
+              <a:spcBef>
+                <a:spcPts val="0"/>
+              </a:spcBef>
+              <a:spcAft>
+                <a:spcPts val="0"/>
+              </a:spcAft>
+              <a:buClrTx/>
+              <a:buSzTx/>
+              <a:buFontTx/>
+              <a:buNone/>
+              <a:tabLst/>
+              <a:defRPr/>
+            </a:pPr>
+            <a:endParaRPr lang="en-US" altLang="ja-JP" dirty="0" smtClean="0"/>
+          </a:p>
+          <a:p>
+            <a:pPr marL="0" marR="0" indent="0" algn="l" defTabSz="914400" rtl="0" eaLnBrk="1" fontAlgn="auto" latinLnBrk="0" hangingPunct="1">
+              <a:lnSpc>
+                <a:spcPct val="100000"/>
+              </a:lnSpc>
+              <a:spcBef>
+                <a:spcPts val="0"/>
+              </a:spcBef>
+              <a:spcAft>
+                <a:spcPts val="0"/>
+              </a:spcAft>
+              <a:buClrTx/>
+              <a:buSzTx/>
+              <a:buFontTx/>
+              <a:buNone/>
+              <a:tabLst/>
+              <a:defRPr/>
+            </a:pPr>
+            <a:r>
+              <a:rPr lang="ja-JP" altLang="en-US" dirty="0" smtClean="0"/>
+              <a:t>今後</a:t>
+            </a:r>
+            <a:r>
+              <a:rPr lang="ja-JP" altLang="en-US" dirty="0" smtClean="0"/>
+              <a:t>の課題と問題点を一緒にしました。印刷後真っ黒になる問題点は口頭で言おうと思います。</a:t>
+            </a:r>
+            <a:endParaRPr lang="en-US" altLang="ja-JP" dirty="0" smtClean="0"/>
+          </a:p>
+          <a:p>
+            <a:pPr marL="0" marR="0" indent="0" algn="l" defTabSz="914400" rtl="0" eaLnBrk="1" fontAlgn="auto" latinLnBrk="0" hangingPunct="1">
+              <a:lnSpc>
+                <a:spcPct val="100000"/>
+              </a:lnSpc>
+              <a:spcBef>
+                <a:spcPts val="0"/>
+              </a:spcBef>
+              <a:spcAft>
+                <a:spcPts val="0"/>
+              </a:spcAft>
+              <a:buClrTx/>
+              <a:buSzTx/>
+              <a:buFontTx/>
+              <a:buNone/>
+              <a:tabLst/>
+              <a:defRPr/>
+            </a:pPr>
+            <a:r>
+              <a:rPr lang="ja-JP" altLang="en-US" dirty="0" smtClean="0"/>
+              <a:t>部屋</a:t>
+            </a:r>
+            <a:r>
+              <a:rPr lang="ja-JP" altLang="en-US" dirty="0" smtClean="0"/>
+              <a:t>の大きさですが、一応升目の数は変更可能にしています。</a:t>
             </a:r>
             <a:endParaRPr lang="en-US" altLang="ja-JP" dirty="0" smtClean="0"/>
           </a:p>
@@ -2492,7 +2841,7 @@
             <a:fld id="{5868A492-7F05-4C7E-A55B-102E0CC77CD9}" type="datetimeFigureOut">
               <a:rPr kumimoji="1" lang="ja-JP" altLang="en-US" smtClean="0"/>
               <a:pPr/>
-              <a:t>2009/6/24</a:t>
+              <a:t>2009/6/25</a:t>
             </a:fld>
             <a:endParaRPr kumimoji="1" lang="ja-JP" altLang="en-US"/>
           </a:p>
@@ -2691,7 +3040,7 @@
             <a:fld id="{5868A492-7F05-4C7E-A55B-102E0CC77CD9}" type="datetimeFigureOut">
               <a:rPr kumimoji="1" lang="ja-JP" altLang="en-US" smtClean="0"/>
               <a:pPr/>
-              <a:t>2009/6/24</a:t>
+              <a:t>2009/6/25</a:t>
             </a:fld>
             <a:endParaRPr kumimoji="1" lang="ja-JP" altLang="en-US"/>
           </a:p>
@@ -2900,7 +3249,7 @@
             <a:fld id="{5868A492-7F05-4C7E-A55B-102E0CC77CD9}" type="datetimeFigureOut">
               <a:rPr kumimoji="1" lang="ja-JP" altLang="en-US" smtClean="0"/>
               <a:pPr/>
-              <a:t>2009/6/24</a:t>
+              <a:t>2009/6/25</a:t>
             </a:fld>
             <a:endParaRPr kumimoji="1" lang="ja-JP" altLang="en-US"/>
           </a:p>
@@ -3099,7 +3448,7 @@
             <a:fld id="{5868A492-7F05-4C7E-A55B-102E0CC77CD9}" type="datetimeFigureOut">
               <a:rPr kumimoji="1" lang="ja-JP" altLang="en-US" smtClean="0"/>
               <a:pPr/>
-              <a:t>2009/6/24</a:t>
+              <a:t>2009/6/25</a:t>
             </a:fld>
             <a:endParaRPr kumimoji="1" lang="ja-JP" altLang="en-US"/>
           </a:p>
@@ -3343,7 +3692,7 @@
             <a:fld id="{5868A492-7F05-4C7E-A55B-102E0CC77CD9}" type="datetimeFigureOut">
               <a:rPr kumimoji="1" lang="ja-JP" altLang="en-US" smtClean="0"/>
               <a:pPr/>
-              <a:t>2009/6/24</a:t>
+              <a:t>2009/6/25</a:t>
             </a:fld>
             <a:endParaRPr kumimoji="1" lang="ja-JP" altLang="en-US"/>
           </a:p>
@@ -3673,7 +4022,7 @@
             <a:fld id="{5868A492-7F05-4C7E-A55B-102E0CC77CD9}" type="datetimeFigureOut">
               <a:rPr kumimoji="1" lang="ja-JP" altLang="en-US" smtClean="0"/>
               <a:pPr/>
-              <a:t>2009/6/24</a:t>
+              <a:t>2009/6/25</a:t>
             </a:fld>
             <a:endParaRPr kumimoji="1" lang="ja-JP" altLang="en-US"/>
           </a:p>
@@ -4117,7 +4466,7 @@
             <a:fld id="{5868A492-7F05-4C7E-A55B-102E0CC77CD9}" type="datetimeFigureOut">
               <a:rPr kumimoji="1" lang="ja-JP" altLang="en-US" smtClean="0"/>
               <a:pPr/>
-              <a:t>2009/6/24</a:t>
+              <a:t>2009/6/25</a:t>
             </a:fld>
             <a:endParaRPr kumimoji="1" lang="ja-JP" altLang="en-US"/>
           </a:p>
@@ -4269,7 +4618,7 @@
             <a:fld id="{5868A492-7F05-4C7E-A55B-102E0CC77CD9}" type="datetimeFigureOut">
               <a:rPr kumimoji="1" lang="ja-JP" altLang="en-US" smtClean="0"/>
               <a:pPr/>
-              <a:t>2009/6/24</a:t>
+              <a:t>2009/6/25</a:t>
             </a:fld>
             <a:endParaRPr kumimoji="1" lang="ja-JP" altLang="en-US"/>
           </a:p>
@@ -4361,7 +4710,7 @@
             <a:fld id="{5868A492-7F05-4C7E-A55B-102E0CC77CD9}" type="datetimeFigureOut">
               <a:rPr kumimoji="1" lang="ja-JP" altLang="en-US" smtClean="0"/>
               <a:pPr/>
-              <a:t>2009/6/24</a:t>
+              <a:t>2009/6/25</a:t>
             </a:fld>
             <a:endParaRPr kumimoji="1" lang="ja-JP" altLang="en-US"/>
           </a:p>
@@ -4656,7 +5005,7 @@
             <a:fld id="{5868A492-7F05-4C7E-A55B-102E0CC77CD9}" type="datetimeFigureOut">
               <a:rPr kumimoji="1" lang="ja-JP" altLang="en-US" smtClean="0"/>
               <a:pPr/>
-              <a:t>2009/6/24</a:t>
+              <a:t>2009/6/25</a:t>
             </a:fld>
             <a:endParaRPr kumimoji="1" lang="ja-JP" altLang="en-US"/>
           </a:p>
@@ -4946,7 +5295,7 @@
             <a:fld id="{5868A492-7F05-4C7E-A55B-102E0CC77CD9}" type="datetimeFigureOut">
               <a:rPr kumimoji="1" lang="ja-JP" altLang="en-US" smtClean="0"/>
               <a:pPr/>
-              <a:t>2009/6/24</a:t>
+              <a:t>2009/6/25</a:t>
             </a:fld>
             <a:endParaRPr kumimoji="1" lang="ja-JP" altLang="en-US"/>
           </a:p>
@@ -5751,7 +6100,7 @@
             <a:fld id="{5868A492-7F05-4C7E-A55B-102E0CC77CD9}" type="datetimeFigureOut">
               <a:rPr kumimoji="1" lang="ja-JP" altLang="en-US" smtClean="0"/>
               <a:pPr/>
-              <a:t>2009/6/24</a:t>
+              <a:t>2009/6/25</a:t>
             </a:fld>
             <a:endParaRPr kumimoji="1" lang="ja-JP" altLang="en-US"/>
           </a:p>
@@ -6442,11 +6791,7 @@
           <a:p>
             <a:r>
               <a:rPr lang="ja-JP" altLang="en-US" dirty="0" smtClean="0"/>
-              <a:t>発表者　Ｂ４　菰口　</a:t>
-            </a:r>
-            <a:r>
-              <a:rPr lang="ja-JP" altLang="en-US" dirty="0" smtClean="0"/>
-              <a:t>将考</a:t>
+              <a:t>発表者　Ｂ４　菰口　将考</a:t>
             </a:r>
             <a:endParaRPr lang="en-US" altLang="ja-JP" dirty="0" smtClean="0"/>
           </a:p>
@@ -6461,15 +6806,7 @@
             </a:r>
             <a:r>
               <a:rPr lang="ja-JP" altLang="en-US" dirty="0" smtClean="0"/>
-              <a:t>２　有安　浩</a:t>
-            </a:r>
-            <a:r>
-              <a:rPr lang="ja-JP" altLang="en-US" dirty="0" smtClean="0"/>
-              <a:t>平</a:t>
-            </a:r>
-            <a:r>
-              <a:rPr lang="ja-JP" altLang="en-US" dirty="0" smtClean="0"/>
-              <a:t>　</a:t>
+              <a:t>２　有安　浩平　</a:t>
             </a:r>
             <a:endParaRPr lang="en-US" altLang="ja-JP" dirty="0" smtClean="0"/>
           </a:p>
@@ -6480,11 +6817,7 @@
             </a:r>
             <a:r>
               <a:rPr lang="ja-JP" altLang="en-US" dirty="0" smtClean="0"/>
-              <a:t>１　畠中　健</a:t>
-            </a:r>
-            <a:r>
-              <a:rPr lang="ja-JP" altLang="en-US" dirty="0" smtClean="0"/>
-              <a:t>志</a:t>
+              <a:t>１　畠中　健志</a:t>
             </a:r>
             <a:endParaRPr lang="en-US" altLang="ja-JP" dirty="0" smtClean="0"/>
           </a:p>
@@ -6569,19 +6902,7 @@
           <a:p>
             <a:r>
               <a:rPr kumimoji="1" lang="ja-JP" altLang="en-US" dirty="0" smtClean="0"/>
-              <a:t>席</a:t>
-            </a:r>
-            <a:r>
-              <a:rPr kumimoji="1" lang="ja-JP" altLang="en-US" dirty="0" smtClean="0"/>
-              <a:t>を変える度</a:t>
-            </a:r>
-            <a:r>
-              <a:rPr kumimoji="1" lang="ja-JP" altLang="en-US" dirty="0" smtClean="0"/>
-              <a:t>に座席表を作る</a:t>
-            </a:r>
-            <a:r>
-              <a:rPr kumimoji="1" lang="ja-JP" altLang="en-US" dirty="0" smtClean="0"/>
-              <a:t>のは面倒</a:t>
+              <a:t>席を変える度に座席表を作るのは面倒</a:t>
             </a:r>
             <a:endParaRPr kumimoji="1" lang="en-US" altLang="ja-JP" dirty="0" smtClean="0"/>
           </a:p>
@@ -6690,11 +7011,7 @@
             </a:r>
             <a:r>
               <a:rPr kumimoji="1" lang="ja-JP" altLang="en-US" dirty="0" smtClean="0"/>
-              <a:t>の</a:t>
-            </a:r>
-            <a:r>
-              <a:rPr kumimoji="1" lang="ja-JP" altLang="en-US" dirty="0" smtClean="0"/>
-              <a:t>座席表の作り方</a:t>
+              <a:t>の座席表の作り方</a:t>
             </a:r>
             <a:endParaRPr kumimoji="1" lang="ja-JP" altLang="en-US" dirty="0"/>
           </a:p>
@@ -6796,15 +7113,7 @@
           <a:p>
             <a:r>
               <a:rPr lang="ja-JP" altLang="en-US" dirty="0" smtClean="0"/>
-              <a:t>学生</a:t>
-            </a:r>
-            <a:r>
-              <a:rPr lang="ja-JP" altLang="en-US" dirty="0" smtClean="0"/>
-              <a:t>名</a:t>
-            </a:r>
-            <a:r>
-              <a:rPr lang="ja-JP" altLang="en-US" dirty="0" smtClean="0"/>
-              <a:t>が机に表示される</a:t>
+              <a:t>学生名が机に表示される</a:t>
             </a:r>
             <a:endParaRPr lang="en-US" altLang="ja-JP" dirty="0" smtClean="0"/>
           </a:p>
@@ -6898,11 +7207,7 @@
           <a:p>
             <a:r>
               <a:rPr kumimoji="1" lang="ja-JP" altLang="en-US" dirty="0" smtClean="0"/>
-              <a:t>机</a:t>
-            </a:r>
-            <a:r>
-              <a:rPr kumimoji="1" lang="ja-JP" altLang="en-US" dirty="0" smtClean="0"/>
-              <a:t>の作成、削除、移動、向き変更、名前の入力</a:t>
+              <a:t>机の作成、削除、移動、向き変更、名前の入力</a:t>
             </a:r>
             <a:endParaRPr kumimoji="1" lang="en-US" altLang="ja-JP" dirty="0" smtClean="0"/>
           </a:p>
@@ -6925,11 +7230,7 @@
           <a:p>
             <a:r>
               <a:rPr kumimoji="1" lang="ja-JP" altLang="en-US" dirty="0" smtClean="0"/>
-              <a:t>データのインポート</a:t>
-            </a:r>
-            <a:r>
-              <a:rPr kumimoji="1" lang="ja-JP" altLang="en-US" dirty="0" smtClean="0"/>
-              <a:t>・エクスポート</a:t>
+              <a:t>データのインポート・エクスポート</a:t>
             </a:r>
             <a:endParaRPr kumimoji="1" lang="en-US" altLang="ja-JP" dirty="0" smtClean="0"/>
           </a:p>
@@ -6942,11 +7243,7 @@
           <a:p>
             <a:r>
               <a:rPr lang="ja-JP" altLang="en-US" dirty="0" smtClean="0"/>
-              <a:t>印刷</a:t>
-            </a:r>
-            <a:r>
-              <a:rPr lang="ja-JP" altLang="en-US" dirty="0" smtClean="0"/>
-              <a:t>機能</a:t>
+              <a:t>印刷機能</a:t>
             </a:r>
             <a:r>
               <a:rPr lang="en-US" altLang="ja-JP" dirty="0" smtClean="0"/>
@@ -6962,7 +7259,6 @@
               <a:rPr lang="ja-JP" altLang="en-US" dirty="0" smtClean="0"/>
               <a:t>警告機能</a:t>
             </a:r>
-            <a:endParaRPr lang="ja-JP" altLang="en-US" dirty="0" smtClean="0"/>
           </a:p>
         </p:txBody>
       </p:sp>
@@ -8498,11 +8794,7 @@
           <a:p>
             <a:r>
               <a:rPr lang="ja-JP" altLang="en-US" dirty="0" smtClean="0"/>
-              <a:t>マウス</a:t>
-            </a:r>
-            <a:r>
-              <a:rPr lang="ja-JP" altLang="en-US" dirty="0" smtClean="0"/>
-              <a:t>での机の移動</a:t>
+              <a:t>マウスでの机の移動</a:t>
             </a:r>
             <a:endParaRPr lang="en-US" altLang="ja-JP" dirty="0" smtClean="0"/>
           </a:p>
@@ -8512,11 +8804,7 @@
           <a:p>
             <a:r>
               <a:rPr lang="ja-JP" altLang="en-US" sz="2400" dirty="0" smtClean="0"/>
-              <a:t>警告や報告が同時に表示</a:t>
-            </a:r>
-            <a:r>
-              <a:rPr lang="ja-JP" altLang="en-US" sz="2400" dirty="0" smtClean="0"/>
-              <a:t>させる</a:t>
+              <a:t>警告や報告が同時に表示させる</a:t>
             </a:r>
             <a:endParaRPr lang="en-US" altLang="ja-JP" sz="2400" dirty="0" smtClean="0"/>
           </a:p>
@@ -8526,11 +8814,7 @@
             </a:pPr>
             <a:r>
               <a:rPr lang="ja-JP" altLang="en-US" sz="2000" dirty="0" smtClean="0"/>
-              <a:t>　　机が重なっている状態で、画面外に移動させようとしたとき</a:t>
-            </a:r>
-            <a:r>
-              <a:rPr lang="ja-JP" altLang="en-US" sz="2000" dirty="0" smtClean="0"/>
-              <a:t>など</a:t>
+              <a:t>　　机が重なっている状態で、画面外に移動させようとしたときなど</a:t>
             </a:r>
             <a:endParaRPr lang="en-US" altLang="ja-JP" sz="2000" dirty="0" smtClean="0"/>
           </a:p>
@@ -8543,11 +8827,7 @@
           <a:p>
             <a:r>
               <a:rPr lang="ja-JP" altLang="en-US" dirty="0" smtClean="0"/>
-              <a:t>机以外</a:t>
-            </a:r>
-            <a:r>
-              <a:rPr lang="ja-JP" altLang="en-US" dirty="0" smtClean="0"/>
-              <a:t>の作成・情報の表示</a:t>
+              <a:t>机以外の作成・情報の表示</a:t>
             </a:r>
             <a:endParaRPr lang="en-US" altLang="ja-JP" dirty="0" smtClean="0"/>
           </a:p>
